--- a/BC2/GroupD_BC2_Presentation.pptx
+++ b/BC2/GroupD_BC2_Presentation.pptx
@@ -4,6 +4,9 @@
   <p:sldMasterIdLst>
     <p:sldMasterId id="2147483792" r:id="rId1"/>
   </p:sldMasterIdLst>
+  <p:notesMasterIdLst>
+    <p:notesMasterId r:id="rId9"/>
+  </p:notesMasterIdLst>
   <p:sldIdLst>
     <p:sldId id="256" r:id="rId2"/>
     <p:sldId id="257" r:id="rId3"/>
@@ -110,7 +113,449 @@
       </a:defRPr>
     </a:lvl9pPr>
   </p:defaultTextStyle>
+  <p:extLst>
+    <p:ext uri="{EFAFB233-063F-42B5-8137-9DF3F51BA10A}">
+      <p15:sldGuideLst xmlns:p15="http://schemas.microsoft.com/office/powerpoint/2012/main"/>
+    </p:ext>
+  </p:extLst>
 </p:presentation>
+</file>
+
+<file path=ppt/notesMasters/notesMaster1.xml><?xml version="1.0" encoding="utf-8"?>
+<p:notesMaster xmlns:a="http://schemas.openxmlformats.org/drawingml/2006/main" xmlns:r="http://schemas.openxmlformats.org/officeDocument/2006/relationships" xmlns:p="http://schemas.openxmlformats.org/presentationml/2006/main">
+  <p:cSld>
+    <p:bg>
+      <p:bgRef idx="1001">
+        <a:schemeClr val="bg1"/>
+      </p:bgRef>
+    </p:bg>
+    <p:spTree>
+      <p:nvGrpSpPr>
+        <p:cNvPr id="1" name=""/>
+        <p:cNvGrpSpPr/>
+        <p:nvPr/>
+      </p:nvGrpSpPr>
+      <p:grpSpPr>
+        <a:xfrm>
+          <a:off x="0" y="0"/>
+          <a:ext cx="0" cy="0"/>
+          <a:chOff x="0" y="0"/>
+          <a:chExt cx="0" cy="0"/>
+        </a:xfrm>
+      </p:grpSpPr>
+      <p:sp>
+        <p:nvSpPr>
+          <p:cNvPr id="2" name="Header Placeholder 1"/>
+          <p:cNvSpPr>
+            <a:spLocks noGrp="1"/>
+          </p:cNvSpPr>
+          <p:nvPr>
+            <p:ph type="hdr" sz="quarter"/>
+          </p:nvPr>
+        </p:nvSpPr>
+        <p:spPr>
+          <a:xfrm>
+            <a:off x="0" y="0"/>
+            <a:ext cx="2971800" cy="458788"/>
+          </a:xfrm>
+          <a:prstGeom prst="rect">
+            <a:avLst/>
+          </a:prstGeom>
+        </p:spPr>
+        <p:txBody>
+          <a:bodyPr vert="horz" lIns="91440" tIns="45720" rIns="91440" bIns="45720" rtlCol="0"/>
+          <a:lstStyle>
+            <a:lvl1pPr algn="l">
+              <a:defRPr sz="1200"/>
+            </a:lvl1pPr>
+          </a:lstStyle>
+          <a:p>
+            <a:endParaRPr lang="en-GB"/>
+          </a:p>
+        </p:txBody>
+      </p:sp>
+      <p:sp>
+        <p:nvSpPr>
+          <p:cNvPr id="3" name="Date Placeholder 2"/>
+          <p:cNvSpPr>
+            <a:spLocks noGrp="1"/>
+          </p:cNvSpPr>
+          <p:nvPr>
+            <p:ph type="dt" idx="1"/>
+          </p:nvPr>
+        </p:nvSpPr>
+        <p:spPr>
+          <a:xfrm>
+            <a:off x="3884613" y="0"/>
+            <a:ext cx="2971800" cy="458788"/>
+          </a:xfrm>
+          <a:prstGeom prst="rect">
+            <a:avLst/>
+          </a:prstGeom>
+        </p:spPr>
+        <p:txBody>
+          <a:bodyPr vert="horz" lIns="91440" tIns="45720" rIns="91440" bIns="45720" rtlCol="0"/>
+          <a:lstStyle>
+            <a:lvl1pPr algn="r">
+              <a:defRPr sz="1200"/>
+            </a:lvl1pPr>
+          </a:lstStyle>
+          <a:p>
+            <a:fld id="{CF526EAB-B917-4617-B7DA-C06F4166FDA5}" type="datetimeFigureOut">
+              <a:rPr lang="en-GB" smtClean="0"/>
+              <a:t>10/03/2021</a:t>
+            </a:fld>
+            <a:endParaRPr lang="en-GB"/>
+          </a:p>
+        </p:txBody>
+      </p:sp>
+      <p:sp>
+        <p:nvSpPr>
+          <p:cNvPr id="4" name="Slide Image Placeholder 3"/>
+          <p:cNvSpPr>
+            <a:spLocks noGrp="1" noRot="1" noChangeAspect="1"/>
+          </p:cNvSpPr>
+          <p:nvPr>
+            <p:ph type="sldImg" idx="2"/>
+          </p:nvPr>
+        </p:nvSpPr>
+        <p:spPr>
+          <a:xfrm>
+            <a:off x="685800" y="1143000"/>
+            <a:ext cx="5486400" cy="3086100"/>
+          </a:xfrm>
+          <a:prstGeom prst="rect">
+            <a:avLst/>
+          </a:prstGeom>
+          <a:noFill/>
+          <a:ln w="12700">
+            <a:solidFill>
+              <a:prstClr val="black"/>
+            </a:solidFill>
+          </a:ln>
+        </p:spPr>
+        <p:txBody>
+          <a:bodyPr vert="horz" lIns="91440" tIns="45720" rIns="91440" bIns="45720" rtlCol="0" anchor="ctr"/>
+          <a:lstStyle/>
+          <a:p>
+            <a:endParaRPr lang="en-GB"/>
+          </a:p>
+        </p:txBody>
+      </p:sp>
+      <p:sp>
+        <p:nvSpPr>
+          <p:cNvPr id="5" name="Notes Placeholder 4"/>
+          <p:cNvSpPr>
+            <a:spLocks noGrp="1"/>
+          </p:cNvSpPr>
+          <p:nvPr>
+            <p:ph type="body" sz="quarter" idx="3"/>
+          </p:nvPr>
+        </p:nvSpPr>
+        <p:spPr>
+          <a:xfrm>
+            <a:off x="685800" y="4400550"/>
+            <a:ext cx="5486400" cy="3600450"/>
+          </a:xfrm>
+          <a:prstGeom prst="rect">
+            <a:avLst/>
+          </a:prstGeom>
+        </p:spPr>
+        <p:txBody>
+          <a:bodyPr vert="horz" lIns="91440" tIns="45720" rIns="91440" bIns="45720" rtlCol="0"/>
+          <a:lstStyle/>
+          <a:p>
+            <a:pPr lvl="0"/>
+            <a:r>
+              <a:rPr lang="en-US"/>
+              <a:t>Click to edit Master text styles</a:t>
+            </a:r>
+          </a:p>
+          <a:p>
+            <a:pPr lvl="1"/>
+            <a:r>
+              <a:rPr lang="en-US"/>
+              <a:t>Second level</a:t>
+            </a:r>
+          </a:p>
+          <a:p>
+            <a:pPr lvl="2"/>
+            <a:r>
+              <a:rPr lang="en-US"/>
+              <a:t>Third level</a:t>
+            </a:r>
+          </a:p>
+          <a:p>
+            <a:pPr lvl="3"/>
+            <a:r>
+              <a:rPr lang="en-US"/>
+              <a:t>Fourth level</a:t>
+            </a:r>
+          </a:p>
+          <a:p>
+            <a:pPr lvl="4"/>
+            <a:r>
+              <a:rPr lang="en-US"/>
+              <a:t>Fifth level</a:t>
+            </a:r>
+            <a:endParaRPr lang="en-GB"/>
+          </a:p>
+        </p:txBody>
+      </p:sp>
+      <p:sp>
+        <p:nvSpPr>
+          <p:cNvPr id="6" name="Footer Placeholder 5"/>
+          <p:cNvSpPr>
+            <a:spLocks noGrp="1"/>
+          </p:cNvSpPr>
+          <p:nvPr>
+            <p:ph type="ftr" sz="quarter" idx="4"/>
+          </p:nvPr>
+        </p:nvSpPr>
+        <p:spPr>
+          <a:xfrm>
+            <a:off x="0" y="8685213"/>
+            <a:ext cx="2971800" cy="458787"/>
+          </a:xfrm>
+          <a:prstGeom prst="rect">
+            <a:avLst/>
+          </a:prstGeom>
+        </p:spPr>
+        <p:txBody>
+          <a:bodyPr vert="horz" lIns="91440" tIns="45720" rIns="91440" bIns="45720" rtlCol="0" anchor="b"/>
+          <a:lstStyle>
+            <a:lvl1pPr algn="l">
+              <a:defRPr sz="1200"/>
+            </a:lvl1pPr>
+          </a:lstStyle>
+          <a:p>
+            <a:endParaRPr lang="en-GB"/>
+          </a:p>
+        </p:txBody>
+      </p:sp>
+      <p:sp>
+        <p:nvSpPr>
+          <p:cNvPr id="7" name="Slide Number Placeholder 6"/>
+          <p:cNvSpPr>
+            <a:spLocks noGrp="1"/>
+          </p:cNvSpPr>
+          <p:nvPr>
+            <p:ph type="sldNum" sz="quarter" idx="5"/>
+          </p:nvPr>
+        </p:nvSpPr>
+        <p:spPr>
+          <a:xfrm>
+            <a:off x="3884613" y="8685213"/>
+            <a:ext cx="2971800" cy="458787"/>
+          </a:xfrm>
+          <a:prstGeom prst="rect">
+            <a:avLst/>
+          </a:prstGeom>
+        </p:spPr>
+        <p:txBody>
+          <a:bodyPr vert="horz" lIns="91440" tIns="45720" rIns="91440" bIns="45720" rtlCol="0" anchor="b"/>
+          <a:lstStyle>
+            <a:lvl1pPr algn="r">
+              <a:defRPr sz="1200"/>
+            </a:lvl1pPr>
+          </a:lstStyle>
+          <a:p>
+            <a:fld id="{EF5D120B-6753-4D7A-A43B-B0C1D8D42D6B}" type="slidenum">
+              <a:rPr lang="en-GB" smtClean="0"/>
+              <a:t>‹#›</a:t>
+            </a:fld>
+            <a:endParaRPr lang="en-GB"/>
+          </a:p>
+        </p:txBody>
+      </p:sp>
+    </p:spTree>
+    <p:extLst>
+      <p:ext uri="{BB962C8B-B14F-4D97-AF65-F5344CB8AC3E}">
+        <p14:creationId xmlns:p14="http://schemas.microsoft.com/office/powerpoint/2010/main" val="1247285440"/>
+      </p:ext>
+    </p:extLst>
+  </p:cSld>
+  <p:clrMap bg1="lt1" tx1="dk1" bg2="lt2" tx2="dk2" accent1="accent1" accent2="accent2" accent3="accent3" accent4="accent4" accent5="accent5" accent6="accent6" hlink="hlink" folHlink="folHlink"/>
+  <p:notesStyle>
+    <a:lvl1pPr marL="0" algn="l" defTabSz="914400" rtl="0" eaLnBrk="1" latinLnBrk="0" hangingPunct="1">
+      <a:defRPr sz="1200" kern="1200">
+        <a:solidFill>
+          <a:schemeClr val="tx1"/>
+        </a:solidFill>
+        <a:latin typeface="+mn-lt"/>
+        <a:ea typeface="+mn-ea"/>
+        <a:cs typeface="+mn-cs"/>
+      </a:defRPr>
+    </a:lvl1pPr>
+    <a:lvl2pPr marL="457200" algn="l" defTabSz="914400" rtl="0" eaLnBrk="1" latinLnBrk="0" hangingPunct="1">
+      <a:defRPr sz="1200" kern="1200">
+        <a:solidFill>
+          <a:schemeClr val="tx1"/>
+        </a:solidFill>
+        <a:latin typeface="+mn-lt"/>
+        <a:ea typeface="+mn-ea"/>
+        <a:cs typeface="+mn-cs"/>
+      </a:defRPr>
+    </a:lvl2pPr>
+    <a:lvl3pPr marL="914400" algn="l" defTabSz="914400" rtl="0" eaLnBrk="1" latinLnBrk="0" hangingPunct="1">
+      <a:defRPr sz="1200" kern="1200">
+        <a:solidFill>
+          <a:schemeClr val="tx1"/>
+        </a:solidFill>
+        <a:latin typeface="+mn-lt"/>
+        <a:ea typeface="+mn-ea"/>
+        <a:cs typeface="+mn-cs"/>
+      </a:defRPr>
+    </a:lvl3pPr>
+    <a:lvl4pPr marL="1371600" algn="l" defTabSz="914400" rtl="0" eaLnBrk="1" latinLnBrk="0" hangingPunct="1">
+      <a:defRPr sz="1200" kern="1200">
+        <a:solidFill>
+          <a:schemeClr val="tx1"/>
+        </a:solidFill>
+        <a:latin typeface="+mn-lt"/>
+        <a:ea typeface="+mn-ea"/>
+        <a:cs typeface="+mn-cs"/>
+      </a:defRPr>
+    </a:lvl4pPr>
+    <a:lvl5pPr marL="1828800" algn="l" defTabSz="914400" rtl="0" eaLnBrk="1" latinLnBrk="0" hangingPunct="1">
+      <a:defRPr sz="1200" kern="1200">
+        <a:solidFill>
+          <a:schemeClr val="tx1"/>
+        </a:solidFill>
+        <a:latin typeface="+mn-lt"/>
+        <a:ea typeface="+mn-ea"/>
+        <a:cs typeface="+mn-cs"/>
+      </a:defRPr>
+    </a:lvl5pPr>
+    <a:lvl6pPr marL="2286000" algn="l" defTabSz="914400" rtl="0" eaLnBrk="1" latinLnBrk="0" hangingPunct="1">
+      <a:defRPr sz="1200" kern="1200">
+        <a:solidFill>
+          <a:schemeClr val="tx1"/>
+        </a:solidFill>
+        <a:latin typeface="+mn-lt"/>
+        <a:ea typeface="+mn-ea"/>
+        <a:cs typeface="+mn-cs"/>
+      </a:defRPr>
+    </a:lvl6pPr>
+    <a:lvl7pPr marL="2743200" algn="l" defTabSz="914400" rtl="0" eaLnBrk="1" latinLnBrk="0" hangingPunct="1">
+      <a:defRPr sz="1200" kern="1200">
+        <a:solidFill>
+          <a:schemeClr val="tx1"/>
+        </a:solidFill>
+        <a:latin typeface="+mn-lt"/>
+        <a:ea typeface="+mn-ea"/>
+        <a:cs typeface="+mn-cs"/>
+      </a:defRPr>
+    </a:lvl7pPr>
+    <a:lvl8pPr marL="3200400" algn="l" defTabSz="914400" rtl="0" eaLnBrk="1" latinLnBrk="0" hangingPunct="1">
+      <a:defRPr sz="1200" kern="1200">
+        <a:solidFill>
+          <a:schemeClr val="tx1"/>
+        </a:solidFill>
+        <a:latin typeface="+mn-lt"/>
+        <a:ea typeface="+mn-ea"/>
+        <a:cs typeface="+mn-cs"/>
+      </a:defRPr>
+    </a:lvl8pPr>
+    <a:lvl9pPr marL="3657600" algn="l" defTabSz="914400" rtl="0" eaLnBrk="1" latinLnBrk="0" hangingPunct="1">
+      <a:defRPr sz="1200" kern="1200">
+        <a:solidFill>
+          <a:schemeClr val="tx1"/>
+        </a:solidFill>
+        <a:latin typeface="+mn-lt"/>
+        <a:ea typeface="+mn-ea"/>
+        <a:cs typeface="+mn-cs"/>
+      </a:defRPr>
+    </a:lvl9pPr>
+  </p:notesStyle>
+</p:notesMaster>
+</file>
+
+<file path=ppt/notesSlides/notesSlide1.xml><?xml version="1.0" encoding="utf-8"?>
+<p:notes xmlns:a="http://schemas.openxmlformats.org/drawingml/2006/main" xmlns:r="http://schemas.openxmlformats.org/officeDocument/2006/relationships" xmlns:p="http://schemas.openxmlformats.org/presentationml/2006/main">
+  <p:cSld>
+    <p:spTree>
+      <p:nvGrpSpPr>
+        <p:cNvPr id="1" name=""/>
+        <p:cNvGrpSpPr/>
+        <p:nvPr/>
+      </p:nvGrpSpPr>
+      <p:grpSpPr>
+        <a:xfrm>
+          <a:off x="0" y="0"/>
+          <a:ext cx="0" cy="0"/>
+          <a:chOff x="0" y="0"/>
+          <a:chExt cx="0" cy="0"/>
+        </a:xfrm>
+      </p:grpSpPr>
+      <p:sp>
+        <p:nvSpPr>
+          <p:cNvPr id="2" name="Slide Image Placeholder 1"/>
+          <p:cNvSpPr>
+            <a:spLocks noGrp="1" noRot="1" noChangeAspect="1"/>
+          </p:cNvSpPr>
+          <p:nvPr>
+            <p:ph type="sldImg"/>
+          </p:nvPr>
+        </p:nvSpPr>
+        <p:spPr/>
+      </p:sp>
+      <p:sp>
+        <p:nvSpPr>
+          <p:cNvPr id="3" name="Notes Placeholder 2"/>
+          <p:cNvSpPr>
+            <a:spLocks noGrp="1"/>
+          </p:cNvSpPr>
+          <p:nvPr>
+            <p:ph type="body" idx="1"/>
+          </p:nvPr>
+        </p:nvSpPr>
+        <p:spPr/>
+        <p:txBody>
+          <a:bodyPr/>
+          <a:lstStyle/>
+          <a:p>
+            <a:r>
+              <a:rPr lang="en-GB" dirty="0"/>
+              <a:t>Our analysis will focus on Lisbon’s resort since that was the data provided</a:t>
+            </a:r>
+          </a:p>
+        </p:txBody>
+      </p:sp>
+      <p:sp>
+        <p:nvSpPr>
+          <p:cNvPr id="4" name="Slide Number Placeholder 3"/>
+          <p:cNvSpPr>
+            <a:spLocks noGrp="1"/>
+          </p:cNvSpPr>
+          <p:nvPr>
+            <p:ph type="sldNum" sz="quarter" idx="5"/>
+          </p:nvPr>
+        </p:nvSpPr>
+        <p:spPr/>
+        <p:txBody>
+          <a:bodyPr/>
+          <a:lstStyle/>
+          <a:p>
+            <a:fld id="{EF5D120B-6753-4D7A-A43B-B0C1D8D42D6B}" type="slidenum">
+              <a:rPr lang="en-GB" smtClean="0"/>
+              <a:t>2</a:t>
+            </a:fld>
+            <a:endParaRPr lang="en-GB"/>
+          </a:p>
+        </p:txBody>
+      </p:sp>
+    </p:spTree>
+    <p:extLst>
+      <p:ext uri="{BB962C8B-B14F-4D97-AF65-F5344CB8AC3E}">
+        <p14:creationId xmlns:p14="http://schemas.microsoft.com/office/powerpoint/2010/main" val="3370378036"/>
+      </p:ext>
+    </p:extLst>
+  </p:cSld>
+  <p:clrMapOvr>
+    <a:masterClrMapping/>
+  </p:clrMapOvr>
+</p:notes>
 </file>
 
 <file path=ppt/slideLayouts/slideLayout1.xml><?xml version="1.0" encoding="utf-8"?>
@@ -265,7 +710,7 @@
           <a:p>
             <a:fld id="{AC012AA7-0247-432D-BF0F-48D9C3C58E37}" type="datetimeFigureOut">
               <a:rPr lang="en-GB" smtClean="0"/>
-              <a:t>09/03/2021</a:t>
+              <a:t>10/03/2021</a:t>
             </a:fld>
             <a:endParaRPr lang="en-GB"/>
           </a:p>
@@ -508,7 +953,7 @@
           <a:p>
             <a:fld id="{AC012AA7-0247-432D-BF0F-48D9C3C58E37}" type="datetimeFigureOut">
               <a:rPr lang="en-GB" smtClean="0"/>
-              <a:t>09/03/2021</a:t>
+              <a:t>10/03/2021</a:t>
             </a:fld>
             <a:endParaRPr lang="en-GB"/>
           </a:p>
@@ -688,7 +1133,7 @@
           <a:p>
             <a:fld id="{AC012AA7-0247-432D-BF0F-48D9C3C58E37}" type="datetimeFigureOut">
               <a:rPr lang="en-GB" smtClean="0"/>
-              <a:t>09/03/2021</a:t>
+              <a:t>10/03/2021</a:t>
             </a:fld>
             <a:endParaRPr lang="en-GB"/>
           </a:p>
@@ -893,7 +1338,7 @@
           <a:p>
             <a:fld id="{AC012AA7-0247-432D-BF0F-48D9C3C58E37}" type="datetimeFigureOut">
               <a:rPr lang="en-GB" smtClean="0"/>
-              <a:t>09/03/2021</a:t>
+              <a:t>10/03/2021</a:t>
             </a:fld>
             <a:endParaRPr lang="en-GB"/>
           </a:p>
@@ -1150,7 +1595,7 @@
           <a:p>
             <a:fld id="{AC012AA7-0247-432D-BF0F-48D9C3C58E37}" type="datetimeFigureOut">
               <a:rPr lang="en-GB" smtClean="0"/>
-              <a:t>09/03/2021</a:t>
+              <a:t>10/03/2021</a:t>
             </a:fld>
             <a:endParaRPr lang="en-GB"/>
           </a:p>
@@ -1497,7 +1942,7 @@
           <a:p>
             <a:fld id="{AC012AA7-0247-432D-BF0F-48D9C3C58E37}" type="datetimeFigureOut">
               <a:rPr lang="en-GB" smtClean="0"/>
-              <a:t>09/03/2021</a:t>
+              <a:t>10/03/2021</a:t>
             </a:fld>
             <a:endParaRPr lang="en-GB"/>
           </a:p>
@@ -1899,7 +2344,7 @@
           <a:p>
             <a:fld id="{AC012AA7-0247-432D-BF0F-48D9C3C58E37}" type="datetimeFigureOut">
               <a:rPr lang="en-GB" smtClean="0"/>
-              <a:t>09/03/2021</a:t>
+              <a:t>10/03/2021</a:t>
             </a:fld>
             <a:endParaRPr lang="en-GB"/>
           </a:p>
@@ -2017,7 +2462,7 @@
           <a:p>
             <a:fld id="{AC012AA7-0247-432D-BF0F-48D9C3C58E37}" type="datetimeFigureOut">
               <a:rPr lang="en-GB" smtClean="0"/>
-              <a:t>09/03/2021</a:t>
+              <a:t>10/03/2021</a:t>
             </a:fld>
             <a:endParaRPr lang="en-GB"/>
           </a:p>
@@ -2112,7 +2557,7 @@
           <a:p>
             <a:fld id="{AC012AA7-0247-432D-BF0F-48D9C3C58E37}" type="datetimeFigureOut">
               <a:rPr lang="en-GB" smtClean="0"/>
-              <a:t>09/03/2021</a:t>
+              <a:t>10/03/2021</a:t>
             </a:fld>
             <a:endParaRPr lang="en-GB"/>
           </a:p>
@@ -2402,7 +2847,7 @@
           <a:p>
             <a:fld id="{AC012AA7-0247-432D-BF0F-48D9C3C58E37}" type="datetimeFigureOut">
               <a:rPr lang="en-GB" smtClean="0"/>
-              <a:t>09/03/2021</a:t>
+              <a:t>10/03/2021</a:t>
             </a:fld>
             <a:endParaRPr lang="en-GB"/>
           </a:p>
@@ -2682,7 +3127,7 @@
           <a:p>
             <a:fld id="{AC012AA7-0247-432D-BF0F-48D9C3C58E37}" type="datetimeFigureOut">
               <a:rPr lang="en-GB" smtClean="0"/>
-              <a:t>09/03/2021</a:t>
+              <a:t>10/03/2021</a:t>
             </a:fld>
             <a:endParaRPr lang="en-GB"/>
           </a:p>
@@ -2932,7 +3377,7 @@
           <a:p>
             <a:fld id="{AC012AA7-0247-432D-BF0F-48D9C3C58E37}" type="datetimeFigureOut">
               <a:rPr lang="en-GB" smtClean="0"/>
-              <a:t>09/03/2021</a:t>
+              <a:t>10/03/2021</a:t>
             </a:fld>
             <a:endParaRPr lang="en-GB"/>
           </a:p>
@@ -3869,6 +4314,58 @@
       </p:grpSpPr>
       <p:sp>
         <p:nvSpPr>
+          <p:cNvPr id="6" name="Oval 5">
+            <a:extLst>
+              <a:ext uri="{FF2B5EF4-FFF2-40B4-BE49-F238E27FC236}">
+                <a16:creationId xmlns:a16="http://schemas.microsoft.com/office/drawing/2014/main" id="{3289768C-FDBB-40BC-885C-50AFF8E80B30}"/>
+              </a:ext>
+            </a:extLst>
+          </p:cNvPr>
+          <p:cNvSpPr/>
+          <p:nvPr/>
+        </p:nvSpPr>
+        <p:spPr>
+          <a:xfrm>
+            <a:off x="4257121" y="1785544"/>
+            <a:ext cx="7274478" cy="4627955"/>
+          </a:xfrm>
+          <a:prstGeom prst="ellipse">
+            <a:avLst/>
+          </a:prstGeom>
+          <a:solidFill>
+            <a:schemeClr val="accent1">
+              <a:lumMod val="75000"/>
+            </a:schemeClr>
+          </a:solidFill>
+          <a:ln/>
+        </p:spPr>
+        <p:style>
+          <a:lnRef idx="2">
+            <a:schemeClr val="accent1">
+              <a:shade val="50000"/>
+            </a:schemeClr>
+          </a:lnRef>
+          <a:fillRef idx="1">
+            <a:schemeClr val="accent1"/>
+          </a:fillRef>
+          <a:effectRef idx="0">
+            <a:schemeClr val="accent1"/>
+          </a:effectRef>
+          <a:fontRef idx="minor">
+            <a:schemeClr val="lt1"/>
+          </a:fontRef>
+        </p:style>
+        <p:txBody>
+          <a:bodyPr rtlCol="0" anchor="ctr"/>
+          <a:lstStyle/>
+          <a:p>
+            <a:pPr algn="ctr"/>
+            <a:endParaRPr lang="en-GB"/>
+          </a:p>
+        </p:txBody>
+      </p:sp>
+      <p:sp>
+        <p:nvSpPr>
           <p:cNvPr id="2" name="Title 1">
             <a:extLst>
               <a:ext uri="{FF2B5EF4-FFF2-40B4-BE49-F238E27FC236}">
@@ -3911,12 +4408,41 @@
             <p:ph sz="half" idx="1"/>
           </p:nvPr>
         </p:nvSpPr>
-        <p:spPr/>
-        <p:txBody>
-          <a:bodyPr/>
+        <p:spPr>
+          <a:xfrm>
+            <a:off x="789604" y="2002757"/>
+            <a:ext cx="1899269" cy="458020"/>
+          </a:xfrm>
+        </p:spPr>
+        <p:txBody>
+          <a:bodyPr>
+            <a:normAutofit/>
+          </a:bodyPr>
           <a:lstStyle/>
           <a:p>
-            <a:endParaRPr lang="en-GB"/>
+            <a:pPr algn="ctr"/>
+            <a:r>
+              <a:rPr lang="en-GB" dirty="0">
+                <a:ln>
+                  <a:solidFill>
+                    <a:schemeClr val="accent2">
+                      <a:lumMod val="75000"/>
+                    </a:schemeClr>
+                  </a:solidFill>
+                </a:ln>
+                <a:solidFill>
+                  <a:schemeClr val="accent2">
+                    <a:lumMod val="60000"/>
+                    <a:lumOff val="40000"/>
+                  </a:schemeClr>
+                </a:solidFill>
+              </a:rPr>
+              <a:t>Hotel chain C</a:t>
+            </a:r>
+            <a:endParaRPr lang="en-GB" dirty="0"/>
+          </a:p>
+          <a:p>
+            <a:endParaRPr lang="en-GB" dirty="0"/>
           </a:p>
         </p:txBody>
       </p:sp>
@@ -3936,12 +4462,113 @@
             <p:ph sz="half" idx="2"/>
           </p:nvPr>
         </p:nvSpPr>
-        <p:spPr/>
-        <p:txBody>
-          <a:bodyPr/>
+        <p:spPr>
+          <a:xfrm>
+            <a:off x="5477577" y="2472096"/>
+            <a:ext cx="5134254" cy="3112622"/>
+          </a:xfrm>
+        </p:spPr>
+        <p:txBody>
+          <a:bodyPr>
+            <a:normAutofit/>
+          </a:bodyPr>
           <a:lstStyle/>
           <a:p>
-            <a:endParaRPr lang="en-GB"/>
+            <a:pPr marL="0" lvl="0" indent="0">
+              <a:buNone/>
+            </a:pPr>
+            <a:r>
+              <a:rPr lang="en-US" sz="3200" dirty="0">
+                <a:solidFill>
+                  <a:schemeClr val="accent2">
+                    <a:lumMod val="75000"/>
+                  </a:schemeClr>
+                </a:solidFill>
+              </a:rPr>
+              <a:t>Business Goals</a:t>
+            </a:r>
+            <a:endParaRPr lang="en-US" dirty="0">
+              <a:solidFill>
+                <a:schemeClr val="accent2">
+                  <a:lumMod val="75000"/>
+                </a:schemeClr>
+              </a:solidFill>
+            </a:endParaRPr>
+          </a:p>
+          <a:p>
+            <a:pPr lvl="0">
+              <a:buBlip>
+                <a:blip r:embed="rId3">
+                  <a:extLst>
+                    <a:ext uri="{96DAC541-7B7A-43D3-8B79-37D633B846F1}">
+                      <asvg:svgBlip xmlns:asvg="http://schemas.microsoft.com/office/drawing/2016/SVG/main" r:embed="rId4"/>
+                    </a:ext>
+                  </a:extLst>
+                </a:blip>
+              </a:buBlip>
+            </a:pPr>
+            <a:r>
+              <a:rPr lang="en-US" dirty="0"/>
+              <a:t>Implement better price and overbooking policies.</a:t>
+            </a:r>
+            <a:endParaRPr lang="en-GB" dirty="0"/>
+          </a:p>
+          <a:p>
+            <a:pPr lvl="0">
+              <a:buBlip>
+                <a:blip r:embed="rId3">
+                  <a:extLst>
+                    <a:ext uri="{96DAC541-7B7A-43D3-8B79-37D633B846F1}">
+                      <asvg:svgBlip xmlns:asvg="http://schemas.microsoft.com/office/drawing/2016/SVG/main" r:embed="rId4"/>
+                    </a:ext>
+                  </a:extLst>
+                </a:blip>
+              </a:buBlip>
+            </a:pPr>
+            <a:r>
+              <a:rPr lang="en-US" dirty="0"/>
+              <a:t>Identify high cancellation likelihood bookings.</a:t>
+            </a:r>
+            <a:endParaRPr lang="en-GB" dirty="0"/>
+          </a:p>
+          <a:p>
+            <a:pPr lvl="0">
+              <a:buBlip>
+                <a:blip r:embed="rId3">
+                  <a:extLst>
+                    <a:ext uri="{96DAC541-7B7A-43D3-8B79-37D633B846F1}">
+                      <asvg:svgBlip xmlns:asvg="http://schemas.microsoft.com/office/drawing/2016/SVG/main" r:embed="rId4"/>
+                    </a:ext>
+                  </a:extLst>
+                </a:blip>
+              </a:buBlip>
+            </a:pPr>
+            <a:r>
+              <a:rPr lang="en-US" dirty="0"/>
+              <a:t>Implement actions to prevent cancellation.</a:t>
+            </a:r>
+            <a:endParaRPr lang="en-GB" dirty="0"/>
+          </a:p>
+          <a:p>
+            <a:pPr lvl="0">
+              <a:buBlip>
+                <a:blip r:embed="rId3">
+                  <a:extLst>
+                    <a:ext uri="{96DAC541-7B7A-43D3-8B79-37D633B846F1}">
+                      <asvg:svgBlip xmlns:asvg="http://schemas.microsoft.com/office/drawing/2016/SVG/main" r:embed="rId4"/>
+                    </a:ext>
+                  </a:extLst>
+                </a:blip>
+              </a:buBlip>
+            </a:pPr>
+            <a:r>
+              <a:rPr lang="en-US" dirty="0"/>
+              <a:t>Reduce the cancellations to a rate of 20%. </a:t>
+            </a:r>
+            <a:endParaRPr lang="en-GB" dirty="0"/>
+          </a:p>
+          <a:p>
+            <a:endParaRPr lang="en-GB" dirty="0"/>
           </a:p>
         </p:txBody>
       </p:sp>
@@ -3960,7 +4587,7 @@
           <p:nvPr/>
         </p:nvPicPr>
         <p:blipFill>
-          <a:blip r:embed="rId2">
+          <a:blip r:embed="rId5">
             <a:duotone>
               <a:schemeClr val="accent1">
                 <a:shade val="45000"/>
@@ -3971,7 +4598,7 @@
             <a:extLst>
               <a:ext uri="{BEBA8EAE-BF5A-486C-A8C5-ECC9F3942E4B}">
                 <a14:imgProps xmlns:a14="http://schemas.microsoft.com/office/drawing/2010/main">
-                  <a14:imgLayer r:embed="rId3">
+                  <a14:imgLayer r:embed="rId6">
                     <a14:imgEffect>
                       <a14:backgroundRemoval t="6180" b="94944" l="3604" r="94895">
                         <a14:foregroundMark x1="49850" y1="7865" x2="49850" y2="7865"/>
@@ -4182,7 +4809,7 @@
         </p:nvSpPr>
         <p:spPr>
           <a:xfrm>
-            <a:off x="7712765" y="585216"/>
+            <a:off x="9225170" y="134695"/>
             <a:ext cx="2809461" cy="1200329"/>
           </a:xfrm>
           <a:prstGeom prst="rect">
@@ -4296,6 +4923,365 @@
               </a:rPr>
               <a:t>overview do business</a:t>
             </a:r>
+          </a:p>
+        </p:txBody>
+      </p:sp>
+      <p:grpSp>
+        <p:nvGrpSpPr>
+          <p:cNvPr id="14" name="Group 13">
+            <a:extLst>
+              <a:ext uri="{FF2B5EF4-FFF2-40B4-BE49-F238E27FC236}">
+                <a16:creationId xmlns:a16="http://schemas.microsoft.com/office/drawing/2014/main" id="{BAD08A16-65FA-41E6-B9F4-82566040A64F}"/>
+              </a:ext>
+            </a:extLst>
+          </p:cNvPr>
+          <p:cNvGrpSpPr/>
+          <p:nvPr/>
+        </p:nvGrpSpPr>
+        <p:grpSpPr>
+          <a:xfrm>
+            <a:off x="900266" y="2542852"/>
+            <a:ext cx="1539016" cy="3112622"/>
+            <a:chOff x="900266" y="2542852"/>
+            <a:chExt cx="1539016" cy="3112622"/>
+          </a:xfrm>
+        </p:grpSpPr>
+        <p:grpSp>
+          <p:nvGrpSpPr>
+            <p:cNvPr id="10" name="Group 9">
+              <a:extLst>
+                <a:ext uri="{FF2B5EF4-FFF2-40B4-BE49-F238E27FC236}">
+                  <a16:creationId xmlns:a16="http://schemas.microsoft.com/office/drawing/2014/main" id="{5B27057F-2D52-4A2A-86E2-EA92B266A66A}"/>
+                </a:ext>
+              </a:extLst>
+            </p:cNvPr>
+            <p:cNvGrpSpPr/>
+            <p:nvPr/>
+          </p:nvGrpSpPr>
+          <p:grpSpPr>
+            <a:xfrm>
+              <a:off x="900266" y="2542852"/>
+              <a:ext cx="1539016" cy="3112622"/>
+              <a:chOff x="4556984" y="2418111"/>
+              <a:chExt cx="1539016" cy="3112622"/>
+            </a:xfrm>
+          </p:grpSpPr>
+          <p:pic>
+            <p:nvPicPr>
+              <p:cNvPr id="1026" name="Picture 2" descr="Map portugal Royalty Free Vector Image - VectorStock">
+                <a:extLst>
+                  <a:ext uri="{FF2B5EF4-FFF2-40B4-BE49-F238E27FC236}">
+                    <a16:creationId xmlns:a16="http://schemas.microsoft.com/office/drawing/2014/main" id="{5BC03B4A-EFFF-4DB4-A654-705F9DD9A6A3}"/>
+                  </a:ext>
+                </a:extLst>
+              </p:cNvPr>
+              <p:cNvPicPr>
+                <a:picLocks noChangeAspect="1" noChangeArrowheads="1"/>
+              </p:cNvPicPr>
+              <p:nvPr/>
+            </p:nvPicPr>
+            <p:blipFill rotWithShape="1">
+              <a:blip r:embed="rId7">
+                <a:duotone>
+                  <a:schemeClr val="accent2">
+                    <a:shade val="45000"/>
+                    <a:satMod val="135000"/>
+                  </a:schemeClr>
+                  <a:prstClr val="white"/>
+                </a:duotone>
+                <a:extLst>
+                  <a:ext uri="{BEBA8EAE-BF5A-486C-A8C5-ECC9F3942E4B}">
+                    <a14:imgProps xmlns:a14="http://schemas.microsoft.com/office/drawing/2010/main">
+                      <a14:imgLayer r:embed="rId8">
+                        <a14:imgEffect>
+                          <a14:backgroundRemoval t="2778" b="91019" l="15857" r="79429">
+                            <a14:foregroundMark x1="22714" y1="60556" x2="22714" y2="60556"/>
+                            <a14:foregroundMark x1="16857" y1="60463" x2="16857" y2="60463"/>
+                            <a14:foregroundMark x1="53286" y1="86389" x2="53286" y2="86389"/>
+                            <a14:foregroundMark x1="47714" y1="90093" x2="47714" y2="90093"/>
+                            <a14:foregroundMark x1="28000" y1="90648" x2="28000" y2="90648"/>
+                            <a14:foregroundMark x1="49429" y1="90926" x2="49429" y2="90926"/>
+                            <a14:foregroundMark x1="28000" y1="91019" x2="28000" y2="91019"/>
+                            <a14:foregroundMark x1="37143" y1="5370" x2="37143" y2="5370"/>
+                            <a14:foregroundMark x1="74571" y1="4722" x2="74571" y2="4722"/>
+                            <a14:foregroundMark x1="40286" y1="2870" x2="40286" y2="2870"/>
+                            <a14:foregroundMark x1="79571" y1="10741" x2="79571" y2="10741"/>
+                            <a14:foregroundMark x1="15857" y1="60093" x2="15857" y2="60093"/>
+                          </a14:backgroundRemoval>
+                        </a14:imgEffect>
+                      </a14:imgLayer>
+                    </a14:imgProps>
+                  </a:ext>
+                  <a:ext uri="{28A0092B-C50C-407E-A947-70E740481C1C}">
+                    <a14:useLocalDpi xmlns:a14="http://schemas.microsoft.com/office/drawing/2010/main" val="0"/>
+                  </a:ext>
+                </a:extLst>
+              </a:blip>
+              <a:srcRect l="14664" t="18" r="15123" b="7941"/>
+              <a:stretch/>
+            </p:blipFill>
+            <p:spPr bwMode="auto">
+              <a:xfrm>
+                <a:off x="4556984" y="2418111"/>
+                <a:ext cx="1539016" cy="3112622"/>
+              </a:xfrm>
+              <a:prstGeom prst="rect">
+                <a:avLst/>
+              </a:prstGeom>
+              <a:noFill/>
+              <a:extLst>
+                <a:ext uri="{909E8E84-426E-40DD-AFC4-6F175D3DCCD1}">
+                  <a14:hiddenFill xmlns:a14="http://schemas.microsoft.com/office/drawing/2010/main">
+                    <a:solidFill>
+                      <a:srgbClr val="FFFFFF"/>
+                    </a:solidFill>
+                  </a14:hiddenFill>
+                </a:ext>
+              </a:extLst>
+            </p:spPr>
+          </p:pic>
+          <p:sp>
+            <p:nvSpPr>
+              <p:cNvPr id="9" name="Oval 8">
+                <a:extLst>
+                  <a:ext uri="{FF2B5EF4-FFF2-40B4-BE49-F238E27FC236}">
+                    <a16:creationId xmlns:a16="http://schemas.microsoft.com/office/drawing/2014/main" id="{CD10102A-0D3B-4A3D-A395-EB5E1B4988AB}"/>
+                  </a:ext>
+                </a:extLst>
+              </p:cNvPr>
+              <p:cNvSpPr/>
+              <p:nvPr/>
+            </p:nvSpPr>
+            <p:spPr>
+              <a:xfrm>
+                <a:off x="5126624" y="5152622"/>
+                <a:ext cx="269333" cy="276511"/>
+              </a:xfrm>
+              <a:prstGeom prst="ellipse">
+                <a:avLst/>
+              </a:prstGeom>
+              <a:solidFill>
+                <a:srgbClr val="C00000"/>
+              </a:solidFill>
+              <a:ln>
+                <a:solidFill>
+                  <a:srgbClr val="C00000"/>
+                </a:solidFill>
+              </a:ln>
+            </p:spPr>
+            <p:style>
+              <a:lnRef idx="2">
+                <a:schemeClr val="accent1">
+                  <a:shade val="50000"/>
+                </a:schemeClr>
+              </a:lnRef>
+              <a:fillRef idx="1">
+                <a:schemeClr val="accent1"/>
+              </a:fillRef>
+              <a:effectRef idx="0">
+                <a:schemeClr val="accent1"/>
+              </a:effectRef>
+              <a:fontRef idx="minor">
+                <a:schemeClr val="lt1"/>
+              </a:fontRef>
+            </p:style>
+            <p:txBody>
+              <a:bodyPr rtlCol="0" anchor="ctr"/>
+              <a:lstStyle/>
+              <a:p>
+                <a:pPr algn="ctr"/>
+                <a:endParaRPr lang="en-GB" dirty="0">
+                  <a:noFill/>
+                </a:endParaRPr>
+              </a:p>
+            </p:txBody>
+          </p:sp>
+          <p:sp>
+            <p:nvSpPr>
+              <p:cNvPr id="11" name="Oval 10">
+                <a:extLst>
+                  <a:ext uri="{FF2B5EF4-FFF2-40B4-BE49-F238E27FC236}">
+                    <a16:creationId xmlns:a16="http://schemas.microsoft.com/office/drawing/2014/main" id="{8F99DC1C-A474-4D4B-8BA5-B7D1725FD675}"/>
+                  </a:ext>
+                </a:extLst>
+              </p:cNvPr>
+              <p:cNvSpPr/>
+              <p:nvPr/>
+            </p:nvSpPr>
+            <p:spPr>
+              <a:xfrm>
+                <a:off x="4618849" y="4199400"/>
+                <a:ext cx="269333" cy="276511"/>
+              </a:xfrm>
+              <a:prstGeom prst="ellipse">
+                <a:avLst/>
+              </a:prstGeom>
+              <a:solidFill>
+                <a:srgbClr val="C00000"/>
+              </a:solidFill>
+              <a:ln>
+                <a:solidFill>
+                  <a:srgbClr val="C00000"/>
+                </a:solidFill>
+              </a:ln>
+            </p:spPr>
+            <p:style>
+              <a:lnRef idx="2">
+                <a:schemeClr val="accent1">
+                  <a:shade val="50000"/>
+                </a:schemeClr>
+              </a:lnRef>
+              <a:fillRef idx="1">
+                <a:schemeClr val="accent1"/>
+              </a:fillRef>
+              <a:effectRef idx="0">
+                <a:schemeClr val="accent1"/>
+              </a:effectRef>
+              <a:fontRef idx="minor">
+                <a:schemeClr val="lt1"/>
+              </a:fontRef>
+            </p:style>
+            <p:txBody>
+              <a:bodyPr rtlCol="0" anchor="ctr"/>
+              <a:lstStyle/>
+              <a:p>
+                <a:pPr algn="ctr"/>
+                <a:endParaRPr lang="en-GB">
+                  <a:noFill/>
+                </a:endParaRPr>
+              </a:p>
+            </p:txBody>
+          </p:sp>
+        </p:grpSp>
+        <p:sp>
+          <p:nvSpPr>
+            <p:cNvPr id="13" name="Rectangle 12">
+              <a:extLst>
+                <a:ext uri="{FF2B5EF4-FFF2-40B4-BE49-F238E27FC236}">
+                  <a16:creationId xmlns:a16="http://schemas.microsoft.com/office/drawing/2014/main" id="{7C32E883-9D32-4960-974D-CD9BEFD88F56}"/>
+                </a:ext>
+              </a:extLst>
+            </p:cNvPr>
+            <p:cNvSpPr/>
+            <p:nvPr/>
+          </p:nvSpPr>
+          <p:spPr>
+            <a:xfrm>
+              <a:off x="1450580" y="5261729"/>
+              <a:ext cx="393056" cy="307777"/>
+            </a:xfrm>
+            <a:prstGeom prst="rect">
+              <a:avLst/>
+            </a:prstGeom>
+          </p:spPr>
+          <p:txBody>
+            <a:bodyPr wrap="none">
+              <a:spAutoFit/>
+            </a:bodyPr>
+            <a:lstStyle/>
+            <a:p>
+              <a:r>
+                <a:rPr lang="en-GB" sz="1400" dirty="0">
+                  <a:solidFill>
+                    <a:schemeClr val="accent1">
+                      <a:lumMod val="50000"/>
+                    </a:schemeClr>
+                  </a:solidFill>
+                </a:rPr>
+                <a:t>H1</a:t>
+              </a:r>
+            </a:p>
+          </p:txBody>
+        </p:sp>
+        <p:sp>
+          <p:nvSpPr>
+            <p:cNvPr id="15" name="Rectangle 14">
+              <a:extLst>
+                <a:ext uri="{FF2B5EF4-FFF2-40B4-BE49-F238E27FC236}">
+                  <a16:creationId xmlns:a16="http://schemas.microsoft.com/office/drawing/2014/main" id="{652CA5E3-CDA0-4E3D-8649-0956C35887B0}"/>
+                </a:ext>
+              </a:extLst>
+            </p:cNvPr>
+            <p:cNvSpPr/>
+            <p:nvPr/>
+          </p:nvSpPr>
+          <p:spPr>
+            <a:xfrm>
+              <a:off x="912530" y="4308507"/>
+              <a:ext cx="393056" cy="307777"/>
+            </a:xfrm>
+            <a:prstGeom prst="rect">
+              <a:avLst/>
+            </a:prstGeom>
+          </p:spPr>
+          <p:txBody>
+            <a:bodyPr wrap="none">
+              <a:spAutoFit/>
+            </a:bodyPr>
+            <a:lstStyle/>
+            <a:p>
+              <a:r>
+                <a:rPr lang="en-GB" sz="1400" dirty="0">
+                  <a:solidFill>
+                    <a:schemeClr val="accent1">
+                      <a:lumMod val="50000"/>
+                    </a:schemeClr>
+                  </a:solidFill>
+                </a:rPr>
+                <a:t>H2</a:t>
+              </a:r>
+            </a:p>
+          </p:txBody>
+        </p:sp>
+      </p:grpSp>
+      <p:sp>
+        <p:nvSpPr>
+          <p:cNvPr id="22" name="Arrow: Notched Right 21">
+            <a:extLst>
+              <a:ext uri="{FF2B5EF4-FFF2-40B4-BE49-F238E27FC236}">
+                <a16:creationId xmlns:a16="http://schemas.microsoft.com/office/drawing/2014/main" id="{77BCC9E6-9D99-4C25-975F-9A7614B82A52}"/>
+              </a:ext>
+            </a:extLst>
+          </p:cNvPr>
+          <p:cNvSpPr/>
+          <p:nvPr/>
+        </p:nvSpPr>
+        <p:spPr>
+          <a:xfrm>
+            <a:off x="2488883" y="3878318"/>
+            <a:ext cx="1539016" cy="457200"/>
+          </a:xfrm>
+          <a:prstGeom prst="notchedRightArrow">
+            <a:avLst/>
+          </a:prstGeom>
+          <a:solidFill>
+            <a:schemeClr val="accent1">
+              <a:lumMod val="75000"/>
+            </a:schemeClr>
+          </a:solidFill>
+        </p:spPr>
+        <p:style>
+          <a:lnRef idx="2">
+            <a:schemeClr val="accent1">
+              <a:shade val="50000"/>
+            </a:schemeClr>
+          </a:lnRef>
+          <a:fillRef idx="1">
+            <a:schemeClr val="accent1"/>
+          </a:fillRef>
+          <a:effectRef idx="0">
+            <a:schemeClr val="accent1"/>
+          </a:effectRef>
+          <a:fontRef idx="minor">
+            <a:schemeClr val="lt1"/>
+          </a:fontRef>
+        </p:style>
+        <p:txBody>
+          <a:bodyPr rtlCol="0" anchor="ctr"/>
+          <a:lstStyle/>
+          <a:p>
+            <a:pPr algn="ctr"/>
+            <a:endParaRPr lang="en-GB"/>
           </a:p>
         </p:txBody>
       </p:sp>
@@ -4378,7 +5364,76 @@
           <a:bodyPr/>
           <a:lstStyle/>
           <a:p>
-            <a:endParaRPr lang="en-GB"/>
+            <a:pPr marL="0" indent="0">
+              <a:buNone/>
+            </a:pPr>
+            <a:r>
+              <a:rPr lang="en-GB" dirty="0"/>
+              <a:t>Some </a:t>
+            </a:r>
+            <a:r>
+              <a:rPr lang="en-GB" u="sng" dirty="0">
+                <a:solidFill>
+                  <a:schemeClr val="accent2">
+                    <a:lumMod val="75000"/>
+                  </a:schemeClr>
+                </a:solidFill>
+              </a:rPr>
+              <a:t>challenges</a:t>
+            </a:r>
+            <a:r>
+              <a:rPr lang="en-GB" dirty="0"/>
+              <a:t> on the dataset provided:</a:t>
+            </a:r>
+          </a:p>
+          <a:p>
+            <a:pPr lvl="0">
+              <a:buBlip>
+                <a:blip r:embed="rId2">
+                  <a:extLst>
+                    <a:ext uri="{96DAC541-7B7A-43D3-8B79-37D633B846F1}">
+                      <asvg:svgBlip xmlns:asvg="http://schemas.microsoft.com/office/drawing/2016/SVG/main" r:embed="rId3"/>
+                    </a:ext>
+                  </a:extLst>
+                </a:blip>
+              </a:buBlip>
+            </a:pPr>
+            <a:r>
+              <a:rPr lang="en-GB" dirty="0">
+                <a:solidFill>
+                  <a:srgbClr val="C00000"/>
+                </a:solidFill>
+                <a:highlight>
+                  <a:srgbClr val="FFFF00"/>
+                </a:highlight>
+              </a:rPr>
+              <a:t>~30%</a:t>
+            </a:r>
+            <a:r>
+              <a:rPr lang="en-GB" dirty="0"/>
+              <a:t> of what seemed to be duplicated entries</a:t>
+            </a:r>
+          </a:p>
+          <a:p>
+            <a:pPr lvl="0">
+              <a:buBlip>
+                <a:blip r:embed="rId2">
+                  <a:extLst>
+                    <a:ext uri="{96DAC541-7B7A-43D3-8B79-37D633B846F1}">
+                      <asvg:svgBlip xmlns:asvg="http://schemas.microsoft.com/office/drawing/2016/SVG/main" r:embed="rId3"/>
+                    </a:ext>
+                  </a:extLst>
+                </a:blip>
+              </a:buBlip>
+            </a:pPr>
+            <a:r>
+              <a:rPr lang="en-US" dirty="0"/>
+              <a:t>Identify high cancellation likelihood bookings.</a:t>
+            </a:r>
+            <a:endParaRPr lang="en-GB" dirty="0"/>
+          </a:p>
+          <a:p>
+            <a:endParaRPr lang="en-GB" dirty="0"/>
           </a:p>
         </p:txBody>
       </p:sp>
@@ -4422,7 +5477,7 @@
           <p:nvPr/>
         </p:nvPicPr>
         <p:blipFill>
-          <a:blip r:embed="rId2">
+          <a:blip r:embed="rId4">
             <a:duotone>
               <a:schemeClr val="accent1">
                 <a:shade val="45000"/>
@@ -4433,7 +5488,7 @@
             <a:extLst>
               <a:ext uri="{BEBA8EAE-BF5A-486C-A8C5-ECC9F3942E4B}">
                 <a14:imgProps xmlns:a14="http://schemas.microsoft.com/office/drawing/2010/main">
-                  <a14:imgLayer r:embed="rId3">
+                  <a14:imgLayer r:embed="rId5">
                     <a14:imgEffect>
                       <a14:backgroundRemoval t="6180" b="94944" l="3604" r="94895">
                         <a14:foregroundMark x1="49850" y1="7865" x2="49850" y2="7865"/>
@@ -4644,7 +5699,7 @@
         </p:nvSpPr>
         <p:spPr>
           <a:xfrm>
-            <a:off x="7712765" y="585216"/>
+            <a:off x="9225170" y="53507"/>
             <a:ext cx="2809461" cy="2031325"/>
           </a:xfrm>
           <a:prstGeom prst="rect">
@@ -6812,4 +7867,299 @@
     </a:ext>
   </a:extLst>
 </a:theme>
+</file>
+
+<file path=ppt/theme/theme2.xml><?xml version="1.0" encoding="utf-8"?>
+<a:theme xmlns:a="http://schemas.openxmlformats.org/drawingml/2006/main" name="Office Theme">
+  <a:themeElements>
+    <a:clrScheme name="Office">
+      <a:dk1>
+        <a:sysClr val="windowText" lastClr="000000"/>
+      </a:dk1>
+      <a:lt1>
+        <a:sysClr val="window" lastClr="FFFFFF"/>
+      </a:lt1>
+      <a:dk2>
+        <a:srgbClr val="44546A"/>
+      </a:dk2>
+      <a:lt2>
+        <a:srgbClr val="E7E6E6"/>
+      </a:lt2>
+      <a:accent1>
+        <a:srgbClr val="4472C4"/>
+      </a:accent1>
+      <a:accent2>
+        <a:srgbClr val="ED7D31"/>
+      </a:accent2>
+      <a:accent3>
+        <a:srgbClr val="A5A5A5"/>
+      </a:accent3>
+      <a:accent4>
+        <a:srgbClr val="FFC000"/>
+      </a:accent4>
+      <a:accent5>
+        <a:srgbClr val="5B9BD5"/>
+      </a:accent5>
+      <a:accent6>
+        <a:srgbClr val="70AD47"/>
+      </a:accent6>
+      <a:hlink>
+        <a:srgbClr val="0563C1"/>
+      </a:hlink>
+      <a:folHlink>
+        <a:srgbClr val="954F72"/>
+      </a:folHlink>
+    </a:clrScheme>
+    <a:fontScheme name="Office">
+      <a:majorFont>
+        <a:latin typeface="Calibri Light" panose="020F0302020204030204"/>
+        <a:ea typeface=""/>
+        <a:cs typeface=""/>
+        <a:font script="Jpan" typeface="游ゴシック Light"/>
+        <a:font script="Hang" typeface="맑은 고딕"/>
+        <a:font script="Hans" typeface="等线 Light"/>
+        <a:font script="Hant" typeface="新細明體"/>
+        <a:font script="Arab" typeface="Times New Roman"/>
+        <a:font script="Hebr" typeface="Times New Roman"/>
+        <a:font script="Thai" typeface="Angsana New"/>
+        <a:font script="Ethi" typeface="Nyala"/>
+        <a:font script="Beng" typeface="Vrinda"/>
+        <a:font script="Gujr" typeface="Shruti"/>
+        <a:font script="Khmr" typeface="MoolBoran"/>
+        <a:font script="Knda" typeface="Tunga"/>
+        <a:font script="Guru" typeface="Raavi"/>
+        <a:font script="Cans" typeface="Euphemia"/>
+        <a:font script="Cher" typeface="Plantagenet Cherokee"/>
+        <a:font script="Yiii" typeface="Microsoft Yi Baiti"/>
+        <a:font script="Tibt" typeface="Microsoft Himalaya"/>
+        <a:font script="Thaa" typeface="MV Boli"/>
+        <a:font script="Deva" typeface="Mangal"/>
+        <a:font script="Telu" typeface="Gautami"/>
+        <a:font script="Taml" typeface="Latha"/>
+        <a:font script="Syrc" typeface="Estrangelo Edessa"/>
+        <a:font script="Orya" typeface="Kalinga"/>
+        <a:font script="Mlym" typeface="Kartika"/>
+        <a:font script="Laoo" typeface="DokChampa"/>
+        <a:font script="Sinh" typeface="Iskoola Pota"/>
+        <a:font script="Mong" typeface="Mongolian Baiti"/>
+        <a:font script="Viet" typeface="Times New Roman"/>
+        <a:font script="Uigh" typeface="Microsoft Uighur"/>
+        <a:font script="Geor" typeface="Sylfaen"/>
+        <a:font script="Armn" typeface="Arial"/>
+        <a:font script="Bugi" typeface="Leelawadee UI"/>
+        <a:font script="Bopo" typeface="Microsoft JhengHei"/>
+        <a:font script="Java" typeface="Javanese Text"/>
+        <a:font script="Lisu" typeface="Segoe UI"/>
+        <a:font script="Mymr" typeface="Myanmar Text"/>
+        <a:font script="Nkoo" typeface="Ebrima"/>
+        <a:font script="Olck" typeface="Nirmala UI"/>
+        <a:font script="Osma" typeface="Ebrima"/>
+        <a:font script="Phag" typeface="Phagspa"/>
+        <a:font script="Syrn" typeface="Estrangelo Edessa"/>
+        <a:font script="Syrj" typeface="Estrangelo Edessa"/>
+        <a:font script="Syre" typeface="Estrangelo Edessa"/>
+        <a:font script="Sora" typeface="Nirmala UI"/>
+        <a:font script="Tale" typeface="Microsoft Tai Le"/>
+        <a:font script="Talu" typeface="Microsoft New Tai Lue"/>
+        <a:font script="Tfng" typeface="Ebrima"/>
+      </a:majorFont>
+      <a:minorFont>
+        <a:latin typeface="Calibri" panose="020F0502020204030204"/>
+        <a:ea typeface=""/>
+        <a:cs typeface=""/>
+        <a:font script="Jpan" typeface="游ゴシック"/>
+        <a:font script="Hang" typeface="맑은 고딕"/>
+        <a:font script="Hans" typeface="等线"/>
+        <a:font script="Hant" typeface="新細明體"/>
+        <a:font script="Arab" typeface="Arial"/>
+        <a:font script="Hebr" typeface="Arial"/>
+        <a:font script="Thai" typeface="Cordia New"/>
+        <a:font script="Ethi" typeface="Nyala"/>
+        <a:font script="Beng" typeface="Vrinda"/>
+        <a:font script="Gujr" typeface="Shruti"/>
+        <a:font script="Khmr" typeface="DaunPenh"/>
+        <a:font script="Knda" typeface="Tunga"/>
+        <a:font script="Guru" typeface="Raavi"/>
+        <a:font script="Cans" typeface="Euphemia"/>
+        <a:font script="Cher" typeface="Plantagenet Cherokee"/>
+        <a:font script="Yiii" typeface="Microsoft Yi Baiti"/>
+        <a:font script="Tibt" typeface="Microsoft Himalaya"/>
+        <a:font script="Thaa" typeface="MV Boli"/>
+        <a:font script="Deva" typeface="Mangal"/>
+        <a:font script="Telu" typeface="Gautami"/>
+        <a:font script="Taml" typeface="Latha"/>
+        <a:font script="Syrc" typeface="Estrangelo Edessa"/>
+        <a:font script="Orya" typeface="Kalinga"/>
+        <a:font script="Mlym" typeface="Kartika"/>
+        <a:font script="Laoo" typeface="DokChampa"/>
+        <a:font script="Sinh" typeface="Iskoola Pota"/>
+        <a:font script="Mong" typeface="Mongolian Baiti"/>
+        <a:font script="Viet" typeface="Arial"/>
+        <a:font script="Uigh" typeface="Microsoft Uighur"/>
+        <a:font script="Geor" typeface="Sylfaen"/>
+        <a:font script="Armn" typeface="Arial"/>
+        <a:font script="Bugi" typeface="Leelawadee UI"/>
+        <a:font script="Bopo" typeface="Microsoft JhengHei"/>
+        <a:font script="Java" typeface="Javanese Text"/>
+        <a:font script="Lisu" typeface="Segoe UI"/>
+        <a:font script="Mymr" typeface="Myanmar Text"/>
+        <a:font script="Nkoo" typeface="Ebrima"/>
+        <a:font script="Olck" typeface="Nirmala UI"/>
+        <a:font script="Osma" typeface="Ebrima"/>
+        <a:font script="Phag" typeface="Phagspa"/>
+        <a:font script="Syrn" typeface="Estrangelo Edessa"/>
+        <a:font script="Syrj" typeface="Estrangelo Edessa"/>
+        <a:font script="Syre" typeface="Estrangelo Edessa"/>
+        <a:font script="Sora" typeface="Nirmala UI"/>
+        <a:font script="Tale" typeface="Microsoft Tai Le"/>
+        <a:font script="Talu" typeface="Microsoft New Tai Lue"/>
+        <a:font script="Tfng" typeface="Ebrima"/>
+      </a:minorFont>
+    </a:fontScheme>
+    <a:fmtScheme name="Office">
+      <a:fillStyleLst>
+        <a:solidFill>
+          <a:schemeClr val="phClr"/>
+        </a:solidFill>
+        <a:gradFill rotWithShape="1">
+          <a:gsLst>
+            <a:gs pos="0">
+              <a:schemeClr val="phClr">
+                <a:lumMod val="110000"/>
+                <a:satMod val="105000"/>
+                <a:tint val="67000"/>
+              </a:schemeClr>
+            </a:gs>
+            <a:gs pos="50000">
+              <a:schemeClr val="phClr">
+                <a:lumMod val="105000"/>
+                <a:satMod val="103000"/>
+                <a:tint val="73000"/>
+              </a:schemeClr>
+            </a:gs>
+            <a:gs pos="100000">
+              <a:schemeClr val="phClr">
+                <a:lumMod val="105000"/>
+                <a:satMod val="109000"/>
+                <a:tint val="81000"/>
+              </a:schemeClr>
+            </a:gs>
+          </a:gsLst>
+          <a:lin ang="5400000" scaled="0"/>
+        </a:gradFill>
+        <a:gradFill rotWithShape="1">
+          <a:gsLst>
+            <a:gs pos="0">
+              <a:schemeClr val="phClr">
+                <a:satMod val="103000"/>
+                <a:lumMod val="102000"/>
+                <a:tint val="94000"/>
+              </a:schemeClr>
+            </a:gs>
+            <a:gs pos="50000">
+              <a:schemeClr val="phClr">
+                <a:satMod val="110000"/>
+                <a:lumMod val="100000"/>
+                <a:shade val="100000"/>
+              </a:schemeClr>
+            </a:gs>
+            <a:gs pos="100000">
+              <a:schemeClr val="phClr">
+                <a:lumMod val="99000"/>
+                <a:satMod val="120000"/>
+                <a:shade val="78000"/>
+              </a:schemeClr>
+            </a:gs>
+          </a:gsLst>
+          <a:lin ang="5400000" scaled="0"/>
+        </a:gradFill>
+      </a:fillStyleLst>
+      <a:lnStyleLst>
+        <a:ln w="6350" cap="flat" cmpd="sng" algn="ctr">
+          <a:solidFill>
+            <a:schemeClr val="phClr"/>
+          </a:solidFill>
+          <a:prstDash val="solid"/>
+          <a:miter lim="800000"/>
+        </a:ln>
+        <a:ln w="12700" cap="flat" cmpd="sng" algn="ctr">
+          <a:solidFill>
+            <a:schemeClr val="phClr"/>
+          </a:solidFill>
+          <a:prstDash val="solid"/>
+          <a:miter lim="800000"/>
+        </a:ln>
+        <a:ln w="19050" cap="flat" cmpd="sng" algn="ctr">
+          <a:solidFill>
+            <a:schemeClr val="phClr"/>
+          </a:solidFill>
+          <a:prstDash val="solid"/>
+          <a:miter lim="800000"/>
+        </a:ln>
+      </a:lnStyleLst>
+      <a:effectStyleLst>
+        <a:effectStyle>
+          <a:effectLst/>
+        </a:effectStyle>
+        <a:effectStyle>
+          <a:effectLst/>
+        </a:effectStyle>
+        <a:effectStyle>
+          <a:effectLst>
+            <a:outerShdw blurRad="57150" dist="19050" dir="5400000" algn="ctr" rotWithShape="0">
+              <a:srgbClr val="000000">
+                <a:alpha val="63000"/>
+              </a:srgbClr>
+            </a:outerShdw>
+          </a:effectLst>
+        </a:effectStyle>
+      </a:effectStyleLst>
+      <a:bgFillStyleLst>
+        <a:solidFill>
+          <a:schemeClr val="phClr"/>
+        </a:solidFill>
+        <a:solidFill>
+          <a:schemeClr val="phClr">
+            <a:tint val="95000"/>
+            <a:satMod val="170000"/>
+          </a:schemeClr>
+        </a:solidFill>
+        <a:gradFill rotWithShape="1">
+          <a:gsLst>
+            <a:gs pos="0">
+              <a:schemeClr val="phClr">
+                <a:tint val="93000"/>
+                <a:satMod val="150000"/>
+                <a:shade val="98000"/>
+                <a:lumMod val="102000"/>
+              </a:schemeClr>
+            </a:gs>
+            <a:gs pos="50000">
+              <a:schemeClr val="phClr">
+                <a:tint val="98000"/>
+                <a:satMod val="130000"/>
+                <a:shade val="90000"/>
+                <a:lumMod val="103000"/>
+              </a:schemeClr>
+            </a:gs>
+            <a:gs pos="100000">
+              <a:schemeClr val="phClr">
+                <a:shade val="63000"/>
+                <a:satMod val="120000"/>
+              </a:schemeClr>
+            </a:gs>
+          </a:gsLst>
+          <a:lin ang="5400000" scaled="0"/>
+        </a:gradFill>
+      </a:bgFillStyleLst>
+    </a:fmtScheme>
+  </a:themeElements>
+  <a:objectDefaults/>
+  <a:extraClrSchemeLst/>
+  <a:extLst>
+    <a:ext uri="{05A4C25C-085E-4340-85A3-A5531E510DB2}">
+      <thm15:themeFamily xmlns:thm15="http://schemas.microsoft.com/office/thememl/2012/main" name="Office Theme" id="{62F939B6-93AF-4DB8-9C6B-D6C7DFDC589F}" vid="{4A3C46E8-61CC-4603-A589-7422A47A8E4A}"/>
+    </a:ext>
+  </a:extLst>
+</a:theme>
 </file>
--- a/BC2/GroupD_BC2_Presentation.pptx
+++ b/BC2/GroupD_BC2_Presentation.pptx
@@ -5,16 +5,17 @@
     <p:sldMasterId id="2147483792" r:id="rId1"/>
   </p:sldMasterIdLst>
   <p:notesMasterIdLst>
-    <p:notesMasterId r:id="rId9"/>
+    <p:notesMasterId r:id="rId10"/>
   </p:notesMasterIdLst>
   <p:sldIdLst>
     <p:sldId id="256" r:id="rId2"/>
     <p:sldId id="257" r:id="rId3"/>
     <p:sldId id="260" r:id="rId4"/>
-    <p:sldId id="261" r:id="rId5"/>
-    <p:sldId id="262" r:id="rId6"/>
-    <p:sldId id="258" r:id="rId7"/>
-    <p:sldId id="259" r:id="rId8"/>
+    <p:sldId id="263" r:id="rId5"/>
+    <p:sldId id="261" r:id="rId6"/>
+    <p:sldId id="262" r:id="rId7"/>
+    <p:sldId id="258" r:id="rId8"/>
+    <p:sldId id="259" r:id="rId9"/>
   </p:sldIdLst>
   <p:sldSz cx="12192000" cy="6858000"/>
   <p:notesSz cx="6858000" cy="9144000"/>
@@ -203,7 +204,7 @@
           <a:p>
             <a:fld id="{CF526EAB-B917-4617-B7DA-C06F4166FDA5}" type="datetimeFigureOut">
               <a:rPr lang="en-GB" smtClean="0"/>
-              <a:t>10/03/2021</a:t>
+              <a:t>11/03/2021</a:t>
             </a:fld>
             <a:endParaRPr lang="en-GB"/>
           </a:p>
@@ -517,6 +518,12 @@
           <a:p>
             <a:r>
               <a:rPr lang="en-GB" dirty="0"/>
+              <a:t>Primary objective</a:t>
+            </a:r>
+          </a:p>
+          <a:p>
+            <a:r>
+              <a:rPr lang="en-GB" dirty="0"/>
               <a:t>Our analysis will focus on Lisbon’s resort since that was the data provided</a:t>
             </a:r>
           </a:p>
@@ -710,7 +717,7 @@
           <a:p>
             <a:fld id="{AC012AA7-0247-432D-BF0F-48D9C3C58E37}" type="datetimeFigureOut">
               <a:rPr lang="en-GB" smtClean="0"/>
-              <a:t>10/03/2021</a:t>
+              <a:t>11/03/2021</a:t>
             </a:fld>
             <a:endParaRPr lang="en-GB"/>
           </a:p>
@@ -953,7 +960,7 @@
           <a:p>
             <a:fld id="{AC012AA7-0247-432D-BF0F-48D9C3C58E37}" type="datetimeFigureOut">
               <a:rPr lang="en-GB" smtClean="0"/>
-              <a:t>10/03/2021</a:t>
+              <a:t>11/03/2021</a:t>
             </a:fld>
             <a:endParaRPr lang="en-GB"/>
           </a:p>
@@ -1133,7 +1140,7 @@
           <a:p>
             <a:fld id="{AC012AA7-0247-432D-BF0F-48D9C3C58E37}" type="datetimeFigureOut">
               <a:rPr lang="en-GB" smtClean="0"/>
-              <a:t>10/03/2021</a:t>
+              <a:t>11/03/2021</a:t>
             </a:fld>
             <a:endParaRPr lang="en-GB"/>
           </a:p>
@@ -1338,7 +1345,7 @@
           <a:p>
             <a:fld id="{AC012AA7-0247-432D-BF0F-48D9C3C58E37}" type="datetimeFigureOut">
               <a:rPr lang="en-GB" smtClean="0"/>
-              <a:t>10/03/2021</a:t>
+              <a:t>11/03/2021</a:t>
             </a:fld>
             <a:endParaRPr lang="en-GB"/>
           </a:p>
@@ -1595,7 +1602,7 @@
           <a:p>
             <a:fld id="{AC012AA7-0247-432D-BF0F-48D9C3C58E37}" type="datetimeFigureOut">
               <a:rPr lang="en-GB" smtClean="0"/>
-              <a:t>10/03/2021</a:t>
+              <a:t>11/03/2021</a:t>
             </a:fld>
             <a:endParaRPr lang="en-GB"/>
           </a:p>
@@ -1942,7 +1949,7 @@
           <a:p>
             <a:fld id="{AC012AA7-0247-432D-BF0F-48D9C3C58E37}" type="datetimeFigureOut">
               <a:rPr lang="en-GB" smtClean="0"/>
-              <a:t>10/03/2021</a:t>
+              <a:t>11/03/2021</a:t>
             </a:fld>
             <a:endParaRPr lang="en-GB"/>
           </a:p>
@@ -2344,7 +2351,7 @@
           <a:p>
             <a:fld id="{AC012AA7-0247-432D-BF0F-48D9C3C58E37}" type="datetimeFigureOut">
               <a:rPr lang="en-GB" smtClean="0"/>
-              <a:t>10/03/2021</a:t>
+              <a:t>11/03/2021</a:t>
             </a:fld>
             <a:endParaRPr lang="en-GB"/>
           </a:p>
@@ -2462,7 +2469,7 @@
           <a:p>
             <a:fld id="{AC012AA7-0247-432D-BF0F-48D9C3C58E37}" type="datetimeFigureOut">
               <a:rPr lang="en-GB" smtClean="0"/>
-              <a:t>10/03/2021</a:t>
+              <a:t>11/03/2021</a:t>
             </a:fld>
             <a:endParaRPr lang="en-GB"/>
           </a:p>
@@ -2557,7 +2564,7 @@
           <a:p>
             <a:fld id="{AC012AA7-0247-432D-BF0F-48D9C3C58E37}" type="datetimeFigureOut">
               <a:rPr lang="en-GB" smtClean="0"/>
-              <a:t>10/03/2021</a:t>
+              <a:t>11/03/2021</a:t>
             </a:fld>
             <a:endParaRPr lang="en-GB"/>
           </a:p>
@@ -2847,7 +2854,7 @@
           <a:p>
             <a:fld id="{AC012AA7-0247-432D-BF0F-48D9C3C58E37}" type="datetimeFigureOut">
               <a:rPr lang="en-GB" smtClean="0"/>
-              <a:t>10/03/2021</a:t>
+              <a:t>11/03/2021</a:t>
             </a:fld>
             <a:endParaRPr lang="en-GB"/>
           </a:p>
@@ -3127,7 +3134,7 @@
           <a:p>
             <a:fld id="{AC012AA7-0247-432D-BF0F-48D9C3C58E37}" type="datetimeFigureOut">
               <a:rPr lang="en-GB" smtClean="0"/>
-              <a:t>10/03/2021</a:t>
+              <a:t>11/03/2021</a:t>
             </a:fld>
             <a:endParaRPr lang="en-GB"/>
           </a:p>
@@ -3377,7 +3384,7 @@
           <a:p>
             <a:fld id="{AC012AA7-0247-432D-BF0F-48D9C3C58E37}" type="datetimeFigureOut">
               <a:rPr lang="en-GB" smtClean="0"/>
-              <a:t>10/03/2021</a:t>
+              <a:t>11/03/2021</a:t>
             </a:fld>
             <a:endParaRPr lang="en-GB"/>
           </a:p>
@@ -4416,7 +4423,7 @@
         </p:spPr>
         <p:txBody>
           <a:bodyPr>
-            <a:normAutofit/>
+            <a:normAutofit fontScale="92500" lnSpcReduction="10000"/>
           </a:bodyPr>
           <a:lstStyle/>
           <a:p>
@@ -4470,7 +4477,7 @@
         </p:spPr>
         <p:txBody>
           <a:bodyPr>
-            <a:normAutofit/>
+            <a:normAutofit fontScale="92500" lnSpcReduction="10000"/>
           </a:bodyPr>
           <a:lstStyle/>
           <a:p>
@@ -4487,13 +4494,6 @@
               </a:rPr>
               <a:t>Business Goals</a:t>
             </a:r>
-            <a:endParaRPr lang="en-US" dirty="0">
-              <a:solidFill>
-                <a:schemeClr val="accent2">
-                  <a:lumMod val="75000"/>
-                </a:schemeClr>
-              </a:solidFill>
-            </a:endParaRPr>
           </a:p>
           <a:p>
             <a:pPr lvl="0">
@@ -4508,10 +4508,16 @@
               </a:buBlip>
             </a:pPr>
             <a:r>
-              <a:rPr lang="en-US" dirty="0"/>
-              <a:t>Implement better price and overbooking policies.</a:t>
-            </a:r>
-            <a:endParaRPr lang="en-GB" dirty="0"/>
+              <a:rPr lang="en-GB" dirty="0">
+                <a:solidFill>
+                  <a:schemeClr val="accent2">
+                    <a:lumMod val="60000"/>
+                    <a:lumOff val="40000"/>
+                  </a:schemeClr>
+                </a:solidFill>
+              </a:rPr>
+              <a:t>To Implement predictive models to forecast net demand based on reservations on-the-books.</a:t>
+            </a:r>
           </a:p>
           <a:p>
             <a:pPr lvl="0">
@@ -4526,10 +4532,9 @@
               </a:buBlip>
             </a:pPr>
             <a:r>
-              <a:rPr lang="en-US" dirty="0"/>
-              <a:t>Identify high cancellation likelihood bookings.</a:t>
-            </a:r>
-            <a:endParaRPr lang="en-GB" dirty="0"/>
+              <a:rPr lang="en-GB" dirty="0"/>
+              <a:t>To implement better price and overbooking policies.</a:t>
+            </a:r>
           </a:p>
           <a:p>
             <a:pPr lvl="0">
@@ -4544,10 +4549,9 @@
               </a:buBlip>
             </a:pPr>
             <a:r>
-              <a:rPr lang="en-US" dirty="0"/>
-              <a:t>Implement actions to prevent cancellation.</a:t>
-            </a:r>
-            <a:endParaRPr lang="en-GB" dirty="0"/>
+              <a:rPr lang="en-GB" dirty="0"/>
+              <a:t>To identify high cancellation likelihood bookings.</a:t>
+            </a:r>
           </a:p>
           <a:p>
             <a:pPr lvl="0">
@@ -4562,10 +4566,26 @@
               </a:buBlip>
             </a:pPr>
             <a:r>
-              <a:rPr lang="en-US" dirty="0"/>
-              <a:t>Reduce the cancellations to a rate of 20%. </a:t>
-            </a:r>
-            <a:endParaRPr lang="en-GB" dirty="0"/>
+              <a:rPr lang="en-GB" dirty="0"/>
+              <a:t>To implement actions to prevent cancellation.</a:t>
+            </a:r>
+          </a:p>
+          <a:p>
+            <a:pPr lvl="0">
+              <a:buBlip>
+                <a:blip r:embed="rId3">
+                  <a:extLst>
+                    <a:ext uri="{96DAC541-7B7A-43D3-8B79-37D633B846F1}">
+                      <asvg:svgBlip xmlns:asvg="http://schemas.microsoft.com/office/drawing/2016/SVG/main" r:embed="rId4"/>
+                    </a:ext>
+                  </a:extLst>
+                </a:blip>
+              </a:buBlip>
+            </a:pPr>
+            <a:r>
+              <a:rPr lang="en-GB" dirty="0"/>
+              <a:t>To reduce cancellations to a rate of 20%. </a:t>
+            </a:r>
           </a:p>
           <a:p>
             <a:endParaRPr lang="en-GB" dirty="0"/>
@@ -5364,28 +5384,526 @@
           <a:bodyPr/>
           <a:lstStyle/>
           <a:p>
-            <a:pPr marL="0" indent="0">
-              <a:buNone/>
-            </a:pPr>
-            <a:r>
-              <a:rPr lang="en-GB" dirty="0"/>
-              <a:t>Some </a:t>
-            </a:r>
-            <a:r>
-              <a:rPr lang="en-GB" u="sng" dirty="0">
+            <a:endParaRPr lang="en-GB" dirty="0"/>
+          </a:p>
+        </p:txBody>
+      </p:sp>
+      <p:sp>
+        <p:nvSpPr>
+          <p:cNvPr id="4" name="Content Placeholder 3">
+            <a:extLst>
+              <a:ext uri="{FF2B5EF4-FFF2-40B4-BE49-F238E27FC236}">
+                <a16:creationId xmlns:a16="http://schemas.microsoft.com/office/drawing/2014/main" id="{74C29F94-9013-443B-85B8-A87E07003C7C}"/>
+              </a:ext>
+            </a:extLst>
+          </p:cNvPr>
+          <p:cNvSpPr>
+            <a:spLocks noGrp="1"/>
+          </p:cNvSpPr>
+          <p:nvPr>
+            <p:ph sz="half" idx="2"/>
+          </p:nvPr>
+        </p:nvSpPr>
+        <p:spPr/>
+        <p:txBody>
+          <a:bodyPr/>
+          <a:lstStyle/>
+          <a:p>
+            <a:endParaRPr lang="en-GB"/>
+          </a:p>
+        </p:txBody>
+      </p:sp>
+      <p:pic>
+        <p:nvPicPr>
+          <p:cNvPr id="5" name="Picture 4">
+            <a:extLst>
+              <a:ext uri="{FF2B5EF4-FFF2-40B4-BE49-F238E27FC236}">
+                <a16:creationId xmlns:a16="http://schemas.microsoft.com/office/drawing/2014/main" id="{75035DF1-F637-4C24-A7E4-AE5681F218B0}"/>
+              </a:ext>
+            </a:extLst>
+          </p:cNvPr>
+          <p:cNvPicPr>
+            <a:picLocks noChangeAspect="1"/>
+          </p:cNvPicPr>
+          <p:nvPr/>
+        </p:nvPicPr>
+        <p:blipFill>
+          <a:blip r:embed="rId2">
+            <a:duotone>
+              <a:schemeClr val="accent1">
+                <a:shade val="45000"/>
+                <a:satMod val="135000"/>
+              </a:schemeClr>
+              <a:prstClr val="white"/>
+            </a:duotone>
+            <a:extLst>
+              <a:ext uri="{BEBA8EAE-BF5A-486C-A8C5-ECC9F3942E4B}">
+                <a14:imgProps xmlns:a14="http://schemas.microsoft.com/office/drawing/2010/main">
+                  <a14:imgLayer r:embed="rId3">
+                    <a14:imgEffect>
+                      <a14:backgroundRemoval t="6180" b="94944" l="3604" r="94895">
+                        <a14:foregroundMark x1="49850" y1="7865" x2="49850" y2="7865"/>
+                        <a14:foregroundMark x1="17718" y1="69101" x2="17718" y2="69101"/>
+                        <a14:foregroundMark x1="18619" y1="67978" x2="18619" y2="67978"/>
+                        <a14:foregroundMark x1="21321" y1="66292" x2="21321" y2="66292"/>
+                        <a14:foregroundMark x1="23724" y1="65730" x2="23724" y2="65730"/>
+                        <a14:foregroundMark x1="25526" y1="63483" x2="25526" y2="63483"/>
+                        <a14:foregroundMark x1="25826" y1="61798" x2="25826" y2="61798"/>
+                        <a14:foregroundMark x1="27027" y1="60674" x2="27027" y2="60674"/>
+                        <a14:foregroundMark x1="29429" y1="56180" x2="29429" y2="56180"/>
+                        <a14:foregroundMark x1="30931" y1="50000" x2="30931" y2="50000"/>
+                        <a14:foregroundMark x1="31231" y1="42697" x2="31231" y2="42697"/>
+                        <a14:foregroundMark x1="31532" y1="35393" x2="31532" y2="35393"/>
+                        <a14:foregroundMark x1="30631" y1="47191" x2="30631" y2="47191"/>
+                        <a14:foregroundMark x1="30931" y1="40449" x2="30931" y2="40449"/>
+                        <a14:foregroundMark x1="31532" y1="33708" x2="31532" y2="33708"/>
+                        <a14:foregroundMark x1="30931" y1="30337" x2="30931" y2="30337"/>
+                        <a14:foregroundMark x1="30330" y1="27528" x2="30330" y2="27528"/>
+                        <a14:foregroundMark x1="30030" y1="24157" x2="30030" y2="24157"/>
+                        <a14:foregroundMark x1="29129" y1="22472" x2="29129" y2="22472"/>
+                        <a14:foregroundMark x1="28228" y1="20225" x2="28228" y2="20225"/>
+                        <a14:foregroundMark x1="27628" y1="17416" x2="27628" y2="17416"/>
+                        <a14:foregroundMark x1="27327" y1="17416" x2="27327" y2="17416"/>
+                        <a14:foregroundMark x1="25526" y1="15169" x2="25526" y2="15169"/>
+                        <a14:foregroundMark x1="17117" y1="67978" x2="17117" y2="67978"/>
+                        <a14:foregroundMark x1="15015" y1="69101" x2="15015" y2="69101"/>
+                        <a14:foregroundMark x1="13213" y1="69101" x2="13213" y2="69101"/>
+                        <a14:foregroundMark x1="11411" y1="69663" x2="11411" y2="69663"/>
+                        <a14:foregroundMark x1="9009" y1="69663" x2="9009" y2="69663"/>
+                        <a14:foregroundMark x1="6907" y1="69101" x2="6907" y2="69101"/>
+                        <a14:foregroundMark x1="6607" y1="67978" x2="6607" y2="67978"/>
+                        <a14:foregroundMark x1="6607" y1="65730" x2="6607" y2="65730"/>
+                        <a14:foregroundMark x1="5105" y1="70787" x2="5105" y2="70787"/>
+                        <a14:foregroundMark x1="3904" y1="71348" x2="3904" y2="71348"/>
+                        <a14:foregroundMark x1="5105" y1="66292" x2="5105" y2="66292"/>
+                        <a14:foregroundMark x1="5105" y1="61798" x2="5105" y2="61798"/>
+                        <a14:foregroundMark x1="5706" y1="58989" x2="5706" y2="58989"/>
+                        <a14:foregroundMark x1="5706" y1="56180" x2="5706" y2="56180"/>
+                        <a14:foregroundMark x1="5405" y1="51124" x2="5405" y2="51124"/>
+                        <a14:foregroundMark x1="5405" y1="47753" x2="5405" y2="47753"/>
+                        <a14:foregroundMark x1="5405" y1="39888" x2="5405" y2="39888"/>
+                        <a14:foregroundMark x1="5105" y1="43258" x2="5105" y2="43258"/>
+                        <a14:foregroundMark x1="5405" y1="33146" x2="5405" y2="33146"/>
+                        <a14:foregroundMark x1="5706" y1="37640" x2="5706" y2="37640"/>
+                        <a14:foregroundMark x1="5706" y1="29213" x2="5706" y2="29213"/>
+                        <a14:foregroundMark x1="5706" y1="21348" x2="5706" y2="21348"/>
+                        <a14:foregroundMark x1="5706" y1="25843" x2="5706" y2="25843"/>
+                        <a14:foregroundMark x1="6306" y1="17416" x2="6306" y2="17416"/>
+                        <a14:foregroundMark x1="6306" y1="14045" x2="6306" y2="14045"/>
+                        <a14:foregroundMark x1="6306" y1="10112" x2="6306" y2="10112"/>
+                        <a14:foregroundMark x1="6006" y1="6742" x2="6006" y2="6742"/>
+                        <a14:foregroundMark x1="7207" y1="7303" x2="7207" y2="7303"/>
+                        <a14:foregroundMark x1="10511" y1="7303" x2="10511" y2="7303"/>
+                        <a14:foregroundMark x1="12312" y1="8427" x2="12312" y2="8427"/>
+                        <a14:foregroundMark x1="14715" y1="8427" x2="14715" y2="8427"/>
+                        <a14:foregroundMark x1="17417" y1="8989" x2="17417" y2="8989"/>
+                        <a14:foregroundMark x1="74174" y1="10112" x2="74174" y2="10112"/>
+                        <a14:foregroundMark x1="74474" y1="16292" x2="74474" y2="16292"/>
+                        <a14:foregroundMark x1="74775" y1="14045" x2="74775" y2="14045"/>
+                        <a14:foregroundMark x1="75375" y1="9551" x2="75375" y2="9551"/>
+                        <a14:foregroundMark x1="74775" y1="12360" x2="74775" y2="12360"/>
+                        <a14:foregroundMark x1="73874" y1="6742" x2="73874" y2="6742"/>
+                        <a14:foregroundMark x1="75676" y1="10112" x2="75676" y2="10112"/>
+                        <a14:foregroundMark x1="77778" y1="9551" x2="77778" y2="9551"/>
+                        <a14:foregroundMark x1="75075" y1="17416" x2="75075" y2="17416"/>
+                        <a14:foregroundMark x1="74474" y1="24719" x2="74474" y2="24719"/>
+                        <a14:foregroundMark x1="74474" y1="20787" x2="74474" y2="20787"/>
+                        <a14:foregroundMark x1="75375" y1="29775" x2="75375" y2="29775"/>
+                        <a14:foregroundMark x1="75075" y1="34270" x2="75075" y2="34270"/>
+                        <a14:foregroundMark x1="74775" y1="32584" x2="74775" y2="32584"/>
+                        <a14:foregroundMark x1="75075" y1="38202" x2="75075" y2="38202"/>
+                        <a14:foregroundMark x1="75075" y1="42697" x2="75075" y2="42697"/>
+                        <a14:foregroundMark x1="74474" y1="41011" x2="74474" y2="41011"/>
+                        <a14:foregroundMark x1="74174" y1="48315" x2="74174" y2="48315"/>
+                        <a14:foregroundMark x1="74775" y1="52809" x2="74775" y2="52809"/>
+                        <a14:foregroundMark x1="75375" y1="58427" x2="75375" y2="58427"/>
+                        <a14:foregroundMark x1="75075" y1="62360" x2="75075" y2="62360"/>
+                        <a14:foregroundMark x1="75075" y1="65730" x2="75075" y2="65730"/>
+                        <a14:foregroundMark x1="75075" y1="68539" x2="75075" y2="68539"/>
+                        <a14:foregroundMark x1="75075" y1="70787" x2="75075" y2="70787"/>
+                        <a14:foregroundMark x1="82583" y1="71348" x2="82583" y2="71348"/>
+                        <a14:foregroundMark x1="80180" y1="70787" x2="80180" y2="70787"/>
+                        <a14:foregroundMark x1="86787" y1="69101" x2="86787" y2="69101"/>
+                        <a14:foregroundMark x1="90691" y1="67416" x2="90691" y2="67416"/>
+                        <a14:foregroundMark x1="85586" y1="69663" x2="85586" y2="69663"/>
+                        <a14:foregroundMark x1="89790" y1="68539" x2="89790" y2="68539"/>
+                        <a14:foregroundMark x1="91892" y1="65169" x2="91892" y2="65169"/>
+                        <a14:foregroundMark x1="93093" y1="63483" x2="93093" y2="63483"/>
+                        <a14:foregroundMark x1="93994" y1="59551" x2="93994" y2="59551"/>
+                        <a14:foregroundMark x1="94595" y1="57303" x2="94595" y2="57303"/>
+                        <a14:foregroundMark x1="94595" y1="53933" x2="94595" y2="53933"/>
+                        <a14:foregroundMark x1="94595" y1="51124" x2="94595" y2="51124"/>
+                        <a14:foregroundMark x1="93994" y1="48315" x2="93994" y2="48315"/>
+                        <a14:foregroundMark x1="93694" y1="46629" x2="93694" y2="46629"/>
+                        <a14:foregroundMark x1="93093" y1="42697" x2="93093" y2="42697"/>
+                        <a14:foregroundMark x1="91592" y1="42135" x2="91592" y2="42135"/>
+                        <a14:foregroundMark x1="89189" y1="40449" x2="89189" y2="40449"/>
+                        <a14:foregroundMark x1="89189" y1="38764" x2="89189" y2="38764"/>
+                        <a14:foregroundMark x1="86486" y1="35955" x2="86486" y2="35955"/>
+                        <a14:foregroundMark x1="84384" y1="37079" x2="84384" y2="37079"/>
+                        <a14:foregroundMark x1="81381" y1="36517" x2="81381" y2="36517"/>
+                        <a14:foregroundMark x1="78679" y1="36517" x2="78679" y2="36517"/>
+                        <a14:foregroundMark x1="84384" y1="37079" x2="84384" y2="37079"/>
+                        <a14:foregroundMark x1="84985" y1="34831" x2="84985" y2="34831"/>
+                        <a14:foregroundMark x1="89790" y1="34831" x2="89790" y2="34831"/>
+                        <a14:foregroundMark x1="91291" y1="32584" x2="91291" y2="32584"/>
+                        <a14:foregroundMark x1="92192" y1="30337" x2="92192" y2="30337"/>
+                        <a14:foregroundMark x1="92492" y1="29213" x2="92492" y2="29213"/>
+                        <a14:foregroundMark x1="92492" y1="26966" x2="92492" y2="26966"/>
+                        <a14:foregroundMark x1="92492" y1="24157" x2="92492" y2="24157"/>
+                        <a14:foregroundMark x1="93694" y1="29775" x2="93694" y2="29775"/>
+                        <a14:foregroundMark x1="94595" y1="26404" x2="94595" y2="26404"/>
+                        <a14:foregroundMark x1="94895" y1="23596" x2="94895" y2="23596"/>
+                        <a14:foregroundMark x1="94895" y1="20225" x2="94895" y2="20225"/>
+                        <a14:foregroundMark x1="95495" y1="18539" x2="95495" y2="18539"/>
+                        <a14:foregroundMark x1="93093" y1="17416" x2="93093" y2="17416"/>
+                        <a14:foregroundMark x1="92492" y1="14607" x2="92492" y2="14607"/>
+                        <a14:foregroundMark x1="91592" y1="11798" x2="91592" y2="11798"/>
+                        <a14:foregroundMark x1="89489" y1="10674" x2="89489" y2="10674"/>
+                        <a14:foregroundMark x1="87087" y1="10112" x2="87087" y2="10112"/>
+                        <a14:foregroundMark x1="76577" y1="67978" x2="76577" y2="67978"/>
+                        <a14:foregroundMark x1="78979" y1="69101" x2="78979" y2="69101"/>
+                        <a14:foregroundMark x1="81381" y1="69101" x2="81381" y2="69101"/>
+                        <a14:foregroundMark x1="15916" y1="7865" x2="15916" y2="7865"/>
+                        <a14:foregroundMark x1="18619" y1="7303" x2="18619" y2="7303"/>
+                        <a14:foregroundMark x1="21021" y1="8989" x2="21021" y2="8989"/>
+                        <a14:foregroundMark x1="3904" y1="88764" x2="3904" y2="88764"/>
+                        <a14:foregroundMark x1="3604" y1="84270" x2="3604" y2="84270"/>
+                        <a14:foregroundMark x1="4805" y1="82022" x2="4805" y2="82022"/>
+                        <a14:foregroundMark x1="6607" y1="80337" x2="6607" y2="80337"/>
+                        <a14:foregroundMark x1="8408" y1="79213" x2="8408" y2="79213"/>
+                        <a14:foregroundMark x1="9309" y1="81461" x2="9309" y2="81461"/>
+                        <a14:foregroundMark x1="6607" y1="90449" x2="6607" y2="90449"/>
+                        <a14:foregroundMark x1="8108" y1="88764" x2="8108" y2="88764"/>
+                        <a14:foregroundMark x1="9009" y1="87640" x2="9009" y2="87640"/>
+                        <a14:foregroundMark x1="15616" y1="88764" x2="15616" y2="88764"/>
+                        <a14:foregroundMark x1="15916" y1="84831" x2="15916" y2="84831"/>
+                        <a14:foregroundMark x1="19820" y1="88764" x2="19820" y2="88764"/>
+                        <a14:foregroundMark x1="26727" y1="84831" x2="26727" y2="84831"/>
+                        <a14:foregroundMark x1="27327" y1="83146" x2="27327" y2="83146"/>
+                        <a14:foregroundMark x1="26126" y1="88202" x2="26126" y2="88202"/>
+                        <a14:foregroundMark x1="29429" y1="83146" x2="29429" y2="83146"/>
+                        <a14:foregroundMark x1="30330" y1="83708" x2="30330" y2="83708"/>
+                        <a14:foregroundMark x1="39039" y1="86517" x2="39039" y2="86517"/>
+                        <a14:foregroundMark x1="40240" y1="88764" x2="40240" y2="88764"/>
+                        <a14:foregroundMark x1="46847" y1="86517" x2="46847" y2="86517"/>
+                        <a14:foregroundMark x1="51051" y1="89326" x2="51051" y2="89326"/>
+                        <a14:foregroundMark x1="58559" y1="82584" x2="58559" y2="82584"/>
+                        <a14:foregroundMark x1="57658" y1="88764" x2="57658" y2="88764"/>
+                        <a14:foregroundMark x1="66667" y1="83146" x2="66667" y2="83146"/>
+                        <a14:foregroundMark x1="75075" y1="79775" x2="75075" y2="79775"/>
+                        <a14:foregroundMark x1="74775" y1="83146" x2="74775" y2="83146"/>
+                        <a14:foregroundMark x1="81982" y1="83146" x2="81982" y2="83146"/>
+                        <a14:foregroundMark x1="83784" y1="83708" x2="83784" y2="83708"/>
+                        <a14:foregroundMark x1="92192" y1="83708" x2="92192" y2="83708"/>
+                        <a14:foregroundMark x1="51652" y1="6180" x2="51652" y2="6180"/>
+                        <a14:foregroundMark x1="51351" y1="41011" x2="51351" y2="41011"/>
+                        <a14:foregroundMark x1="52553" y1="34270" x2="52553" y2="34270"/>
+                        <a14:foregroundMark x1="91291" y1="88202" x2="91291" y2="88202"/>
+                        <a14:foregroundMark x1="95495" y1="88202" x2="95495" y2="88202"/>
+                        <a14:foregroundMark x1="94895" y1="91573" x2="94895" y2="91573"/>
+                        <a14:foregroundMark x1="92192" y1="94944" x2="92192" y2="94944"/>
+                        <a14:foregroundMark x1="84985" y1="86517" x2="84985" y2="86517"/>
+                        <a14:foregroundMark x1="36937" y1="89888" x2="36937" y2="89888"/>
+                        <a14:foregroundMark x1="51652" y1="6180" x2="51652" y2="6180"/>
+                        <a14:foregroundMark x1="52853" y1="32584" x2="52853" y2="32584"/>
+                        <a14:backgroundMark x1="33934" y1="38764" x2="33934" y2="38764"/>
+                        <a14:backgroundMark x1="33934" y1="42135" x2="33934" y2="42135"/>
+                        <a14:backgroundMark x1="93994" y1="86517" x2="93994" y2="86517"/>
+                        <a14:backgroundMark x1="50751" y1="32022" x2="50751" y2="32022"/>
+                        <a14:backgroundMark x1="20420" y1="89326" x2="20420" y2="89326"/>
+                      </a14:backgroundRemoval>
+                    </a14:imgEffect>
+                  </a14:imgLayer>
+                </a14:imgProps>
+              </a:ext>
+              <a:ext uri="{28A0092B-C50C-407E-A947-70E740481C1C}">
+                <a14:useLocalDpi xmlns:a14="http://schemas.microsoft.com/office/drawing/2010/main" val="0"/>
+              </a:ext>
+            </a:extLst>
+          </a:blip>
+          <a:stretch>
+            <a:fillRect/>
+          </a:stretch>
+        </p:blipFill>
+        <p:spPr>
+          <a:xfrm>
+            <a:off x="10629901" y="5925616"/>
+            <a:ext cx="1298952" cy="694335"/>
+          </a:xfrm>
+          <a:prstGeom prst="rect">
+            <a:avLst/>
+          </a:prstGeom>
+        </p:spPr>
+      </p:pic>
+      <p:sp>
+        <p:nvSpPr>
+          <p:cNvPr id="6" name="TextBox 5">
+            <a:extLst>
+              <a:ext uri="{FF2B5EF4-FFF2-40B4-BE49-F238E27FC236}">
+                <a16:creationId xmlns:a16="http://schemas.microsoft.com/office/drawing/2014/main" id="{DF2F55A6-762E-4CE0-8C7B-415072614C1C}"/>
+              </a:ext>
+            </a:extLst>
+          </p:cNvPr>
+          <p:cNvSpPr txBox="1"/>
+          <p:nvPr/>
+        </p:nvSpPr>
+        <p:spPr>
+          <a:xfrm>
+            <a:off x="9225170" y="53507"/>
+            <a:ext cx="2809461" cy="2308324"/>
+          </a:xfrm>
+          <a:prstGeom prst="rect">
+            <a:avLst/>
+          </a:prstGeom>
+          <a:solidFill>
+            <a:srgbClr val="FFFF00"/>
+          </a:solidFill>
+        </p:spPr>
+        <p:txBody>
+          <a:bodyPr wrap="square" rtlCol="0">
+            <a:spAutoFit/>
+          </a:bodyPr>
+          <a:lstStyle/>
+          <a:p>
+            <a:r>
+              <a:rPr lang="en-GB" dirty="0" err="1">
                 <a:solidFill>
-                  <a:schemeClr val="accent2">
-                    <a:lumMod val="75000"/>
-                  </a:schemeClr>
+                  <a:schemeClr val="bg1"/>
                 </a:solidFill>
               </a:rPr>
-              <a:t>challenges</a:t>
-            </a:r>
+              <a:t>Aqui</a:t>
+            </a:r>
+            <a:r>
+              <a:rPr lang="en-GB" dirty="0">
+                <a:solidFill>
+                  <a:schemeClr val="bg1"/>
+                </a:solidFill>
+              </a:rPr>
+              <a:t> </a:t>
+            </a:r>
+            <a:r>
+              <a:rPr lang="en-GB" dirty="0" err="1">
+                <a:solidFill>
+                  <a:schemeClr val="bg1"/>
+                </a:solidFill>
+              </a:rPr>
+              <a:t>vamos</a:t>
+            </a:r>
+            <a:r>
+              <a:rPr lang="en-GB" dirty="0">
+                <a:solidFill>
+                  <a:schemeClr val="bg1"/>
+                </a:solidFill>
+              </a:rPr>
+              <a:t> </a:t>
+            </a:r>
+            <a:r>
+              <a:rPr lang="en-GB" dirty="0" err="1">
+                <a:solidFill>
+                  <a:schemeClr val="bg1"/>
+                </a:solidFill>
+              </a:rPr>
+              <a:t>escrever</a:t>
+            </a:r>
+            <a:r>
+              <a:rPr lang="en-GB" dirty="0">
+                <a:solidFill>
+                  <a:schemeClr val="bg1"/>
+                </a:solidFill>
+              </a:rPr>
+              <a:t>:</a:t>
+            </a:r>
+          </a:p>
+          <a:p>
+            <a:pPr marL="285750" indent="-285750">
+              <a:buFontTx/>
+              <a:buChar char="-"/>
+            </a:pPr>
+            <a:r>
+              <a:rPr lang="en-GB" dirty="0">
+                <a:solidFill>
+                  <a:schemeClr val="bg1"/>
+                </a:solidFill>
+              </a:rPr>
+              <a:t>o que </a:t>
+            </a:r>
+            <a:r>
+              <a:rPr lang="en-GB" dirty="0" err="1">
+                <a:solidFill>
+                  <a:schemeClr val="bg1"/>
+                </a:solidFill>
+              </a:rPr>
+              <a:t>encontramos</a:t>
+            </a:r>
+            <a:r>
+              <a:rPr lang="en-GB" dirty="0">
+                <a:solidFill>
+                  <a:schemeClr val="bg1"/>
+                </a:solidFill>
+              </a:rPr>
+              <a:t> (in terms of data)</a:t>
+            </a:r>
+          </a:p>
+          <a:p>
+            <a:pPr marL="285750" indent="-285750">
+              <a:buFontTx/>
+              <a:buChar char="-"/>
+            </a:pPr>
+            <a:r>
+              <a:rPr lang="en-GB" dirty="0" err="1">
+                <a:solidFill>
+                  <a:schemeClr val="bg1"/>
+                </a:solidFill>
+              </a:rPr>
+              <a:t>importancia</a:t>
+            </a:r>
+            <a:r>
+              <a:rPr lang="en-GB" dirty="0">
+                <a:solidFill>
+                  <a:schemeClr val="bg1"/>
+                </a:solidFill>
+              </a:rPr>
+              <a:t> do que </a:t>
+            </a:r>
+            <a:r>
+              <a:rPr lang="en-GB" dirty="0" err="1">
+                <a:solidFill>
+                  <a:schemeClr val="bg1"/>
+                </a:solidFill>
+              </a:rPr>
+              <a:t>encontramos</a:t>
+            </a:r>
+            <a:endParaRPr lang="en-GB" dirty="0">
+              <a:solidFill>
+                <a:schemeClr val="bg1"/>
+              </a:solidFill>
+            </a:endParaRPr>
+          </a:p>
+          <a:p>
+            <a:pPr marL="285750" indent="-285750">
+              <a:buFontTx/>
+              <a:buChar char="-"/>
+            </a:pPr>
+            <a:r>
+              <a:rPr lang="en-GB" dirty="0">
+                <a:solidFill>
+                  <a:schemeClr val="bg1"/>
+                </a:solidFill>
+              </a:rPr>
+              <a:t>Confusion matrix</a:t>
+            </a:r>
+          </a:p>
+          <a:p>
+            <a:pPr marL="285750" indent="-285750">
+              <a:buFontTx/>
+              <a:buChar char="-"/>
+            </a:pPr>
+            <a:r>
+              <a:rPr lang="en-GB" dirty="0" err="1">
+                <a:solidFill>
+                  <a:schemeClr val="bg1"/>
+                </a:solidFill>
+              </a:rPr>
+              <a:t>Resultados</a:t>
+            </a:r>
+            <a:endParaRPr lang="en-GB" dirty="0">
+              <a:solidFill>
+                <a:schemeClr val="bg1"/>
+              </a:solidFill>
+            </a:endParaRPr>
+          </a:p>
+          <a:p>
+            <a:pPr marL="285750" indent="-285750">
+              <a:buFontTx/>
+              <a:buChar char="-"/>
+            </a:pPr>
+            <a:endParaRPr lang="en-GB" dirty="0">
+              <a:solidFill>
+                <a:schemeClr val="bg1"/>
+              </a:solidFill>
+            </a:endParaRPr>
+          </a:p>
+        </p:txBody>
+      </p:sp>
+    </p:spTree>
+    <p:extLst>
+      <p:ext uri="{BB962C8B-B14F-4D97-AF65-F5344CB8AC3E}">
+        <p14:creationId xmlns:p14="http://schemas.microsoft.com/office/powerpoint/2010/main" val="1484628138"/>
+      </p:ext>
+    </p:extLst>
+  </p:cSld>
+  <p:clrMapOvr>
+    <a:masterClrMapping/>
+  </p:clrMapOvr>
+</p:sld>
+</file>
+
+<file path=ppt/slides/slide4.xml><?xml version="1.0" encoding="utf-8"?>
+<p:sld xmlns:a="http://schemas.openxmlformats.org/drawingml/2006/main" xmlns:r="http://schemas.openxmlformats.org/officeDocument/2006/relationships" xmlns:p="http://schemas.openxmlformats.org/presentationml/2006/main">
+  <p:cSld>
+    <p:spTree>
+      <p:nvGrpSpPr>
+        <p:cNvPr id="1" name=""/>
+        <p:cNvGrpSpPr/>
+        <p:nvPr/>
+      </p:nvGrpSpPr>
+      <p:grpSpPr>
+        <a:xfrm>
+          <a:off x="0" y="0"/>
+          <a:ext cx="0" cy="0"/>
+          <a:chOff x="0" y="0"/>
+          <a:chExt cx="0" cy="0"/>
+        </a:xfrm>
+      </p:grpSpPr>
+      <p:sp>
+        <p:nvSpPr>
+          <p:cNvPr id="2" name="Title 1">
+            <a:extLst>
+              <a:ext uri="{FF2B5EF4-FFF2-40B4-BE49-F238E27FC236}">
+                <a16:creationId xmlns:a16="http://schemas.microsoft.com/office/drawing/2014/main" id="{DEE429DE-16B6-4840-AB34-DC60BAC8CD14}"/>
+              </a:ext>
+            </a:extLst>
+          </p:cNvPr>
+          <p:cNvSpPr>
+            <a:spLocks noGrp="1"/>
+          </p:cNvSpPr>
+          <p:nvPr>
+            <p:ph type="title"/>
+          </p:nvPr>
+        </p:nvSpPr>
+        <p:spPr/>
+        <p:txBody>
+          <a:bodyPr/>
+          <a:lstStyle/>
+          <a:p>
             <a:r>
               <a:rPr lang="en-GB" dirty="0"/>
-              <a:t> on the dataset provided:</a:t>
-            </a:r>
-          </a:p>
+              <a:t>Key Findings</a:t>
+            </a:r>
+          </a:p>
+        </p:txBody>
+      </p:sp>
+      <p:sp>
+        <p:nvSpPr>
+          <p:cNvPr id="3" name="Content Placeholder 2">
+            <a:extLst>
+              <a:ext uri="{FF2B5EF4-FFF2-40B4-BE49-F238E27FC236}">
+                <a16:creationId xmlns:a16="http://schemas.microsoft.com/office/drawing/2014/main" id="{D95F98AC-FDB5-4613-9807-237F77E9D651}"/>
+              </a:ext>
+            </a:extLst>
+          </p:cNvPr>
+          <p:cNvSpPr>
+            <a:spLocks noGrp="1"/>
+          </p:cNvSpPr>
+          <p:nvPr>
+            <p:ph sz="half" idx="1"/>
+          </p:nvPr>
+        </p:nvSpPr>
+        <p:spPr/>
+        <p:txBody>
+          <a:bodyPr/>
+          <a:lstStyle/>
           <a:p>
             <a:pPr lvl="0">
               <a:buBlip>
@@ -5399,20 +5917,10 @@
               </a:buBlip>
             </a:pPr>
             <a:r>
-              <a:rPr lang="en-GB" dirty="0">
-                <a:solidFill>
-                  <a:srgbClr val="C00000"/>
-                </a:solidFill>
-                <a:highlight>
-                  <a:srgbClr val="FFFF00"/>
-                </a:highlight>
-              </a:rPr>
-              <a:t>~30%</a:t>
-            </a:r>
-            <a:r>
-              <a:rPr lang="en-GB" dirty="0"/>
-              <a:t> of what seemed to be duplicated entries</a:t>
-            </a:r>
+              <a:rPr lang="en-US" dirty="0"/>
+              <a:t> Implement better price and overbooking policies.</a:t>
+            </a:r>
+            <a:endParaRPr lang="en-GB" dirty="0"/>
           </a:p>
           <a:p>
             <a:pPr lvl="0">
@@ -5427,38 +5935,12 @@
               </a:buBlip>
             </a:pPr>
             <a:r>
-              <a:rPr lang="en-US" dirty="0"/>
-              <a:t>Identify high cancellation likelihood bookings.</a:t>
-            </a:r>
+              <a:rPr lang="en-GB" dirty="0"/>
+              <a:t> 42% Cancelled</a:t>
+            </a:r>
+          </a:p>
+          <a:p>
             <a:endParaRPr lang="en-GB" dirty="0"/>
-          </a:p>
-          <a:p>
-            <a:endParaRPr lang="en-GB" dirty="0"/>
-          </a:p>
-        </p:txBody>
-      </p:sp>
-      <p:sp>
-        <p:nvSpPr>
-          <p:cNvPr id="4" name="Content Placeholder 3">
-            <a:extLst>
-              <a:ext uri="{FF2B5EF4-FFF2-40B4-BE49-F238E27FC236}">
-                <a16:creationId xmlns:a16="http://schemas.microsoft.com/office/drawing/2014/main" id="{74C29F94-9013-443B-85B8-A87E07003C7C}"/>
-              </a:ext>
-            </a:extLst>
-          </p:cNvPr>
-          <p:cNvSpPr>
-            <a:spLocks noGrp="1"/>
-          </p:cNvSpPr>
-          <p:nvPr>
-            <p:ph sz="half" idx="2"/>
-          </p:nvPr>
-        </p:nvSpPr>
-        <p:spPr/>
-        <p:txBody>
-          <a:bodyPr/>
-          <a:lstStyle/>
-          <a:p>
-            <a:endParaRPr lang="en-GB"/>
           </a:p>
         </p:txBody>
       </p:sp>
@@ -5700,7 +6182,7 @@
         <p:spPr>
           <a:xfrm>
             <a:off x="9225170" y="53507"/>
-            <a:ext cx="2809461" cy="2031325"/>
+            <a:ext cx="2809461" cy="1477328"/>
           </a:xfrm>
           <a:prstGeom prst="rect">
             <a:avLst/>
@@ -5770,12 +6252,20 @@
               <a:buChar char="-"/>
             </a:pPr>
             <a:r>
+              <a:rPr lang="en-GB" dirty="0" err="1">
+                <a:solidFill>
+                  <a:schemeClr val="bg1"/>
+                </a:solidFill>
+              </a:rPr>
+              <a:t>Mostrar</a:t>
+            </a:r>
+            <a:r>
               <a:rPr lang="en-GB" dirty="0">
                 <a:solidFill>
                   <a:schemeClr val="bg1"/>
                 </a:solidFill>
               </a:rPr>
-              <a:t>o que </a:t>
+              <a:t> um </a:t>
             </a:r>
             <a:r>
               <a:rPr lang="en-GB" dirty="0" err="1">
@@ -5783,7 +6273,7 @@
                   <a:schemeClr val="bg1"/>
                 </a:solidFill>
               </a:rPr>
-              <a:t>encontramos</a:t>
+              <a:t>pouco</a:t>
             </a:r>
             <a:r>
               <a:rPr lang="en-GB" dirty="0">
@@ -5791,72 +6281,7 @@
                   <a:schemeClr val="bg1"/>
                 </a:solidFill>
               </a:rPr>
-              <a:t> (in terms of data)</a:t>
-            </a:r>
-          </a:p>
-          <a:p>
-            <a:pPr marL="285750" indent="-285750">
-              <a:buFontTx/>
-              <a:buChar char="-"/>
-            </a:pPr>
-            <a:r>
-              <a:rPr lang="en-GB" dirty="0" err="1">
-                <a:solidFill>
-                  <a:schemeClr val="bg1"/>
-                </a:solidFill>
-              </a:rPr>
-              <a:t>importancia</a:t>
-            </a:r>
-            <a:r>
-              <a:rPr lang="en-GB" dirty="0">
-                <a:solidFill>
-                  <a:schemeClr val="bg1"/>
-                </a:solidFill>
-              </a:rPr>
-              <a:t> do que </a:t>
-            </a:r>
-            <a:r>
-              <a:rPr lang="en-GB" dirty="0" err="1">
-                <a:solidFill>
-                  <a:schemeClr val="bg1"/>
-                </a:solidFill>
-              </a:rPr>
-              <a:t>encontramos</a:t>
-            </a:r>
-            <a:endParaRPr lang="en-GB" dirty="0">
-              <a:solidFill>
-                <a:schemeClr val="bg1"/>
-              </a:solidFill>
-            </a:endParaRPr>
-          </a:p>
-          <a:p>
-            <a:pPr marL="285750" indent="-285750">
-              <a:buFontTx/>
-              <a:buChar char="-"/>
-            </a:pPr>
-            <a:r>
-              <a:rPr lang="en-GB" dirty="0">
-                <a:solidFill>
-                  <a:schemeClr val="bg1"/>
-                </a:solidFill>
-              </a:rPr>
-              <a:t>1 </a:t>
-            </a:r>
-            <a:r>
-              <a:rPr lang="en-GB" dirty="0" err="1">
-                <a:solidFill>
-                  <a:schemeClr val="bg1"/>
-                </a:solidFill>
-              </a:rPr>
-              <a:t>ou</a:t>
-            </a:r>
-            <a:r>
-              <a:rPr lang="en-GB" dirty="0">
-                <a:solidFill>
-                  <a:schemeClr val="bg1"/>
-                </a:solidFill>
-              </a:rPr>
-              <a:t> 2 </a:t>
+              <a:t> dos dados (</a:t>
             </a:r>
             <a:r>
               <a:rPr lang="en-GB" dirty="0" err="1">
@@ -5866,32 +6291,171 @@
               </a:rPr>
               <a:t>visualizacoes</a:t>
             </a:r>
-            <a:endParaRPr lang="en-GB" dirty="0">
-              <a:solidFill>
-                <a:schemeClr val="bg1"/>
-              </a:solidFill>
-            </a:endParaRPr>
-          </a:p>
-          <a:p>
-            <a:pPr marL="285750" indent="-285750">
-              <a:buFontTx/>
-              <a:buChar char="-"/>
-            </a:pPr>
             <a:r>
               <a:rPr lang="en-GB" dirty="0">
                 <a:solidFill>
                   <a:schemeClr val="bg1"/>
                 </a:solidFill>
               </a:rPr>
-              <a:t>main variables</a:t>
-            </a:r>
-          </a:p>
-        </p:txBody>
-      </p:sp>
+              <a:t>)</a:t>
+            </a:r>
+          </a:p>
+          <a:p>
+            <a:pPr marL="285750" indent="-285750">
+              <a:buFontTx/>
+              <a:buChar char="-"/>
+            </a:pPr>
+            <a:r>
+              <a:rPr lang="en-GB" dirty="0" err="1">
+                <a:solidFill>
+                  <a:schemeClr val="bg1"/>
+                </a:solidFill>
+              </a:rPr>
+              <a:t>Grafico</a:t>
+            </a:r>
+            <a:r>
+              <a:rPr lang="en-GB" dirty="0">
+                <a:solidFill>
+                  <a:schemeClr val="bg1"/>
+                </a:solidFill>
+              </a:rPr>
+              <a:t> RFE / Main variables</a:t>
+            </a:r>
+          </a:p>
+        </p:txBody>
+      </p:sp>
+      <p:pic>
+        <p:nvPicPr>
+          <p:cNvPr id="7" name="Picture 6">
+            <a:extLst>
+              <a:ext uri="{FF2B5EF4-FFF2-40B4-BE49-F238E27FC236}">
+                <a16:creationId xmlns:a16="http://schemas.microsoft.com/office/drawing/2014/main" id="{8DD3CB0C-E3E0-492B-8948-35C6EB0136E4}"/>
+              </a:ext>
+            </a:extLst>
+          </p:cNvPr>
+          <p:cNvPicPr>
+            <a:picLocks noChangeAspect="1"/>
+          </p:cNvPicPr>
+          <p:nvPr/>
+        </p:nvPicPr>
+        <p:blipFill>
+          <a:blip r:embed="rId6">
+            <a:extLst>
+              <a:ext uri="{BEBA8EAE-BF5A-486C-A8C5-ECC9F3942E4B}">
+                <a14:imgProps xmlns:a14="http://schemas.microsoft.com/office/drawing/2010/main">
+                  <a14:imgLayer r:embed="rId7">
+                    <a14:imgEffect>
+                      <a14:saturation sat="33000"/>
+                    </a14:imgEffect>
+                  </a14:imgLayer>
+                </a14:imgProps>
+              </a:ext>
+            </a:extLst>
+          </a:blip>
+          <a:stretch>
+            <a:fillRect/>
+          </a:stretch>
+        </p:blipFill>
+        <p:spPr>
+          <a:xfrm>
+            <a:off x="8597246" y="1827263"/>
+            <a:ext cx="4476786" cy="2912977"/>
+          </a:xfrm>
+          <a:prstGeom prst="roundRect">
+            <a:avLst>
+              <a:gd name="adj" fmla="val 4167"/>
+            </a:avLst>
+          </a:prstGeom>
+          <a:solidFill>
+            <a:srgbClr val="FFFFFF"/>
+          </a:solidFill>
+          <a:ln w="76200" cap="sq">
+            <a:solidFill>
+              <a:srgbClr val="292929"/>
+            </a:solidFill>
+            <a:miter lim="800000"/>
+          </a:ln>
+          <a:effectLst>
+            <a:reflection blurRad="12700" stA="28000" endPos="28000" dist="5000" dir="5400000" sy="-100000" algn="bl" rotWithShape="0"/>
+          </a:effectLst>
+          <a:scene3d>
+            <a:camera prst="orthographicFront"/>
+            <a:lightRig rig="threePt" dir="t">
+              <a:rot lat="0" lon="0" rev="2700000"/>
+            </a:lightRig>
+          </a:scene3d>
+          <a:sp3d>
+            <a:bevelT h="38100"/>
+            <a:contourClr>
+              <a:srgbClr val="C0C0C0"/>
+            </a:contourClr>
+          </a:sp3d>
+        </p:spPr>
+      </p:pic>
+      <p:pic>
+        <p:nvPicPr>
+          <p:cNvPr id="9" name="Picture 8">
+            <a:extLst>
+              <a:ext uri="{FF2B5EF4-FFF2-40B4-BE49-F238E27FC236}">
+                <a16:creationId xmlns:a16="http://schemas.microsoft.com/office/drawing/2014/main" id="{50000846-03FA-43CA-BD28-7EDF7227B283}"/>
+              </a:ext>
+            </a:extLst>
+          </p:cNvPr>
+          <p:cNvPicPr>
+            <a:picLocks noChangeAspect="1"/>
+          </p:cNvPicPr>
+          <p:nvPr/>
+        </p:nvPicPr>
+        <p:blipFill>
+          <a:blip r:embed="rId8"/>
+          <a:stretch>
+            <a:fillRect/>
+          </a:stretch>
+        </p:blipFill>
+        <p:spPr>
+          <a:xfrm>
+            <a:off x="5293137" y="3851655"/>
+            <a:ext cx="5153886" cy="2421128"/>
+          </a:xfrm>
+          <a:prstGeom prst="rect">
+            <a:avLst/>
+          </a:prstGeom>
+        </p:spPr>
+      </p:pic>
+      <p:pic>
+        <p:nvPicPr>
+          <p:cNvPr id="10" name="Picture 9">
+            <a:extLst>
+              <a:ext uri="{FF2B5EF4-FFF2-40B4-BE49-F238E27FC236}">
+                <a16:creationId xmlns:a16="http://schemas.microsoft.com/office/drawing/2014/main" id="{5E81AB5E-1CED-49D4-B7A4-A96A5037D116}"/>
+              </a:ext>
+            </a:extLst>
+          </p:cNvPr>
+          <p:cNvPicPr>
+            <a:picLocks noChangeAspect="1"/>
+          </p:cNvPicPr>
+          <p:nvPr/>
+        </p:nvPicPr>
+        <p:blipFill>
+          <a:blip r:embed="rId9"/>
+          <a:stretch>
+            <a:fillRect/>
+          </a:stretch>
+        </p:blipFill>
+        <p:spPr>
+          <a:xfrm>
+            <a:off x="5884164" y="728672"/>
+            <a:ext cx="3200400" cy="3305175"/>
+          </a:xfrm>
+          <a:prstGeom prst="rect">
+            <a:avLst/>
+          </a:prstGeom>
+        </p:spPr>
+      </p:pic>
     </p:spTree>
     <p:extLst>
       <p:ext uri="{BB962C8B-B14F-4D97-AF65-F5344CB8AC3E}">
-        <p14:creationId xmlns:p14="http://schemas.microsoft.com/office/powerpoint/2010/main" val="1484628138"/>
+        <p14:creationId xmlns:p14="http://schemas.microsoft.com/office/powerpoint/2010/main" val="753190076"/>
       </p:ext>
     </p:extLst>
   </p:cSld>
@@ -5901,7 +6465,7 @@
 </p:sld>
 </file>
 
-<file path=ppt/slides/slide4.xml><?xml version="1.0" encoding="utf-8"?>
+<file path=ppt/slides/slide5.xml><?xml version="1.0" encoding="utf-8"?>
 <p:sld xmlns:a="http://schemas.openxmlformats.org/drawingml/2006/main" xmlns:r="http://schemas.openxmlformats.org/officeDocument/2006/relationships" xmlns:p="http://schemas.openxmlformats.org/presentationml/2006/main">
   <p:cSld>
     <p:spTree>
@@ -5941,8 +6505,559 @@
           <a:p>
             <a:r>
               <a:rPr lang="en-GB" dirty="0"/>
-              <a:t>Process</a:t>
-            </a:r>
+              <a:t>Project Plan</a:t>
+            </a:r>
+          </a:p>
+        </p:txBody>
+      </p:sp>
+      <p:sp>
+        <p:nvSpPr>
+          <p:cNvPr id="3" name="Content Placeholder 2">
+            <a:extLst>
+              <a:ext uri="{FF2B5EF4-FFF2-40B4-BE49-F238E27FC236}">
+                <a16:creationId xmlns:a16="http://schemas.microsoft.com/office/drawing/2014/main" id="{D95F98AC-FDB5-4613-9807-237F77E9D651}"/>
+              </a:ext>
+            </a:extLst>
+          </p:cNvPr>
+          <p:cNvSpPr>
+            <a:spLocks noGrp="1"/>
+          </p:cNvSpPr>
+          <p:nvPr>
+            <p:ph sz="half" idx="1"/>
+          </p:nvPr>
+        </p:nvSpPr>
+        <p:spPr/>
+        <p:txBody>
+          <a:bodyPr/>
+          <a:lstStyle/>
+          <a:p>
+            <a:pPr marL="0" indent="0">
+              <a:buNone/>
+            </a:pPr>
+            <a:r>
+              <a:rPr lang="en-GB" dirty="0"/>
+              <a:t>Dataset </a:t>
+            </a:r>
+            <a:r>
+              <a:rPr lang="en-GB" u="sng" dirty="0">
+                <a:solidFill>
+                  <a:schemeClr val="accent2">
+                    <a:lumMod val="75000"/>
+                  </a:schemeClr>
+                </a:solidFill>
+              </a:rPr>
+              <a:t>challenges</a:t>
+            </a:r>
+            <a:r>
+              <a:rPr lang="en-GB" dirty="0"/>
+              <a:t>:</a:t>
+            </a:r>
+          </a:p>
+          <a:p>
+            <a:pPr lvl="0">
+              <a:buBlip>
+                <a:blip r:embed="rId2">
+                  <a:extLst>
+                    <a:ext uri="{96DAC541-7B7A-43D3-8B79-37D633B846F1}">
+                      <asvg:svgBlip xmlns:asvg="http://schemas.microsoft.com/office/drawing/2016/SVG/main" r:embed="rId3"/>
+                    </a:ext>
+                  </a:extLst>
+                </a:blip>
+              </a:buBlip>
+            </a:pPr>
+            <a:r>
+              <a:rPr lang="en-GB" dirty="0"/>
+              <a:t>Limited dataset – 79330 observations</a:t>
+            </a:r>
+          </a:p>
+          <a:p>
+            <a:pPr lvl="0">
+              <a:buBlip>
+                <a:blip r:embed="rId2">
+                  <a:extLst>
+                    <a:ext uri="{96DAC541-7B7A-43D3-8B79-37D633B846F1}">
+                      <asvg:svgBlip xmlns:asvg="http://schemas.microsoft.com/office/drawing/2016/SVG/main" r:embed="rId3"/>
+                    </a:ext>
+                  </a:extLst>
+                </a:blip>
+              </a:buBlip>
+            </a:pPr>
+            <a:r>
+              <a:rPr lang="en-GB" dirty="0">
+                <a:solidFill>
+                  <a:srgbClr val="C00000"/>
+                </a:solidFill>
+                <a:highlight>
+                  <a:srgbClr val="FFFF00"/>
+                </a:highlight>
+              </a:rPr>
+              <a:t>Data quality: ~30%</a:t>
+            </a:r>
+            <a:r>
+              <a:rPr lang="en-GB" dirty="0"/>
+              <a:t> of what seemed to be duplicated entries</a:t>
+            </a:r>
+          </a:p>
+          <a:p>
+            <a:pPr lvl="0">
+              <a:buBlip>
+                <a:blip r:embed="rId2">
+                  <a:extLst>
+                    <a:ext uri="{96DAC541-7B7A-43D3-8B79-37D633B846F1}">
+                      <asvg:svgBlip xmlns:asvg="http://schemas.microsoft.com/office/drawing/2016/SVG/main" r:embed="rId3"/>
+                    </a:ext>
+                  </a:extLst>
+                </a:blip>
+              </a:buBlip>
+            </a:pPr>
+            <a:r>
+              <a:rPr lang="en-GB" dirty="0"/>
+              <a:t>Overfitting</a:t>
+            </a:r>
+          </a:p>
+          <a:p>
+            <a:endParaRPr lang="en-GB" dirty="0"/>
+          </a:p>
+        </p:txBody>
+      </p:sp>
+      <p:sp>
+        <p:nvSpPr>
+          <p:cNvPr id="4" name="Content Placeholder 3">
+            <a:extLst>
+              <a:ext uri="{FF2B5EF4-FFF2-40B4-BE49-F238E27FC236}">
+                <a16:creationId xmlns:a16="http://schemas.microsoft.com/office/drawing/2014/main" id="{74C29F94-9013-443B-85B8-A87E07003C7C}"/>
+              </a:ext>
+            </a:extLst>
+          </p:cNvPr>
+          <p:cNvSpPr>
+            <a:spLocks noGrp="1"/>
+          </p:cNvSpPr>
+          <p:nvPr>
+            <p:ph sz="half" idx="2"/>
+          </p:nvPr>
+        </p:nvSpPr>
+        <p:spPr/>
+        <p:txBody>
+          <a:bodyPr/>
+          <a:lstStyle/>
+          <a:p>
+            <a:endParaRPr lang="en-GB"/>
+          </a:p>
+        </p:txBody>
+      </p:sp>
+      <p:pic>
+        <p:nvPicPr>
+          <p:cNvPr id="5" name="Picture 4">
+            <a:extLst>
+              <a:ext uri="{FF2B5EF4-FFF2-40B4-BE49-F238E27FC236}">
+                <a16:creationId xmlns:a16="http://schemas.microsoft.com/office/drawing/2014/main" id="{75035DF1-F637-4C24-A7E4-AE5681F218B0}"/>
+              </a:ext>
+            </a:extLst>
+          </p:cNvPr>
+          <p:cNvPicPr>
+            <a:picLocks noChangeAspect="1"/>
+          </p:cNvPicPr>
+          <p:nvPr/>
+        </p:nvPicPr>
+        <p:blipFill>
+          <a:blip r:embed="rId4">
+            <a:duotone>
+              <a:schemeClr val="accent1">
+                <a:shade val="45000"/>
+                <a:satMod val="135000"/>
+              </a:schemeClr>
+              <a:prstClr val="white"/>
+            </a:duotone>
+            <a:extLst>
+              <a:ext uri="{BEBA8EAE-BF5A-486C-A8C5-ECC9F3942E4B}">
+                <a14:imgProps xmlns:a14="http://schemas.microsoft.com/office/drawing/2010/main">
+                  <a14:imgLayer r:embed="rId5">
+                    <a14:imgEffect>
+                      <a14:backgroundRemoval t="6180" b="94944" l="3604" r="94895">
+                        <a14:foregroundMark x1="49850" y1="7865" x2="49850" y2="7865"/>
+                        <a14:foregroundMark x1="17718" y1="69101" x2="17718" y2="69101"/>
+                        <a14:foregroundMark x1="18619" y1="67978" x2="18619" y2="67978"/>
+                        <a14:foregroundMark x1="21321" y1="66292" x2="21321" y2="66292"/>
+                        <a14:foregroundMark x1="23724" y1="65730" x2="23724" y2="65730"/>
+                        <a14:foregroundMark x1="25526" y1="63483" x2="25526" y2="63483"/>
+                        <a14:foregroundMark x1="25826" y1="61798" x2="25826" y2="61798"/>
+                        <a14:foregroundMark x1="27027" y1="60674" x2="27027" y2="60674"/>
+                        <a14:foregroundMark x1="29429" y1="56180" x2="29429" y2="56180"/>
+                        <a14:foregroundMark x1="30931" y1="50000" x2="30931" y2="50000"/>
+                        <a14:foregroundMark x1="31231" y1="42697" x2="31231" y2="42697"/>
+                        <a14:foregroundMark x1="31532" y1="35393" x2="31532" y2="35393"/>
+                        <a14:foregroundMark x1="30631" y1="47191" x2="30631" y2="47191"/>
+                        <a14:foregroundMark x1="30931" y1="40449" x2="30931" y2="40449"/>
+                        <a14:foregroundMark x1="31532" y1="33708" x2="31532" y2="33708"/>
+                        <a14:foregroundMark x1="30931" y1="30337" x2="30931" y2="30337"/>
+                        <a14:foregroundMark x1="30330" y1="27528" x2="30330" y2="27528"/>
+                        <a14:foregroundMark x1="30030" y1="24157" x2="30030" y2="24157"/>
+                        <a14:foregroundMark x1="29129" y1="22472" x2="29129" y2="22472"/>
+                        <a14:foregroundMark x1="28228" y1="20225" x2="28228" y2="20225"/>
+                        <a14:foregroundMark x1="27628" y1="17416" x2="27628" y2="17416"/>
+                        <a14:foregroundMark x1="27327" y1="17416" x2="27327" y2="17416"/>
+                        <a14:foregroundMark x1="25526" y1="15169" x2="25526" y2="15169"/>
+                        <a14:foregroundMark x1="17117" y1="67978" x2="17117" y2="67978"/>
+                        <a14:foregroundMark x1="15015" y1="69101" x2="15015" y2="69101"/>
+                        <a14:foregroundMark x1="13213" y1="69101" x2="13213" y2="69101"/>
+                        <a14:foregroundMark x1="11411" y1="69663" x2="11411" y2="69663"/>
+                        <a14:foregroundMark x1="9009" y1="69663" x2="9009" y2="69663"/>
+                        <a14:foregroundMark x1="6907" y1="69101" x2="6907" y2="69101"/>
+                        <a14:foregroundMark x1="6607" y1="67978" x2="6607" y2="67978"/>
+                        <a14:foregroundMark x1="6607" y1="65730" x2="6607" y2="65730"/>
+                        <a14:foregroundMark x1="5105" y1="70787" x2="5105" y2="70787"/>
+                        <a14:foregroundMark x1="3904" y1="71348" x2="3904" y2="71348"/>
+                        <a14:foregroundMark x1="5105" y1="66292" x2="5105" y2="66292"/>
+                        <a14:foregroundMark x1="5105" y1="61798" x2="5105" y2="61798"/>
+                        <a14:foregroundMark x1="5706" y1="58989" x2="5706" y2="58989"/>
+                        <a14:foregroundMark x1="5706" y1="56180" x2="5706" y2="56180"/>
+                        <a14:foregroundMark x1="5405" y1="51124" x2="5405" y2="51124"/>
+                        <a14:foregroundMark x1="5405" y1="47753" x2="5405" y2="47753"/>
+                        <a14:foregroundMark x1="5405" y1="39888" x2="5405" y2="39888"/>
+                        <a14:foregroundMark x1="5105" y1="43258" x2="5105" y2="43258"/>
+                        <a14:foregroundMark x1="5405" y1="33146" x2="5405" y2="33146"/>
+                        <a14:foregroundMark x1="5706" y1="37640" x2="5706" y2="37640"/>
+                        <a14:foregroundMark x1="5706" y1="29213" x2="5706" y2="29213"/>
+                        <a14:foregroundMark x1="5706" y1="21348" x2="5706" y2="21348"/>
+                        <a14:foregroundMark x1="5706" y1="25843" x2="5706" y2="25843"/>
+                        <a14:foregroundMark x1="6306" y1="17416" x2="6306" y2="17416"/>
+                        <a14:foregroundMark x1="6306" y1="14045" x2="6306" y2="14045"/>
+                        <a14:foregroundMark x1="6306" y1="10112" x2="6306" y2="10112"/>
+                        <a14:foregroundMark x1="6006" y1="6742" x2="6006" y2="6742"/>
+                        <a14:foregroundMark x1="7207" y1="7303" x2="7207" y2="7303"/>
+                        <a14:foregroundMark x1="10511" y1="7303" x2="10511" y2="7303"/>
+                        <a14:foregroundMark x1="12312" y1="8427" x2="12312" y2="8427"/>
+                        <a14:foregroundMark x1="14715" y1="8427" x2="14715" y2="8427"/>
+                        <a14:foregroundMark x1="17417" y1="8989" x2="17417" y2="8989"/>
+                        <a14:foregroundMark x1="74174" y1="10112" x2="74174" y2="10112"/>
+                        <a14:foregroundMark x1="74474" y1="16292" x2="74474" y2="16292"/>
+                        <a14:foregroundMark x1="74775" y1="14045" x2="74775" y2="14045"/>
+                        <a14:foregroundMark x1="75375" y1="9551" x2="75375" y2="9551"/>
+                        <a14:foregroundMark x1="74775" y1="12360" x2="74775" y2="12360"/>
+                        <a14:foregroundMark x1="73874" y1="6742" x2="73874" y2="6742"/>
+                        <a14:foregroundMark x1="75676" y1="10112" x2="75676" y2="10112"/>
+                        <a14:foregroundMark x1="77778" y1="9551" x2="77778" y2="9551"/>
+                        <a14:foregroundMark x1="75075" y1="17416" x2="75075" y2="17416"/>
+                        <a14:foregroundMark x1="74474" y1="24719" x2="74474" y2="24719"/>
+                        <a14:foregroundMark x1="74474" y1="20787" x2="74474" y2="20787"/>
+                        <a14:foregroundMark x1="75375" y1="29775" x2="75375" y2="29775"/>
+                        <a14:foregroundMark x1="75075" y1="34270" x2="75075" y2="34270"/>
+                        <a14:foregroundMark x1="74775" y1="32584" x2="74775" y2="32584"/>
+                        <a14:foregroundMark x1="75075" y1="38202" x2="75075" y2="38202"/>
+                        <a14:foregroundMark x1="75075" y1="42697" x2="75075" y2="42697"/>
+                        <a14:foregroundMark x1="74474" y1="41011" x2="74474" y2="41011"/>
+                        <a14:foregroundMark x1="74174" y1="48315" x2="74174" y2="48315"/>
+                        <a14:foregroundMark x1="74775" y1="52809" x2="74775" y2="52809"/>
+                        <a14:foregroundMark x1="75375" y1="58427" x2="75375" y2="58427"/>
+                        <a14:foregroundMark x1="75075" y1="62360" x2="75075" y2="62360"/>
+                        <a14:foregroundMark x1="75075" y1="65730" x2="75075" y2="65730"/>
+                        <a14:foregroundMark x1="75075" y1="68539" x2="75075" y2="68539"/>
+                        <a14:foregroundMark x1="75075" y1="70787" x2="75075" y2="70787"/>
+                        <a14:foregroundMark x1="82583" y1="71348" x2="82583" y2="71348"/>
+                        <a14:foregroundMark x1="80180" y1="70787" x2="80180" y2="70787"/>
+                        <a14:foregroundMark x1="86787" y1="69101" x2="86787" y2="69101"/>
+                        <a14:foregroundMark x1="90691" y1="67416" x2="90691" y2="67416"/>
+                        <a14:foregroundMark x1="85586" y1="69663" x2="85586" y2="69663"/>
+                        <a14:foregroundMark x1="89790" y1="68539" x2="89790" y2="68539"/>
+                        <a14:foregroundMark x1="91892" y1="65169" x2="91892" y2="65169"/>
+                        <a14:foregroundMark x1="93093" y1="63483" x2="93093" y2="63483"/>
+                        <a14:foregroundMark x1="93994" y1="59551" x2="93994" y2="59551"/>
+                        <a14:foregroundMark x1="94595" y1="57303" x2="94595" y2="57303"/>
+                        <a14:foregroundMark x1="94595" y1="53933" x2="94595" y2="53933"/>
+                        <a14:foregroundMark x1="94595" y1="51124" x2="94595" y2="51124"/>
+                        <a14:foregroundMark x1="93994" y1="48315" x2="93994" y2="48315"/>
+                        <a14:foregroundMark x1="93694" y1="46629" x2="93694" y2="46629"/>
+                        <a14:foregroundMark x1="93093" y1="42697" x2="93093" y2="42697"/>
+                        <a14:foregroundMark x1="91592" y1="42135" x2="91592" y2="42135"/>
+                        <a14:foregroundMark x1="89189" y1="40449" x2="89189" y2="40449"/>
+                        <a14:foregroundMark x1="89189" y1="38764" x2="89189" y2="38764"/>
+                        <a14:foregroundMark x1="86486" y1="35955" x2="86486" y2="35955"/>
+                        <a14:foregroundMark x1="84384" y1="37079" x2="84384" y2="37079"/>
+                        <a14:foregroundMark x1="81381" y1="36517" x2="81381" y2="36517"/>
+                        <a14:foregroundMark x1="78679" y1="36517" x2="78679" y2="36517"/>
+                        <a14:foregroundMark x1="84384" y1="37079" x2="84384" y2="37079"/>
+                        <a14:foregroundMark x1="84985" y1="34831" x2="84985" y2="34831"/>
+                        <a14:foregroundMark x1="89790" y1="34831" x2="89790" y2="34831"/>
+                        <a14:foregroundMark x1="91291" y1="32584" x2="91291" y2="32584"/>
+                        <a14:foregroundMark x1="92192" y1="30337" x2="92192" y2="30337"/>
+                        <a14:foregroundMark x1="92492" y1="29213" x2="92492" y2="29213"/>
+                        <a14:foregroundMark x1="92492" y1="26966" x2="92492" y2="26966"/>
+                        <a14:foregroundMark x1="92492" y1="24157" x2="92492" y2="24157"/>
+                        <a14:foregroundMark x1="93694" y1="29775" x2="93694" y2="29775"/>
+                        <a14:foregroundMark x1="94595" y1="26404" x2="94595" y2="26404"/>
+                        <a14:foregroundMark x1="94895" y1="23596" x2="94895" y2="23596"/>
+                        <a14:foregroundMark x1="94895" y1="20225" x2="94895" y2="20225"/>
+                        <a14:foregroundMark x1="95495" y1="18539" x2="95495" y2="18539"/>
+                        <a14:foregroundMark x1="93093" y1="17416" x2="93093" y2="17416"/>
+                        <a14:foregroundMark x1="92492" y1="14607" x2="92492" y2="14607"/>
+                        <a14:foregroundMark x1="91592" y1="11798" x2="91592" y2="11798"/>
+                        <a14:foregroundMark x1="89489" y1="10674" x2="89489" y2="10674"/>
+                        <a14:foregroundMark x1="87087" y1="10112" x2="87087" y2="10112"/>
+                        <a14:foregroundMark x1="76577" y1="67978" x2="76577" y2="67978"/>
+                        <a14:foregroundMark x1="78979" y1="69101" x2="78979" y2="69101"/>
+                        <a14:foregroundMark x1="81381" y1="69101" x2="81381" y2="69101"/>
+                        <a14:foregroundMark x1="15916" y1="7865" x2="15916" y2="7865"/>
+                        <a14:foregroundMark x1="18619" y1="7303" x2="18619" y2="7303"/>
+                        <a14:foregroundMark x1="21021" y1="8989" x2="21021" y2="8989"/>
+                        <a14:foregroundMark x1="3904" y1="88764" x2="3904" y2="88764"/>
+                        <a14:foregroundMark x1="3604" y1="84270" x2="3604" y2="84270"/>
+                        <a14:foregroundMark x1="4805" y1="82022" x2="4805" y2="82022"/>
+                        <a14:foregroundMark x1="6607" y1="80337" x2="6607" y2="80337"/>
+                        <a14:foregroundMark x1="8408" y1="79213" x2="8408" y2="79213"/>
+                        <a14:foregroundMark x1="9309" y1="81461" x2="9309" y2="81461"/>
+                        <a14:foregroundMark x1="6607" y1="90449" x2="6607" y2="90449"/>
+                        <a14:foregroundMark x1="8108" y1="88764" x2="8108" y2="88764"/>
+                        <a14:foregroundMark x1="9009" y1="87640" x2="9009" y2="87640"/>
+                        <a14:foregroundMark x1="15616" y1="88764" x2="15616" y2="88764"/>
+                        <a14:foregroundMark x1="15916" y1="84831" x2="15916" y2="84831"/>
+                        <a14:foregroundMark x1="19820" y1="88764" x2="19820" y2="88764"/>
+                        <a14:foregroundMark x1="26727" y1="84831" x2="26727" y2="84831"/>
+                        <a14:foregroundMark x1="27327" y1="83146" x2="27327" y2="83146"/>
+                        <a14:foregroundMark x1="26126" y1="88202" x2="26126" y2="88202"/>
+                        <a14:foregroundMark x1="29429" y1="83146" x2="29429" y2="83146"/>
+                        <a14:foregroundMark x1="30330" y1="83708" x2="30330" y2="83708"/>
+                        <a14:foregroundMark x1="39039" y1="86517" x2="39039" y2="86517"/>
+                        <a14:foregroundMark x1="40240" y1="88764" x2="40240" y2="88764"/>
+                        <a14:foregroundMark x1="46847" y1="86517" x2="46847" y2="86517"/>
+                        <a14:foregroundMark x1="51051" y1="89326" x2="51051" y2="89326"/>
+                        <a14:foregroundMark x1="58559" y1="82584" x2="58559" y2="82584"/>
+                        <a14:foregroundMark x1="57658" y1="88764" x2="57658" y2="88764"/>
+                        <a14:foregroundMark x1="66667" y1="83146" x2="66667" y2="83146"/>
+                        <a14:foregroundMark x1="75075" y1="79775" x2="75075" y2="79775"/>
+                        <a14:foregroundMark x1="74775" y1="83146" x2="74775" y2="83146"/>
+                        <a14:foregroundMark x1="81982" y1="83146" x2="81982" y2="83146"/>
+                        <a14:foregroundMark x1="83784" y1="83708" x2="83784" y2="83708"/>
+                        <a14:foregroundMark x1="92192" y1="83708" x2="92192" y2="83708"/>
+                        <a14:foregroundMark x1="51652" y1="6180" x2="51652" y2="6180"/>
+                        <a14:foregroundMark x1="51351" y1="41011" x2="51351" y2="41011"/>
+                        <a14:foregroundMark x1="52553" y1="34270" x2="52553" y2="34270"/>
+                        <a14:foregroundMark x1="91291" y1="88202" x2="91291" y2="88202"/>
+                        <a14:foregroundMark x1="95495" y1="88202" x2="95495" y2="88202"/>
+                        <a14:foregroundMark x1="94895" y1="91573" x2="94895" y2="91573"/>
+                        <a14:foregroundMark x1="92192" y1="94944" x2="92192" y2="94944"/>
+                        <a14:foregroundMark x1="84985" y1="86517" x2="84985" y2="86517"/>
+                        <a14:foregroundMark x1="36937" y1="89888" x2="36937" y2="89888"/>
+                        <a14:foregroundMark x1="51652" y1="6180" x2="51652" y2="6180"/>
+                        <a14:foregroundMark x1="52853" y1="32584" x2="52853" y2="32584"/>
+                        <a14:backgroundMark x1="33934" y1="38764" x2="33934" y2="38764"/>
+                        <a14:backgroundMark x1="33934" y1="42135" x2="33934" y2="42135"/>
+                        <a14:backgroundMark x1="93994" y1="86517" x2="93994" y2="86517"/>
+                        <a14:backgroundMark x1="50751" y1="32022" x2="50751" y2="32022"/>
+                        <a14:backgroundMark x1="20420" y1="89326" x2="20420" y2="89326"/>
+                      </a14:backgroundRemoval>
+                    </a14:imgEffect>
+                  </a14:imgLayer>
+                </a14:imgProps>
+              </a:ext>
+              <a:ext uri="{28A0092B-C50C-407E-A947-70E740481C1C}">
+                <a14:useLocalDpi xmlns:a14="http://schemas.microsoft.com/office/drawing/2010/main" val="0"/>
+              </a:ext>
+            </a:extLst>
+          </a:blip>
+          <a:stretch>
+            <a:fillRect/>
+          </a:stretch>
+        </p:blipFill>
+        <p:spPr>
+          <a:xfrm>
+            <a:off x="10629901" y="5925616"/>
+            <a:ext cx="1298952" cy="694335"/>
+          </a:xfrm>
+          <a:prstGeom prst="rect">
+            <a:avLst/>
+          </a:prstGeom>
+        </p:spPr>
+      </p:pic>
+      <p:sp>
+        <p:nvSpPr>
+          <p:cNvPr id="6" name="TextBox 5">
+            <a:extLst>
+              <a:ext uri="{FF2B5EF4-FFF2-40B4-BE49-F238E27FC236}">
+                <a16:creationId xmlns:a16="http://schemas.microsoft.com/office/drawing/2014/main" id="{BCE4485E-5106-4CB6-BCB3-ADAF963F9A57}"/>
+              </a:ext>
+            </a:extLst>
+          </p:cNvPr>
+          <p:cNvSpPr txBox="1"/>
+          <p:nvPr/>
+        </p:nvSpPr>
+        <p:spPr>
+          <a:xfrm>
+            <a:off x="7712765" y="585216"/>
+            <a:ext cx="2809461" cy="923330"/>
+          </a:xfrm>
+          <a:prstGeom prst="rect">
+            <a:avLst/>
+          </a:prstGeom>
+          <a:solidFill>
+            <a:srgbClr val="FFFF00"/>
+          </a:solidFill>
+        </p:spPr>
+        <p:txBody>
+          <a:bodyPr wrap="square" rtlCol="0">
+            <a:spAutoFit/>
+          </a:bodyPr>
+          <a:lstStyle/>
+          <a:p>
+            <a:r>
+              <a:rPr lang="en-GB" dirty="0" err="1">
+                <a:solidFill>
+                  <a:schemeClr val="bg1"/>
+                </a:solidFill>
+              </a:rPr>
+              <a:t>Aqui</a:t>
+            </a:r>
+            <a:r>
+              <a:rPr lang="en-GB" dirty="0">
+                <a:solidFill>
+                  <a:schemeClr val="bg1"/>
+                </a:solidFill>
+              </a:rPr>
+              <a:t> </a:t>
+            </a:r>
+            <a:r>
+              <a:rPr lang="en-GB" dirty="0" err="1">
+                <a:solidFill>
+                  <a:schemeClr val="bg1"/>
+                </a:solidFill>
+              </a:rPr>
+              <a:t>vamos</a:t>
+            </a:r>
+            <a:r>
+              <a:rPr lang="en-GB" dirty="0">
+                <a:solidFill>
+                  <a:schemeClr val="bg1"/>
+                </a:solidFill>
+              </a:rPr>
+              <a:t> </a:t>
+            </a:r>
+            <a:r>
+              <a:rPr lang="en-GB" dirty="0" err="1">
+                <a:solidFill>
+                  <a:schemeClr val="bg1"/>
+                </a:solidFill>
+              </a:rPr>
+              <a:t>escrever</a:t>
+            </a:r>
+            <a:r>
+              <a:rPr lang="en-GB" dirty="0">
+                <a:solidFill>
+                  <a:schemeClr val="bg1"/>
+                </a:solidFill>
+              </a:rPr>
+              <a:t>:</a:t>
+            </a:r>
+          </a:p>
+          <a:p>
+            <a:pPr marL="285750" indent="-285750">
+              <a:buFontTx/>
+              <a:buChar char="-"/>
+            </a:pPr>
+            <a:r>
+              <a:rPr lang="en-GB" dirty="0" err="1">
+                <a:solidFill>
+                  <a:schemeClr val="bg1"/>
+                </a:solidFill>
+              </a:rPr>
+              <a:t>algoritmos</a:t>
+            </a:r>
+            <a:r>
+              <a:rPr lang="en-GB" dirty="0">
+                <a:solidFill>
+                  <a:schemeClr val="bg1"/>
+                </a:solidFill>
+              </a:rPr>
+              <a:t> </a:t>
+            </a:r>
+            <a:r>
+              <a:rPr lang="en-GB" dirty="0" err="1">
+                <a:solidFill>
+                  <a:schemeClr val="bg1"/>
+                </a:solidFill>
+              </a:rPr>
+              <a:t>utilizados</a:t>
+            </a:r>
+            <a:endParaRPr lang="en-GB" dirty="0">
+              <a:solidFill>
+                <a:schemeClr val="bg1"/>
+              </a:solidFill>
+            </a:endParaRPr>
+          </a:p>
+          <a:p>
+            <a:pPr marL="285750" indent="-285750">
+              <a:buFontTx/>
+              <a:buChar char="-"/>
+            </a:pPr>
+            <a:r>
+              <a:rPr lang="en-GB" dirty="0">
+                <a:solidFill>
+                  <a:schemeClr val="bg1"/>
+                </a:solidFill>
+              </a:rPr>
+              <a:t>main variables</a:t>
+            </a:r>
+          </a:p>
+        </p:txBody>
+      </p:sp>
+    </p:spTree>
+    <p:extLst>
+      <p:ext uri="{BB962C8B-B14F-4D97-AF65-F5344CB8AC3E}">
+        <p14:creationId xmlns:p14="http://schemas.microsoft.com/office/powerpoint/2010/main" val="2789349663"/>
+      </p:ext>
+    </p:extLst>
+  </p:cSld>
+  <p:clrMapOvr>
+    <a:masterClrMapping/>
+  </p:clrMapOvr>
+</p:sld>
+</file>
+
+<file path=ppt/slides/slide6.xml><?xml version="1.0" encoding="utf-8"?>
+<p:sld xmlns:a="http://schemas.openxmlformats.org/drawingml/2006/main" xmlns:r="http://schemas.openxmlformats.org/officeDocument/2006/relationships" xmlns:p="http://schemas.openxmlformats.org/presentationml/2006/main">
+  <p:cSld>
+    <p:spTree>
+      <p:nvGrpSpPr>
+        <p:cNvPr id="1" name=""/>
+        <p:cNvGrpSpPr/>
+        <p:nvPr/>
+      </p:nvGrpSpPr>
+      <p:grpSpPr>
+        <a:xfrm>
+          <a:off x="0" y="0"/>
+          <a:ext cx="0" cy="0"/>
+          <a:chOff x="0" y="0"/>
+          <a:chExt cx="0" cy="0"/>
+        </a:xfrm>
+      </p:grpSpPr>
+      <p:sp>
+        <p:nvSpPr>
+          <p:cNvPr id="2" name="Title 1">
+            <a:extLst>
+              <a:ext uri="{FF2B5EF4-FFF2-40B4-BE49-F238E27FC236}">
+                <a16:creationId xmlns:a16="http://schemas.microsoft.com/office/drawing/2014/main" id="{DEE429DE-16B6-4840-AB34-DC60BAC8CD14}"/>
+              </a:ext>
+            </a:extLst>
+          </p:cNvPr>
+          <p:cNvSpPr>
+            <a:spLocks noGrp="1"/>
+          </p:cNvSpPr>
+          <p:nvPr>
+            <p:ph type="title"/>
+          </p:nvPr>
+        </p:nvSpPr>
+        <p:spPr/>
+        <p:txBody>
+          <a:bodyPr/>
+          <a:lstStyle/>
+          <a:p>
+            <a:r>
+              <a:rPr lang="en-GB" dirty="0"/>
+              <a:t>Key Take </a:t>
+            </a:r>
+            <a:r>
+              <a:rPr lang="en-GB" dirty="0" err="1"/>
+              <a:t>aways</a:t>
+            </a:r>
+            <a:endParaRPr lang="en-GB" dirty="0"/>
           </a:p>
         </p:txBody>
       </p:sp>
@@ -6221,472 +7336,6 @@
       </p:pic>
       <p:sp>
         <p:nvSpPr>
-          <p:cNvPr id="6" name="TextBox 5">
-            <a:extLst>
-              <a:ext uri="{FF2B5EF4-FFF2-40B4-BE49-F238E27FC236}">
-                <a16:creationId xmlns:a16="http://schemas.microsoft.com/office/drawing/2014/main" id="{BCE4485E-5106-4CB6-BCB3-ADAF963F9A57}"/>
-              </a:ext>
-            </a:extLst>
-          </p:cNvPr>
-          <p:cNvSpPr txBox="1"/>
-          <p:nvPr/>
-        </p:nvSpPr>
-        <p:spPr>
-          <a:xfrm>
-            <a:off x="7712765" y="585216"/>
-            <a:ext cx="2809461" cy="923330"/>
-          </a:xfrm>
-          <a:prstGeom prst="rect">
-            <a:avLst/>
-          </a:prstGeom>
-          <a:solidFill>
-            <a:srgbClr val="FFFF00"/>
-          </a:solidFill>
-        </p:spPr>
-        <p:txBody>
-          <a:bodyPr wrap="square" rtlCol="0">
-            <a:spAutoFit/>
-          </a:bodyPr>
-          <a:lstStyle/>
-          <a:p>
-            <a:r>
-              <a:rPr lang="en-GB" dirty="0" err="1">
-                <a:solidFill>
-                  <a:schemeClr val="bg1"/>
-                </a:solidFill>
-              </a:rPr>
-              <a:t>Aqui</a:t>
-            </a:r>
-            <a:r>
-              <a:rPr lang="en-GB" dirty="0">
-                <a:solidFill>
-                  <a:schemeClr val="bg1"/>
-                </a:solidFill>
-              </a:rPr>
-              <a:t> </a:t>
-            </a:r>
-            <a:r>
-              <a:rPr lang="en-GB" dirty="0" err="1">
-                <a:solidFill>
-                  <a:schemeClr val="bg1"/>
-                </a:solidFill>
-              </a:rPr>
-              <a:t>vamos</a:t>
-            </a:r>
-            <a:r>
-              <a:rPr lang="en-GB" dirty="0">
-                <a:solidFill>
-                  <a:schemeClr val="bg1"/>
-                </a:solidFill>
-              </a:rPr>
-              <a:t> </a:t>
-            </a:r>
-            <a:r>
-              <a:rPr lang="en-GB" dirty="0" err="1">
-                <a:solidFill>
-                  <a:schemeClr val="bg1"/>
-                </a:solidFill>
-              </a:rPr>
-              <a:t>escrever</a:t>
-            </a:r>
-            <a:r>
-              <a:rPr lang="en-GB" dirty="0">
-                <a:solidFill>
-                  <a:schemeClr val="bg1"/>
-                </a:solidFill>
-              </a:rPr>
-              <a:t>:</a:t>
-            </a:r>
-          </a:p>
-          <a:p>
-            <a:pPr marL="285750" indent="-285750">
-              <a:buFontTx/>
-              <a:buChar char="-"/>
-            </a:pPr>
-            <a:r>
-              <a:rPr lang="en-GB" dirty="0" err="1">
-                <a:solidFill>
-                  <a:schemeClr val="bg1"/>
-                </a:solidFill>
-              </a:rPr>
-              <a:t>algoritmos</a:t>
-            </a:r>
-            <a:r>
-              <a:rPr lang="en-GB" dirty="0">
-                <a:solidFill>
-                  <a:schemeClr val="bg1"/>
-                </a:solidFill>
-              </a:rPr>
-              <a:t> </a:t>
-            </a:r>
-            <a:r>
-              <a:rPr lang="en-GB" dirty="0" err="1">
-                <a:solidFill>
-                  <a:schemeClr val="bg1"/>
-                </a:solidFill>
-              </a:rPr>
-              <a:t>utilizados</a:t>
-            </a:r>
-            <a:endParaRPr lang="en-GB" dirty="0">
-              <a:solidFill>
-                <a:schemeClr val="bg1"/>
-              </a:solidFill>
-            </a:endParaRPr>
-          </a:p>
-          <a:p>
-            <a:pPr marL="285750" indent="-285750">
-              <a:buFontTx/>
-              <a:buChar char="-"/>
-            </a:pPr>
-            <a:r>
-              <a:rPr lang="en-GB" dirty="0">
-                <a:solidFill>
-                  <a:schemeClr val="bg1"/>
-                </a:solidFill>
-              </a:rPr>
-              <a:t>main variables</a:t>
-            </a:r>
-          </a:p>
-        </p:txBody>
-      </p:sp>
-    </p:spTree>
-    <p:extLst>
-      <p:ext uri="{BB962C8B-B14F-4D97-AF65-F5344CB8AC3E}">
-        <p14:creationId xmlns:p14="http://schemas.microsoft.com/office/powerpoint/2010/main" val="2789349663"/>
-      </p:ext>
-    </p:extLst>
-  </p:cSld>
-  <p:clrMapOvr>
-    <a:masterClrMapping/>
-  </p:clrMapOvr>
-</p:sld>
-</file>
-
-<file path=ppt/slides/slide5.xml><?xml version="1.0" encoding="utf-8"?>
-<p:sld xmlns:a="http://schemas.openxmlformats.org/drawingml/2006/main" xmlns:r="http://schemas.openxmlformats.org/officeDocument/2006/relationships" xmlns:p="http://schemas.openxmlformats.org/presentationml/2006/main">
-  <p:cSld>
-    <p:spTree>
-      <p:nvGrpSpPr>
-        <p:cNvPr id="1" name=""/>
-        <p:cNvGrpSpPr/>
-        <p:nvPr/>
-      </p:nvGrpSpPr>
-      <p:grpSpPr>
-        <a:xfrm>
-          <a:off x="0" y="0"/>
-          <a:ext cx="0" cy="0"/>
-          <a:chOff x="0" y="0"/>
-          <a:chExt cx="0" cy="0"/>
-        </a:xfrm>
-      </p:grpSpPr>
-      <p:sp>
-        <p:nvSpPr>
-          <p:cNvPr id="2" name="Title 1">
-            <a:extLst>
-              <a:ext uri="{FF2B5EF4-FFF2-40B4-BE49-F238E27FC236}">
-                <a16:creationId xmlns:a16="http://schemas.microsoft.com/office/drawing/2014/main" id="{DEE429DE-16B6-4840-AB34-DC60BAC8CD14}"/>
-              </a:ext>
-            </a:extLst>
-          </p:cNvPr>
-          <p:cNvSpPr>
-            <a:spLocks noGrp="1"/>
-          </p:cNvSpPr>
-          <p:nvPr>
-            <p:ph type="title"/>
-          </p:nvPr>
-        </p:nvSpPr>
-        <p:spPr/>
-        <p:txBody>
-          <a:bodyPr/>
-          <a:lstStyle/>
-          <a:p>
-            <a:r>
-              <a:rPr lang="en-GB" dirty="0"/>
-              <a:t>Key Take </a:t>
-            </a:r>
-            <a:r>
-              <a:rPr lang="en-GB" dirty="0" err="1"/>
-              <a:t>aways</a:t>
-            </a:r>
-            <a:endParaRPr lang="en-GB" dirty="0"/>
-          </a:p>
-        </p:txBody>
-      </p:sp>
-      <p:sp>
-        <p:nvSpPr>
-          <p:cNvPr id="3" name="Content Placeholder 2">
-            <a:extLst>
-              <a:ext uri="{FF2B5EF4-FFF2-40B4-BE49-F238E27FC236}">
-                <a16:creationId xmlns:a16="http://schemas.microsoft.com/office/drawing/2014/main" id="{D95F98AC-FDB5-4613-9807-237F77E9D651}"/>
-              </a:ext>
-            </a:extLst>
-          </p:cNvPr>
-          <p:cNvSpPr>
-            <a:spLocks noGrp="1"/>
-          </p:cNvSpPr>
-          <p:nvPr>
-            <p:ph sz="half" idx="1"/>
-          </p:nvPr>
-        </p:nvSpPr>
-        <p:spPr/>
-        <p:txBody>
-          <a:bodyPr/>
-          <a:lstStyle/>
-          <a:p>
-            <a:endParaRPr lang="en-GB"/>
-          </a:p>
-        </p:txBody>
-      </p:sp>
-      <p:sp>
-        <p:nvSpPr>
-          <p:cNvPr id="4" name="Content Placeholder 3">
-            <a:extLst>
-              <a:ext uri="{FF2B5EF4-FFF2-40B4-BE49-F238E27FC236}">
-                <a16:creationId xmlns:a16="http://schemas.microsoft.com/office/drawing/2014/main" id="{74C29F94-9013-443B-85B8-A87E07003C7C}"/>
-              </a:ext>
-            </a:extLst>
-          </p:cNvPr>
-          <p:cNvSpPr>
-            <a:spLocks noGrp="1"/>
-          </p:cNvSpPr>
-          <p:nvPr>
-            <p:ph sz="half" idx="2"/>
-          </p:nvPr>
-        </p:nvSpPr>
-        <p:spPr/>
-        <p:txBody>
-          <a:bodyPr/>
-          <a:lstStyle/>
-          <a:p>
-            <a:endParaRPr lang="en-GB"/>
-          </a:p>
-        </p:txBody>
-      </p:sp>
-      <p:pic>
-        <p:nvPicPr>
-          <p:cNvPr id="5" name="Picture 4">
-            <a:extLst>
-              <a:ext uri="{FF2B5EF4-FFF2-40B4-BE49-F238E27FC236}">
-                <a16:creationId xmlns:a16="http://schemas.microsoft.com/office/drawing/2014/main" id="{75035DF1-F637-4C24-A7E4-AE5681F218B0}"/>
-              </a:ext>
-            </a:extLst>
-          </p:cNvPr>
-          <p:cNvPicPr>
-            <a:picLocks noChangeAspect="1"/>
-          </p:cNvPicPr>
-          <p:nvPr/>
-        </p:nvPicPr>
-        <p:blipFill>
-          <a:blip r:embed="rId2">
-            <a:duotone>
-              <a:schemeClr val="accent1">
-                <a:shade val="45000"/>
-                <a:satMod val="135000"/>
-              </a:schemeClr>
-              <a:prstClr val="white"/>
-            </a:duotone>
-            <a:extLst>
-              <a:ext uri="{BEBA8EAE-BF5A-486C-A8C5-ECC9F3942E4B}">
-                <a14:imgProps xmlns:a14="http://schemas.microsoft.com/office/drawing/2010/main">
-                  <a14:imgLayer r:embed="rId3">
-                    <a14:imgEffect>
-                      <a14:backgroundRemoval t="6180" b="94944" l="3604" r="94895">
-                        <a14:foregroundMark x1="49850" y1="7865" x2="49850" y2="7865"/>
-                        <a14:foregroundMark x1="17718" y1="69101" x2="17718" y2="69101"/>
-                        <a14:foregroundMark x1="18619" y1="67978" x2="18619" y2="67978"/>
-                        <a14:foregroundMark x1="21321" y1="66292" x2="21321" y2="66292"/>
-                        <a14:foregroundMark x1="23724" y1="65730" x2="23724" y2="65730"/>
-                        <a14:foregroundMark x1="25526" y1="63483" x2="25526" y2="63483"/>
-                        <a14:foregroundMark x1="25826" y1="61798" x2="25826" y2="61798"/>
-                        <a14:foregroundMark x1="27027" y1="60674" x2="27027" y2="60674"/>
-                        <a14:foregroundMark x1="29429" y1="56180" x2="29429" y2="56180"/>
-                        <a14:foregroundMark x1="30931" y1="50000" x2="30931" y2="50000"/>
-                        <a14:foregroundMark x1="31231" y1="42697" x2="31231" y2="42697"/>
-                        <a14:foregroundMark x1="31532" y1="35393" x2="31532" y2="35393"/>
-                        <a14:foregroundMark x1="30631" y1="47191" x2="30631" y2="47191"/>
-                        <a14:foregroundMark x1="30931" y1="40449" x2="30931" y2="40449"/>
-                        <a14:foregroundMark x1="31532" y1="33708" x2="31532" y2="33708"/>
-                        <a14:foregroundMark x1="30931" y1="30337" x2="30931" y2="30337"/>
-                        <a14:foregroundMark x1="30330" y1="27528" x2="30330" y2="27528"/>
-                        <a14:foregroundMark x1="30030" y1="24157" x2="30030" y2="24157"/>
-                        <a14:foregroundMark x1="29129" y1="22472" x2="29129" y2="22472"/>
-                        <a14:foregroundMark x1="28228" y1="20225" x2="28228" y2="20225"/>
-                        <a14:foregroundMark x1="27628" y1="17416" x2="27628" y2="17416"/>
-                        <a14:foregroundMark x1="27327" y1="17416" x2="27327" y2="17416"/>
-                        <a14:foregroundMark x1="25526" y1="15169" x2="25526" y2="15169"/>
-                        <a14:foregroundMark x1="17117" y1="67978" x2="17117" y2="67978"/>
-                        <a14:foregroundMark x1="15015" y1="69101" x2="15015" y2="69101"/>
-                        <a14:foregroundMark x1="13213" y1="69101" x2="13213" y2="69101"/>
-                        <a14:foregroundMark x1="11411" y1="69663" x2="11411" y2="69663"/>
-                        <a14:foregroundMark x1="9009" y1="69663" x2="9009" y2="69663"/>
-                        <a14:foregroundMark x1="6907" y1="69101" x2="6907" y2="69101"/>
-                        <a14:foregroundMark x1="6607" y1="67978" x2="6607" y2="67978"/>
-                        <a14:foregroundMark x1="6607" y1="65730" x2="6607" y2="65730"/>
-                        <a14:foregroundMark x1="5105" y1="70787" x2="5105" y2="70787"/>
-                        <a14:foregroundMark x1="3904" y1="71348" x2="3904" y2="71348"/>
-                        <a14:foregroundMark x1="5105" y1="66292" x2="5105" y2="66292"/>
-                        <a14:foregroundMark x1="5105" y1="61798" x2="5105" y2="61798"/>
-                        <a14:foregroundMark x1="5706" y1="58989" x2="5706" y2="58989"/>
-                        <a14:foregroundMark x1="5706" y1="56180" x2="5706" y2="56180"/>
-                        <a14:foregroundMark x1="5405" y1="51124" x2="5405" y2="51124"/>
-                        <a14:foregroundMark x1="5405" y1="47753" x2="5405" y2="47753"/>
-                        <a14:foregroundMark x1="5405" y1="39888" x2="5405" y2="39888"/>
-                        <a14:foregroundMark x1="5105" y1="43258" x2="5105" y2="43258"/>
-                        <a14:foregroundMark x1="5405" y1="33146" x2="5405" y2="33146"/>
-                        <a14:foregroundMark x1="5706" y1="37640" x2="5706" y2="37640"/>
-                        <a14:foregroundMark x1="5706" y1="29213" x2="5706" y2="29213"/>
-                        <a14:foregroundMark x1="5706" y1="21348" x2="5706" y2="21348"/>
-                        <a14:foregroundMark x1="5706" y1="25843" x2="5706" y2="25843"/>
-                        <a14:foregroundMark x1="6306" y1="17416" x2="6306" y2="17416"/>
-                        <a14:foregroundMark x1="6306" y1="14045" x2="6306" y2="14045"/>
-                        <a14:foregroundMark x1="6306" y1="10112" x2="6306" y2="10112"/>
-                        <a14:foregroundMark x1="6006" y1="6742" x2="6006" y2="6742"/>
-                        <a14:foregroundMark x1="7207" y1="7303" x2="7207" y2="7303"/>
-                        <a14:foregroundMark x1="10511" y1="7303" x2="10511" y2="7303"/>
-                        <a14:foregroundMark x1="12312" y1="8427" x2="12312" y2="8427"/>
-                        <a14:foregroundMark x1="14715" y1="8427" x2="14715" y2="8427"/>
-                        <a14:foregroundMark x1="17417" y1="8989" x2="17417" y2="8989"/>
-                        <a14:foregroundMark x1="74174" y1="10112" x2="74174" y2="10112"/>
-                        <a14:foregroundMark x1="74474" y1="16292" x2="74474" y2="16292"/>
-                        <a14:foregroundMark x1="74775" y1="14045" x2="74775" y2="14045"/>
-                        <a14:foregroundMark x1="75375" y1="9551" x2="75375" y2="9551"/>
-                        <a14:foregroundMark x1="74775" y1="12360" x2="74775" y2="12360"/>
-                        <a14:foregroundMark x1="73874" y1="6742" x2="73874" y2="6742"/>
-                        <a14:foregroundMark x1="75676" y1="10112" x2="75676" y2="10112"/>
-                        <a14:foregroundMark x1="77778" y1="9551" x2="77778" y2="9551"/>
-                        <a14:foregroundMark x1="75075" y1="17416" x2="75075" y2="17416"/>
-                        <a14:foregroundMark x1="74474" y1="24719" x2="74474" y2="24719"/>
-                        <a14:foregroundMark x1="74474" y1="20787" x2="74474" y2="20787"/>
-                        <a14:foregroundMark x1="75375" y1="29775" x2="75375" y2="29775"/>
-                        <a14:foregroundMark x1="75075" y1="34270" x2="75075" y2="34270"/>
-                        <a14:foregroundMark x1="74775" y1="32584" x2="74775" y2="32584"/>
-                        <a14:foregroundMark x1="75075" y1="38202" x2="75075" y2="38202"/>
-                        <a14:foregroundMark x1="75075" y1="42697" x2="75075" y2="42697"/>
-                        <a14:foregroundMark x1="74474" y1="41011" x2="74474" y2="41011"/>
-                        <a14:foregroundMark x1="74174" y1="48315" x2="74174" y2="48315"/>
-                        <a14:foregroundMark x1="74775" y1="52809" x2="74775" y2="52809"/>
-                        <a14:foregroundMark x1="75375" y1="58427" x2="75375" y2="58427"/>
-                        <a14:foregroundMark x1="75075" y1="62360" x2="75075" y2="62360"/>
-                        <a14:foregroundMark x1="75075" y1="65730" x2="75075" y2="65730"/>
-                        <a14:foregroundMark x1="75075" y1="68539" x2="75075" y2="68539"/>
-                        <a14:foregroundMark x1="75075" y1="70787" x2="75075" y2="70787"/>
-                        <a14:foregroundMark x1="82583" y1="71348" x2="82583" y2="71348"/>
-                        <a14:foregroundMark x1="80180" y1="70787" x2="80180" y2="70787"/>
-                        <a14:foregroundMark x1="86787" y1="69101" x2="86787" y2="69101"/>
-                        <a14:foregroundMark x1="90691" y1="67416" x2="90691" y2="67416"/>
-                        <a14:foregroundMark x1="85586" y1="69663" x2="85586" y2="69663"/>
-                        <a14:foregroundMark x1="89790" y1="68539" x2="89790" y2="68539"/>
-                        <a14:foregroundMark x1="91892" y1="65169" x2="91892" y2="65169"/>
-                        <a14:foregroundMark x1="93093" y1="63483" x2="93093" y2="63483"/>
-                        <a14:foregroundMark x1="93994" y1="59551" x2="93994" y2="59551"/>
-                        <a14:foregroundMark x1="94595" y1="57303" x2="94595" y2="57303"/>
-                        <a14:foregroundMark x1="94595" y1="53933" x2="94595" y2="53933"/>
-                        <a14:foregroundMark x1="94595" y1="51124" x2="94595" y2="51124"/>
-                        <a14:foregroundMark x1="93994" y1="48315" x2="93994" y2="48315"/>
-                        <a14:foregroundMark x1="93694" y1="46629" x2="93694" y2="46629"/>
-                        <a14:foregroundMark x1="93093" y1="42697" x2="93093" y2="42697"/>
-                        <a14:foregroundMark x1="91592" y1="42135" x2="91592" y2="42135"/>
-                        <a14:foregroundMark x1="89189" y1="40449" x2="89189" y2="40449"/>
-                        <a14:foregroundMark x1="89189" y1="38764" x2="89189" y2="38764"/>
-                        <a14:foregroundMark x1="86486" y1="35955" x2="86486" y2="35955"/>
-                        <a14:foregroundMark x1="84384" y1="37079" x2="84384" y2="37079"/>
-                        <a14:foregroundMark x1="81381" y1="36517" x2="81381" y2="36517"/>
-                        <a14:foregroundMark x1="78679" y1="36517" x2="78679" y2="36517"/>
-                        <a14:foregroundMark x1="84384" y1="37079" x2="84384" y2="37079"/>
-                        <a14:foregroundMark x1="84985" y1="34831" x2="84985" y2="34831"/>
-                        <a14:foregroundMark x1="89790" y1="34831" x2="89790" y2="34831"/>
-                        <a14:foregroundMark x1="91291" y1="32584" x2="91291" y2="32584"/>
-                        <a14:foregroundMark x1="92192" y1="30337" x2="92192" y2="30337"/>
-                        <a14:foregroundMark x1="92492" y1="29213" x2="92492" y2="29213"/>
-                        <a14:foregroundMark x1="92492" y1="26966" x2="92492" y2="26966"/>
-                        <a14:foregroundMark x1="92492" y1="24157" x2="92492" y2="24157"/>
-                        <a14:foregroundMark x1="93694" y1="29775" x2="93694" y2="29775"/>
-                        <a14:foregroundMark x1="94595" y1="26404" x2="94595" y2="26404"/>
-                        <a14:foregroundMark x1="94895" y1="23596" x2="94895" y2="23596"/>
-                        <a14:foregroundMark x1="94895" y1="20225" x2="94895" y2="20225"/>
-                        <a14:foregroundMark x1="95495" y1="18539" x2="95495" y2="18539"/>
-                        <a14:foregroundMark x1="93093" y1="17416" x2="93093" y2="17416"/>
-                        <a14:foregroundMark x1="92492" y1="14607" x2="92492" y2="14607"/>
-                        <a14:foregroundMark x1="91592" y1="11798" x2="91592" y2="11798"/>
-                        <a14:foregroundMark x1="89489" y1="10674" x2="89489" y2="10674"/>
-                        <a14:foregroundMark x1="87087" y1="10112" x2="87087" y2="10112"/>
-                        <a14:foregroundMark x1="76577" y1="67978" x2="76577" y2="67978"/>
-                        <a14:foregroundMark x1="78979" y1="69101" x2="78979" y2="69101"/>
-                        <a14:foregroundMark x1="81381" y1="69101" x2="81381" y2="69101"/>
-                        <a14:foregroundMark x1="15916" y1="7865" x2="15916" y2="7865"/>
-                        <a14:foregroundMark x1="18619" y1="7303" x2="18619" y2="7303"/>
-                        <a14:foregroundMark x1="21021" y1="8989" x2="21021" y2="8989"/>
-                        <a14:foregroundMark x1="3904" y1="88764" x2="3904" y2="88764"/>
-                        <a14:foregroundMark x1="3604" y1="84270" x2="3604" y2="84270"/>
-                        <a14:foregroundMark x1="4805" y1="82022" x2="4805" y2="82022"/>
-                        <a14:foregroundMark x1="6607" y1="80337" x2="6607" y2="80337"/>
-                        <a14:foregroundMark x1="8408" y1="79213" x2="8408" y2="79213"/>
-                        <a14:foregroundMark x1="9309" y1="81461" x2="9309" y2="81461"/>
-                        <a14:foregroundMark x1="6607" y1="90449" x2="6607" y2="90449"/>
-                        <a14:foregroundMark x1="8108" y1="88764" x2="8108" y2="88764"/>
-                        <a14:foregroundMark x1="9009" y1="87640" x2="9009" y2="87640"/>
-                        <a14:foregroundMark x1="15616" y1="88764" x2="15616" y2="88764"/>
-                        <a14:foregroundMark x1="15916" y1="84831" x2="15916" y2="84831"/>
-                        <a14:foregroundMark x1="19820" y1="88764" x2="19820" y2="88764"/>
-                        <a14:foregroundMark x1="26727" y1="84831" x2="26727" y2="84831"/>
-                        <a14:foregroundMark x1="27327" y1="83146" x2="27327" y2="83146"/>
-                        <a14:foregroundMark x1="26126" y1="88202" x2="26126" y2="88202"/>
-                        <a14:foregroundMark x1="29429" y1="83146" x2="29429" y2="83146"/>
-                        <a14:foregroundMark x1="30330" y1="83708" x2="30330" y2="83708"/>
-                        <a14:foregroundMark x1="39039" y1="86517" x2="39039" y2="86517"/>
-                        <a14:foregroundMark x1="40240" y1="88764" x2="40240" y2="88764"/>
-                        <a14:foregroundMark x1="46847" y1="86517" x2="46847" y2="86517"/>
-                        <a14:foregroundMark x1="51051" y1="89326" x2="51051" y2="89326"/>
-                        <a14:foregroundMark x1="58559" y1="82584" x2="58559" y2="82584"/>
-                        <a14:foregroundMark x1="57658" y1="88764" x2="57658" y2="88764"/>
-                        <a14:foregroundMark x1="66667" y1="83146" x2="66667" y2="83146"/>
-                        <a14:foregroundMark x1="75075" y1="79775" x2="75075" y2="79775"/>
-                        <a14:foregroundMark x1="74775" y1="83146" x2="74775" y2="83146"/>
-                        <a14:foregroundMark x1="81982" y1="83146" x2="81982" y2="83146"/>
-                        <a14:foregroundMark x1="83784" y1="83708" x2="83784" y2="83708"/>
-                        <a14:foregroundMark x1="92192" y1="83708" x2="92192" y2="83708"/>
-                        <a14:foregroundMark x1="51652" y1="6180" x2="51652" y2="6180"/>
-                        <a14:foregroundMark x1="51351" y1="41011" x2="51351" y2="41011"/>
-                        <a14:foregroundMark x1="52553" y1="34270" x2="52553" y2="34270"/>
-                        <a14:foregroundMark x1="91291" y1="88202" x2="91291" y2="88202"/>
-                        <a14:foregroundMark x1="95495" y1="88202" x2="95495" y2="88202"/>
-                        <a14:foregroundMark x1="94895" y1="91573" x2="94895" y2="91573"/>
-                        <a14:foregroundMark x1="92192" y1="94944" x2="92192" y2="94944"/>
-                        <a14:foregroundMark x1="84985" y1="86517" x2="84985" y2="86517"/>
-                        <a14:foregroundMark x1="36937" y1="89888" x2="36937" y2="89888"/>
-                        <a14:foregroundMark x1="51652" y1="6180" x2="51652" y2="6180"/>
-                        <a14:foregroundMark x1="52853" y1="32584" x2="52853" y2="32584"/>
-                        <a14:backgroundMark x1="33934" y1="38764" x2="33934" y2="38764"/>
-                        <a14:backgroundMark x1="33934" y1="42135" x2="33934" y2="42135"/>
-                        <a14:backgroundMark x1="93994" y1="86517" x2="93994" y2="86517"/>
-                        <a14:backgroundMark x1="50751" y1="32022" x2="50751" y2="32022"/>
-                        <a14:backgroundMark x1="20420" y1="89326" x2="20420" y2="89326"/>
-                      </a14:backgroundRemoval>
-                    </a14:imgEffect>
-                  </a14:imgLayer>
-                </a14:imgProps>
-              </a:ext>
-              <a:ext uri="{28A0092B-C50C-407E-A947-70E740481C1C}">
-                <a14:useLocalDpi xmlns:a14="http://schemas.microsoft.com/office/drawing/2010/main" val="0"/>
-              </a:ext>
-            </a:extLst>
-          </a:blip>
-          <a:stretch>
-            <a:fillRect/>
-          </a:stretch>
-        </p:blipFill>
-        <p:spPr>
-          <a:xfrm>
-            <a:off x="10629901" y="5925616"/>
-            <a:ext cx="1298952" cy="694335"/>
-          </a:xfrm>
-          <a:prstGeom prst="rect">
-            <a:avLst/>
-          </a:prstGeom>
-        </p:spPr>
-      </p:pic>
-      <p:sp>
-        <p:nvSpPr>
           <p:cNvPr id="7" name="TextBox 6">
             <a:extLst>
               <a:ext uri="{FF2B5EF4-FFF2-40B4-BE49-F238E27FC236}">
@@ -6793,7 +7442,7 @@
 </p:sld>
 </file>
 
-<file path=ppt/slides/slide6.xml><?xml version="1.0" encoding="utf-8"?>
+<file path=ppt/slides/slide7.xml><?xml version="1.0" encoding="utf-8"?>
 <p:sld xmlns:a="http://schemas.openxmlformats.org/drawingml/2006/main" xmlns:r="http://schemas.openxmlformats.org/officeDocument/2006/relationships" xmlns:p="http://schemas.openxmlformats.org/presentationml/2006/main">
   <p:cSld>
     <p:spTree>
@@ -7117,7 +7766,7 @@
 </p:sld>
 </file>
 
-<file path=ppt/slides/slide7.xml><?xml version="1.0" encoding="utf-8"?>
+<file path=ppt/slides/slide8.xml><?xml version="1.0" encoding="utf-8"?>
 <p:sld xmlns:a="http://schemas.openxmlformats.org/drawingml/2006/main" xmlns:r="http://schemas.openxmlformats.org/officeDocument/2006/relationships" xmlns:p="http://schemas.openxmlformats.org/presentationml/2006/main">
   <p:cSld>
     <p:spTree>
@@ -7580,7 +8229,7 @@
         </p:blipFill>
         <p:spPr>
           <a:xfrm>
-            <a:off x="3456366" y="2775696"/>
+            <a:off x="3746652" y="2971077"/>
             <a:ext cx="2114550" cy="1130300"/>
           </a:xfrm>
           <a:prstGeom prst="rect">

--- a/BC2/GroupD_BC2_Presentation.pptx
+++ b/BC2/GroupD_BC2_Presentation.pptx
@@ -5,7 +5,7 @@
     <p:sldMasterId id="2147483792" r:id="rId1"/>
   </p:sldMasterIdLst>
   <p:notesMasterIdLst>
-    <p:notesMasterId r:id="rId10"/>
+    <p:notesMasterId r:id="rId9"/>
   </p:notesMasterIdLst>
   <p:sldIdLst>
     <p:sldId id="256" r:id="rId2"/>
@@ -15,7 +15,6 @@
     <p:sldId id="261" r:id="rId6"/>
     <p:sldId id="262" r:id="rId7"/>
     <p:sldId id="258" r:id="rId8"/>
-    <p:sldId id="259" r:id="rId9"/>
   </p:sldIdLst>
   <p:sldSz cx="12192000" cy="6858000"/>
   <p:notesSz cx="6858000" cy="9144000"/>
@@ -204,7 +203,7 @@
           <a:p>
             <a:fld id="{CF526EAB-B917-4617-B7DA-C06F4166FDA5}" type="datetimeFigureOut">
               <a:rPr lang="en-GB" smtClean="0"/>
-              <a:t>11/03/2021</a:t>
+              <a:t>14/03/2021</a:t>
             </a:fld>
             <a:endParaRPr lang="en-GB"/>
           </a:p>
@@ -363,7 +362,7 @@
           <a:p>
             <a:fld id="{EF5D120B-6753-4D7A-A43B-B0C1D8D42D6B}" type="slidenum">
               <a:rPr lang="en-GB" smtClean="0"/>
-              <a:t>‹#›</a:t>
+              <a:t>‹nº›</a:t>
             </a:fld>
             <a:endParaRPr lang="en-GB"/>
           </a:p>
@@ -717,7 +716,7 @@
           <a:p>
             <a:fld id="{AC012AA7-0247-432D-BF0F-48D9C3C58E37}" type="datetimeFigureOut">
               <a:rPr lang="en-GB" smtClean="0"/>
-              <a:t>11/03/2021</a:t>
+              <a:t>14/03/2021</a:t>
             </a:fld>
             <a:endParaRPr lang="en-GB"/>
           </a:p>
@@ -759,7 +758,7 @@
           <a:p>
             <a:fld id="{71E5C860-9239-4250-B9DD-17AE485B927F}" type="slidenum">
               <a:rPr lang="en-GB" smtClean="0"/>
-              <a:t>‹#›</a:t>
+              <a:t>‹nº›</a:t>
             </a:fld>
             <a:endParaRPr lang="en-GB"/>
           </a:p>
@@ -960,7 +959,7 @@
           <a:p>
             <a:fld id="{AC012AA7-0247-432D-BF0F-48D9C3C58E37}" type="datetimeFigureOut">
               <a:rPr lang="en-GB" smtClean="0"/>
-              <a:t>11/03/2021</a:t>
+              <a:t>14/03/2021</a:t>
             </a:fld>
             <a:endParaRPr lang="en-GB"/>
           </a:p>
@@ -1002,7 +1001,7 @@
           <a:p>
             <a:fld id="{71E5C860-9239-4250-B9DD-17AE485B927F}" type="slidenum">
               <a:rPr lang="en-GB" smtClean="0"/>
-              <a:t>‹#›</a:t>
+              <a:t>‹nº›</a:t>
             </a:fld>
             <a:endParaRPr lang="en-GB"/>
           </a:p>
@@ -1140,7 +1139,7 @@
           <a:p>
             <a:fld id="{AC012AA7-0247-432D-BF0F-48D9C3C58E37}" type="datetimeFigureOut">
               <a:rPr lang="en-GB" smtClean="0"/>
-              <a:t>11/03/2021</a:t>
+              <a:t>14/03/2021</a:t>
             </a:fld>
             <a:endParaRPr lang="en-GB"/>
           </a:p>
@@ -1182,7 +1181,7 @@
           <a:p>
             <a:fld id="{71E5C860-9239-4250-B9DD-17AE485B927F}" type="slidenum">
               <a:rPr lang="en-GB" smtClean="0"/>
-              <a:t>‹#›</a:t>
+              <a:t>‹nº›</a:t>
             </a:fld>
             <a:endParaRPr lang="en-GB"/>
           </a:p>
@@ -1345,7 +1344,7 @@
           <a:p>
             <a:fld id="{AC012AA7-0247-432D-BF0F-48D9C3C58E37}" type="datetimeFigureOut">
               <a:rPr lang="en-GB" smtClean="0"/>
-              <a:t>11/03/2021</a:t>
+              <a:t>14/03/2021</a:t>
             </a:fld>
             <a:endParaRPr lang="en-GB"/>
           </a:p>
@@ -1387,7 +1386,7 @@
           <a:p>
             <a:fld id="{71E5C860-9239-4250-B9DD-17AE485B927F}" type="slidenum">
               <a:rPr lang="en-GB" smtClean="0"/>
-              <a:t>‹#›</a:t>
+              <a:t>‹nº›</a:t>
             </a:fld>
             <a:endParaRPr lang="en-GB"/>
           </a:p>
@@ -1602,7 +1601,7 @@
           <a:p>
             <a:fld id="{AC012AA7-0247-432D-BF0F-48D9C3C58E37}" type="datetimeFigureOut">
               <a:rPr lang="en-GB" smtClean="0"/>
-              <a:t>11/03/2021</a:t>
+              <a:t>14/03/2021</a:t>
             </a:fld>
             <a:endParaRPr lang="en-GB"/>
           </a:p>
@@ -1644,7 +1643,7 @@
           <a:p>
             <a:fld id="{71E5C860-9239-4250-B9DD-17AE485B927F}" type="slidenum">
               <a:rPr lang="en-GB" smtClean="0"/>
-              <a:t>‹#›</a:t>
+              <a:t>‹nº›</a:t>
             </a:fld>
             <a:endParaRPr lang="en-GB"/>
           </a:p>
@@ -1949,7 +1948,7 @@
           <a:p>
             <a:fld id="{AC012AA7-0247-432D-BF0F-48D9C3C58E37}" type="datetimeFigureOut">
               <a:rPr lang="en-GB" smtClean="0"/>
-              <a:t>11/03/2021</a:t>
+              <a:t>14/03/2021</a:t>
             </a:fld>
             <a:endParaRPr lang="en-GB"/>
           </a:p>
@@ -1991,7 +1990,7 @@
           <a:p>
             <a:fld id="{71E5C860-9239-4250-B9DD-17AE485B927F}" type="slidenum">
               <a:rPr lang="en-GB" smtClean="0"/>
-              <a:t>‹#›</a:t>
+              <a:t>‹nº›</a:t>
             </a:fld>
             <a:endParaRPr lang="en-GB"/>
           </a:p>
@@ -2351,7 +2350,7 @@
           <a:p>
             <a:fld id="{AC012AA7-0247-432D-BF0F-48D9C3C58E37}" type="datetimeFigureOut">
               <a:rPr lang="en-GB" smtClean="0"/>
-              <a:t>11/03/2021</a:t>
+              <a:t>14/03/2021</a:t>
             </a:fld>
             <a:endParaRPr lang="en-GB"/>
           </a:p>
@@ -2393,7 +2392,7 @@
           <a:p>
             <a:fld id="{71E5C860-9239-4250-B9DD-17AE485B927F}" type="slidenum">
               <a:rPr lang="en-GB" smtClean="0"/>
-              <a:t>‹#›</a:t>
+              <a:t>‹nº›</a:t>
             </a:fld>
             <a:endParaRPr lang="en-GB"/>
           </a:p>
@@ -2469,7 +2468,7 @@
           <a:p>
             <a:fld id="{AC012AA7-0247-432D-BF0F-48D9C3C58E37}" type="datetimeFigureOut">
               <a:rPr lang="en-GB" smtClean="0"/>
-              <a:t>11/03/2021</a:t>
+              <a:t>14/03/2021</a:t>
             </a:fld>
             <a:endParaRPr lang="en-GB"/>
           </a:p>
@@ -2511,7 +2510,7 @@
           <a:p>
             <a:fld id="{71E5C860-9239-4250-B9DD-17AE485B927F}" type="slidenum">
               <a:rPr lang="en-GB" smtClean="0"/>
-              <a:t>‹#›</a:t>
+              <a:t>‹nº›</a:t>
             </a:fld>
             <a:endParaRPr lang="en-GB"/>
           </a:p>
@@ -2564,7 +2563,7 @@
           <a:p>
             <a:fld id="{AC012AA7-0247-432D-BF0F-48D9C3C58E37}" type="datetimeFigureOut">
               <a:rPr lang="en-GB" smtClean="0"/>
-              <a:t>11/03/2021</a:t>
+              <a:t>14/03/2021</a:t>
             </a:fld>
             <a:endParaRPr lang="en-GB"/>
           </a:p>
@@ -2606,7 +2605,7 @@
           <a:p>
             <a:fld id="{71E5C860-9239-4250-B9DD-17AE485B927F}" type="slidenum">
               <a:rPr lang="en-GB" smtClean="0"/>
-              <a:t>‹#›</a:t>
+              <a:t>‹nº›</a:t>
             </a:fld>
             <a:endParaRPr lang="en-GB"/>
           </a:p>
@@ -2854,7 +2853,7 @@
           <a:p>
             <a:fld id="{AC012AA7-0247-432D-BF0F-48D9C3C58E37}" type="datetimeFigureOut">
               <a:rPr lang="en-GB" smtClean="0"/>
-              <a:t>11/03/2021</a:t>
+              <a:t>14/03/2021</a:t>
             </a:fld>
             <a:endParaRPr lang="en-GB"/>
           </a:p>
@@ -2896,7 +2895,7 @@
           <a:p>
             <a:fld id="{71E5C860-9239-4250-B9DD-17AE485B927F}" type="slidenum">
               <a:rPr lang="en-GB" smtClean="0"/>
-              <a:t>‹#›</a:t>
+              <a:t>‹nº›</a:t>
             </a:fld>
             <a:endParaRPr lang="en-GB"/>
           </a:p>
@@ -3134,7 +3133,7 @@
           <a:p>
             <a:fld id="{AC012AA7-0247-432D-BF0F-48D9C3C58E37}" type="datetimeFigureOut">
               <a:rPr lang="en-GB" smtClean="0"/>
-              <a:t>11/03/2021</a:t>
+              <a:t>14/03/2021</a:t>
             </a:fld>
             <a:endParaRPr lang="en-GB"/>
           </a:p>
@@ -3176,7 +3175,7 @@
           <a:p>
             <a:fld id="{71E5C860-9239-4250-B9DD-17AE485B927F}" type="slidenum">
               <a:rPr lang="en-GB" smtClean="0"/>
-              <a:t>‹#›</a:t>
+              <a:t>‹nº›</a:t>
             </a:fld>
             <a:endParaRPr lang="en-GB"/>
           </a:p>
@@ -3384,7 +3383,7 @@
           <a:p>
             <a:fld id="{AC012AA7-0247-432D-BF0F-48D9C3C58E37}" type="datetimeFigureOut">
               <a:rPr lang="en-GB" smtClean="0"/>
-              <a:t>11/03/2021</a:t>
+              <a:t>14/03/2021</a:t>
             </a:fld>
             <a:endParaRPr lang="en-GB"/>
           </a:p>
@@ -3466,7 +3465,7 @@
           <a:p>
             <a:fld id="{71E5C860-9239-4250-B9DD-17AE485B927F}" type="slidenum">
               <a:rPr lang="en-GB" smtClean="0"/>
-              <a:t>‹#›</a:t>
+              <a:t>‹nº›</a:t>
             </a:fld>
             <a:endParaRPr lang="en-GB"/>
           </a:p>
@@ -4423,7 +4422,7 @@
         </p:spPr>
         <p:txBody>
           <a:bodyPr>
-            <a:normAutofit fontScale="92500" lnSpcReduction="10000"/>
+            <a:normAutofit fontScale="85000" lnSpcReduction="20000"/>
           </a:bodyPr>
           <a:lstStyle/>
           <a:p>
@@ -4477,7 +4476,7 @@
         </p:spPr>
         <p:txBody>
           <a:bodyPr>
-            <a:normAutofit fontScale="92500" lnSpcReduction="10000"/>
+            <a:normAutofit fontScale="85000" lnSpcReduction="20000"/>
           </a:bodyPr>
           <a:lstStyle/>
           <a:p>
@@ -4516,7 +4515,7 @@
                   </a:schemeClr>
                 </a:solidFill>
               </a:rPr>
-              <a:t>To Implement predictive models to forecast net demand based on reservations on-the-books.</a:t>
+              <a:t>Implement predictive models to forecast net demand based on reservations on-the-books.</a:t>
             </a:r>
           </a:p>
           <a:p>
@@ -4533,7 +4532,7 @@
             </a:pPr>
             <a:r>
               <a:rPr lang="en-GB" dirty="0"/>
-              <a:t>To implement better price and overbooking policies.</a:t>
+              <a:t>Implement better price and overbooking policies.</a:t>
             </a:r>
           </a:p>
           <a:p>
@@ -4550,7 +4549,7 @@
             </a:pPr>
             <a:r>
               <a:rPr lang="en-GB" dirty="0"/>
-              <a:t>To identify high cancellation likelihood bookings.</a:t>
+              <a:t>Identify high cancellation likelihood bookings.</a:t>
             </a:r>
           </a:p>
           <a:p>
@@ -4567,7 +4566,7 @@
             </a:pPr>
             <a:r>
               <a:rPr lang="en-GB" dirty="0"/>
-              <a:t>To implement actions to prevent cancellation.</a:t>
+              <a:t>Implement actions to prevent cancellation.</a:t>
             </a:r>
           </a:p>
           <a:p>
@@ -4584,7 +4583,24 @@
             </a:pPr>
             <a:r>
               <a:rPr lang="en-GB" dirty="0"/>
-              <a:t>To reduce cancellations to a rate of 20%. </a:t>
+              <a:t>Reduce cancellations to a rate of 20%. </a:t>
+            </a:r>
+          </a:p>
+          <a:p>
+            <a:pPr lvl="0">
+              <a:buBlip>
+                <a:blip r:embed="rId3">
+                  <a:extLst>
+                    <a:ext uri="{96DAC541-7B7A-43D3-8B79-37D633B846F1}">
+                      <asvg:svgBlip xmlns:asvg="http://schemas.microsoft.com/office/drawing/2016/SVG/main" r:embed="rId4"/>
+                    </a:ext>
+                  </a:extLst>
+                </a:blip>
+              </a:buBlip>
+            </a:pPr>
+            <a:r>
+              <a:rPr lang="en-GB" dirty="0"/>
+              <a:t>Create a prediction app</a:t>
             </a:r>
           </a:p>
           <a:p>
@@ -5365,31 +5381,6 @@
       </p:sp>
       <p:sp>
         <p:nvSpPr>
-          <p:cNvPr id="3" name="Content Placeholder 2">
-            <a:extLst>
-              <a:ext uri="{FF2B5EF4-FFF2-40B4-BE49-F238E27FC236}">
-                <a16:creationId xmlns:a16="http://schemas.microsoft.com/office/drawing/2014/main" id="{D95F98AC-FDB5-4613-9807-237F77E9D651}"/>
-              </a:ext>
-            </a:extLst>
-          </p:cNvPr>
-          <p:cNvSpPr>
-            <a:spLocks noGrp="1"/>
-          </p:cNvSpPr>
-          <p:nvPr>
-            <p:ph sz="half" idx="1"/>
-          </p:nvPr>
-        </p:nvSpPr>
-        <p:spPr/>
-        <p:txBody>
-          <a:bodyPr/>
-          <a:lstStyle/>
-          <a:p>
-            <a:endParaRPr lang="en-GB" dirty="0"/>
-          </a:p>
-        </p:txBody>
-      </p:sp>
-      <p:sp>
-        <p:nvSpPr>
           <p:cNvPr id="4" name="Content Placeholder 3">
             <a:extLst>
               <a:ext uri="{FF2B5EF4-FFF2-40B4-BE49-F238E27FC236}">
@@ -5409,7 +5400,7 @@
           <a:bodyPr/>
           <a:lstStyle/>
           <a:p>
-            <a:endParaRPr lang="en-GB"/>
+            <a:endParaRPr lang="en-GB" dirty="0"/>
           </a:p>
         </p:txBody>
       </p:sp>
@@ -5826,6 +5817,31 @@
           </a:p>
         </p:txBody>
       </p:sp>
+      <p:sp>
+        <p:nvSpPr>
+          <p:cNvPr id="22" name="Marcador de Posição de Conteúdo 21">
+            <a:extLst>
+              <a:ext uri="{FF2B5EF4-FFF2-40B4-BE49-F238E27FC236}">
+                <a16:creationId xmlns:a16="http://schemas.microsoft.com/office/drawing/2014/main" id="{E9B4A906-761A-4FA0-8244-6D57D9DEC60C}"/>
+              </a:ext>
+            </a:extLst>
+          </p:cNvPr>
+          <p:cNvSpPr>
+            <a:spLocks noGrp="1"/>
+          </p:cNvSpPr>
+          <p:nvPr>
+            <p:ph sz="half" idx="1"/>
+          </p:nvPr>
+        </p:nvSpPr>
+        <p:spPr/>
+        <p:txBody>
+          <a:bodyPr/>
+          <a:lstStyle/>
+          <a:p>
+            <a:endParaRPr lang="pt-PT"/>
+          </a:p>
+        </p:txBody>
+      </p:sp>
     </p:spTree>
     <p:extLst>
       <p:ext uri="{BB962C8B-B14F-4D97-AF65-F5344CB8AC3E}">
@@ -5900,10 +5916,1238 @@
             <p:ph sz="half" idx="1"/>
           </p:nvPr>
         </p:nvSpPr>
+        <p:spPr>
+          <a:xfrm>
+            <a:off x="7583781" y="2126477"/>
+            <a:ext cx="4754880" cy="4023360"/>
+          </a:xfrm>
+        </p:spPr>
+        <p:txBody>
+          <a:bodyPr/>
+          <a:lstStyle/>
+          <a:p>
+            <a:pPr lvl="0" algn="ctr">
+              <a:buBlip>
+                <a:blip r:embed="rId2">
+                  <a:extLst>
+                    <a:ext uri="{96DAC541-7B7A-43D3-8B79-37D633B846F1}">
+                      <asvg:svgBlip xmlns:asvg="http://schemas.microsoft.com/office/drawing/2016/SVG/main" r:embed="rId3"/>
+                    </a:ext>
+                  </a:extLst>
+                </a:blip>
+              </a:buBlip>
+            </a:pPr>
+            <a:r>
+              <a:rPr lang="en-US" dirty="0"/>
+              <a:t> Cancellation proportion according to the most important feature</a:t>
+            </a:r>
+            <a:endParaRPr lang="en-GB" dirty="0"/>
+          </a:p>
+          <a:p>
+            <a:pPr marL="0" lvl="0" indent="0" algn="ctr">
+              <a:buNone/>
+            </a:pPr>
+            <a:endParaRPr lang="en-GB" dirty="0"/>
+          </a:p>
+          <a:p>
+            <a:pPr marL="0" lvl="0" indent="0" algn="ctr">
+              <a:buNone/>
+            </a:pPr>
+            <a:endParaRPr lang="en-GB" dirty="0"/>
+          </a:p>
+          <a:p>
+            <a:pPr marL="0" lvl="0" indent="0" algn="ctr">
+              <a:buNone/>
+            </a:pPr>
+            <a:endParaRPr lang="en-GB" dirty="0"/>
+          </a:p>
+          <a:p>
+            <a:pPr marL="0" lvl="0" indent="0" algn="ctr">
+              <a:buNone/>
+            </a:pPr>
+            <a:endParaRPr lang="en-GB" dirty="0"/>
+          </a:p>
+          <a:p>
+            <a:pPr algn="ctr"/>
+            <a:endParaRPr lang="en-GB" dirty="0"/>
+          </a:p>
+        </p:txBody>
+      </p:sp>
+      <p:sp>
+        <p:nvSpPr>
+          <p:cNvPr id="6" name="TextBox 5">
+            <a:extLst>
+              <a:ext uri="{FF2B5EF4-FFF2-40B4-BE49-F238E27FC236}">
+                <a16:creationId xmlns:a16="http://schemas.microsoft.com/office/drawing/2014/main" id="{DF2F55A6-762E-4CE0-8C7B-415072614C1C}"/>
+              </a:ext>
+            </a:extLst>
+          </p:cNvPr>
+          <p:cNvSpPr txBox="1"/>
+          <p:nvPr/>
+        </p:nvSpPr>
+        <p:spPr>
+          <a:xfrm>
+            <a:off x="9225170" y="53507"/>
+            <a:ext cx="2809461" cy="1477328"/>
+          </a:xfrm>
+          <a:prstGeom prst="rect">
+            <a:avLst/>
+          </a:prstGeom>
+          <a:solidFill>
+            <a:srgbClr val="FFFF00"/>
+          </a:solidFill>
+        </p:spPr>
+        <p:txBody>
+          <a:bodyPr wrap="square" rtlCol="0">
+            <a:spAutoFit/>
+          </a:bodyPr>
+          <a:lstStyle/>
+          <a:p>
+            <a:r>
+              <a:rPr lang="en-GB" dirty="0" err="1">
+                <a:solidFill>
+                  <a:schemeClr val="bg1"/>
+                </a:solidFill>
+              </a:rPr>
+              <a:t>Aqui</a:t>
+            </a:r>
+            <a:r>
+              <a:rPr lang="en-GB" dirty="0">
+                <a:solidFill>
+                  <a:schemeClr val="bg1"/>
+                </a:solidFill>
+              </a:rPr>
+              <a:t> </a:t>
+            </a:r>
+            <a:r>
+              <a:rPr lang="en-GB" dirty="0" err="1">
+                <a:solidFill>
+                  <a:schemeClr val="bg1"/>
+                </a:solidFill>
+              </a:rPr>
+              <a:t>vamos</a:t>
+            </a:r>
+            <a:r>
+              <a:rPr lang="en-GB" dirty="0">
+                <a:solidFill>
+                  <a:schemeClr val="bg1"/>
+                </a:solidFill>
+              </a:rPr>
+              <a:t> </a:t>
+            </a:r>
+            <a:r>
+              <a:rPr lang="en-GB" dirty="0" err="1">
+                <a:solidFill>
+                  <a:schemeClr val="bg1"/>
+                </a:solidFill>
+              </a:rPr>
+              <a:t>escrever</a:t>
+            </a:r>
+            <a:r>
+              <a:rPr lang="en-GB" dirty="0">
+                <a:solidFill>
+                  <a:schemeClr val="bg1"/>
+                </a:solidFill>
+              </a:rPr>
+              <a:t>:</a:t>
+            </a:r>
+          </a:p>
+          <a:p>
+            <a:pPr marL="285750" indent="-285750">
+              <a:buFontTx/>
+              <a:buChar char="-"/>
+            </a:pPr>
+            <a:r>
+              <a:rPr lang="en-GB" dirty="0" err="1">
+                <a:solidFill>
+                  <a:schemeClr val="bg1"/>
+                </a:solidFill>
+              </a:rPr>
+              <a:t>Mostrar</a:t>
+            </a:r>
+            <a:r>
+              <a:rPr lang="en-GB" dirty="0">
+                <a:solidFill>
+                  <a:schemeClr val="bg1"/>
+                </a:solidFill>
+              </a:rPr>
+              <a:t> um </a:t>
+            </a:r>
+            <a:r>
+              <a:rPr lang="en-GB" dirty="0" err="1">
+                <a:solidFill>
+                  <a:schemeClr val="bg1"/>
+                </a:solidFill>
+              </a:rPr>
+              <a:t>pouco</a:t>
+            </a:r>
+            <a:r>
+              <a:rPr lang="en-GB" dirty="0">
+                <a:solidFill>
+                  <a:schemeClr val="bg1"/>
+                </a:solidFill>
+              </a:rPr>
+              <a:t> dos dados (</a:t>
+            </a:r>
+            <a:r>
+              <a:rPr lang="en-GB" dirty="0" err="1">
+                <a:solidFill>
+                  <a:schemeClr val="bg1"/>
+                </a:solidFill>
+              </a:rPr>
+              <a:t>visualizacoes</a:t>
+            </a:r>
+            <a:r>
+              <a:rPr lang="en-GB" dirty="0">
+                <a:solidFill>
+                  <a:schemeClr val="bg1"/>
+                </a:solidFill>
+              </a:rPr>
+              <a:t>)</a:t>
+            </a:r>
+          </a:p>
+          <a:p>
+            <a:pPr marL="285750" indent="-285750">
+              <a:buFontTx/>
+              <a:buChar char="-"/>
+            </a:pPr>
+            <a:r>
+              <a:rPr lang="en-GB" dirty="0" err="1">
+                <a:solidFill>
+                  <a:schemeClr val="bg1"/>
+                </a:solidFill>
+              </a:rPr>
+              <a:t>Grafico</a:t>
+            </a:r>
+            <a:r>
+              <a:rPr lang="en-GB" dirty="0">
+                <a:solidFill>
+                  <a:schemeClr val="bg1"/>
+                </a:solidFill>
+              </a:rPr>
+              <a:t> Mutual/ Main variables</a:t>
+            </a:r>
+          </a:p>
+        </p:txBody>
+      </p:sp>
+      <p:pic>
+        <p:nvPicPr>
+          <p:cNvPr id="13" name="Imagem 12">
+            <a:extLst>
+              <a:ext uri="{FF2B5EF4-FFF2-40B4-BE49-F238E27FC236}">
+                <a16:creationId xmlns:a16="http://schemas.microsoft.com/office/drawing/2014/main" id="{9113300B-5186-4811-8063-80FF753AADB6}"/>
+              </a:ext>
+            </a:extLst>
+          </p:cNvPr>
+          <p:cNvPicPr>
+            <a:picLocks noChangeAspect="1"/>
+          </p:cNvPicPr>
+          <p:nvPr/>
+        </p:nvPicPr>
+        <p:blipFill>
+          <a:blip r:embed="rId4"/>
+          <a:stretch>
+            <a:fillRect/>
+          </a:stretch>
+        </p:blipFill>
+        <p:spPr>
+          <a:xfrm>
+            <a:off x="4387757" y="2991250"/>
+            <a:ext cx="3674762" cy="3725565"/>
+          </a:xfrm>
+          <a:prstGeom prst="rect">
+            <a:avLst/>
+          </a:prstGeom>
+        </p:spPr>
+      </p:pic>
+      <p:sp>
+        <p:nvSpPr>
+          <p:cNvPr id="14" name="Content Placeholder 2">
+            <a:extLst>
+              <a:ext uri="{FF2B5EF4-FFF2-40B4-BE49-F238E27FC236}">
+                <a16:creationId xmlns:a16="http://schemas.microsoft.com/office/drawing/2014/main" id="{49315257-2B06-4889-842D-919E63AFCD37}"/>
+              </a:ext>
+            </a:extLst>
+          </p:cNvPr>
+          <p:cNvSpPr txBox="1">
+            <a:spLocks/>
+          </p:cNvSpPr>
+          <p:nvPr/>
+        </p:nvSpPr>
+        <p:spPr>
+          <a:xfrm>
+            <a:off x="3718560" y="2126477"/>
+            <a:ext cx="4754880" cy="4023360"/>
+          </a:xfrm>
+          <a:prstGeom prst="rect">
+            <a:avLst/>
+          </a:prstGeom>
+        </p:spPr>
+        <p:txBody>
+          <a:bodyPr vert="horz" lIns="45720" tIns="45720" rIns="45720" bIns="45720" rtlCol="0">
+            <a:normAutofit/>
+          </a:bodyPr>
+          <a:lstStyle>
+            <a:lvl1pPr marL="91440" indent="-91440" algn="l" defTabSz="914400" rtl="0" eaLnBrk="1" latinLnBrk="0" hangingPunct="1">
+              <a:lnSpc>
+                <a:spcPct val="90000"/>
+              </a:lnSpc>
+              <a:spcBef>
+                <a:spcPts val="1200"/>
+              </a:spcBef>
+              <a:spcAft>
+                <a:spcPts val="200"/>
+              </a:spcAft>
+              <a:buClr>
+                <a:schemeClr val="accent2"/>
+              </a:buClr>
+              <a:buSzPct val="100000"/>
+              <a:buFont typeface="Tw Cen MT" panose="020B0602020104020603" pitchFamily="34" charset="0"/>
+              <a:buChar char=" "/>
+              <a:defRPr sz="2200" kern="1200">
+                <a:solidFill>
+                  <a:schemeClr val="tx1"/>
+                </a:solidFill>
+                <a:latin typeface="+mn-lt"/>
+                <a:ea typeface="+mn-ea"/>
+                <a:cs typeface="+mn-cs"/>
+              </a:defRPr>
+            </a:lvl1pPr>
+            <a:lvl2pPr marL="265176" indent="-137160" algn="l" defTabSz="914400" rtl="0" eaLnBrk="1" latinLnBrk="0" hangingPunct="1">
+              <a:lnSpc>
+                <a:spcPct val="90000"/>
+              </a:lnSpc>
+              <a:spcBef>
+                <a:spcPts val="200"/>
+              </a:spcBef>
+              <a:spcAft>
+                <a:spcPts val="400"/>
+              </a:spcAft>
+              <a:buClr>
+                <a:schemeClr val="accent2"/>
+              </a:buClr>
+              <a:buFont typeface="Wingdings 3" pitchFamily="18" charset="2"/>
+              <a:buChar char=""/>
+              <a:defRPr sz="1800" kern="1200">
+                <a:solidFill>
+                  <a:schemeClr val="tx1"/>
+                </a:solidFill>
+                <a:latin typeface="+mn-lt"/>
+                <a:ea typeface="+mn-ea"/>
+                <a:cs typeface="+mn-cs"/>
+              </a:defRPr>
+            </a:lvl2pPr>
+            <a:lvl3pPr marL="448056" indent="-137160" algn="l" defTabSz="914400" rtl="0" eaLnBrk="1" latinLnBrk="0" hangingPunct="1">
+              <a:lnSpc>
+                <a:spcPct val="90000"/>
+              </a:lnSpc>
+              <a:spcBef>
+                <a:spcPts val="200"/>
+              </a:spcBef>
+              <a:spcAft>
+                <a:spcPts val="400"/>
+              </a:spcAft>
+              <a:buClr>
+                <a:schemeClr val="accent2"/>
+              </a:buClr>
+              <a:buFont typeface="Wingdings 3" pitchFamily="18" charset="2"/>
+              <a:buChar char=""/>
+              <a:defRPr sz="1400" kern="1200">
+                <a:solidFill>
+                  <a:schemeClr val="tx1"/>
+                </a:solidFill>
+                <a:latin typeface="+mn-lt"/>
+                <a:ea typeface="+mn-ea"/>
+                <a:cs typeface="+mn-cs"/>
+              </a:defRPr>
+            </a:lvl3pPr>
+            <a:lvl4pPr marL="594360" indent="-137160" algn="l" defTabSz="914400" rtl="0" eaLnBrk="1" latinLnBrk="0" hangingPunct="1">
+              <a:lnSpc>
+                <a:spcPct val="90000"/>
+              </a:lnSpc>
+              <a:spcBef>
+                <a:spcPts val="200"/>
+              </a:spcBef>
+              <a:spcAft>
+                <a:spcPts val="400"/>
+              </a:spcAft>
+              <a:buClr>
+                <a:schemeClr val="accent2"/>
+              </a:buClr>
+              <a:buFont typeface="Wingdings 3" pitchFamily="18" charset="2"/>
+              <a:buChar char=""/>
+              <a:defRPr sz="1400" kern="1200">
+                <a:solidFill>
+                  <a:schemeClr val="tx1"/>
+                </a:solidFill>
+                <a:latin typeface="+mn-lt"/>
+                <a:ea typeface="+mn-ea"/>
+                <a:cs typeface="+mn-cs"/>
+              </a:defRPr>
+            </a:lvl4pPr>
+            <a:lvl5pPr marL="777240" indent="-137160" algn="l" defTabSz="914400" rtl="0" eaLnBrk="1" latinLnBrk="0" hangingPunct="1">
+              <a:lnSpc>
+                <a:spcPct val="90000"/>
+              </a:lnSpc>
+              <a:spcBef>
+                <a:spcPts val="200"/>
+              </a:spcBef>
+              <a:spcAft>
+                <a:spcPts val="400"/>
+              </a:spcAft>
+              <a:buClr>
+                <a:schemeClr val="accent2"/>
+              </a:buClr>
+              <a:buFont typeface="Wingdings 3" pitchFamily="18" charset="2"/>
+              <a:buChar char=""/>
+              <a:defRPr sz="1400" kern="1200">
+                <a:solidFill>
+                  <a:schemeClr val="tx1"/>
+                </a:solidFill>
+                <a:latin typeface="+mn-lt"/>
+                <a:ea typeface="+mn-ea"/>
+                <a:cs typeface="+mn-cs"/>
+              </a:defRPr>
+            </a:lvl5pPr>
+            <a:lvl6pPr marL="914400" indent="-137160" algn="l" defTabSz="914400" rtl="0" eaLnBrk="1" latinLnBrk="0" hangingPunct="1">
+              <a:lnSpc>
+                <a:spcPct val="90000"/>
+              </a:lnSpc>
+              <a:spcBef>
+                <a:spcPts val="200"/>
+              </a:spcBef>
+              <a:spcAft>
+                <a:spcPts val="400"/>
+              </a:spcAft>
+              <a:buClr>
+                <a:schemeClr val="accent2"/>
+              </a:buClr>
+              <a:buFont typeface="Wingdings 3" pitchFamily="18" charset="2"/>
+              <a:buChar char=""/>
+              <a:defRPr sz="1400" kern="1200">
+                <a:solidFill>
+                  <a:schemeClr val="tx1"/>
+                </a:solidFill>
+                <a:latin typeface="+mn-lt"/>
+                <a:ea typeface="+mn-ea"/>
+                <a:cs typeface="+mn-cs"/>
+              </a:defRPr>
+            </a:lvl6pPr>
+            <a:lvl7pPr marL="1060704" indent="-137160" algn="l" defTabSz="914400" rtl="0" eaLnBrk="1" latinLnBrk="0" hangingPunct="1">
+              <a:lnSpc>
+                <a:spcPct val="90000"/>
+              </a:lnSpc>
+              <a:spcBef>
+                <a:spcPts val="200"/>
+              </a:spcBef>
+              <a:spcAft>
+                <a:spcPts val="400"/>
+              </a:spcAft>
+              <a:buClr>
+                <a:schemeClr val="accent2"/>
+              </a:buClr>
+              <a:buFont typeface="Wingdings 3" pitchFamily="18" charset="2"/>
+              <a:buChar char=""/>
+              <a:defRPr sz="1400" kern="1200">
+                <a:solidFill>
+                  <a:schemeClr val="tx1"/>
+                </a:solidFill>
+                <a:latin typeface="+mn-lt"/>
+                <a:ea typeface="+mn-ea"/>
+                <a:cs typeface="+mn-cs"/>
+              </a:defRPr>
+            </a:lvl7pPr>
+            <a:lvl8pPr marL="1216152" indent="-137160" algn="l" defTabSz="914400" rtl="0" eaLnBrk="1" latinLnBrk="0" hangingPunct="1">
+              <a:lnSpc>
+                <a:spcPct val="90000"/>
+              </a:lnSpc>
+              <a:spcBef>
+                <a:spcPts val="200"/>
+              </a:spcBef>
+              <a:spcAft>
+                <a:spcPts val="400"/>
+              </a:spcAft>
+              <a:buClr>
+                <a:schemeClr val="accent2"/>
+              </a:buClr>
+              <a:buFont typeface="Wingdings 3" pitchFamily="18" charset="2"/>
+              <a:buChar char=""/>
+              <a:defRPr sz="1400" kern="1200">
+                <a:solidFill>
+                  <a:schemeClr val="tx1"/>
+                </a:solidFill>
+                <a:latin typeface="+mn-lt"/>
+                <a:ea typeface="+mn-ea"/>
+                <a:cs typeface="+mn-cs"/>
+              </a:defRPr>
+            </a:lvl8pPr>
+            <a:lvl9pPr marL="1362456" indent="-137160" algn="l" defTabSz="914400" rtl="0" eaLnBrk="1" latinLnBrk="0" hangingPunct="1">
+              <a:lnSpc>
+                <a:spcPct val="90000"/>
+              </a:lnSpc>
+              <a:spcBef>
+                <a:spcPts val="200"/>
+              </a:spcBef>
+              <a:spcAft>
+                <a:spcPts val="400"/>
+              </a:spcAft>
+              <a:buClr>
+                <a:schemeClr val="accent2"/>
+              </a:buClr>
+              <a:buFont typeface="Wingdings 3" pitchFamily="18" charset="2"/>
+              <a:buChar char=""/>
+              <a:defRPr sz="1400" kern="1200">
+                <a:solidFill>
+                  <a:schemeClr val="tx1"/>
+                </a:solidFill>
+                <a:latin typeface="+mn-lt"/>
+                <a:ea typeface="+mn-ea"/>
+                <a:cs typeface="+mn-cs"/>
+              </a:defRPr>
+            </a:lvl9pPr>
+          </a:lstStyle>
+          <a:p>
+            <a:pPr algn="ctr">
+              <a:buFont typeface="Tw Cen MT" panose="020B0602020104020603" pitchFamily="34" charset="0"/>
+              <a:buBlip>
+                <a:blip r:embed="rId2">
+                  <a:extLst>
+                    <a:ext uri="{96DAC541-7B7A-43D3-8B79-37D633B846F1}">
+                      <asvg:svgBlip xmlns:asvg="http://schemas.microsoft.com/office/drawing/2016/SVG/main" r:embed="rId3"/>
+                    </a:ext>
+                  </a:extLst>
+                </a:blip>
+              </a:buBlip>
+            </a:pPr>
+            <a:r>
+              <a:rPr lang="en-US" dirty="0"/>
+              <a:t> Best features</a:t>
+            </a:r>
+          </a:p>
+          <a:p>
+            <a:pPr marL="0" indent="0">
+              <a:buFont typeface="Tw Cen MT" panose="020B0602020104020603" pitchFamily="34" charset="0"/>
+              <a:buNone/>
+            </a:pPr>
+            <a:endParaRPr lang="en-GB" dirty="0"/>
+          </a:p>
+          <a:p>
+            <a:pPr marL="0" indent="0">
+              <a:buFont typeface="Tw Cen MT" panose="020B0602020104020603" pitchFamily="34" charset="0"/>
+              <a:buNone/>
+            </a:pPr>
+            <a:endParaRPr lang="en-GB" dirty="0"/>
+          </a:p>
+          <a:p>
+            <a:pPr marL="0" indent="0">
+              <a:buFont typeface="Tw Cen MT" panose="020B0602020104020603" pitchFamily="34" charset="0"/>
+              <a:buNone/>
+            </a:pPr>
+            <a:endParaRPr lang="en-GB" dirty="0"/>
+          </a:p>
+          <a:p>
+            <a:pPr marL="0" indent="0">
+              <a:buFont typeface="Tw Cen MT" panose="020B0602020104020603" pitchFamily="34" charset="0"/>
+              <a:buNone/>
+            </a:pPr>
+            <a:endParaRPr lang="en-GB" dirty="0"/>
+          </a:p>
+          <a:p>
+            <a:pPr marL="0" indent="0">
+              <a:buFont typeface="Tw Cen MT" panose="020B0602020104020603" pitchFamily="34" charset="0"/>
+              <a:buNone/>
+            </a:pPr>
+            <a:endParaRPr lang="en-GB" dirty="0"/>
+          </a:p>
+          <a:p>
+            <a:r>
+              <a:rPr lang="en-GB" dirty="0"/>
+              <a:t>c</a:t>
+            </a:r>
+          </a:p>
+        </p:txBody>
+      </p:sp>
+      <p:sp>
+        <p:nvSpPr>
+          <p:cNvPr id="17" name="Content Placeholder 2">
+            <a:extLst>
+              <a:ext uri="{FF2B5EF4-FFF2-40B4-BE49-F238E27FC236}">
+                <a16:creationId xmlns:a16="http://schemas.microsoft.com/office/drawing/2014/main" id="{64380A83-E6B0-40EA-98A6-831D3B381480}"/>
+              </a:ext>
+            </a:extLst>
+          </p:cNvPr>
+          <p:cNvSpPr txBox="1">
+            <a:spLocks/>
+          </p:cNvSpPr>
+          <p:nvPr/>
+        </p:nvSpPr>
+        <p:spPr>
+          <a:xfrm>
+            <a:off x="-9749" y="2126477"/>
+            <a:ext cx="4397506" cy="4023360"/>
+          </a:xfrm>
+          <a:prstGeom prst="rect">
+            <a:avLst/>
+          </a:prstGeom>
+        </p:spPr>
+        <p:txBody>
+          <a:bodyPr vert="horz" lIns="45720" tIns="45720" rIns="45720" bIns="45720" rtlCol="0">
+            <a:normAutofit/>
+          </a:bodyPr>
+          <a:lstStyle>
+            <a:lvl1pPr marL="91440" indent="-91440" algn="l" defTabSz="914400" rtl="0" eaLnBrk="1" latinLnBrk="0" hangingPunct="1">
+              <a:lnSpc>
+                <a:spcPct val="90000"/>
+              </a:lnSpc>
+              <a:spcBef>
+                <a:spcPts val="1200"/>
+              </a:spcBef>
+              <a:spcAft>
+                <a:spcPts val="200"/>
+              </a:spcAft>
+              <a:buClr>
+                <a:schemeClr val="accent2"/>
+              </a:buClr>
+              <a:buSzPct val="100000"/>
+              <a:buFont typeface="Tw Cen MT" panose="020B0602020104020603" pitchFamily="34" charset="0"/>
+              <a:buChar char=" "/>
+              <a:defRPr sz="2200" kern="1200">
+                <a:solidFill>
+                  <a:schemeClr val="tx1"/>
+                </a:solidFill>
+                <a:latin typeface="+mn-lt"/>
+                <a:ea typeface="+mn-ea"/>
+                <a:cs typeface="+mn-cs"/>
+              </a:defRPr>
+            </a:lvl1pPr>
+            <a:lvl2pPr marL="265176" indent="-137160" algn="l" defTabSz="914400" rtl="0" eaLnBrk="1" latinLnBrk="0" hangingPunct="1">
+              <a:lnSpc>
+                <a:spcPct val="90000"/>
+              </a:lnSpc>
+              <a:spcBef>
+                <a:spcPts val="200"/>
+              </a:spcBef>
+              <a:spcAft>
+                <a:spcPts val="400"/>
+              </a:spcAft>
+              <a:buClr>
+                <a:schemeClr val="accent2"/>
+              </a:buClr>
+              <a:buFont typeface="Wingdings 3" pitchFamily="18" charset="2"/>
+              <a:buChar char=""/>
+              <a:defRPr sz="1800" kern="1200">
+                <a:solidFill>
+                  <a:schemeClr val="tx1"/>
+                </a:solidFill>
+                <a:latin typeface="+mn-lt"/>
+                <a:ea typeface="+mn-ea"/>
+                <a:cs typeface="+mn-cs"/>
+              </a:defRPr>
+            </a:lvl2pPr>
+            <a:lvl3pPr marL="448056" indent="-137160" algn="l" defTabSz="914400" rtl="0" eaLnBrk="1" latinLnBrk="0" hangingPunct="1">
+              <a:lnSpc>
+                <a:spcPct val="90000"/>
+              </a:lnSpc>
+              <a:spcBef>
+                <a:spcPts val="200"/>
+              </a:spcBef>
+              <a:spcAft>
+                <a:spcPts val="400"/>
+              </a:spcAft>
+              <a:buClr>
+                <a:schemeClr val="accent2"/>
+              </a:buClr>
+              <a:buFont typeface="Wingdings 3" pitchFamily="18" charset="2"/>
+              <a:buChar char=""/>
+              <a:defRPr sz="1400" kern="1200">
+                <a:solidFill>
+                  <a:schemeClr val="tx1"/>
+                </a:solidFill>
+                <a:latin typeface="+mn-lt"/>
+                <a:ea typeface="+mn-ea"/>
+                <a:cs typeface="+mn-cs"/>
+              </a:defRPr>
+            </a:lvl3pPr>
+            <a:lvl4pPr marL="594360" indent="-137160" algn="l" defTabSz="914400" rtl="0" eaLnBrk="1" latinLnBrk="0" hangingPunct="1">
+              <a:lnSpc>
+                <a:spcPct val="90000"/>
+              </a:lnSpc>
+              <a:spcBef>
+                <a:spcPts val="200"/>
+              </a:spcBef>
+              <a:spcAft>
+                <a:spcPts val="400"/>
+              </a:spcAft>
+              <a:buClr>
+                <a:schemeClr val="accent2"/>
+              </a:buClr>
+              <a:buFont typeface="Wingdings 3" pitchFamily="18" charset="2"/>
+              <a:buChar char=""/>
+              <a:defRPr sz="1400" kern="1200">
+                <a:solidFill>
+                  <a:schemeClr val="tx1"/>
+                </a:solidFill>
+                <a:latin typeface="+mn-lt"/>
+                <a:ea typeface="+mn-ea"/>
+                <a:cs typeface="+mn-cs"/>
+              </a:defRPr>
+            </a:lvl4pPr>
+            <a:lvl5pPr marL="777240" indent="-137160" algn="l" defTabSz="914400" rtl="0" eaLnBrk="1" latinLnBrk="0" hangingPunct="1">
+              <a:lnSpc>
+                <a:spcPct val="90000"/>
+              </a:lnSpc>
+              <a:spcBef>
+                <a:spcPts val="200"/>
+              </a:spcBef>
+              <a:spcAft>
+                <a:spcPts val="400"/>
+              </a:spcAft>
+              <a:buClr>
+                <a:schemeClr val="accent2"/>
+              </a:buClr>
+              <a:buFont typeface="Wingdings 3" pitchFamily="18" charset="2"/>
+              <a:buChar char=""/>
+              <a:defRPr sz="1400" kern="1200">
+                <a:solidFill>
+                  <a:schemeClr val="tx1"/>
+                </a:solidFill>
+                <a:latin typeface="+mn-lt"/>
+                <a:ea typeface="+mn-ea"/>
+                <a:cs typeface="+mn-cs"/>
+              </a:defRPr>
+            </a:lvl5pPr>
+            <a:lvl6pPr marL="914400" indent="-137160" algn="l" defTabSz="914400" rtl="0" eaLnBrk="1" latinLnBrk="0" hangingPunct="1">
+              <a:lnSpc>
+                <a:spcPct val="90000"/>
+              </a:lnSpc>
+              <a:spcBef>
+                <a:spcPts val="200"/>
+              </a:spcBef>
+              <a:spcAft>
+                <a:spcPts val="400"/>
+              </a:spcAft>
+              <a:buClr>
+                <a:schemeClr val="accent2"/>
+              </a:buClr>
+              <a:buFont typeface="Wingdings 3" pitchFamily="18" charset="2"/>
+              <a:buChar char=""/>
+              <a:defRPr sz="1400" kern="1200">
+                <a:solidFill>
+                  <a:schemeClr val="tx1"/>
+                </a:solidFill>
+                <a:latin typeface="+mn-lt"/>
+                <a:ea typeface="+mn-ea"/>
+                <a:cs typeface="+mn-cs"/>
+              </a:defRPr>
+            </a:lvl6pPr>
+            <a:lvl7pPr marL="1060704" indent="-137160" algn="l" defTabSz="914400" rtl="0" eaLnBrk="1" latinLnBrk="0" hangingPunct="1">
+              <a:lnSpc>
+                <a:spcPct val="90000"/>
+              </a:lnSpc>
+              <a:spcBef>
+                <a:spcPts val="200"/>
+              </a:spcBef>
+              <a:spcAft>
+                <a:spcPts val="400"/>
+              </a:spcAft>
+              <a:buClr>
+                <a:schemeClr val="accent2"/>
+              </a:buClr>
+              <a:buFont typeface="Wingdings 3" pitchFamily="18" charset="2"/>
+              <a:buChar char=""/>
+              <a:defRPr sz="1400" kern="1200">
+                <a:solidFill>
+                  <a:schemeClr val="tx1"/>
+                </a:solidFill>
+                <a:latin typeface="+mn-lt"/>
+                <a:ea typeface="+mn-ea"/>
+                <a:cs typeface="+mn-cs"/>
+              </a:defRPr>
+            </a:lvl7pPr>
+            <a:lvl8pPr marL="1216152" indent="-137160" algn="l" defTabSz="914400" rtl="0" eaLnBrk="1" latinLnBrk="0" hangingPunct="1">
+              <a:lnSpc>
+                <a:spcPct val="90000"/>
+              </a:lnSpc>
+              <a:spcBef>
+                <a:spcPts val="200"/>
+              </a:spcBef>
+              <a:spcAft>
+                <a:spcPts val="400"/>
+              </a:spcAft>
+              <a:buClr>
+                <a:schemeClr val="accent2"/>
+              </a:buClr>
+              <a:buFont typeface="Wingdings 3" pitchFamily="18" charset="2"/>
+              <a:buChar char=""/>
+              <a:defRPr sz="1400" kern="1200">
+                <a:solidFill>
+                  <a:schemeClr val="tx1"/>
+                </a:solidFill>
+                <a:latin typeface="+mn-lt"/>
+                <a:ea typeface="+mn-ea"/>
+                <a:cs typeface="+mn-cs"/>
+              </a:defRPr>
+            </a:lvl8pPr>
+            <a:lvl9pPr marL="1362456" indent="-137160" algn="l" defTabSz="914400" rtl="0" eaLnBrk="1" latinLnBrk="0" hangingPunct="1">
+              <a:lnSpc>
+                <a:spcPct val="90000"/>
+              </a:lnSpc>
+              <a:spcBef>
+                <a:spcPts val="200"/>
+              </a:spcBef>
+              <a:spcAft>
+                <a:spcPts val="400"/>
+              </a:spcAft>
+              <a:buClr>
+                <a:schemeClr val="accent2"/>
+              </a:buClr>
+              <a:buFont typeface="Wingdings 3" pitchFamily="18" charset="2"/>
+              <a:buChar char=""/>
+              <a:defRPr sz="1400" kern="1200">
+                <a:solidFill>
+                  <a:schemeClr val="tx1"/>
+                </a:solidFill>
+                <a:latin typeface="+mn-lt"/>
+                <a:ea typeface="+mn-ea"/>
+                <a:cs typeface="+mn-cs"/>
+              </a:defRPr>
+            </a:lvl9pPr>
+          </a:lstStyle>
+          <a:p>
+            <a:pPr algn="ctr">
+              <a:buFont typeface="Tw Cen MT" panose="020B0602020104020603" pitchFamily="34" charset="0"/>
+              <a:buBlip>
+                <a:blip r:embed="rId2">
+                  <a:extLst>
+                    <a:ext uri="{96DAC541-7B7A-43D3-8B79-37D633B846F1}">
+                      <asvg:svgBlip xmlns:asvg="http://schemas.microsoft.com/office/drawing/2016/SVG/main" r:embed="rId3"/>
+                    </a:ext>
+                  </a:extLst>
+                </a:blip>
+              </a:buBlip>
+            </a:pPr>
+            <a:r>
+              <a:rPr lang="en-US" dirty="0"/>
+              <a:t> Cancellation proportion in the dataset (42%)</a:t>
+            </a:r>
+          </a:p>
+          <a:p>
+            <a:pPr marL="0" indent="0">
+              <a:buFont typeface="Tw Cen MT" panose="020B0602020104020603" pitchFamily="34" charset="0"/>
+              <a:buNone/>
+            </a:pPr>
+            <a:endParaRPr lang="en-GB" dirty="0"/>
+          </a:p>
+          <a:p>
+            <a:pPr marL="0" indent="0">
+              <a:buFont typeface="Tw Cen MT" panose="020B0602020104020603" pitchFamily="34" charset="0"/>
+              <a:buNone/>
+            </a:pPr>
+            <a:endParaRPr lang="en-GB" dirty="0"/>
+          </a:p>
+          <a:p>
+            <a:pPr marL="0" indent="0">
+              <a:buFont typeface="Tw Cen MT" panose="020B0602020104020603" pitchFamily="34" charset="0"/>
+              <a:buNone/>
+            </a:pPr>
+            <a:endParaRPr lang="en-GB" dirty="0"/>
+          </a:p>
+          <a:p>
+            <a:pPr marL="0" indent="0">
+              <a:buFont typeface="Tw Cen MT" panose="020B0602020104020603" pitchFamily="34" charset="0"/>
+              <a:buNone/>
+            </a:pPr>
+            <a:endParaRPr lang="en-GB" dirty="0"/>
+          </a:p>
+          <a:p>
+            <a:endParaRPr lang="en-GB" dirty="0"/>
+          </a:p>
+        </p:txBody>
+      </p:sp>
+      <p:pic>
+        <p:nvPicPr>
+          <p:cNvPr id="19" name="Imagem 18">
+            <a:extLst>
+              <a:ext uri="{FF2B5EF4-FFF2-40B4-BE49-F238E27FC236}">
+                <a16:creationId xmlns:a16="http://schemas.microsoft.com/office/drawing/2014/main" id="{FEAFC0B2-E9E6-4991-BCF6-4FB6FBA3EB7E}"/>
+              </a:ext>
+            </a:extLst>
+          </p:cNvPr>
+          <p:cNvPicPr>
+            <a:picLocks noChangeAspect="1"/>
+          </p:cNvPicPr>
+          <p:nvPr/>
+        </p:nvPicPr>
+        <p:blipFill>
+          <a:blip r:embed="rId5"/>
+          <a:stretch>
+            <a:fillRect/>
+          </a:stretch>
+        </p:blipFill>
+        <p:spPr>
+          <a:xfrm>
+            <a:off x="168938" y="2991250"/>
+            <a:ext cx="4040132" cy="2600344"/>
+          </a:xfrm>
+          <a:prstGeom prst="rect">
+            <a:avLst/>
+          </a:prstGeom>
+        </p:spPr>
+      </p:pic>
+      <p:pic>
+        <p:nvPicPr>
+          <p:cNvPr id="21" name="Imagem 20">
+            <a:extLst>
+              <a:ext uri="{FF2B5EF4-FFF2-40B4-BE49-F238E27FC236}">
+                <a16:creationId xmlns:a16="http://schemas.microsoft.com/office/drawing/2014/main" id="{A86D6DD9-02F8-4343-AF91-D67C5FC7F8F6}"/>
+              </a:ext>
+            </a:extLst>
+          </p:cNvPr>
+          <p:cNvPicPr>
+            <a:picLocks noChangeAspect="1"/>
+          </p:cNvPicPr>
+          <p:nvPr/>
+        </p:nvPicPr>
+        <p:blipFill>
+          <a:blip r:embed="rId6"/>
+          <a:stretch>
+            <a:fillRect/>
+          </a:stretch>
+        </p:blipFill>
+        <p:spPr>
+          <a:xfrm>
+            <a:off x="8255871" y="2976109"/>
+            <a:ext cx="3767191" cy="3725565"/>
+          </a:xfrm>
+          <a:prstGeom prst="rect">
+            <a:avLst/>
+          </a:prstGeom>
+        </p:spPr>
+      </p:pic>
+      <p:pic>
+        <p:nvPicPr>
+          <p:cNvPr id="22" name="Picture 4">
+            <a:extLst>
+              <a:ext uri="{FF2B5EF4-FFF2-40B4-BE49-F238E27FC236}">
+                <a16:creationId xmlns:a16="http://schemas.microsoft.com/office/drawing/2014/main" id="{3D862689-9965-4801-9EBC-0F515CC515A8}"/>
+              </a:ext>
+            </a:extLst>
+          </p:cNvPr>
+          <p:cNvPicPr>
+            <a:picLocks noChangeAspect="1"/>
+          </p:cNvPicPr>
+          <p:nvPr/>
+        </p:nvPicPr>
+        <p:blipFill>
+          <a:blip r:embed="rId7">
+            <a:duotone>
+              <a:schemeClr val="accent1">
+                <a:shade val="45000"/>
+                <a:satMod val="135000"/>
+              </a:schemeClr>
+              <a:prstClr val="white"/>
+            </a:duotone>
+            <a:extLst>
+              <a:ext uri="{BEBA8EAE-BF5A-486C-A8C5-ECC9F3942E4B}">
+                <a14:imgProps xmlns:a14="http://schemas.microsoft.com/office/drawing/2010/main">
+                  <a14:imgLayer r:embed="rId8">
+                    <a14:imgEffect>
+                      <a14:backgroundRemoval t="6180" b="94944" l="3604" r="94895">
+                        <a14:foregroundMark x1="49850" y1="7865" x2="49850" y2="7865"/>
+                        <a14:foregroundMark x1="17718" y1="69101" x2="17718" y2="69101"/>
+                        <a14:foregroundMark x1="18619" y1="67978" x2="18619" y2="67978"/>
+                        <a14:foregroundMark x1="21321" y1="66292" x2="21321" y2="66292"/>
+                        <a14:foregroundMark x1="23724" y1="65730" x2="23724" y2="65730"/>
+                        <a14:foregroundMark x1="25526" y1="63483" x2="25526" y2="63483"/>
+                        <a14:foregroundMark x1="25826" y1="61798" x2="25826" y2="61798"/>
+                        <a14:foregroundMark x1="27027" y1="60674" x2="27027" y2="60674"/>
+                        <a14:foregroundMark x1="29429" y1="56180" x2="29429" y2="56180"/>
+                        <a14:foregroundMark x1="30931" y1="50000" x2="30931" y2="50000"/>
+                        <a14:foregroundMark x1="31231" y1="42697" x2="31231" y2="42697"/>
+                        <a14:foregroundMark x1="31532" y1="35393" x2="31532" y2="35393"/>
+                        <a14:foregroundMark x1="30631" y1="47191" x2="30631" y2="47191"/>
+                        <a14:foregroundMark x1="30931" y1="40449" x2="30931" y2="40449"/>
+                        <a14:foregroundMark x1="31532" y1="33708" x2="31532" y2="33708"/>
+                        <a14:foregroundMark x1="30931" y1="30337" x2="30931" y2="30337"/>
+                        <a14:foregroundMark x1="30330" y1="27528" x2="30330" y2="27528"/>
+                        <a14:foregroundMark x1="30030" y1="24157" x2="30030" y2="24157"/>
+                        <a14:foregroundMark x1="29129" y1="22472" x2="29129" y2="22472"/>
+                        <a14:foregroundMark x1="28228" y1="20225" x2="28228" y2="20225"/>
+                        <a14:foregroundMark x1="27628" y1="17416" x2="27628" y2="17416"/>
+                        <a14:foregroundMark x1="27327" y1="17416" x2="27327" y2="17416"/>
+                        <a14:foregroundMark x1="25526" y1="15169" x2="25526" y2="15169"/>
+                        <a14:foregroundMark x1="17117" y1="67978" x2="17117" y2="67978"/>
+                        <a14:foregroundMark x1="15015" y1="69101" x2="15015" y2="69101"/>
+                        <a14:foregroundMark x1="13213" y1="69101" x2="13213" y2="69101"/>
+                        <a14:foregroundMark x1="11411" y1="69663" x2="11411" y2="69663"/>
+                        <a14:foregroundMark x1="9009" y1="69663" x2="9009" y2="69663"/>
+                        <a14:foregroundMark x1="6907" y1="69101" x2="6907" y2="69101"/>
+                        <a14:foregroundMark x1="6607" y1="67978" x2="6607" y2="67978"/>
+                        <a14:foregroundMark x1="6607" y1="65730" x2="6607" y2="65730"/>
+                        <a14:foregroundMark x1="5105" y1="70787" x2="5105" y2="70787"/>
+                        <a14:foregroundMark x1="3904" y1="71348" x2="3904" y2="71348"/>
+                        <a14:foregroundMark x1="5105" y1="66292" x2="5105" y2="66292"/>
+                        <a14:foregroundMark x1="5105" y1="61798" x2="5105" y2="61798"/>
+                        <a14:foregroundMark x1="5706" y1="58989" x2="5706" y2="58989"/>
+                        <a14:foregroundMark x1="5706" y1="56180" x2="5706" y2="56180"/>
+                        <a14:foregroundMark x1="5405" y1="51124" x2="5405" y2="51124"/>
+                        <a14:foregroundMark x1="5405" y1="47753" x2="5405" y2="47753"/>
+                        <a14:foregroundMark x1="5405" y1="39888" x2="5405" y2="39888"/>
+                        <a14:foregroundMark x1="5105" y1="43258" x2="5105" y2="43258"/>
+                        <a14:foregroundMark x1="5405" y1="33146" x2="5405" y2="33146"/>
+                        <a14:foregroundMark x1="5706" y1="37640" x2="5706" y2="37640"/>
+                        <a14:foregroundMark x1="5706" y1="29213" x2="5706" y2="29213"/>
+                        <a14:foregroundMark x1="5706" y1="21348" x2="5706" y2="21348"/>
+                        <a14:foregroundMark x1="5706" y1="25843" x2="5706" y2="25843"/>
+                        <a14:foregroundMark x1="6306" y1="17416" x2="6306" y2="17416"/>
+                        <a14:foregroundMark x1="6306" y1="14045" x2="6306" y2="14045"/>
+                        <a14:foregroundMark x1="6306" y1="10112" x2="6306" y2="10112"/>
+                        <a14:foregroundMark x1="6006" y1="6742" x2="6006" y2="6742"/>
+                        <a14:foregroundMark x1="7207" y1="7303" x2="7207" y2="7303"/>
+                        <a14:foregroundMark x1="10511" y1="7303" x2="10511" y2="7303"/>
+                        <a14:foregroundMark x1="12312" y1="8427" x2="12312" y2="8427"/>
+                        <a14:foregroundMark x1="14715" y1="8427" x2="14715" y2="8427"/>
+                        <a14:foregroundMark x1="17417" y1="8989" x2="17417" y2="8989"/>
+                        <a14:foregroundMark x1="74174" y1="10112" x2="74174" y2="10112"/>
+                        <a14:foregroundMark x1="74474" y1="16292" x2="74474" y2="16292"/>
+                        <a14:foregroundMark x1="74775" y1="14045" x2="74775" y2="14045"/>
+                        <a14:foregroundMark x1="75375" y1="9551" x2="75375" y2="9551"/>
+                        <a14:foregroundMark x1="74775" y1="12360" x2="74775" y2="12360"/>
+                        <a14:foregroundMark x1="73874" y1="6742" x2="73874" y2="6742"/>
+                        <a14:foregroundMark x1="75676" y1="10112" x2="75676" y2="10112"/>
+                        <a14:foregroundMark x1="77778" y1="9551" x2="77778" y2="9551"/>
+                        <a14:foregroundMark x1="75075" y1="17416" x2="75075" y2="17416"/>
+                        <a14:foregroundMark x1="74474" y1="24719" x2="74474" y2="24719"/>
+                        <a14:foregroundMark x1="74474" y1="20787" x2="74474" y2="20787"/>
+                        <a14:foregroundMark x1="75375" y1="29775" x2="75375" y2="29775"/>
+                        <a14:foregroundMark x1="75075" y1="34270" x2="75075" y2="34270"/>
+                        <a14:foregroundMark x1="74775" y1="32584" x2="74775" y2="32584"/>
+                        <a14:foregroundMark x1="75075" y1="38202" x2="75075" y2="38202"/>
+                        <a14:foregroundMark x1="75075" y1="42697" x2="75075" y2="42697"/>
+                        <a14:foregroundMark x1="74474" y1="41011" x2="74474" y2="41011"/>
+                        <a14:foregroundMark x1="74174" y1="48315" x2="74174" y2="48315"/>
+                        <a14:foregroundMark x1="74775" y1="52809" x2="74775" y2="52809"/>
+                        <a14:foregroundMark x1="75375" y1="58427" x2="75375" y2="58427"/>
+                        <a14:foregroundMark x1="75075" y1="62360" x2="75075" y2="62360"/>
+                        <a14:foregroundMark x1="75075" y1="65730" x2="75075" y2="65730"/>
+                        <a14:foregroundMark x1="75075" y1="68539" x2="75075" y2="68539"/>
+                        <a14:foregroundMark x1="75075" y1="70787" x2="75075" y2="70787"/>
+                        <a14:foregroundMark x1="82583" y1="71348" x2="82583" y2="71348"/>
+                        <a14:foregroundMark x1="80180" y1="70787" x2="80180" y2="70787"/>
+                        <a14:foregroundMark x1="86787" y1="69101" x2="86787" y2="69101"/>
+                        <a14:foregroundMark x1="90691" y1="67416" x2="90691" y2="67416"/>
+                        <a14:foregroundMark x1="85586" y1="69663" x2="85586" y2="69663"/>
+                        <a14:foregroundMark x1="89790" y1="68539" x2="89790" y2="68539"/>
+                        <a14:foregroundMark x1="91892" y1="65169" x2="91892" y2="65169"/>
+                        <a14:foregroundMark x1="93093" y1="63483" x2="93093" y2="63483"/>
+                        <a14:foregroundMark x1="93994" y1="59551" x2="93994" y2="59551"/>
+                        <a14:foregroundMark x1="94595" y1="57303" x2="94595" y2="57303"/>
+                        <a14:foregroundMark x1="94595" y1="53933" x2="94595" y2="53933"/>
+                        <a14:foregroundMark x1="94595" y1="51124" x2="94595" y2="51124"/>
+                        <a14:foregroundMark x1="93994" y1="48315" x2="93994" y2="48315"/>
+                        <a14:foregroundMark x1="93694" y1="46629" x2="93694" y2="46629"/>
+                        <a14:foregroundMark x1="93093" y1="42697" x2="93093" y2="42697"/>
+                        <a14:foregroundMark x1="91592" y1="42135" x2="91592" y2="42135"/>
+                        <a14:foregroundMark x1="89189" y1="40449" x2="89189" y2="40449"/>
+                        <a14:foregroundMark x1="89189" y1="38764" x2="89189" y2="38764"/>
+                        <a14:foregroundMark x1="86486" y1="35955" x2="86486" y2="35955"/>
+                        <a14:foregroundMark x1="84384" y1="37079" x2="84384" y2="37079"/>
+                        <a14:foregroundMark x1="81381" y1="36517" x2="81381" y2="36517"/>
+                        <a14:foregroundMark x1="78679" y1="36517" x2="78679" y2="36517"/>
+                        <a14:foregroundMark x1="84384" y1="37079" x2="84384" y2="37079"/>
+                        <a14:foregroundMark x1="84985" y1="34831" x2="84985" y2="34831"/>
+                        <a14:foregroundMark x1="89790" y1="34831" x2="89790" y2="34831"/>
+                        <a14:foregroundMark x1="91291" y1="32584" x2="91291" y2="32584"/>
+                        <a14:foregroundMark x1="92192" y1="30337" x2="92192" y2="30337"/>
+                        <a14:foregroundMark x1="92492" y1="29213" x2="92492" y2="29213"/>
+                        <a14:foregroundMark x1="92492" y1="26966" x2="92492" y2="26966"/>
+                        <a14:foregroundMark x1="92492" y1="24157" x2="92492" y2="24157"/>
+                        <a14:foregroundMark x1="93694" y1="29775" x2="93694" y2="29775"/>
+                        <a14:foregroundMark x1="94595" y1="26404" x2="94595" y2="26404"/>
+                        <a14:foregroundMark x1="94895" y1="23596" x2="94895" y2="23596"/>
+                        <a14:foregroundMark x1="94895" y1="20225" x2="94895" y2="20225"/>
+                        <a14:foregroundMark x1="95495" y1="18539" x2="95495" y2="18539"/>
+                        <a14:foregroundMark x1="93093" y1="17416" x2="93093" y2="17416"/>
+                        <a14:foregroundMark x1="92492" y1="14607" x2="92492" y2="14607"/>
+                        <a14:foregroundMark x1="91592" y1="11798" x2="91592" y2="11798"/>
+                        <a14:foregroundMark x1="89489" y1="10674" x2="89489" y2="10674"/>
+                        <a14:foregroundMark x1="87087" y1="10112" x2="87087" y2="10112"/>
+                        <a14:foregroundMark x1="76577" y1="67978" x2="76577" y2="67978"/>
+                        <a14:foregroundMark x1="78979" y1="69101" x2="78979" y2="69101"/>
+                        <a14:foregroundMark x1="81381" y1="69101" x2="81381" y2="69101"/>
+                        <a14:foregroundMark x1="15916" y1="7865" x2="15916" y2="7865"/>
+                        <a14:foregroundMark x1="18619" y1="7303" x2="18619" y2="7303"/>
+                        <a14:foregroundMark x1="21021" y1="8989" x2="21021" y2="8989"/>
+                        <a14:foregroundMark x1="3904" y1="88764" x2="3904" y2="88764"/>
+                        <a14:foregroundMark x1="3604" y1="84270" x2="3604" y2="84270"/>
+                        <a14:foregroundMark x1="4805" y1="82022" x2="4805" y2="82022"/>
+                        <a14:foregroundMark x1="6607" y1="80337" x2="6607" y2="80337"/>
+                        <a14:foregroundMark x1="8408" y1="79213" x2="8408" y2="79213"/>
+                        <a14:foregroundMark x1="9309" y1="81461" x2="9309" y2="81461"/>
+                        <a14:foregroundMark x1="6607" y1="90449" x2="6607" y2="90449"/>
+                        <a14:foregroundMark x1="8108" y1="88764" x2="8108" y2="88764"/>
+                        <a14:foregroundMark x1="9009" y1="87640" x2="9009" y2="87640"/>
+                        <a14:foregroundMark x1="15616" y1="88764" x2="15616" y2="88764"/>
+                        <a14:foregroundMark x1="15916" y1="84831" x2="15916" y2="84831"/>
+                        <a14:foregroundMark x1="19820" y1="88764" x2="19820" y2="88764"/>
+                        <a14:foregroundMark x1="26727" y1="84831" x2="26727" y2="84831"/>
+                        <a14:foregroundMark x1="27327" y1="83146" x2="27327" y2="83146"/>
+                        <a14:foregroundMark x1="26126" y1="88202" x2="26126" y2="88202"/>
+                        <a14:foregroundMark x1="29429" y1="83146" x2="29429" y2="83146"/>
+                        <a14:foregroundMark x1="30330" y1="83708" x2="30330" y2="83708"/>
+                        <a14:foregroundMark x1="39039" y1="86517" x2="39039" y2="86517"/>
+                        <a14:foregroundMark x1="40240" y1="88764" x2="40240" y2="88764"/>
+                        <a14:foregroundMark x1="46847" y1="86517" x2="46847" y2="86517"/>
+                        <a14:foregroundMark x1="51051" y1="89326" x2="51051" y2="89326"/>
+                        <a14:foregroundMark x1="58559" y1="82584" x2="58559" y2="82584"/>
+                        <a14:foregroundMark x1="57658" y1="88764" x2="57658" y2="88764"/>
+                        <a14:foregroundMark x1="66667" y1="83146" x2="66667" y2="83146"/>
+                        <a14:foregroundMark x1="75075" y1="79775" x2="75075" y2="79775"/>
+                        <a14:foregroundMark x1="74775" y1="83146" x2="74775" y2="83146"/>
+                        <a14:foregroundMark x1="81982" y1="83146" x2="81982" y2="83146"/>
+                        <a14:foregroundMark x1="83784" y1="83708" x2="83784" y2="83708"/>
+                        <a14:foregroundMark x1="92192" y1="83708" x2="92192" y2="83708"/>
+                        <a14:foregroundMark x1="51652" y1="6180" x2="51652" y2="6180"/>
+                        <a14:foregroundMark x1="51351" y1="41011" x2="51351" y2="41011"/>
+                        <a14:foregroundMark x1="52553" y1="34270" x2="52553" y2="34270"/>
+                        <a14:foregroundMark x1="91291" y1="88202" x2="91291" y2="88202"/>
+                        <a14:foregroundMark x1="95495" y1="88202" x2="95495" y2="88202"/>
+                        <a14:foregroundMark x1="94895" y1="91573" x2="94895" y2="91573"/>
+                        <a14:foregroundMark x1="92192" y1="94944" x2="92192" y2="94944"/>
+                        <a14:foregroundMark x1="84985" y1="86517" x2="84985" y2="86517"/>
+                        <a14:foregroundMark x1="36937" y1="89888" x2="36937" y2="89888"/>
+                        <a14:foregroundMark x1="51652" y1="6180" x2="51652" y2="6180"/>
+                        <a14:foregroundMark x1="52853" y1="32584" x2="52853" y2="32584"/>
+                        <a14:backgroundMark x1="33934" y1="38764" x2="33934" y2="38764"/>
+                        <a14:backgroundMark x1="33934" y1="42135" x2="33934" y2="42135"/>
+                        <a14:backgroundMark x1="93994" y1="86517" x2="93994" y2="86517"/>
+                        <a14:backgroundMark x1="50751" y1="32022" x2="50751" y2="32022"/>
+                        <a14:backgroundMark x1="20420" y1="89326" x2="20420" y2="89326"/>
+                      </a14:backgroundRemoval>
+                    </a14:imgEffect>
+                  </a14:imgLayer>
+                </a14:imgProps>
+              </a:ext>
+              <a:ext uri="{28A0092B-C50C-407E-A947-70E740481C1C}">
+                <a14:useLocalDpi xmlns:a14="http://schemas.microsoft.com/office/drawing/2010/main" val="0"/>
+              </a:ext>
+            </a:extLst>
+          </a:blip>
+          <a:stretch>
+            <a:fillRect/>
+          </a:stretch>
+        </p:blipFill>
+        <p:spPr>
+          <a:xfrm>
+            <a:off x="38063" y="6107861"/>
+            <a:ext cx="1298952" cy="694335"/>
+          </a:xfrm>
+          <a:prstGeom prst="rect">
+            <a:avLst/>
+          </a:prstGeom>
+        </p:spPr>
+      </p:pic>
+    </p:spTree>
+    <p:extLst>
+      <p:ext uri="{BB962C8B-B14F-4D97-AF65-F5344CB8AC3E}">
+        <p14:creationId xmlns:p14="http://schemas.microsoft.com/office/powerpoint/2010/main" val="753190076"/>
+      </p:ext>
+    </p:extLst>
+  </p:cSld>
+  <p:clrMapOvr>
+    <a:masterClrMapping/>
+  </p:clrMapOvr>
+</p:sld>
+</file>
+
+<file path=ppt/slides/slide5.xml><?xml version="1.0" encoding="utf-8"?>
+<p:sld xmlns:a="http://schemas.openxmlformats.org/drawingml/2006/main" xmlns:r="http://schemas.openxmlformats.org/officeDocument/2006/relationships" xmlns:p="http://schemas.openxmlformats.org/presentationml/2006/main">
+  <p:cSld>
+    <p:spTree>
+      <p:nvGrpSpPr>
+        <p:cNvPr id="1" name=""/>
+        <p:cNvGrpSpPr/>
+        <p:nvPr/>
+      </p:nvGrpSpPr>
+      <p:grpSpPr>
+        <a:xfrm>
+          <a:off x="0" y="0"/>
+          <a:ext cx="0" cy="0"/>
+          <a:chOff x="0" y="0"/>
+          <a:chExt cx="0" cy="0"/>
+        </a:xfrm>
+      </p:grpSpPr>
+      <p:sp>
+        <p:nvSpPr>
+          <p:cNvPr id="2" name="Title 1">
+            <a:extLst>
+              <a:ext uri="{FF2B5EF4-FFF2-40B4-BE49-F238E27FC236}">
+                <a16:creationId xmlns:a16="http://schemas.microsoft.com/office/drawing/2014/main" id="{DEE429DE-16B6-4840-AB34-DC60BAC8CD14}"/>
+              </a:ext>
+            </a:extLst>
+          </p:cNvPr>
+          <p:cNvSpPr>
+            <a:spLocks noGrp="1"/>
+          </p:cNvSpPr>
+          <p:nvPr>
+            <p:ph type="title"/>
+          </p:nvPr>
+        </p:nvSpPr>
         <p:spPr/>
         <p:txBody>
           <a:bodyPr/>
           <a:lstStyle/>
+          <a:p>
+            <a:r>
+              <a:rPr lang="en-GB" dirty="0"/>
+              <a:t>Project Plan</a:t>
+            </a:r>
+          </a:p>
+        </p:txBody>
+      </p:sp>
+      <p:sp>
+        <p:nvSpPr>
+          <p:cNvPr id="3" name="Content Placeholder 2">
+            <a:extLst>
+              <a:ext uri="{FF2B5EF4-FFF2-40B4-BE49-F238E27FC236}">
+                <a16:creationId xmlns:a16="http://schemas.microsoft.com/office/drawing/2014/main" id="{D95F98AC-FDB5-4613-9807-237F77E9D651}"/>
+              </a:ext>
+            </a:extLst>
+          </p:cNvPr>
+          <p:cNvSpPr>
+            <a:spLocks noGrp="1"/>
+          </p:cNvSpPr>
+          <p:nvPr>
+            <p:ph sz="half" idx="1"/>
+          </p:nvPr>
+        </p:nvSpPr>
+        <p:spPr/>
+        <p:txBody>
+          <a:bodyPr/>
+          <a:lstStyle/>
+          <a:p>
+            <a:pPr marL="0" indent="0">
+              <a:buNone/>
+            </a:pPr>
+            <a:r>
+              <a:rPr lang="en-GB" dirty="0"/>
+              <a:t>Dataset </a:t>
+            </a:r>
+            <a:r>
+              <a:rPr lang="en-GB" u="sng" dirty="0">
+                <a:solidFill>
+                  <a:schemeClr val="accent2">
+                    <a:lumMod val="75000"/>
+                  </a:schemeClr>
+                </a:solidFill>
+              </a:rPr>
+              <a:t>challenges</a:t>
+            </a:r>
+            <a:r>
+              <a:rPr lang="en-GB" dirty="0"/>
+              <a:t>:</a:t>
+            </a:r>
+          </a:p>
           <a:p>
             <a:pPr lvl="0">
               <a:buBlip>
@@ -5917,9 +7161,14 @@
               </a:buBlip>
             </a:pPr>
             <a:r>
-              <a:rPr lang="en-US" dirty="0"/>
-              <a:t> Implement better price and overbooking policies.</a:t>
-            </a:r>
+              <a:rPr lang="en-GB" dirty="0"/>
+              <a:t>Limited dataset – 79330 observations</a:t>
+            </a:r>
+          </a:p>
+          <a:p>
+            <a:pPr marL="0" lvl="0" indent="0">
+              <a:buNone/>
+            </a:pPr>
             <a:endParaRPr lang="en-GB" dirty="0"/>
           </a:p>
           <a:p>
@@ -5935,9 +7184,167 @@
               </a:buBlip>
             </a:pPr>
             <a:r>
+              <a:rPr lang="en-GB" dirty="0">
+                <a:solidFill>
+                  <a:srgbClr val="C00000"/>
+                </a:solidFill>
+                <a:highlight>
+                  <a:srgbClr val="FFFF00"/>
+                </a:highlight>
+              </a:rPr>
+              <a:t>Data quality: ~30%</a:t>
+            </a:r>
+            <a:r>
               <a:rPr lang="en-GB" dirty="0"/>
-              <a:t> 42% Cancelled</a:t>
-            </a:r>
+              <a:t> of what seemed to be duplicated entries</a:t>
+            </a:r>
+            <a:br>
+              <a:rPr lang="en-GB" dirty="0"/>
+            </a:br>
+            <a:endParaRPr lang="en-GB" dirty="0"/>
+          </a:p>
+          <a:p>
+            <a:pPr lvl="0">
+              <a:buBlip>
+                <a:blip r:embed="rId2">
+                  <a:extLst>
+                    <a:ext uri="{96DAC541-7B7A-43D3-8B79-37D633B846F1}">
+                      <asvg:svgBlip xmlns:asvg="http://schemas.microsoft.com/office/drawing/2016/SVG/main" r:embed="rId3"/>
+                    </a:ext>
+                  </a:extLst>
+                </a:blip>
+              </a:buBlip>
+            </a:pPr>
+            <a:r>
+              <a:rPr lang="en-GB" dirty="0"/>
+              <a:t>Select best features</a:t>
+            </a:r>
+          </a:p>
+          <a:p>
+            <a:pPr lvl="0">
+              <a:buBlip>
+                <a:blip r:embed="rId2">
+                  <a:extLst>
+                    <a:ext uri="{96DAC541-7B7A-43D3-8B79-37D633B846F1}">
+                      <asvg:svgBlip xmlns:asvg="http://schemas.microsoft.com/office/drawing/2016/SVG/main" r:embed="rId3"/>
+                    </a:ext>
+                  </a:extLst>
+                </a:blip>
+              </a:buBlip>
+            </a:pPr>
+            <a:endParaRPr lang="en-GB" dirty="0"/>
+          </a:p>
+          <a:p>
+            <a:pPr lvl="0">
+              <a:buBlip>
+                <a:blip r:embed="rId2">
+                  <a:extLst>
+                    <a:ext uri="{96DAC541-7B7A-43D3-8B79-37D633B846F1}">
+                      <asvg:svgBlip xmlns:asvg="http://schemas.microsoft.com/office/drawing/2016/SVG/main" r:embed="rId3"/>
+                    </a:ext>
+                  </a:extLst>
+                </a:blip>
+              </a:buBlip>
+            </a:pPr>
+            <a:r>
+              <a:rPr lang="en-GB" dirty="0"/>
+              <a:t>Identify best prediction model</a:t>
+            </a:r>
+          </a:p>
+          <a:p>
+            <a:pPr lvl="0">
+              <a:buBlip>
+                <a:blip r:embed="rId2">
+                  <a:extLst>
+                    <a:ext uri="{96DAC541-7B7A-43D3-8B79-37D633B846F1}">
+                      <asvg:svgBlip xmlns:asvg="http://schemas.microsoft.com/office/drawing/2016/SVG/main" r:embed="rId3"/>
+                    </a:ext>
+                  </a:extLst>
+                </a:blip>
+              </a:buBlip>
+            </a:pPr>
+            <a:endParaRPr lang="en-GB" dirty="0"/>
+          </a:p>
+          <a:p>
+            <a:endParaRPr lang="en-GB" dirty="0"/>
+          </a:p>
+        </p:txBody>
+      </p:sp>
+      <p:sp>
+        <p:nvSpPr>
+          <p:cNvPr id="4" name="Content Placeholder 3">
+            <a:extLst>
+              <a:ext uri="{FF2B5EF4-FFF2-40B4-BE49-F238E27FC236}">
+                <a16:creationId xmlns:a16="http://schemas.microsoft.com/office/drawing/2014/main" id="{74C29F94-9013-443B-85B8-A87E07003C7C}"/>
+              </a:ext>
+            </a:extLst>
+          </p:cNvPr>
+          <p:cNvSpPr>
+            <a:spLocks noGrp="1"/>
+          </p:cNvSpPr>
+          <p:nvPr>
+            <p:ph sz="half" idx="2"/>
+          </p:nvPr>
+        </p:nvSpPr>
+        <p:spPr>
+          <a:xfrm>
+            <a:off x="5989319" y="2286000"/>
+            <a:ext cx="6015867" cy="4023360"/>
+          </a:xfrm>
+        </p:spPr>
+        <p:txBody>
+          <a:bodyPr/>
+          <a:lstStyle/>
+          <a:p>
+            <a:r>
+              <a:rPr lang="en-GB" dirty="0"/>
+              <a:t>Dataset </a:t>
+            </a:r>
+            <a:r>
+              <a:rPr lang="en-GB" u="sng" dirty="0">
+                <a:solidFill>
+                  <a:schemeClr val="accent2">
+                    <a:lumMod val="75000"/>
+                  </a:schemeClr>
+                </a:solidFill>
+              </a:rPr>
+              <a:t>solutions</a:t>
+            </a:r>
+            <a:r>
+              <a:rPr lang="en-GB" dirty="0"/>
+              <a:t>:</a:t>
+            </a:r>
+          </a:p>
+          <a:p>
+            <a:pPr lvl="0">
+              <a:buBlip>
+                <a:blip r:embed="rId2">
+                  <a:extLst>
+                    <a:ext uri="{96DAC541-7B7A-43D3-8B79-37D633B846F1}">
+                      <asvg:svgBlip xmlns:asvg="http://schemas.microsoft.com/office/drawing/2016/SVG/main" r:embed="rId3"/>
+                    </a:ext>
+                  </a:extLst>
+                </a:blip>
+              </a:buBlip>
+            </a:pPr>
+            <a:r>
+              <a:rPr lang="en-GB" sz="2150" dirty="0"/>
+              <a:t>Analysis and removal useless information (missing values, inconsistent data and outliers)</a:t>
+            </a:r>
+            <a:r>
+              <a:rPr lang="en-GB" sz="2100" dirty="0"/>
+              <a:t>	</a:t>
+            </a:r>
+            <a:r>
+              <a:rPr lang="en-GB" dirty="0"/>
+              <a:t> </a:t>
+            </a:r>
+          </a:p>
+          <a:p>
+            <a:pPr marL="0" lvl="0" indent="0">
+              <a:buNone/>
+            </a:pPr>
+            <a:endParaRPr lang="en-GB" dirty="0"/>
           </a:p>
           <a:p>
             <a:endParaRPr lang="en-GB" dirty="0"/>
@@ -6159,709 +7566,8 @@
         </p:blipFill>
         <p:spPr>
           <a:xfrm>
-            <a:off x="10629901" y="5925616"/>
-            <a:ext cx="1298952" cy="694335"/>
-          </a:xfrm>
-          <a:prstGeom prst="rect">
-            <a:avLst/>
-          </a:prstGeom>
-        </p:spPr>
-      </p:pic>
-      <p:sp>
-        <p:nvSpPr>
-          <p:cNvPr id="6" name="TextBox 5">
-            <a:extLst>
-              <a:ext uri="{FF2B5EF4-FFF2-40B4-BE49-F238E27FC236}">
-                <a16:creationId xmlns:a16="http://schemas.microsoft.com/office/drawing/2014/main" id="{DF2F55A6-762E-4CE0-8C7B-415072614C1C}"/>
-              </a:ext>
-            </a:extLst>
-          </p:cNvPr>
-          <p:cNvSpPr txBox="1"/>
-          <p:nvPr/>
-        </p:nvSpPr>
-        <p:spPr>
-          <a:xfrm>
-            <a:off x="9225170" y="53507"/>
-            <a:ext cx="2809461" cy="1477328"/>
-          </a:xfrm>
-          <a:prstGeom prst="rect">
-            <a:avLst/>
-          </a:prstGeom>
-          <a:solidFill>
-            <a:srgbClr val="FFFF00"/>
-          </a:solidFill>
-        </p:spPr>
-        <p:txBody>
-          <a:bodyPr wrap="square" rtlCol="0">
-            <a:spAutoFit/>
-          </a:bodyPr>
-          <a:lstStyle/>
-          <a:p>
-            <a:r>
-              <a:rPr lang="en-GB" dirty="0" err="1">
-                <a:solidFill>
-                  <a:schemeClr val="bg1"/>
-                </a:solidFill>
-              </a:rPr>
-              <a:t>Aqui</a:t>
-            </a:r>
-            <a:r>
-              <a:rPr lang="en-GB" dirty="0">
-                <a:solidFill>
-                  <a:schemeClr val="bg1"/>
-                </a:solidFill>
-              </a:rPr>
-              <a:t> </a:t>
-            </a:r>
-            <a:r>
-              <a:rPr lang="en-GB" dirty="0" err="1">
-                <a:solidFill>
-                  <a:schemeClr val="bg1"/>
-                </a:solidFill>
-              </a:rPr>
-              <a:t>vamos</a:t>
-            </a:r>
-            <a:r>
-              <a:rPr lang="en-GB" dirty="0">
-                <a:solidFill>
-                  <a:schemeClr val="bg1"/>
-                </a:solidFill>
-              </a:rPr>
-              <a:t> </a:t>
-            </a:r>
-            <a:r>
-              <a:rPr lang="en-GB" dirty="0" err="1">
-                <a:solidFill>
-                  <a:schemeClr val="bg1"/>
-                </a:solidFill>
-              </a:rPr>
-              <a:t>escrever</a:t>
-            </a:r>
-            <a:r>
-              <a:rPr lang="en-GB" dirty="0">
-                <a:solidFill>
-                  <a:schemeClr val="bg1"/>
-                </a:solidFill>
-              </a:rPr>
-              <a:t>:</a:t>
-            </a:r>
-          </a:p>
-          <a:p>
-            <a:pPr marL="285750" indent="-285750">
-              <a:buFontTx/>
-              <a:buChar char="-"/>
-            </a:pPr>
-            <a:r>
-              <a:rPr lang="en-GB" dirty="0" err="1">
-                <a:solidFill>
-                  <a:schemeClr val="bg1"/>
-                </a:solidFill>
-              </a:rPr>
-              <a:t>Mostrar</a:t>
-            </a:r>
-            <a:r>
-              <a:rPr lang="en-GB" dirty="0">
-                <a:solidFill>
-                  <a:schemeClr val="bg1"/>
-                </a:solidFill>
-              </a:rPr>
-              <a:t> um </a:t>
-            </a:r>
-            <a:r>
-              <a:rPr lang="en-GB" dirty="0" err="1">
-                <a:solidFill>
-                  <a:schemeClr val="bg1"/>
-                </a:solidFill>
-              </a:rPr>
-              <a:t>pouco</a:t>
-            </a:r>
-            <a:r>
-              <a:rPr lang="en-GB" dirty="0">
-                <a:solidFill>
-                  <a:schemeClr val="bg1"/>
-                </a:solidFill>
-              </a:rPr>
-              <a:t> dos dados (</a:t>
-            </a:r>
-            <a:r>
-              <a:rPr lang="en-GB" dirty="0" err="1">
-                <a:solidFill>
-                  <a:schemeClr val="bg1"/>
-                </a:solidFill>
-              </a:rPr>
-              <a:t>visualizacoes</a:t>
-            </a:r>
-            <a:r>
-              <a:rPr lang="en-GB" dirty="0">
-                <a:solidFill>
-                  <a:schemeClr val="bg1"/>
-                </a:solidFill>
-              </a:rPr>
-              <a:t>)</a:t>
-            </a:r>
-          </a:p>
-          <a:p>
-            <a:pPr marL="285750" indent="-285750">
-              <a:buFontTx/>
-              <a:buChar char="-"/>
-            </a:pPr>
-            <a:r>
-              <a:rPr lang="en-GB" dirty="0" err="1">
-                <a:solidFill>
-                  <a:schemeClr val="bg1"/>
-                </a:solidFill>
-              </a:rPr>
-              <a:t>Grafico</a:t>
-            </a:r>
-            <a:r>
-              <a:rPr lang="en-GB" dirty="0">
-                <a:solidFill>
-                  <a:schemeClr val="bg1"/>
-                </a:solidFill>
-              </a:rPr>
-              <a:t> RFE / Main variables</a:t>
-            </a:r>
-          </a:p>
-        </p:txBody>
-      </p:sp>
-      <p:pic>
-        <p:nvPicPr>
-          <p:cNvPr id="7" name="Picture 6">
-            <a:extLst>
-              <a:ext uri="{FF2B5EF4-FFF2-40B4-BE49-F238E27FC236}">
-                <a16:creationId xmlns:a16="http://schemas.microsoft.com/office/drawing/2014/main" id="{8DD3CB0C-E3E0-492B-8948-35C6EB0136E4}"/>
-              </a:ext>
-            </a:extLst>
-          </p:cNvPr>
-          <p:cNvPicPr>
-            <a:picLocks noChangeAspect="1"/>
-          </p:cNvPicPr>
-          <p:nvPr/>
-        </p:nvPicPr>
-        <p:blipFill>
-          <a:blip r:embed="rId6">
-            <a:extLst>
-              <a:ext uri="{BEBA8EAE-BF5A-486C-A8C5-ECC9F3942E4B}">
-                <a14:imgProps xmlns:a14="http://schemas.microsoft.com/office/drawing/2010/main">
-                  <a14:imgLayer r:embed="rId7">
-                    <a14:imgEffect>
-                      <a14:saturation sat="33000"/>
-                    </a14:imgEffect>
-                  </a14:imgLayer>
-                </a14:imgProps>
-              </a:ext>
-            </a:extLst>
-          </a:blip>
-          <a:stretch>
-            <a:fillRect/>
-          </a:stretch>
-        </p:blipFill>
-        <p:spPr>
-          <a:xfrm>
-            <a:off x="8597246" y="1827263"/>
-            <a:ext cx="4476786" cy="2912977"/>
-          </a:xfrm>
-          <a:prstGeom prst="roundRect">
-            <a:avLst>
-              <a:gd name="adj" fmla="val 4167"/>
-            </a:avLst>
-          </a:prstGeom>
-          <a:solidFill>
-            <a:srgbClr val="FFFFFF"/>
-          </a:solidFill>
-          <a:ln w="76200" cap="sq">
-            <a:solidFill>
-              <a:srgbClr val="292929"/>
-            </a:solidFill>
-            <a:miter lim="800000"/>
-          </a:ln>
-          <a:effectLst>
-            <a:reflection blurRad="12700" stA="28000" endPos="28000" dist="5000" dir="5400000" sy="-100000" algn="bl" rotWithShape="0"/>
-          </a:effectLst>
-          <a:scene3d>
-            <a:camera prst="orthographicFront"/>
-            <a:lightRig rig="threePt" dir="t">
-              <a:rot lat="0" lon="0" rev="2700000"/>
-            </a:lightRig>
-          </a:scene3d>
-          <a:sp3d>
-            <a:bevelT h="38100"/>
-            <a:contourClr>
-              <a:srgbClr val="C0C0C0"/>
-            </a:contourClr>
-          </a:sp3d>
-        </p:spPr>
-      </p:pic>
-      <p:pic>
-        <p:nvPicPr>
-          <p:cNvPr id="9" name="Picture 8">
-            <a:extLst>
-              <a:ext uri="{FF2B5EF4-FFF2-40B4-BE49-F238E27FC236}">
-                <a16:creationId xmlns:a16="http://schemas.microsoft.com/office/drawing/2014/main" id="{50000846-03FA-43CA-BD28-7EDF7227B283}"/>
-              </a:ext>
-            </a:extLst>
-          </p:cNvPr>
-          <p:cNvPicPr>
-            <a:picLocks noChangeAspect="1"/>
-          </p:cNvPicPr>
-          <p:nvPr/>
-        </p:nvPicPr>
-        <p:blipFill>
-          <a:blip r:embed="rId8"/>
-          <a:stretch>
-            <a:fillRect/>
-          </a:stretch>
-        </p:blipFill>
-        <p:spPr>
-          <a:xfrm>
-            <a:off x="5293137" y="3851655"/>
-            <a:ext cx="5153886" cy="2421128"/>
-          </a:xfrm>
-          <a:prstGeom prst="rect">
-            <a:avLst/>
-          </a:prstGeom>
-        </p:spPr>
-      </p:pic>
-      <p:pic>
-        <p:nvPicPr>
-          <p:cNvPr id="10" name="Picture 9">
-            <a:extLst>
-              <a:ext uri="{FF2B5EF4-FFF2-40B4-BE49-F238E27FC236}">
-                <a16:creationId xmlns:a16="http://schemas.microsoft.com/office/drawing/2014/main" id="{5E81AB5E-1CED-49D4-B7A4-A96A5037D116}"/>
-              </a:ext>
-            </a:extLst>
-          </p:cNvPr>
-          <p:cNvPicPr>
-            <a:picLocks noChangeAspect="1"/>
-          </p:cNvPicPr>
-          <p:nvPr/>
-        </p:nvPicPr>
-        <p:blipFill>
-          <a:blip r:embed="rId9"/>
-          <a:stretch>
-            <a:fillRect/>
-          </a:stretch>
-        </p:blipFill>
-        <p:spPr>
-          <a:xfrm>
-            <a:off x="5884164" y="728672"/>
-            <a:ext cx="3200400" cy="3305175"/>
-          </a:xfrm>
-          <a:prstGeom prst="rect">
-            <a:avLst/>
-          </a:prstGeom>
-        </p:spPr>
-      </p:pic>
-    </p:spTree>
-    <p:extLst>
-      <p:ext uri="{BB962C8B-B14F-4D97-AF65-F5344CB8AC3E}">
-        <p14:creationId xmlns:p14="http://schemas.microsoft.com/office/powerpoint/2010/main" val="753190076"/>
-      </p:ext>
-    </p:extLst>
-  </p:cSld>
-  <p:clrMapOvr>
-    <a:masterClrMapping/>
-  </p:clrMapOvr>
-</p:sld>
-</file>
-
-<file path=ppt/slides/slide5.xml><?xml version="1.0" encoding="utf-8"?>
-<p:sld xmlns:a="http://schemas.openxmlformats.org/drawingml/2006/main" xmlns:r="http://schemas.openxmlformats.org/officeDocument/2006/relationships" xmlns:p="http://schemas.openxmlformats.org/presentationml/2006/main">
-  <p:cSld>
-    <p:spTree>
-      <p:nvGrpSpPr>
-        <p:cNvPr id="1" name=""/>
-        <p:cNvGrpSpPr/>
-        <p:nvPr/>
-      </p:nvGrpSpPr>
-      <p:grpSpPr>
-        <a:xfrm>
-          <a:off x="0" y="0"/>
-          <a:ext cx="0" cy="0"/>
-          <a:chOff x="0" y="0"/>
-          <a:chExt cx="0" cy="0"/>
-        </a:xfrm>
-      </p:grpSpPr>
-      <p:sp>
-        <p:nvSpPr>
-          <p:cNvPr id="2" name="Title 1">
-            <a:extLst>
-              <a:ext uri="{FF2B5EF4-FFF2-40B4-BE49-F238E27FC236}">
-                <a16:creationId xmlns:a16="http://schemas.microsoft.com/office/drawing/2014/main" id="{DEE429DE-16B6-4840-AB34-DC60BAC8CD14}"/>
-              </a:ext>
-            </a:extLst>
-          </p:cNvPr>
-          <p:cNvSpPr>
-            <a:spLocks noGrp="1"/>
-          </p:cNvSpPr>
-          <p:nvPr>
-            <p:ph type="title"/>
-          </p:nvPr>
-        </p:nvSpPr>
-        <p:spPr/>
-        <p:txBody>
-          <a:bodyPr/>
-          <a:lstStyle/>
-          <a:p>
-            <a:r>
-              <a:rPr lang="en-GB" dirty="0"/>
-              <a:t>Project Plan</a:t>
-            </a:r>
-          </a:p>
-        </p:txBody>
-      </p:sp>
-      <p:sp>
-        <p:nvSpPr>
-          <p:cNvPr id="3" name="Content Placeholder 2">
-            <a:extLst>
-              <a:ext uri="{FF2B5EF4-FFF2-40B4-BE49-F238E27FC236}">
-                <a16:creationId xmlns:a16="http://schemas.microsoft.com/office/drawing/2014/main" id="{D95F98AC-FDB5-4613-9807-237F77E9D651}"/>
-              </a:ext>
-            </a:extLst>
-          </p:cNvPr>
-          <p:cNvSpPr>
-            <a:spLocks noGrp="1"/>
-          </p:cNvSpPr>
-          <p:nvPr>
-            <p:ph sz="half" idx="1"/>
-          </p:nvPr>
-        </p:nvSpPr>
-        <p:spPr/>
-        <p:txBody>
-          <a:bodyPr/>
-          <a:lstStyle/>
-          <a:p>
-            <a:pPr marL="0" indent="0">
-              <a:buNone/>
-            </a:pPr>
-            <a:r>
-              <a:rPr lang="en-GB" dirty="0"/>
-              <a:t>Dataset </a:t>
-            </a:r>
-            <a:r>
-              <a:rPr lang="en-GB" u="sng" dirty="0">
-                <a:solidFill>
-                  <a:schemeClr val="accent2">
-                    <a:lumMod val="75000"/>
-                  </a:schemeClr>
-                </a:solidFill>
-              </a:rPr>
-              <a:t>challenges</a:t>
-            </a:r>
-            <a:r>
-              <a:rPr lang="en-GB" dirty="0"/>
-              <a:t>:</a:t>
-            </a:r>
-          </a:p>
-          <a:p>
-            <a:pPr lvl="0">
-              <a:buBlip>
-                <a:blip r:embed="rId2">
-                  <a:extLst>
-                    <a:ext uri="{96DAC541-7B7A-43D3-8B79-37D633B846F1}">
-                      <asvg:svgBlip xmlns:asvg="http://schemas.microsoft.com/office/drawing/2016/SVG/main" r:embed="rId3"/>
-                    </a:ext>
-                  </a:extLst>
-                </a:blip>
-              </a:buBlip>
-            </a:pPr>
-            <a:r>
-              <a:rPr lang="en-GB" dirty="0"/>
-              <a:t>Limited dataset – 79330 observations</a:t>
-            </a:r>
-          </a:p>
-          <a:p>
-            <a:pPr lvl="0">
-              <a:buBlip>
-                <a:blip r:embed="rId2">
-                  <a:extLst>
-                    <a:ext uri="{96DAC541-7B7A-43D3-8B79-37D633B846F1}">
-                      <asvg:svgBlip xmlns:asvg="http://schemas.microsoft.com/office/drawing/2016/SVG/main" r:embed="rId3"/>
-                    </a:ext>
-                  </a:extLst>
-                </a:blip>
-              </a:buBlip>
-            </a:pPr>
-            <a:r>
-              <a:rPr lang="en-GB" dirty="0">
-                <a:solidFill>
-                  <a:srgbClr val="C00000"/>
-                </a:solidFill>
-                <a:highlight>
-                  <a:srgbClr val="FFFF00"/>
-                </a:highlight>
-              </a:rPr>
-              <a:t>Data quality: ~30%</a:t>
-            </a:r>
-            <a:r>
-              <a:rPr lang="en-GB" dirty="0"/>
-              <a:t> of what seemed to be duplicated entries</a:t>
-            </a:r>
-          </a:p>
-          <a:p>
-            <a:pPr lvl="0">
-              <a:buBlip>
-                <a:blip r:embed="rId2">
-                  <a:extLst>
-                    <a:ext uri="{96DAC541-7B7A-43D3-8B79-37D633B846F1}">
-                      <asvg:svgBlip xmlns:asvg="http://schemas.microsoft.com/office/drawing/2016/SVG/main" r:embed="rId3"/>
-                    </a:ext>
-                  </a:extLst>
-                </a:blip>
-              </a:buBlip>
-            </a:pPr>
-            <a:r>
-              <a:rPr lang="en-GB" dirty="0"/>
-              <a:t>Overfitting</a:t>
-            </a:r>
-          </a:p>
-          <a:p>
-            <a:endParaRPr lang="en-GB" dirty="0"/>
-          </a:p>
-        </p:txBody>
-      </p:sp>
-      <p:sp>
-        <p:nvSpPr>
-          <p:cNvPr id="4" name="Content Placeholder 3">
-            <a:extLst>
-              <a:ext uri="{FF2B5EF4-FFF2-40B4-BE49-F238E27FC236}">
-                <a16:creationId xmlns:a16="http://schemas.microsoft.com/office/drawing/2014/main" id="{74C29F94-9013-443B-85B8-A87E07003C7C}"/>
-              </a:ext>
-            </a:extLst>
-          </p:cNvPr>
-          <p:cNvSpPr>
-            <a:spLocks noGrp="1"/>
-          </p:cNvSpPr>
-          <p:nvPr>
-            <p:ph sz="half" idx="2"/>
-          </p:nvPr>
-        </p:nvSpPr>
-        <p:spPr/>
-        <p:txBody>
-          <a:bodyPr/>
-          <a:lstStyle/>
-          <a:p>
-            <a:endParaRPr lang="en-GB"/>
-          </a:p>
-        </p:txBody>
-      </p:sp>
-      <p:pic>
-        <p:nvPicPr>
-          <p:cNvPr id="5" name="Picture 4">
-            <a:extLst>
-              <a:ext uri="{FF2B5EF4-FFF2-40B4-BE49-F238E27FC236}">
-                <a16:creationId xmlns:a16="http://schemas.microsoft.com/office/drawing/2014/main" id="{75035DF1-F637-4C24-A7E4-AE5681F218B0}"/>
-              </a:ext>
-            </a:extLst>
-          </p:cNvPr>
-          <p:cNvPicPr>
-            <a:picLocks noChangeAspect="1"/>
-          </p:cNvPicPr>
-          <p:nvPr/>
-        </p:nvPicPr>
-        <p:blipFill>
-          <a:blip r:embed="rId4">
-            <a:duotone>
-              <a:schemeClr val="accent1">
-                <a:shade val="45000"/>
-                <a:satMod val="135000"/>
-              </a:schemeClr>
-              <a:prstClr val="white"/>
-            </a:duotone>
-            <a:extLst>
-              <a:ext uri="{BEBA8EAE-BF5A-486C-A8C5-ECC9F3942E4B}">
-                <a14:imgProps xmlns:a14="http://schemas.microsoft.com/office/drawing/2010/main">
-                  <a14:imgLayer r:embed="rId5">
-                    <a14:imgEffect>
-                      <a14:backgroundRemoval t="6180" b="94944" l="3604" r="94895">
-                        <a14:foregroundMark x1="49850" y1="7865" x2="49850" y2="7865"/>
-                        <a14:foregroundMark x1="17718" y1="69101" x2="17718" y2="69101"/>
-                        <a14:foregroundMark x1="18619" y1="67978" x2="18619" y2="67978"/>
-                        <a14:foregroundMark x1="21321" y1="66292" x2="21321" y2="66292"/>
-                        <a14:foregroundMark x1="23724" y1="65730" x2="23724" y2="65730"/>
-                        <a14:foregroundMark x1="25526" y1="63483" x2="25526" y2="63483"/>
-                        <a14:foregroundMark x1="25826" y1="61798" x2="25826" y2="61798"/>
-                        <a14:foregroundMark x1="27027" y1="60674" x2="27027" y2="60674"/>
-                        <a14:foregroundMark x1="29429" y1="56180" x2="29429" y2="56180"/>
-                        <a14:foregroundMark x1="30931" y1="50000" x2="30931" y2="50000"/>
-                        <a14:foregroundMark x1="31231" y1="42697" x2="31231" y2="42697"/>
-                        <a14:foregroundMark x1="31532" y1="35393" x2="31532" y2="35393"/>
-                        <a14:foregroundMark x1="30631" y1="47191" x2="30631" y2="47191"/>
-                        <a14:foregroundMark x1="30931" y1="40449" x2="30931" y2="40449"/>
-                        <a14:foregroundMark x1="31532" y1="33708" x2="31532" y2="33708"/>
-                        <a14:foregroundMark x1="30931" y1="30337" x2="30931" y2="30337"/>
-                        <a14:foregroundMark x1="30330" y1="27528" x2="30330" y2="27528"/>
-                        <a14:foregroundMark x1="30030" y1="24157" x2="30030" y2="24157"/>
-                        <a14:foregroundMark x1="29129" y1="22472" x2="29129" y2="22472"/>
-                        <a14:foregroundMark x1="28228" y1="20225" x2="28228" y2="20225"/>
-                        <a14:foregroundMark x1="27628" y1="17416" x2="27628" y2="17416"/>
-                        <a14:foregroundMark x1="27327" y1="17416" x2="27327" y2="17416"/>
-                        <a14:foregroundMark x1="25526" y1="15169" x2="25526" y2="15169"/>
-                        <a14:foregroundMark x1="17117" y1="67978" x2="17117" y2="67978"/>
-                        <a14:foregroundMark x1="15015" y1="69101" x2="15015" y2="69101"/>
-                        <a14:foregroundMark x1="13213" y1="69101" x2="13213" y2="69101"/>
-                        <a14:foregroundMark x1="11411" y1="69663" x2="11411" y2="69663"/>
-                        <a14:foregroundMark x1="9009" y1="69663" x2="9009" y2="69663"/>
-                        <a14:foregroundMark x1="6907" y1="69101" x2="6907" y2="69101"/>
-                        <a14:foregroundMark x1="6607" y1="67978" x2="6607" y2="67978"/>
-                        <a14:foregroundMark x1="6607" y1="65730" x2="6607" y2="65730"/>
-                        <a14:foregroundMark x1="5105" y1="70787" x2="5105" y2="70787"/>
-                        <a14:foregroundMark x1="3904" y1="71348" x2="3904" y2="71348"/>
-                        <a14:foregroundMark x1="5105" y1="66292" x2="5105" y2="66292"/>
-                        <a14:foregroundMark x1="5105" y1="61798" x2="5105" y2="61798"/>
-                        <a14:foregroundMark x1="5706" y1="58989" x2="5706" y2="58989"/>
-                        <a14:foregroundMark x1="5706" y1="56180" x2="5706" y2="56180"/>
-                        <a14:foregroundMark x1="5405" y1="51124" x2="5405" y2="51124"/>
-                        <a14:foregroundMark x1="5405" y1="47753" x2="5405" y2="47753"/>
-                        <a14:foregroundMark x1="5405" y1="39888" x2="5405" y2="39888"/>
-                        <a14:foregroundMark x1="5105" y1="43258" x2="5105" y2="43258"/>
-                        <a14:foregroundMark x1="5405" y1="33146" x2="5405" y2="33146"/>
-                        <a14:foregroundMark x1="5706" y1="37640" x2="5706" y2="37640"/>
-                        <a14:foregroundMark x1="5706" y1="29213" x2="5706" y2="29213"/>
-                        <a14:foregroundMark x1="5706" y1="21348" x2="5706" y2="21348"/>
-                        <a14:foregroundMark x1="5706" y1="25843" x2="5706" y2="25843"/>
-                        <a14:foregroundMark x1="6306" y1="17416" x2="6306" y2="17416"/>
-                        <a14:foregroundMark x1="6306" y1="14045" x2="6306" y2="14045"/>
-                        <a14:foregroundMark x1="6306" y1="10112" x2="6306" y2="10112"/>
-                        <a14:foregroundMark x1="6006" y1="6742" x2="6006" y2="6742"/>
-                        <a14:foregroundMark x1="7207" y1="7303" x2="7207" y2="7303"/>
-                        <a14:foregroundMark x1="10511" y1="7303" x2="10511" y2="7303"/>
-                        <a14:foregroundMark x1="12312" y1="8427" x2="12312" y2="8427"/>
-                        <a14:foregroundMark x1="14715" y1="8427" x2="14715" y2="8427"/>
-                        <a14:foregroundMark x1="17417" y1="8989" x2="17417" y2="8989"/>
-                        <a14:foregroundMark x1="74174" y1="10112" x2="74174" y2="10112"/>
-                        <a14:foregroundMark x1="74474" y1="16292" x2="74474" y2="16292"/>
-                        <a14:foregroundMark x1="74775" y1="14045" x2="74775" y2="14045"/>
-                        <a14:foregroundMark x1="75375" y1="9551" x2="75375" y2="9551"/>
-                        <a14:foregroundMark x1="74775" y1="12360" x2="74775" y2="12360"/>
-                        <a14:foregroundMark x1="73874" y1="6742" x2="73874" y2="6742"/>
-                        <a14:foregroundMark x1="75676" y1="10112" x2="75676" y2="10112"/>
-                        <a14:foregroundMark x1="77778" y1="9551" x2="77778" y2="9551"/>
-                        <a14:foregroundMark x1="75075" y1="17416" x2="75075" y2="17416"/>
-                        <a14:foregroundMark x1="74474" y1="24719" x2="74474" y2="24719"/>
-                        <a14:foregroundMark x1="74474" y1="20787" x2="74474" y2="20787"/>
-                        <a14:foregroundMark x1="75375" y1="29775" x2="75375" y2="29775"/>
-                        <a14:foregroundMark x1="75075" y1="34270" x2="75075" y2="34270"/>
-                        <a14:foregroundMark x1="74775" y1="32584" x2="74775" y2="32584"/>
-                        <a14:foregroundMark x1="75075" y1="38202" x2="75075" y2="38202"/>
-                        <a14:foregroundMark x1="75075" y1="42697" x2="75075" y2="42697"/>
-                        <a14:foregroundMark x1="74474" y1="41011" x2="74474" y2="41011"/>
-                        <a14:foregroundMark x1="74174" y1="48315" x2="74174" y2="48315"/>
-                        <a14:foregroundMark x1="74775" y1="52809" x2="74775" y2="52809"/>
-                        <a14:foregroundMark x1="75375" y1="58427" x2="75375" y2="58427"/>
-                        <a14:foregroundMark x1="75075" y1="62360" x2="75075" y2="62360"/>
-                        <a14:foregroundMark x1="75075" y1="65730" x2="75075" y2="65730"/>
-                        <a14:foregroundMark x1="75075" y1="68539" x2="75075" y2="68539"/>
-                        <a14:foregroundMark x1="75075" y1="70787" x2="75075" y2="70787"/>
-                        <a14:foregroundMark x1="82583" y1="71348" x2="82583" y2="71348"/>
-                        <a14:foregroundMark x1="80180" y1="70787" x2="80180" y2="70787"/>
-                        <a14:foregroundMark x1="86787" y1="69101" x2="86787" y2="69101"/>
-                        <a14:foregroundMark x1="90691" y1="67416" x2="90691" y2="67416"/>
-                        <a14:foregroundMark x1="85586" y1="69663" x2="85586" y2="69663"/>
-                        <a14:foregroundMark x1="89790" y1="68539" x2="89790" y2="68539"/>
-                        <a14:foregroundMark x1="91892" y1="65169" x2="91892" y2="65169"/>
-                        <a14:foregroundMark x1="93093" y1="63483" x2="93093" y2="63483"/>
-                        <a14:foregroundMark x1="93994" y1="59551" x2="93994" y2="59551"/>
-                        <a14:foregroundMark x1="94595" y1="57303" x2="94595" y2="57303"/>
-                        <a14:foregroundMark x1="94595" y1="53933" x2="94595" y2="53933"/>
-                        <a14:foregroundMark x1="94595" y1="51124" x2="94595" y2="51124"/>
-                        <a14:foregroundMark x1="93994" y1="48315" x2="93994" y2="48315"/>
-                        <a14:foregroundMark x1="93694" y1="46629" x2="93694" y2="46629"/>
-                        <a14:foregroundMark x1="93093" y1="42697" x2="93093" y2="42697"/>
-                        <a14:foregroundMark x1="91592" y1="42135" x2="91592" y2="42135"/>
-                        <a14:foregroundMark x1="89189" y1="40449" x2="89189" y2="40449"/>
-                        <a14:foregroundMark x1="89189" y1="38764" x2="89189" y2="38764"/>
-                        <a14:foregroundMark x1="86486" y1="35955" x2="86486" y2="35955"/>
-                        <a14:foregroundMark x1="84384" y1="37079" x2="84384" y2="37079"/>
-                        <a14:foregroundMark x1="81381" y1="36517" x2="81381" y2="36517"/>
-                        <a14:foregroundMark x1="78679" y1="36517" x2="78679" y2="36517"/>
-                        <a14:foregroundMark x1="84384" y1="37079" x2="84384" y2="37079"/>
-                        <a14:foregroundMark x1="84985" y1="34831" x2="84985" y2="34831"/>
-                        <a14:foregroundMark x1="89790" y1="34831" x2="89790" y2="34831"/>
-                        <a14:foregroundMark x1="91291" y1="32584" x2="91291" y2="32584"/>
-                        <a14:foregroundMark x1="92192" y1="30337" x2="92192" y2="30337"/>
-                        <a14:foregroundMark x1="92492" y1="29213" x2="92492" y2="29213"/>
-                        <a14:foregroundMark x1="92492" y1="26966" x2="92492" y2="26966"/>
-                        <a14:foregroundMark x1="92492" y1="24157" x2="92492" y2="24157"/>
-                        <a14:foregroundMark x1="93694" y1="29775" x2="93694" y2="29775"/>
-                        <a14:foregroundMark x1="94595" y1="26404" x2="94595" y2="26404"/>
-                        <a14:foregroundMark x1="94895" y1="23596" x2="94895" y2="23596"/>
-                        <a14:foregroundMark x1="94895" y1="20225" x2="94895" y2="20225"/>
-                        <a14:foregroundMark x1="95495" y1="18539" x2="95495" y2="18539"/>
-                        <a14:foregroundMark x1="93093" y1="17416" x2="93093" y2="17416"/>
-                        <a14:foregroundMark x1="92492" y1="14607" x2="92492" y2="14607"/>
-                        <a14:foregroundMark x1="91592" y1="11798" x2="91592" y2="11798"/>
-                        <a14:foregroundMark x1="89489" y1="10674" x2="89489" y2="10674"/>
-                        <a14:foregroundMark x1="87087" y1="10112" x2="87087" y2="10112"/>
-                        <a14:foregroundMark x1="76577" y1="67978" x2="76577" y2="67978"/>
-                        <a14:foregroundMark x1="78979" y1="69101" x2="78979" y2="69101"/>
-                        <a14:foregroundMark x1="81381" y1="69101" x2="81381" y2="69101"/>
-                        <a14:foregroundMark x1="15916" y1="7865" x2="15916" y2="7865"/>
-                        <a14:foregroundMark x1="18619" y1="7303" x2="18619" y2="7303"/>
-                        <a14:foregroundMark x1="21021" y1="8989" x2="21021" y2="8989"/>
-                        <a14:foregroundMark x1="3904" y1="88764" x2="3904" y2="88764"/>
-                        <a14:foregroundMark x1="3604" y1="84270" x2="3604" y2="84270"/>
-                        <a14:foregroundMark x1="4805" y1="82022" x2="4805" y2="82022"/>
-                        <a14:foregroundMark x1="6607" y1="80337" x2="6607" y2="80337"/>
-                        <a14:foregroundMark x1="8408" y1="79213" x2="8408" y2="79213"/>
-                        <a14:foregroundMark x1="9309" y1="81461" x2="9309" y2="81461"/>
-                        <a14:foregroundMark x1="6607" y1="90449" x2="6607" y2="90449"/>
-                        <a14:foregroundMark x1="8108" y1="88764" x2="8108" y2="88764"/>
-                        <a14:foregroundMark x1="9009" y1="87640" x2="9009" y2="87640"/>
-                        <a14:foregroundMark x1="15616" y1="88764" x2="15616" y2="88764"/>
-                        <a14:foregroundMark x1="15916" y1="84831" x2="15916" y2="84831"/>
-                        <a14:foregroundMark x1="19820" y1="88764" x2="19820" y2="88764"/>
-                        <a14:foregroundMark x1="26727" y1="84831" x2="26727" y2="84831"/>
-                        <a14:foregroundMark x1="27327" y1="83146" x2="27327" y2="83146"/>
-                        <a14:foregroundMark x1="26126" y1="88202" x2="26126" y2="88202"/>
-                        <a14:foregroundMark x1="29429" y1="83146" x2="29429" y2="83146"/>
-                        <a14:foregroundMark x1="30330" y1="83708" x2="30330" y2="83708"/>
-                        <a14:foregroundMark x1="39039" y1="86517" x2="39039" y2="86517"/>
-                        <a14:foregroundMark x1="40240" y1="88764" x2="40240" y2="88764"/>
-                        <a14:foregroundMark x1="46847" y1="86517" x2="46847" y2="86517"/>
-                        <a14:foregroundMark x1="51051" y1="89326" x2="51051" y2="89326"/>
-                        <a14:foregroundMark x1="58559" y1="82584" x2="58559" y2="82584"/>
-                        <a14:foregroundMark x1="57658" y1="88764" x2="57658" y2="88764"/>
-                        <a14:foregroundMark x1="66667" y1="83146" x2="66667" y2="83146"/>
-                        <a14:foregroundMark x1="75075" y1="79775" x2="75075" y2="79775"/>
-                        <a14:foregroundMark x1="74775" y1="83146" x2="74775" y2="83146"/>
-                        <a14:foregroundMark x1="81982" y1="83146" x2="81982" y2="83146"/>
-                        <a14:foregroundMark x1="83784" y1="83708" x2="83784" y2="83708"/>
-                        <a14:foregroundMark x1="92192" y1="83708" x2="92192" y2="83708"/>
-                        <a14:foregroundMark x1="51652" y1="6180" x2="51652" y2="6180"/>
-                        <a14:foregroundMark x1="51351" y1="41011" x2="51351" y2="41011"/>
-                        <a14:foregroundMark x1="52553" y1="34270" x2="52553" y2="34270"/>
-                        <a14:foregroundMark x1="91291" y1="88202" x2="91291" y2="88202"/>
-                        <a14:foregroundMark x1="95495" y1="88202" x2="95495" y2="88202"/>
-                        <a14:foregroundMark x1="94895" y1="91573" x2="94895" y2="91573"/>
-                        <a14:foregroundMark x1="92192" y1="94944" x2="92192" y2="94944"/>
-                        <a14:foregroundMark x1="84985" y1="86517" x2="84985" y2="86517"/>
-                        <a14:foregroundMark x1="36937" y1="89888" x2="36937" y2="89888"/>
-                        <a14:foregroundMark x1="51652" y1="6180" x2="51652" y2="6180"/>
-                        <a14:foregroundMark x1="52853" y1="32584" x2="52853" y2="32584"/>
-                        <a14:backgroundMark x1="33934" y1="38764" x2="33934" y2="38764"/>
-                        <a14:backgroundMark x1="33934" y1="42135" x2="33934" y2="42135"/>
-                        <a14:backgroundMark x1="93994" y1="86517" x2="93994" y2="86517"/>
-                        <a14:backgroundMark x1="50751" y1="32022" x2="50751" y2="32022"/>
-                        <a14:backgroundMark x1="20420" y1="89326" x2="20420" y2="89326"/>
-                      </a14:backgroundRemoval>
-                    </a14:imgEffect>
-                  </a14:imgLayer>
-                </a14:imgProps>
-              </a:ext>
-              <a:ext uri="{28A0092B-C50C-407E-A947-70E740481C1C}">
-                <a14:useLocalDpi xmlns:a14="http://schemas.microsoft.com/office/drawing/2010/main" val="0"/>
-              </a:ext>
-            </a:extLst>
-          </a:blip>
-          <a:stretch>
-            <a:fillRect/>
-          </a:stretch>
-        </p:blipFill>
-        <p:spPr>
-          <a:xfrm>
-            <a:off x="10629901" y="5925616"/>
-            <a:ext cx="1298952" cy="694335"/>
+            <a:off x="10946660" y="6203967"/>
+            <a:ext cx="1147018" cy="613121"/>
           </a:xfrm>
           <a:prstGeom prst="rect">
             <a:avLst/>
@@ -6995,6 +7701,870 @@
               </a:rPr>
               <a:t>main variables</a:t>
             </a:r>
+          </a:p>
+        </p:txBody>
+      </p:sp>
+      <p:sp>
+        <p:nvSpPr>
+          <p:cNvPr id="7" name="Content Placeholder 3">
+            <a:extLst>
+              <a:ext uri="{FF2B5EF4-FFF2-40B4-BE49-F238E27FC236}">
+                <a16:creationId xmlns:a16="http://schemas.microsoft.com/office/drawing/2014/main" id="{265B1CF9-29D4-4AEB-8BEA-888814A66380}"/>
+              </a:ext>
+            </a:extLst>
+          </p:cNvPr>
+          <p:cNvSpPr txBox="1">
+            <a:spLocks/>
+          </p:cNvSpPr>
+          <p:nvPr/>
+        </p:nvSpPr>
+        <p:spPr>
+          <a:xfrm>
+            <a:off x="5989318" y="3204333"/>
+            <a:ext cx="6015867" cy="4023360"/>
+          </a:xfrm>
+          <a:prstGeom prst="rect">
+            <a:avLst/>
+          </a:prstGeom>
+        </p:spPr>
+        <p:txBody>
+          <a:bodyPr vert="horz" lIns="45720" tIns="45720" rIns="45720" bIns="45720" rtlCol="0">
+            <a:normAutofit/>
+          </a:bodyPr>
+          <a:lstStyle>
+            <a:lvl1pPr marL="91440" indent="-91440" algn="l" defTabSz="914400" rtl="0" eaLnBrk="1" latinLnBrk="0" hangingPunct="1">
+              <a:lnSpc>
+                <a:spcPct val="90000"/>
+              </a:lnSpc>
+              <a:spcBef>
+                <a:spcPts val="1200"/>
+              </a:spcBef>
+              <a:spcAft>
+                <a:spcPts val="200"/>
+              </a:spcAft>
+              <a:buClr>
+                <a:schemeClr val="accent2"/>
+              </a:buClr>
+              <a:buSzPct val="100000"/>
+              <a:buFont typeface="Tw Cen MT" panose="020B0602020104020603" pitchFamily="34" charset="0"/>
+              <a:buChar char=" "/>
+              <a:defRPr sz="2200" kern="1200">
+                <a:solidFill>
+                  <a:schemeClr val="tx1"/>
+                </a:solidFill>
+                <a:latin typeface="+mn-lt"/>
+                <a:ea typeface="+mn-ea"/>
+                <a:cs typeface="+mn-cs"/>
+              </a:defRPr>
+            </a:lvl1pPr>
+            <a:lvl2pPr marL="265176" indent="-137160" algn="l" defTabSz="914400" rtl="0" eaLnBrk="1" latinLnBrk="0" hangingPunct="1">
+              <a:lnSpc>
+                <a:spcPct val="90000"/>
+              </a:lnSpc>
+              <a:spcBef>
+                <a:spcPts val="200"/>
+              </a:spcBef>
+              <a:spcAft>
+                <a:spcPts val="400"/>
+              </a:spcAft>
+              <a:buClr>
+                <a:schemeClr val="accent2"/>
+              </a:buClr>
+              <a:buFont typeface="Wingdings 3" pitchFamily="18" charset="2"/>
+              <a:buChar char=""/>
+              <a:defRPr sz="1800" kern="1200">
+                <a:solidFill>
+                  <a:schemeClr val="tx1"/>
+                </a:solidFill>
+                <a:latin typeface="+mn-lt"/>
+                <a:ea typeface="+mn-ea"/>
+                <a:cs typeface="+mn-cs"/>
+              </a:defRPr>
+            </a:lvl2pPr>
+            <a:lvl3pPr marL="448056" indent="-137160" algn="l" defTabSz="914400" rtl="0" eaLnBrk="1" latinLnBrk="0" hangingPunct="1">
+              <a:lnSpc>
+                <a:spcPct val="90000"/>
+              </a:lnSpc>
+              <a:spcBef>
+                <a:spcPts val="200"/>
+              </a:spcBef>
+              <a:spcAft>
+                <a:spcPts val="400"/>
+              </a:spcAft>
+              <a:buClr>
+                <a:schemeClr val="accent2"/>
+              </a:buClr>
+              <a:buFont typeface="Wingdings 3" pitchFamily="18" charset="2"/>
+              <a:buChar char=""/>
+              <a:defRPr sz="1400" kern="1200">
+                <a:solidFill>
+                  <a:schemeClr val="tx1"/>
+                </a:solidFill>
+                <a:latin typeface="+mn-lt"/>
+                <a:ea typeface="+mn-ea"/>
+                <a:cs typeface="+mn-cs"/>
+              </a:defRPr>
+            </a:lvl3pPr>
+            <a:lvl4pPr marL="594360" indent="-137160" algn="l" defTabSz="914400" rtl="0" eaLnBrk="1" latinLnBrk="0" hangingPunct="1">
+              <a:lnSpc>
+                <a:spcPct val="90000"/>
+              </a:lnSpc>
+              <a:spcBef>
+                <a:spcPts val="200"/>
+              </a:spcBef>
+              <a:spcAft>
+                <a:spcPts val="400"/>
+              </a:spcAft>
+              <a:buClr>
+                <a:schemeClr val="accent2"/>
+              </a:buClr>
+              <a:buFont typeface="Wingdings 3" pitchFamily="18" charset="2"/>
+              <a:buChar char=""/>
+              <a:defRPr sz="1400" kern="1200">
+                <a:solidFill>
+                  <a:schemeClr val="tx1"/>
+                </a:solidFill>
+                <a:latin typeface="+mn-lt"/>
+                <a:ea typeface="+mn-ea"/>
+                <a:cs typeface="+mn-cs"/>
+              </a:defRPr>
+            </a:lvl4pPr>
+            <a:lvl5pPr marL="777240" indent="-137160" algn="l" defTabSz="914400" rtl="0" eaLnBrk="1" latinLnBrk="0" hangingPunct="1">
+              <a:lnSpc>
+                <a:spcPct val="90000"/>
+              </a:lnSpc>
+              <a:spcBef>
+                <a:spcPts val="200"/>
+              </a:spcBef>
+              <a:spcAft>
+                <a:spcPts val="400"/>
+              </a:spcAft>
+              <a:buClr>
+                <a:schemeClr val="accent2"/>
+              </a:buClr>
+              <a:buFont typeface="Wingdings 3" pitchFamily="18" charset="2"/>
+              <a:buChar char=""/>
+              <a:defRPr sz="1400" kern="1200">
+                <a:solidFill>
+                  <a:schemeClr val="tx1"/>
+                </a:solidFill>
+                <a:latin typeface="+mn-lt"/>
+                <a:ea typeface="+mn-ea"/>
+                <a:cs typeface="+mn-cs"/>
+              </a:defRPr>
+            </a:lvl5pPr>
+            <a:lvl6pPr marL="914400" indent="-137160" algn="l" defTabSz="914400" rtl="0" eaLnBrk="1" latinLnBrk="0" hangingPunct="1">
+              <a:lnSpc>
+                <a:spcPct val="90000"/>
+              </a:lnSpc>
+              <a:spcBef>
+                <a:spcPts val="200"/>
+              </a:spcBef>
+              <a:spcAft>
+                <a:spcPts val="400"/>
+              </a:spcAft>
+              <a:buClr>
+                <a:schemeClr val="accent2"/>
+              </a:buClr>
+              <a:buFont typeface="Wingdings 3" pitchFamily="18" charset="2"/>
+              <a:buChar char=""/>
+              <a:defRPr sz="1400" kern="1200">
+                <a:solidFill>
+                  <a:schemeClr val="tx1"/>
+                </a:solidFill>
+                <a:latin typeface="+mn-lt"/>
+                <a:ea typeface="+mn-ea"/>
+                <a:cs typeface="+mn-cs"/>
+              </a:defRPr>
+            </a:lvl6pPr>
+            <a:lvl7pPr marL="1060704" indent="-137160" algn="l" defTabSz="914400" rtl="0" eaLnBrk="1" latinLnBrk="0" hangingPunct="1">
+              <a:lnSpc>
+                <a:spcPct val="90000"/>
+              </a:lnSpc>
+              <a:spcBef>
+                <a:spcPts val="200"/>
+              </a:spcBef>
+              <a:spcAft>
+                <a:spcPts val="400"/>
+              </a:spcAft>
+              <a:buClr>
+                <a:schemeClr val="accent2"/>
+              </a:buClr>
+              <a:buFont typeface="Wingdings 3" pitchFamily="18" charset="2"/>
+              <a:buChar char=""/>
+              <a:defRPr sz="1400" kern="1200">
+                <a:solidFill>
+                  <a:schemeClr val="tx1"/>
+                </a:solidFill>
+                <a:latin typeface="+mn-lt"/>
+                <a:ea typeface="+mn-ea"/>
+                <a:cs typeface="+mn-cs"/>
+              </a:defRPr>
+            </a:lvl7pPr>
+            <a:lvl8pPr marL="1216152" indent="-137160" algn="l" defTabSz="914400" rtl="0" eaLnBrk="1" latinLnBrk="0" hangingPunct="1">
+              <a:lnSpc>
+                <a:spcPct val="90000"/>
+              </a:lnSpc>
+              <a:spcBef>
+                <a:spcPts val="200"/>
+              </a:spcBef>
+              <a:spcAft>
+                <a:spcPts val="400"/>
+              </a:spcAft>
+              <a:buClr>
+                <a:schemeClr val="accent2"/>
+              </a:buClr>
+              <a:buFont typeface="Wingdings 3" pitchFamily="18" charset="2"/>
+              <a:buChar char=""/>
+              <a:defRPr sz="1400" kern="1200">
+                <a:solidFill>
+                  <a:schemeClr val="tx1"/>
+                </a:solidFill>
+                <a:latin typeface="+mn-lt"/>
+                <a:ea typeface="+mn-ea"/>
+                <a:cs typeface="+mn-cs"/>
+              </a:defRPr>
+            </a:lvl8pPr>
+            <a:lvl9pPr marL="1362456" indent="-137160" algn="l" defTabSz="914400" rtl="0" eaLnBrk="1" latinLnBrk="0" hangingPunct="1">
+              <a:lnSpc>
+                <a:spcPct val="90000"/>
+              </a:lnSpc>
+              <a:spcBef>
+                <a:spcPts val="200"/>
+              </a:spcBef>
+              <a:spcAft>
+                <a:spcPts val="400"/>
+              </a:spcAft>
+              <a:buClr>
+                <a:schemeClr val="accent2"/>
+              </a:buClr>
+              <a:buFont typeface="Wingdings 3" pitchFamily="18" charset="2"/>
+              <a:buChar char=""/>
+              <a:defRPr sz="1400" kern="1200">
+                <a:solidFill>
+                  <a:schemeClr val="tx1"/>
+                </a:solidFill>
+                <a:latin typeface="+mn-lt"/>
+                <a:ea typeface="+mn-ea"/>
+                <a:cs typeface="+mn-cs"/>
+              </a:defRPr>
+            </a:lvl9pPr>
+          </a:lstStyle>
+          <a:p>
+            <a:r>
+              <a:rPr lang="en-GB" sz="2100" dirty="0"/>
+              <a:t>	</a:t>
+            </a:r>
+            <a:r>
+              <a:rPr lang="en-GB" dirty="0"/>
+              <a:t> </a:t>
+            </a:r>
+          </a:p>
+          <a:p>
+            <a:pPr>
+              <a:buFont typeface="Tw Cen MT" panose="020B0602020104020603" pitchFamily="34" charset="0"/>
+              <a:buBlip>
+                <a:blip r:embed="rId2">
+                  <a:extLst>
+                    <a:ext uri="{96DAC541-7B7A-43D3-8B79-37D633B846F1}">
+                      <asvg:svgBlip xmlns:asvg="http://schemas.microsoft.com/office/drawing/2016/SVG/main" r:embed="rId3"/>
+                    </a:ext>
+                  </a:extLst>
+                </a:blip>
+              </a:buBlip>
+            </a:pPr>
+            <a:r>
+              <a:rPr lang="en-GB" dirty="0"/>
+              <a:t>Keep the duplicates and better distribute them between train and test dataset</a:t>
+            </a:r>
+          </a:p>
+          <a:p>
+            <a:pPr marL="0" indent="0">
+              <a:buFont typeface="Tw Cen MT" panose="020B0602020104020603" pitchFamily="34" charset="0"/>
+              <a:buNone/>
+            </a:pPr>
+            <a:endParaRPr lang="en-GB" dirty="0"/>
+          </a:p>
+          <a:p>
+            <a:endParaRPr lang="en-GB" dirty="0"/>
+          </a:p>
+        </p:txBody>
+      </p:sp>
+      <p:sp>
+        <p:nvSpPr>
+          <p:cNvPr id="8" name="Content Placeholder 3">
+            <a:extLst>
+              <a:ext uri="{FF2B5EF4-FFF2-40B4-BE49-F238E27FC236}">
+                <a16:creationId xmlns:a16="http://schemas.microsoft.com/office/drawing/2014/main" id="{FAE8B514-06AD-4095-83E7-C066A66851E6}"/>
+              </a:ext>
+            </a:extLst>
+          </p:cNvPr>
+          <p:cNvSpPr txBox="1">
+            <a:spLocks/>
+          </p:cNvSpPr>
+          <p:nvPr/>
+        </p:nvSpPr>
+        <p:spPr>
+          <a:xfrm>
+            <a:off x="5989317" y="4261103"/>
+            <a:ext cx="6015867" cy="4023360"/>
+          </a:xfrm>
+          <a:prstGeom prst="rect">
+            <a:avLst/>
+          </a:prstGeom>
+        </p:spPr>
+        <p:txBody>
+          <a:bodyPr vert="horz" lIns="45720" tIns="45720" rIns="45720" bIns="45720" rtlCol="0">
+            <a:normAutofit/>
+          </a:bodyPr>
+          <a:lstStyle>
+            <a:lvl1pPr marL="91440" indent="-91440" algn="l" defTabSz="914400" rtl="0" eaLnBrk="1" latinLnBrk="0" hangingPunct="1">
+              <a:lnSpc>
+                <a:spcPct val="90000"/>
+              </a:lnSpc>
+              <a:spcBef>
+                <a:spcPts val="1200"/>
+              </a:spcBef>
+              <a:spcAft>
+                <a:spcPts val="200"/>
+              </a:spcAft>
+              <a:buClr>
+                <a:schemeClr val="accent2"/>
+              </a:buClr>
+              <a:buSzPct val="100000"/>
+              <a:buFont typeface="Tw Cen MT" panose="020B0602020104020603" pitchFamily="34" charset="0"/>
+              <a:buChar char=" "/>
+              <a:defRPr sz="2200" kern="1200">
+                <a:solidFill>
+                  <a:schemeClr val="tx1"/>
+                </a:solidFill>
+                <a:latin typeface="+mn-lt"/>
+                <a:ea typeface="+mn-ea"/>
+                <a:cs typeface="+mn-cs"/>
+              </a:defRPr>
+            </a:lvl1pPr>
+            <a:lvl2pPr marL="265176" indent="-137160" algn="l" defTabSz="914400" rtl="0" eaLnBrk="1" latinLnBrk="0" hangingPunct="1">
+              <a:lnSpc>
+                <a:spcPct val="90000"/>
+              </a:lnSpc>
+              <a:spcBef>
+                <a:spcPts val="200"/>
+              </a:spcBef>
+              <a:spcAft>
+                <a:spcPts val="400"/>
+              </a:spcAft>
+              <a:buClr>
+                <a:schemeClr val="accent2"/>
+              </a:buClr>
+              <a:buFont typeface="Wingdings 3" pitchFamily="18" charset="2"/>
+              <a:buChar char=""/>
+              <a:defRPr sz="1800" kern="1200">
+                <a:solidFill>
+                  <a:schemeClr val="tx1"/>
+                </a:solidFill>
+                <a:latin typeface="+mn-lt"/>
+                <a:ea typeface="+mn-ea"/>
+                <a:cs typeface="+mn-cs"/>
+              </a:defRPr>
+            </a:lvl2pPr>
+            <a:lvl3pPr marL="448056" indent="-137160" algn="l" defTabSz="914400" rtl="0" eaLnBrk="1" latinLnBrk="0" hangingPunct="1">
+              <a:lnSpc>
+                <a:spcPct val="90000"/>
+              </a:lnSpc>
+              <a:spcBef>
+                <a:spcPts val="200"/>
+              </a:spcBef>
+              <a:spcAft>
+                <a:spcPts val="400"/>
+              </a:spcAft>
+              <a:buClr>
+                <a:schemeClr val="accent2"/>
+              </a:buClr>
+              <a:buFont typeface="Wingdings 3" pitchFamily="18" charset="2"/>
+              <a:buChar char=""/>
+              <a:defRPr sz="1400" kern="1200">
+                <a:solidFill>
+                  <a:schemeClr val="tx1"/>
+                </a:solidFill>
+                <a:latin typeface="+mn-lt"/>
+                <a:ea typeface="+mn-ea"/>
+                <a:cs typeface="+mn-cs"/>
+              </a:defRPr>
+            </a:lvl3pPr>
+            <a:lvl4pPr marL="594360" indent="-137160" algn="l" defTabSz="914400" rtl="0" eaLnBrk="1" latinLnBrk="0" hangingPunct="1">
+              <a:lnSpc>
+                <a:spcPct val="90000"/>
+              </a:lnSpc>
+              <a:spcBef>
+                <a:spcPts val="200"/>
+              </a:spcBef>
+              <a:spcAft>
+                <a:spcPts val="400"/>
+              </a:spcAft>
+              <a:buClr>
+                <a:schemeClr val="accent2"/>
+              </a:buClr>
+              <a:buFont typeface="Wingdings 3" pitchFamily="18" charset="2"/>
+              <a:buChar char=""/>
+              <a:defRPr sz="1400" kern="1200">
+                <a:solidFill>
+                  <a:schemeClr val="tx1"/>
+                </a:solidFill>
+                <a:latin typeface="+mn-lt"/>
+                <a:ea typeface="+mn-ea"/>
+                <a:cs typeface="+mn-cs"/>
+              </a:defRPr>
+            </a:lvl4pPr>
+            <a:lvl5pPr marL="777240" indent="-137160" algn="l" defTabSz="914400" rtl="0" eaLnBrk="1" latinLnBrk="0" hangingPunct="1">
+              <a:lnSpc>
+                <a:spcPct val="90000"/>
+              </a:lnSpc>
+              <a:spcBef>
+                <a:spcPts val="200"/>
+              </a:spcBef>
+              <a:spcAft>
+                <a:spcPts val="400"/>
+              </a:spcAft>
+              <a:buClr>
+                <a:schemeClr val="accent2"/>
+              </a:buClr>
+              <a:buFont typeface="Wingdings 3" pitchFamily="18" charset="2"/>
+              <a:buChar char=""/>
+              <a:defRPr sz="1400" kern="1200">
+                <a:solidFill>
+                  <a:schemeClr val="tx1"/>
+                </a:solidFill>
+                <a:latin typeface="+mn-lt"/>
+                <a:ea typeface="+mn-ea"/>
+                <a:cs typeface="+mn-cs"/>
+              </a:defRPr>
+            </a:lvl5pPr>
+            <a:lvl6pPr marL="914400" indent="-137160" algn="l" defTabSz="914400" rtl="0" eaLnBrk="1" latinLnBrk="0" hangingPunct="1">
+              <a:lnSpc>
+                <a:spcPct val="90000"/>
+              </a:lnSpc>
+              <a:spcBef>
+                <a:spcPts val="200"/>
+              </a:spcBef>
+              <a:spcAft>
+                <a:spcPts val="400"/>
+              </a:spcAft>
+              <a:buClr>
+                <a:schemeClr val="accent2"/>
+              </a:buClr>
+              <a:buFont typeface="Wingdings 3" pitchFamily="18" charset="2"/>
+              <a:buChar char=""/>
+              <a:defRPr sz="1400" kern="1200">
+                <a:solidFill>
+                  <a:schemeClr val="tx1"/>
+                </a:solidFill>
+                <a:latin typeface="+mn-lt"/>
+                <a:ea typeface="+mn-ea"/>
+                <a:cs typeface="+mn-cs"/>
+              </a:defRPr>
+            </a:lvl6pPr>
+            <a:lvl7pPr marL="1060704" indent="-137160" algn="l" defTabSz="914400" rtl="0" eaLnBrk="1" latinLnBrk="0" hangingPunct="1">
+              <a:lnSpc>
+                <a:spcPct val="90000"/>
+              </a:lnSpc>
+              <a:spcBef>
+                <a:spcPts val="200"/>
+              </a:spcBef>
+              <a:spcAft>
+                <a:spcPts val="400"/>
+              </a:spcAft>
+              <a:buClr>
+                <a:schemeClr val="accent2"/>
+              </a:buClr>
+              <a:buFont typeface="Wingdings 3" pitchFamily="18" charset="2"/>
+              <a:buChar char=""/>
+              <a:defRPr sz="1400" kern="1200">
+                <a:solidFill>
+                  <a:schemeClr val="tx1"/>
+                </a:solidFill>
+                <a:latin typeface="+mn-lt"/>
+                <a:ea typeface="+mn-ea"/>
+                <a:cs typeface="+mn-cs"/>
+              </a:defRPr>
+            </a:lvl7pPr>
+            <a:lvl8pPr marL="1216152" indent="-137160" algn="l" defTabSz="914400" rtl="0" eaLnBrk="1" latinLnBrk="0" hangingPunct="1">
+              <a:lnSpc>
+                <a:spcPct val="90000"/>
+              </a:lnSpc>
+              <a:spcBef>
+                <a:spcPts val="200"/>
+              </a:spcBef>
+              <a:spcAft>
+                <a:spcPts val="400"/>
+              </a:spcAft>
+              <a:buClr>
+                <a:schemeClr val="accent2"/>
+              </a:buClr>
+              <a:buFont typeface="Wingdings 3" pitchFamily="18" charset="2"/>
+              <a:buChar char=""/>
+              <a:defRPr sz="1400" kern="1200">
+                <a:solidFill>
+                  <a:schemeClr val="tx1"/>
+                </a:solidFill>
+                <a:latin typeface="+mn-lt"/>
+                <a:ea typeface="+mn-ea"/>
+                <a:cs typeface="+mn-cs"/>
+              </a:defRPr>
+            </a:lvl8pPr>
+            <a:lvl9pPr marL="1362456" indent="-137160" algn="l" defTabSz="914400" rtl="0" eaLnBrk="1" latinLnBrk="0" hangingPunct="1">
+              <a:lnSpc>
+                <a:spcPct val="90000"/>
+              </a:lnSpc>
+              <a:spcBef>
+                <a:spcPts val="200"/>
+              </a:spcBef>
+              <a:spcAft>
+                <a:spcPts val="400"/>
+              </a:spcAft>
+              <a:buClr>
+                <a:schemeClr val="accent2"/>
+              </a:buClr>
+              <a:buFont typeface="Wingdings 3" pitchFamily="18" charset="2"/>
+              <a:buChar char=""/>
+              <a:defRPr sz="1400" kern="1200">
+                <a:solidFill>
+                  <a:schemeClr val="tx1"/>
+                </a:solidFill>
+                <a:latin typeface="+mn-lt"/>
+                <a:ea typeface="+mn-ea"/>
+                <a:cs typeface="+mn-cs"/>
+              </a:defRPr>
+            </a:lvl9pPr>
+          </a:lstStyle>
+          <a:p>
+            <a:r>
+              <a:rPr lang="en-GB" sz="2100" dirty="0"/>
+              <a:t>	</a:t>
+            </a:r>
+            <a:r>
+              <a:rPr lang="en-GB" dirty="0"/>
+              <a:t> </a:t>
+            </a:r>
+          </a:p>
+          <a:p>
+            <a:pPr>
+              <a:buFont typeface="Tw Cen MT" panose="020B0602020104020603" pitchFamily="34" charset="0"/>
+              <a:buBlip>
+                <a:blip r:embed="rId2">
+                  <a:extLst>
+                    <a:ext uri="{96DAC541-7B7A-43D3-8B79-37D633B846F1}">
+                      <asvg:svgBlip xmlns:asvg="http://schemas.microsoft.com/office/drawing/2016/SVG/main" r:embed="rId3"/>
+                    </a:ext>
+                  </a:extLst>
+                </a:blip>
+              </a:buBlip>
+            </a:pPr>
+            <a:r>
+              <a:rPr lang="en-GB" dirty="0"/>
+              <a:t>Mutual Information Classifier</a:t>
+            </a:r>
+          </a:p>
+          <a:p>
+            <a:pPr marL="0" indent="0">
+              <a:buFont typeface="Tw Cen MT" panose="020B0602020104020603" pitchFamily="34" charset="0"/>
+              <a:buNone/>
+            </a:pPr>
+            <a:endParaRPr lang="en-GB" dirty="0"/>
+          </a:p>
+          <a:p>
+            <a:endParaRPr lang="en-GB" dirty="0"/>
+          </a:p>
+        </p:txBody>
+      </p:sp>
+      <p:sp>
+        <p:nvSpPr>
+          <p:cNvPr id="9" name="Content Placeholder 3">
+            <a:extLst>
+              <a:ext uri="{FF2B5EF4-FFF2-40B4-BE49-F238E27FC236}">
+                <a16:creationId xmlns:a16="http://schemas.microsoft.com/office/drawing/2014/main" id="{B1C041BB-60BD-48CE-AB5C-AEAB47C47B2A}"/>
+              </a:ext>
+            </a:extLst>
+          </p:cNvPr>
+          <p:cNvSpPr txBox="1">
+            <a:spLocks/>
+          </p:cNvSpPr>
+          <p:nvPr/>
+        </p:nvSpPr>
+        <p:spPr>
+          <a:xfrm>
+            <a:off x="5989317" y="5216013"/>
+            <a:ext cx="6015867" cy="4023360"/>
+          </a:xfrm>
+          <a:prstGeom prst="rect">
+            <a:avLst/>
+          </a:prstGeom>
+        </p:spPr>
+        <p:txBody>
+          <a:bodyPr vert="horz" lIns="45720" tIns="45720" rIns="45720" bIns="45720" rtlCol="0">
+            <a:normAutofit/>
+          </a:bodyPr>
+          <a:lstStyle>
+            <a:lvl1pPr marL="91440" indent="-91440" algn="l" defTabSz="914400" rtl="0" eaLnBrk="1" latinLnBrk="0" hangingPunct="1">
+              <a:lnSpc>
+                <a:spcPct val="90000"/>
+              </a:lnSpc>
+              <a:spcBef>
+                <a:spcPts val="1200"/>
+              </a:spcBef>
+              <a:spcAft>
+                <a:spcPts val="200"/>
+              </a:spcAft>
+              <a:buClr>
+                <a:schemeClr val="accent2"/>
+              </a:buClr>
+              <a:buSzPct val="100000"/>
+              <a:buFont typeface="Tw Cen MT" panose="020B0602020104020603" pitchFamily="34" charset="0"/>
+              <a:buChar char=" "/>
+              <a:defRPr sz="2200" kern="1200">
+                <a:solidFill>
+                  <a:schemeClr val="tx1"/>
+                </a:solidFill>
+                <a:latin typeface="+mn-lt"/>
+                <a:ea typeface="+mn-ea"/>
+                <a:cs typeface="+mn-cs"/>
+              </a:defRPr>
+            </a:lvl1pPr>
+            <a:lvl2pPr marL="265176" indent="-137160" algn="l" defTabSz="914400" rtl="0" eaLnBrk="1" latinLnBrk="0" hangingPunct="1">
+              <a:lnSpc>
+                <a:spcPct val="90000"/>
+              </a:lnSpc>
+              <a:spcBef>
+                <a:spcPts val="200"/>
+              </a:spcBef>
+              <a:spcAft>
+                <a:spcPts val="400"/>
+              </a:spcAft>
+              <a:buClr>
+                <a:schemeClr val="accent2"/>
+              </a:buClr>
+              <a:buFont typeface="Wingdings 3" pitchFamily="18" charset="2"/>
+              <a:buChar char=""/>
+              <a:defRPr sz="1800" kern="1200">
+                <a:solidFill>
+                  <a:schemeClr val="tx1"/>
+                </a:solidFill>
+                <a:latin typeface="+mn-lt"/>
+                <a:ea typeface="+mn-ea"/>
+                <a:cs typeface="+mn-cs"/>
+              </a:defRPr>
+            </a:lvl2pPr>
+            <a:lvl3pPr marL="448056" indent="-137160" algn="l" defTabSz="914400" rtl="0" eaLnBrk="1" latinLnBrk="0" hangingPunct="1">
+              <a:lnSpc>
+                <a:spcPct val="90000"/>
+              </a:lnSpc>
+              <a:spcBef>
+                <a:spcPts val="200"/>
+              </a:spcBef>
+              <a:spcAft>
+                <a:spcPts val="400"/>
+              </a:spcAft>
+              <a:buClr>
+                <a:schemeClr val="accent2"/>
+              </a:buClr>
+              <a:buFont typeface="Wingdings 3" pitchFamily="18" charset="2"/>
+              <a:buChar char=""/>
+              <a:defRPr sz="1400" kern="1200">
+                <a:solidFill>
+                  <a:schemeClr val="tx1"/>
+                </a:solidFill>
+                <a:latin typeface="+mn-lt"/>
+                <a:ea typeface="+mn-ea"/>
+                <a:cs typeface="+mn-cs"/>
+              </a:defRPr>
+            </a:lvl3pPr>
+            <a:lvl4pPr marL="594360" indent="-137160" algn="l" defTabSz="914400" rtl="0" eaLnBrk="1" latinLnBrk="0" hangingPunct="1">
+              <a:lnSpc>
+                <a:spcPct val="90000"/>
+              </a:lnSpc>
+              <a:spcBef>
+                <a:spcPts val="200"/>
+              </a:spcBef>
+              <a:spcAft>
+                <a:spcPts val="400"/>
+              </a:spcAft>
+              <a:buClr>
+                <a:schemeClr val="accent2"/>
+              </a:buClr>
+              <a:buFont typeface="Wingdings 3" pitchFamily="18" charset="2"/>
+              <a:buChar char=""/>
+              <a:defRPr sz="1400" kern="1200">
+                <a:solidFill>
+                  <a:schemeClr val="tx1"/>
+                </a:solidFill>
+                <a:latin typeface="+mn-lt"/>
+                <a:ea typeface="+mn-ea"/>
+                <a:cs typeface="+mn-cs"/>
+              </a:defRPr>
+            </a:lvl4pPr>
+            <a:lvl5pPr marL="777240" indent="-137160" algn="l" defTabSz="914400" rtl="0" eaLnBrk="1" latinLnBrk="0" hangingPunct="1">
+              <a:lnSpc>
+                <a:spcPct val="90000"/>
+              </a:lnSpc>
+              <a:spcBef>
+                <a:spcPts val="200"/>
+              </a:spcBef>
+              <a:spcAft>
+                <a:spcPts val="400"/>
+              </a:spcAft>
+              <a:buClr>
+                <a:schemeClr val="accent2"/>
+              </a:buClr>
+              <a:buFont typeface="Wingdings 3" pitchFamily="18" charset="2"/>
+              <a:buChar char=""/>
+              <a:defRPr sz="1400" kern="1200">
+                <a:solidFill>
+                  <a:schemeClr val="tx1"/>
+                </a:solidFill>
+                <a:latin typeface="+mn-lt"/>
+                <a:ea typeface="+mn-ea"/>
+                <a:cs typeface="+mn-cs"/>
+              </a:defRPr>
+            </a:lvl5pPr>
+            <a:lvl6pPr marL="914400" indent="-137160" algn="l" defTabSz="914400" rtl="0" eaLnBrk="1" latinLnBrk="0" hangingPunct="1">
+              <a:lnSpc>
+                <a:spcPct val="90000"/>
+              </a:lnSpc>
+              <a:spcBef>
+                <a:spcPts val="200"/>
+              </a:spcBef>
+              <a:spcAft>
+                <a:spcPts val="400"/>
+              </a:spcAft>
+              <a:buClr>
+                <a:schemeClr val="accent2"/>
+              </a:buClr>
+              <a:buFont typeface="Wingdings 3" pitchFamily="18" charset="2"/>
+              <a:buChar char=""/>
+              <a:defRPr sz="1400" kern="1200">
+                <a:solidFill>
+                  <a:schemeClr val="tx1"/>
+                </a:solidFill>
+                <a:latin typeface="+mn-lt"/>
+                <a:ea typeface="+mn-ea"/>
+                <a:cs typeface="+mn-cs"/>
+              </a:defRPr>
+            </a:lvl6pPr>
+            <a:lvl7pPr marL="1060704" indent="-137160" algn="l" defTabSz="914400" rtl="0" eaLnBrk="1" latinLnBrk="0" hangingPunct="1">
+              <a:lnSpc>
+                <a:spcPct val="90000"/>
+              </a:lnSpc>
+              <a:spcBef>
+                <a:spcPts val="200"/>
+              </a:spcBef>
+              <a:spcAft>
+                <a:spcPts val="400"/>
+              </a:spcAft>
+              <a:buClr>
+                <a:schemeClr val="accent2"/>
+              </a:buClr>
+              <a:buFont typeface="Wingdings 3" pitchFamily="18" charset="2"/>
+              <a:buChar char=""/>
+              <a:defRPr sz="1400" kern="1200">
+                <a:solidFill>
+                  <a:schemeClr val="tx1"/>
+                </a:solidFill>
+                <a:latin typeface="+mn-lt"/>
+                <a:ea typeface="+mn-ea"/>
+                <a:cs typeface="+mn-cs"/>
+              </a:defRPr>
+            </a:lvl7pPr>
+            <a:lvl8pPr marL="1216152" indent="-137160" algn="l" defTabSz="914400" rtl="0" eaLnBrk="1" latinLnBrk="0" hangingPunct="1">
+              <a:lnSpc>
+                <a:spcPct val="90000"/>
+              </a:lnSpc>
+              <a:spcBef>
+                <a:spcPts val="200"/>
+              </a:spcBef>
+              <a:spcAft>
+                <a:spcPts val="400"/>
+              </a:spcAft>
+              <a:buClr>
+                <a:schemeClr val="accent2"/>
+              </a:buClr>
+              <a:buFont typeface="Wingdings 3" pitchFamily="18" charset="2"/>
+              <a:buChar char=""/>
+              <a:defRPr sz="1400" kern="1200">
+                <a:solidFill>
+                  <a:schemeClr val="tx1"/>
+                </a:solidFill>
+                <a:latin typeface="+mn-lt"/>
+                <a:ea typeface="+mn-ea"/>
+                <a:cs typeface="+mn-cs"/>
+              </a:defRPr>
+            </a:lvl8pPr>
+            <a:lvl9pPr marL="1362456" indent="-137160" algn="l" defTabSz="914400" rtl="0" eaLnBrk="1" latinLnBrk="0" hangingPunct="1">
+              <a:lnSpc>
+                <a:spcPct val="90000"/>
+              </a:lnSpc>
+              <a:spcBef>
+                <a:spcPts val="200"/>
+              </a:spcBef>
+              <a:spcAft>
+                <a:spcPts val="400"/>
+              </a:spcAft>
+              <a:buClr>
+                <a:schemeClr val="accent2"/>
+              </a:buClr>
+              <a:buFont typeface="Wingdings 3" pitchFamily="18" charset="2"/>
+              <a:buChar char=""/>
+              <a:defRPr sz="1400" kern="1200">
+                <a:solidFill>
+                  <a:schemeClr val="tx1"/>
+                </a:solidFill>
+                <a:latin typeface="+mn-lt"/>
+                <a:ea typeface="+mn-ea"/>
+                <a:cs typeface="+mn-cs"/>
+              </a:defRPr>
+            </a:lvl9pPr>
+          </a:lstStyle>
+          <a:p>
+            <a:r>
+              <a:rPr lang="en-GB" sz="2100" dirty="0"/>
+              <a:t>	</a:t>
+            </a:r>
+            <a:r>
+              <a:rPr lang="en-GB" dirty="0"/>
+              <a:t> </a:t>
+            </a:r>
+          </a:p>
+          <a:p>
+            <a:pPr>
+              <a:buFont typeface="Tw Cen MT" panose="020B0602020104020603" pitchFamily="34" charset="0"/>
+              <a:buBlip>
+                <a:blip r:embed="rId2">
+                  <a:extLst>
+                    <a:ext uri="{96DAC541-7B7A-43D3-8B79-37D633B846F1}">
+                      <asvg:svgBlip xmlns:asvg="http://schemas.microsoft.com/office/drawing/2016/SVG/main" r:embed="rId3"/>
+                    </a:ext>
+                  </a:extLst>
+                </a:blip>
+              </a:buBlip>
+            </a:pPr>
+            <a:r>
+              <a:rPr lang="en-GB" dirty="0"/>
+              <a:t>Algorithms considered: Decision Tree, Gradient Boosting, AdaBoost, Random Forest</a:t>
+            </a:r>
+          </a:p>
+          <a:p>
+            <a:pPr marL="0" indent="0">
+              <a:buNone/>
+            </a:pPr>
+            <a:endParaRPr lang="en-GB" dirty="0"/>
+          </a:p>
+          <a:p>
+            <a:pPr marL="0" indent="0">
+              <a:buFont typeface="Tw Cen MT" panose="020B0602020104020603" pitchFamily="34" charset="0"/>
+              <a:buNone/>
+            </a:pPr>
+            <a:endParaRPr lang="en-GB" dirty="0"/>
+          </a:p>
+          <a:p>
+            <a:endParaRPr lang="en-GB" dirty="0"/>
           </a:p>
         </p:txBody>
       </p:sp>
@@ -7058,56 +8628,6 @@
               <a:t>aways</a:t>
             </a:r>
             <a:endParaRPr lang="en-GB" dirty="0"/>
-          </a:p>
-        </p:txBody>
-      </p:sp>
-      <p:sp>
-        <p:nvSpPr>
-          <p:cNvPr id="3" name="Content Placeholder 2">
-            <a:extLst>
-              <a:ext uri="{FF2B5EF4-FFF2-40B4-BE49-F238E27FC236}">
-                <a16:creationId xmlns:a16="http://schemas.microsoft.com/office/drawing/2014/main" id="{D95F98AC-FDB5-4613-9807-237F77E9D651}"/>
-              </a:ext>
-            </a:extLst>
-          </p:cNvPr>
-          <p:cNvSpPr>
-            <a:spLocks noGrp="1"/>
-          </p:cNvSpPr>
-          <p:nvPr>
-            <p:ph sz="half" idx="1"/>
-          </p:nvPr>
-        </p:nvSpPr>
-        <p:spPr/>
-        <p:txBody>
-          <a:bodyPr/>
-          <a:lstStyle/>
-          <a:p>
-            <a:endParaRPr lang="en-GB"/>
-          </a:p>
-        </p:txBody>
-      </p:sp>
-      <p:sp>
-        <p:nvSpPr>
-          <p:cNvPr id="4" name="Content Placeholder 3">
-            <a:extLst>
-              <a:ext uri="{FF2B5EF4-FFF2-40B4-BE49-F238E27FC236}">
-                <a16:creationId xmlns:a16="http://schemas.microsoft.com/office/drawing/2014/main" id="{74C29F94-9013-443B-85B8-A87E07003C7C}"/>
-              </a:ext>
-            </a:extLst>
-          </p:cNvPr>
-          <p:cNvSpPr>
-            <a:spLocks noGrp="1"/>
-          </p:cNvSpPr>
-          <p:nvPr>
-            <p:ph sz="half" idx="2"/>
-          </p:nvPr>
-        </p:nvSpPr>
-        <p:spPr/>
-        <p:txBody>
-          <a:bodyPr/>
-          <a:lstStyle/>
-          <a:p>
-            <a:endParaRPr lang="en-GB"/>
           </a:p>
         </p:txBody>
       </p:sp>
@@ -7429,6 +8949,885 @@
           </a:p>
         </p:txBody>
       </p:sp>
+      <p:sp>
+        <p:nvSpPr>
+          <p:cNvPr id="8" name="Content Placeholder 2">
+            <a:extLst>
+              <a:ext uri="{FF2B5EF4-FFF2-40B4-BE49-F238E27FC236}">
+                <a16:creationId xmlns:a16="http://schemas.microsoft.com/office/drawing/2014/main" id="{02FBBB88-1425-4F59-B689-64D518A0CD33}"/>
+              </a:ext>
+            </a:extLst>
+          </p:cNvPr>
+          <p:cNvSpPr txBox="1">
+            <a:spLocks/>
+          </p:cNvSpPr>
+          <p:nvPr/>
+        </p:nvSpPr>
+        <p:spPr>
+          <a:xfrm>
+            <a:off x="1301376" y="1902256"/>
+            <a:ext cx="4754880" cy="4023360"/>
+          </a:xfrm>
+          <a:prstGeom prst="rect">
+            <a:avLst/>
+          </a:prstGeom>
+        </p:spPr>
+        <p:txBody>
+          <a:bodyPr vert="horz" lIns="45720" tIns="45720" rIns="45720" bIns="45720" rtlCol="0">
+            <a:normAutofit/>
+          </a:bodyPr>
+          <a:lstStyle>
+            <a:lvl1pPr marL="91440" indent="-91440" algn="l" defTabSz="914400" rtl="0" eaLnBrk="1" latinLnBrk="0" hangingPunct="1">
+              <a:lnSpc>
+                <a:spcPct val="90000"/>
+              </a:lnSpc>
+              <a:spcBef>
+                <a:spcPts val="1200"/>
+              </a:spcBef>
+              <a:spcAft>
+                <a:spcPts val="200"/>
+              </a:spcAft>
+              <a:buClr>
+                <a:schemeClr val="accent2"/>
+              </a:buClr>
+              <a:buSzPct val="100000"/>
+              <a:buFont typeface="Tw Cen MT" panose="020B0602020104020603" pitchFamily="34" charset="0"/>
+              <a:buChar char=" "/>
+              <a:defRPr sz="2200" kern="1200">
+                <a:solidFill>
+                  <a:schemeClr val="tx1"/>
+                </a:solidFill>
+                <a:latin typeface="+mn-lt"/>
+                <a:ea typeface="+mn-ea"/>
+                <a:cs typeface="+mn-cs"/>
+              </a:defRPr>
+            </a:lvl1pPr>
+            <a:lvl2pPr marL="265176" indent="-137160" algn="l" defTabSz="914400" rtl="0" eaLnBrk="1" latinLnBrk="0" hangingPunct="1">
+              <a:lnSpc>
+                <a:spcPct val="90000"/>
+              </a:lnSpc>
+              <a:spcBef>
+                <a:spcPts val="200"/>
+              </a:spcBef>
+              <a:spcAft>
+                <a:spcPts val="400"/>
+              </a:spcAft>
+              <a:buClr>
+                <a:schemeClr val="accent2"/>
+              </a:buClr>
+              <a:buFont typeface="Wingdings 3" pitchFamily="18" charset="2"/>
+              <a:buChar char=""/>
+              <a:defRPr sz="1800" kern="1200">
+                <a:solidFill>
+                  <a:schemeClr val="tx1"/>
+                </a:solidFill>
+                <a:latin typeface="+mn-lt"/>
+                <a:ea typeface="+mn-ea"/>
+                <a:cs typeface="+mn-cs"/>
+              </a:defRPr>
+            </a:lvl2pPr>
+            <a:lvl3pPr marL="448056" indent="-137160" algn="l" defTabSz="914400" rtl="0" eaLnBrk="1" latinLnBrk="0" hangingPunct="1">
+              <a:lnSpc>
+                <a:spcPct val="90000"/>
+              </a:lnSpc>
+              <a:spcBef>
+                <a:spcPts val="200"/>
+              </a:spcBef>
+              <a:spcAft>
+                <a:spcPts val="400"/>
+              </a:spcAft>
+              <a:buClr>
+                <a:schemeClr val="accent2"/>
+              </a:buClr>
+              <a:buFont typeface="Wingdings 3" pitchFamily="18" charset="2"/>
+              <a:buChar char=""/>
+              <a:defRPr sz="1400" kern="1200">
+                <a:solidFill>
+                  <a:schemeClr val="tx1"/>
+                </a:solidFill>
+                <a:latin typeface="+mn-lt"/>
+                <a:ea typeface="+mn-ea"/>
+                <a:cs typeface="+mn-cs"/>
+              </a:defRPr>
+            </a:lvl3pPr>
+            <a:lvl4pPr marL="594360" indent="-137160" algn="l" defTabSz="914400" rtl="0" eaLnBrk="1" latinLnBrk="0" hangingPunct="1">
+              <a:lnSpc>
+                <a:spcPct val="90000"/>
+              </a:lnSpc>
+              <a:spcBef>
+                <a:spcPts val="200"/>
+              </a:spcBef>
+              <a:spcAft>
+                <a:spcPts val="400"/>
+              </a:spcAft>
+              <a:buClr>
+                <a:schemeClr val="accent2"/>
+              </a:buClr>
+              <a:buFont typeface="Wingdings 3" pitchFamily="18" charset="2"/>
+              <a:buChar char=""/>
+              <a:defRPr sz="1400" kern="1200">
+                <a:solidFill>
+                  <a:schemeClr val="tx1"/>
+                </a:solidFill>
+                <a:latin typeface="+mn-lt"/>
+                <a:ea typeface="+mn-ea"/>
+                <a:cs typeface="+mn-cs"/>
+              </a:defRPr>
+            </a:lvl4pPr>
+            <a:lvl5pPr marL="777240" indent="-137160" algn="l" defTabSz="914400" rtl="0" eaLnBrk="1" latinLnBrk="0" hangingPunct="1">
+              <a:lnSpc>
+                <a:spcPct val="90000"/>
+              </a:lnSpc>
+              <a:spcBef>
+                <a:spcPts val="200"/>
+              </a:spcBef>
+              <a:spcAft>
+                <a:spcPts val="400"/>
+              </a:spcAft>
+              <a:buClr>
+                <a:schemeClr val="accent2"/>
+              </a:buClr>
+              <a:buFont typeface="Wingdings 3" pitchFamily="18" charset="2"/>
+              <a:buChar char=""/>
+              <a:defRPr sz="1400" kern="1200">
+                <a:solidFill>
+                  <a:schemeClr val="tx1"/>
+                </a:solidFill>
+                <a:latin typeface="+mn-lt"/>
+                <a:ea typeface="+mn-ea"/>
+                <a:cs typeface="+mn-cs"/>
+              </a:defRPr>
+            </a:lvl5pPr>
+            <a:lvl6pPr marL="914400" indent="-137160" algn="l" defTabSz="914400" rtl="0" eaLnBrk="1" latinLnBrk="0" hangingPunct="1">
+              <a:lnSpc>
+                <a:spcPct val="90000"/>
+              </a:lnSpc>
+              <a:spcBef>
+                <a:spcPts val="200"/>
+              </a:spcBef>
+              <a:spcAft>
+                <a:spcPts val="400"/>
+              </a:spcAft>
+              <a:buClr>
+                <a:schemeClr val="accent2"/>
+              </a:buClr>
+              <a:buFont typeface="Wingdings 3" pitchFamily="18" charset="2"/>
+              <a:buChar char=""/>
+              <a:defRPr sz="1400" kern="1200">
+                <a:solidFill>
+                  <a:schemeClr val="tx1"/>
+                </a:solidFill>
+                <a:latin typeface="+mn-lt"/>
+                <a:ea typeface="+mn-ea"/>
+                <a:cs typeface="+mn-cs"/>
+              </a:defRPr>
+            </a:lvl6pPr>
+            <a:lvl7pPr marL="1060704" indent="-137160" algn="l" defTabSz="914400" rtl="0" eaLnBrk="1" latinLnBrk="0" hangingPunct="1">
+              <a:lnSpc>
+                <a:spcPct val="90000"/>
+              </a:lnSpc>
+              <a:spcBef>
+                <a:spcPts val="200"/>
+              </a:spcBef>
+              <a:spcAft>
+                <a:spcPts val="400"/>
+              </a:spcAft>
+              <a:buClr>
+                <a:schemeClr val="accent2"/>
+              </a:buClr>
+              <a:buFont typeface="Wingdings 3" pitchFamily="18" charset="2"/>
+              <a:buChar char=""/>
+              <a:defRPr sz="1400" kern="1200">
+                <a:solidFill>
+                  <a:schemeClr val="tx1"/>
+                </a:solidFill>
+                <a:latin typeface="+mn-lt"/>
+                <a:ea typeface="+mn-ea"/>
+                <a:cs typeface="+mn-cs"/>
+              </a:defRPr>
+            </a:lvl7pPr>
+            <a:lvl8pPr marL="1216152" indent="-137160" algn="l" defTabSz="914400" rtl="0" eaLnBrk="1" latinLnBrk="0" hangingPunct="1">
+              <a:lnSpc>
+                <a:spcPct val="90000"/>
+              </a:lnSpc>
+              <a:spcBef>
+                <a:spcPts val="200"/>
+              </a:spcBef>
+              <a:spcAft>
+                <a:spcPts val="400"/>
+              </a:spcAft>
+              <a:buClr>
+                <a:schemeClr val="accent2"/>
+              </a:buClr>
+              <a:buFont typeface="Wingdings 3" pitchFamily="18" charset="2"/>
+              <a:buChar char=""/>
+              <a:defRPr sz="1400" kern="1200">
+                <a:solidFill>
+                  <a:schemeClr val="tx1"/>
+                </a:solidFill>
+                <a:latin typeface="+mn-lt"/>
+                <a:ea typeface="+mn-ea"/>
+                <a:cs typeface="+mn-cs"/>
+              </a:defRPr>
+            </a:lvl8pPr>
+            <a:lvl9pPr marL="1362456" indent="-137160" algn="l" defTabSz="914400" rtl="0" eaLnBrk="1" latinLnBrk="0" hangingPunct="1">
+              <a:lnSpc>
+                <a:spcPct val="90000"/>
+              </a:lnSpc>
+              <a:spcBef>
+                <a:spcPts val="200"/>
+              </a:spcBef>
+              <a:spcAft>
+                <a:spcPts val="400"/>
+              </a:spcAft>
+              <a:buClr>
+                <a:schemeClr val="accent2"/>
+              </a:buClr>
+              <a:buFont typeface="Wingdings 3" pitchFamily="18" charset="2"/>
+              <a:buChar char=""/>
+              <a:defRPr sz="1400" kern="1200">
+                <a:solidFill>
+                  <a:schemeClr val="tx1"/>
+                </a:solidFill>
+                <a:latin typeface="+mn-lt"/>
+                <a:ea typeface="+mn-ea"/>
+                <a:cs typeface="+mn-cs"/>
+              </a:defRPr>
+            </a:lvl9pPr>
+          </a:lstStyle>
+          <a:p>
+            <a:pPr>
+              <a:buFont typeface="Tw Cen MT" panose="020B0602020104020603" pitchFamily="34" charset="0"/>
+              <a:buBlip>
+                <a:blip r:embed="rId4">
+                  <a:extLst>
+                    <a:ext uri="{96DAC541-7B7A-43D3-8B79-37D633B846F1}">
+                      <asvg:svgBlip xmlns:asvg="http://schemas.microsoft.com/office/drawing/2016/SVG/main" r:embed="rId5"/>
+                    </a:ext>
+                  </a:extLst>
+                </a:blip>
+              </a:buBlip>
+            </a:pPr>
+            <a:r>
+              <a:rPr lang="en-GB" dirty="0"/>
+              <a:t>Best model: Random Forest </a:t>
+            </a:r>
+            <a:br>
+              <a:rPr lang="en-GB" dirty="0"/>
+            </a:br>
+            <a:endParaRPr lang="en-GB" sz="1500" dirty="0"/>
+          </a:p>
+          <a:p>
+            <a:endParaRPr lang="en-GB" dirty="0"/>
+          </a:p>
+        </p:txBody>
+      </p:sp>
+      <p:pic>
+        <p:nvPicPr>
+          <p:cNvPr id="9" name="Imagem 8">
+            <a:extLst>
+              <a:ext uri="{FF2B5EF4-FFF2-40B4-BE49-F238E27FC236}">
+                <a16:creationId xmlns:a16="http://schemas.microsoft.com/office/drawing/2014/main" id="{26FFE5CB-BF06-4338-858E-50EB1675AF01}"/>
+              </a:ext>
+            </a:extLst>
+          </p:cNvPr>
+          <p:cNvPicPr>
+            <a:picLocks noChangeAspect="1"/>
+          </p:cNvPicPr>
+          <p:nvPr/>
+        </p:nvPicPr>
+        <p:blipFill>
+          <a:blip r:embed="rId6"/>
+          <a:stretch>
+            <a:fillRect/>
+          </a:stretch>
+        </p:blipFill>
+        <p:spPr>
+          <a:xfrm>
+            <a:off x="813816" y="2313157"/>
+            <a:ext cx="4192531" cy="1476243"/>
+          </a:xfrm>
+          <a:prstGeom prst="rect">
+            <a:avLst/>
+          </a:prstGeom>
+        </p:spPr>
+      </p:pic>
+      <p:pic>
+        <p:nvPicPr>
+          <p:cNvPr id="10" name="Imagem 9">
+            <a:extLst>
+              <a:ext uri="{FF2B5EF4-FFF2-40B4-BE49-F238E27FC236}">
+                <a16:creationId xmlns:a16="http://schemas.microsoft.com/office/drawing/2014/main" id="{9D24F01D-BAE3-42F4-8624-9995AFC8E55C}"/>
+              </a:ext>
+            </a:extLst>
+          </p:cNvPr>
+          <p:cNvPicPr>
+            <a:picLocks noChangeAspect="1"/>
+          </p:cNvPicPr>
+          <p:nvPr/>
+        </p:nvPicPr>
+        <p:blipFill>
+          <a:blip r:embed="rId7"/>
+          <a:stretch>
+            <a:fillRect/>
+          </a:stretch>
+        </p:blipFill>
+        <p:spPr>
+          <a:xfrm>
+            <a:off x="1301376" y="4257141"/>
+            <a:ext cx="3217410" cy="2560273"/>
+          </a:xfrm>
+          <a:prstGeom prst="rect">
+            <a:avLst/>
+          </a:prstGeom>
+        </p:spPr>
+      </p:pic>
+      <p:sp>
+        <p:nvSpPr>
+          <p:cNvPr id="11" name="Content Placeholder 2">
+            <a:extLst>
+              <a:ext uri="{FF2B5EF4-FFF2-40B4-BE49-F238E27FC236}">
+                <a16:creationId xmlns:a16="http://schemas.microsoft.com/office/drawing/2014/main" id="{C8D32A2A-8DB4-47EE-B94C-8A57A7784822}"/>
+              </a:ext>
+            </a:extLst>
+          </p:cNvPr>
+          <p:cNvSpPr txBox="1">
+            <a:spLocks/>
+          </p:cNvSpPr>
+          <p:nvPr/>
+        </p:nvSpPr>
+        <p:spPr>
+          <a:xfrm>
+            <a:off x="1788936" y="3849091"/>
+            <a:ext cx="4754880" cy="4023360"/>
+          </a:xfrm>
+          <a:prstGeom prst="rect">
+            <a:avLst/>
+          </a:prstGeom>
+        </p:spPr>
+        <p:txBody>
+          <a:bodyPr vert="horz" lIns="45720" tIns="45720" rIns="45720" bIns="45720" rtlCol="0">
+            <a:normAutofit/>
+          </a:bodyPr>
+          <a:lstStyle>
+            <a:lvl1pPr marL="91440" indent="-91440" algn="l" defTabSz="914400" rtl="0" eaLnBrk="1" latinLnBrk="0" hangingPunct="1">
+              <a:lnSpc>
+                <a:spcPct val="90000"/>
+              </a:lnSpc>
+              <a:spcBef>
+                <a:spcPts val="1200"/>
+              </a:spcBef>
+              <a:spcAft>
+                <a:spcPts val="200"/>
+              </a:spcAft>
+              <a:buClr>
+                <a:schemeClr val="accent2"/>
+              </a:buClr>
+              <a:buSzPct val="100000"/>
+              <a:buFont typeface="Tw Cen MT" panose="020B0602020104020603" pitchFamily="34" charset="0"/>
+              <a:buChar char=" "/>
+              <a:defRPr sz="2200" kern="1200">
+                <a:solidFill>
+                  <a:schemeClr val="tx1"/>
+                </a:solidFill>
+                <a:latin typeface="+mn-lt"/>
+                <a:ea typeface="+mn-ea"/>
+                <a:cs typeface="+mn-cs"/>
+              </a:defRPr>
+            </a:lvl1pPr>
+            <a:lvl2pPr marL="265176" indent="-137160" algn="l" defTabSz="914400" rtl="0" eaLnBrk="1" latinLnBrk="0" hangingPunct="1">
+              <a:lnSpc>
+                <a:spcPct val="90000"/>
+              </a:lnSpc>
+              <a:spcBef>
+                <a:spcPts val="200"/>
+              </a:spcBef>
+              <a:spcAft>
+                <a:spcPts val="400"/>
+              </a:spcAft>
+              <a:buClr>
+                <a:schemeClr val="accent2"/>
+              </a:buClr>
+              <a:buFont typeface="Wingdings 3" pitchFamily="18" charset="2"/>
+              <a:buChar char=""/>
+              <a:defRPr sz="1800" kern="1200">
+                <a:solidFill>
+                  <a:schemeClr val="tx1"/>
+                </a:solidFill>
+                <a:latin typeface="+mn-lt"/>
+                <a:ea typeface="+mn-ea"/>
+                <a:cs typeface="+mn-cs"/>
+              </a:defRPr>
+            </a:lvl2pPr>
+            <a:lvl3pPr marL="448056" indent="-137160" algn="l" defTabSz="914400" rtl="0" eaLnBrk="1" latinLnBrk="0" hangingPunct="1">
+              <a:lnSpc>
+                <a:spcPct val="90000"/>
+              </a:lnSpc>
+              <a:spcBef>
+                <a:spcPts val="200"/>
+              </a:spcBef>
+              <a:spcAft>
+                <a:spcPts val="400"/>
+              </a:spcAft>
+              <a:buClr>
+                <a:schemeClr val="accent2"/>
+              </a:buClr>
+              <a:buFont typeface="Wingdings 3" pitchFamily="18" charset="2"/>
+              <a:buChar char=""/>
+              <a:defRPr sz="1400" kern="1200">
+                <a:solidFill>
+                  <a:schemeClr val="tx1"/>
+                </a:solidFill>
+                <a:latin typeface="+mn-lt"/>
+                <a:ea typeface="+mn-ea"/>
+                <a:cs typeface="+mn-cs"/>
+              </a:defRPr>
+            </a:lvl3pPr>
+            <a:lvl4pPr marL="594360" indent="-137160" algn="l" defTabSz="914400" rtl="0" eaLnBrk="1" latinLnBrk="0" hangingPunct="1">
+              <a:lnSpc>
+                <a:spcPct val="90000"/>
+              </a:lnSpc>
+              <a:spcBef>
+                <a:spcPts val="200"/>
+              </a:spcBef>
+              <a:spcAft>
+                <a:spcPts val="400"/>
+              </a:spcAft>
+              <a:buClr>
+                <a:schemeClr val="accent2"/>
+              </a:buClr>
+              <a:buFont typeface="Wingdings 3" pitchFamily="18" charset="2"/>
+              <a:buChar char=""/>
+              <a:defRPr sz="1400" kern="1200">
+                <a:solidFill>
+                  <a:schemeClr val="tx1"/>
+                </a:solidFill>
+                <a:latin typeface="+mn-lt"/>
+                <a:ea typeface="+mn-ea"/>
+                <a:cs typeface="+mn-cs"/>
+              </a:defRPr>
+            </a:lvl4pPr>
+            <a:lvl5pPr marL="777240" indent="-137160" algn="l" defTabSz="914400" rtl="0" eaLnBrk="1" latinLnBrk="0" hangingPunct="1">
+              <a:lnSpc>
+                <a:spcPct val="90000"/>
+              </a:lnSpc>
+              <a:spcBef>
+                <a:spcPts val="200"/>
+              </a:spcBef>
+              <a:spcAft>
+                <a:spcPts val="400"/>
+              </a:spcAft>
+              <a:buClr>
+                <a:schemeClr val="accent2"/>
+              </a:buClr>
+              <a:buFont typeface="Wingdings 3" pitchFamily="18" charset="2"/>
+              <a:buChar char=""/>
+              <a:defRPr sz="1400" kern="1200">
+                <a:solidFill>
+                  <a:schemeClr val="tx1"/>
+                </a:solidFill>
+                <a:latin typeface="+mn-lt"/>
+                <a:ea typeface="+mn-ea"/>
+                <a:cs typeface="+mn-cs"/>
+              </a:defRPr>
+            </a:lvl5pPr>
+            <a:lvl6pPr marL="914400" indent="-137160" algn="l" defTabSz="914400" rtl="0" eaLnBrk="1" latinLnBrk="0" hangingPunct="1">
+              <a:lnSpc>
+                <a:spcPct val="90000"/>
+              </a:lnSpc>
+              <a:spcBef>
+                <a:spcPts val="200"/>
+              </a:spcBef>
+              <a:spcAft>
+                <a:spcPts val="400"/>
+              </a:spcAft>
+              <a:buClr>
+                <a:schemeClr val="accent2"/>
+              </a:buClr>
+              <a:buFont typeface="Wingdings 3" pitchFamily="18" charset="2"/>
+              <a:buChar char=""/>
+              <a:defRPr sz="1400" kern="1200">
+                <a:solidFill>
+                  <a:schemeClr val="tx1"/>
+                </a:solidFill>
+                <a:latin typeface="+mn-lt"/>
+                <a:ea typeface="+mn-ea"/>
+                <a:cs typeface="+mn-cs"/>
+              </a:defRPr>
+            </a:lvl6pPr>
+            <a:lvl7pPr marL="1060704" indent="-137160" algn="l" defTabSz="914400" rtl="0" eaLnBrk="1" latinLnBrk="0" hangingPunct="1">
+              <a:lnSpc>
+                <a:spcPct val="90000"/>
+              </a:lnSpc>
+              <a:spcBef>
+                <a:spcPts val="200"/>
+              </a:spcBef>
+              <a:spcAft>
+                <a:spcPts val="400"/>
+              </a:spcAft>
+              <a:buClr>
+                <a:schemeClr val="accent2"/>
+              </a:buClr>
+              <a:buFont typeface="Wingdings 3" pitchFamily="18" charset="2"/>
+              <a:buChar char=""/>
+              <a:defRPr sz="1400" kern="1200">
+                <a:solidFill>
+                  <a:schemeClr val="tx1"/>
+                </a:solidFill>
+                <a:latin typeface="+mn-lt"/>
+                <a:ea typeface="+mn-ea"/>
+                <a:cs typeface="+mn-cs"/>
+              </a:defRPr>
+            </a:lvl7pPr>
+            <a:lvl8pPr marL="1216152" indent="-137160" algn="l" defTabSz="914400" rtl="0" eaLnBrk="1" latinLnBrk="0" hangingPunct="1">
+              <a:lnSpc>
+                <a:spcPct val="90000"/>
+              </a:lnSpc>
+              <a:spcBef>
+                <a:spcPts val="200"/>
+              </a:spcBef>
+              <a:spcAft>
+                <a:spcPts val="400"/>
+              </a:spcAft>
+              <a:buClr>
+                <a:schemeClr val="accent2"/>
+              </a:buClr>
+              <a:buFont typeface="Wingdings 3" pitchFamily="18" charset="2"/>
+              <a:buChar char=""/>
+              <a:defRPr sz="1400" kern="1200">
+                <a:solidFill>
+                  <a:schemeClr val="tx1"/>
+                </a:solidFill>
+                <a:latin typeface="+mn-lt"/>
+                <a:ea typeface="+mn-ea"/>
+                <a:cs typeface="+mn-cs"/>
+              </a:defRPr>
+            </a:lvl8pPr>
+            <a:lvl9pPr marL="1362456" indent="-137160" algn="l" defTabSz="914400" rtl="0" eaLnBrk="1" latinLnBrk="0" hangingPunct="1">
+              <a:lnSpc>
+                <a:spcPct val="90000"/>
+              </a:lnSpc>
+              <a:spcBef>
+                <a:spcPts val="200"/>
+              </a:spcBef>
+              <a:spcAft>
+                <a:spcPts val="400"/>
+              </a:spcAft>
+              <a:buClr>
+                <a:schemeClr val="accent2"/>
+              </a:buClr>
+              <a:buFont typeface="Wingdings 3" pitchFamily="18" charset="2"/>
+              <a:buChar char=""/>
+              <a:defRPr sz="1400" kern="1200">
+                <a:solidFill>
+                  <a:schemeClr val="tx1"/>
+                </a:solidFill>
+                <a:latin typeface="+mn-lt"/>
+                <a:ea typeface="+mn-ea"/>
+                <a:cs typeface="+mn-cs"/>
+              </a:defRPr>
+            </a:lvl9pPr>
+          </a:lstStyle>
+          <a:p>
+            <a:pPr>
+              <a:buFont typeface="Tw Cen MT" panose="020B0602020104020603" pitchFamily="34" charset="0"/>
+              <a:buBlip>
+                <a:blip r:embed="rId4">
+                  <a:extLst>
+                    <a:ext uri="{96DAC541-7B7A-43D3-8B79-37D633B846F1}">
+                      <asvg:svgBlip xmlns:asvg="http://schemas.microsoft.com/office/drawing/2016/SVG/main" r:embed="rId5"/>
+                    </a:ext>
+                  </a:extLst>
+                </a:blip>
+              </a:buBlip>
+            </a:pPr>
+            <a:r>
+              <a:rPr lang="en-GB" dirty="0"/>
+              <a:t>Confusion Matrix</a:t>
+            </a:r>
+            <a:br>
+              <a:rPr lang="en-GB" dirty="0"/>
+            </a:br>
+            <a:endParaRPr lang="en-GB" sz="1500" dirty="0"/>
+          </a:p>
+          <a:p>
+            <a:endParaRPr lang="en-GB" dirty="0"/>
+          </a:p>
+        </p:txBody>
+      </p:sp>
+      <p:sp>
+        <p:nvSpPr>
+          <p:cNvPr id="12" name="Content Placeholder 2">
+            <a:extLst>
+              <a:ext uri="{FF2B5EF4-FFF2-40B4-BE49-F238E27FC236}">
+                <a16:creationId xmlns:a16="http://schemas.microsoft.com/office/drawing/2014/main" id="{C4993391-8A9E-435C-8ADB-D7BCE40C3988}"/>
+              </a:ext>
+            </a:extLst>
+          </p:cNvPr>
+          <p:cNvSpPr txBox="1">
+            <a:spLocks/>
+          </p:cNvSpPr>
+          <p:nvPr/>
+        </p:nvSpPr>
+        <p:spPr>
+          <a:xfrm>
+            <a:off x="5989320" y="1902256"/>
+            <a:ext cx="4754880" cy="4023360"/>
+          </a:xfrm>
+          <a:prstGeom prst="rect">
+            <a:avLst/>
+          </a:prstGeom>
+        </p:spPr>
+        <p:txBody>
+          <a:bodyPr vert="horz" lIns="45720" tIns="45720" rIns="45720" bIns="45720" rtlCol="0">
+            <a:normAutofit/>
+          </a:bodyPr>
+          <a:lstStyle>
+            <a:lvl1pPr marL="91440" indent="-91440" algn="l" defTabSz="914400" rtl="0" eaLnBrk="1" latinLnBrk="0" hangingPunct="1">
+              <a:lnSpc>
+                <a:spcPct val="90000"/>
+              </a:lnSpc>
+              <a:spcBef>
+                <a:spcPts val="1200"/>
+              </a:spcBef>
+              <a:spcAft>
+                <a:spcPts val="200"/>
+              </a:spcAft>
+              <a:buClr>
+                <a:schemeClr val="accent2"/>
+              </a:buClr>
+              <a:buSzPct val="100000"/>
+              <a:buFont typeface="Tw Cen MT" panose="020B0602020104020603" pitchFamily="34" charset="0"/>
+              <a:buChar char=" "/>
+              <a:defRPr sz="2200" kern="1200">
+                <a:solidFill>
+                  <a:schemeClr val="tx1"/>
+                </a:solidFill>
+                <a:latin typeface="+mn-lt"/>
+                <a:ea typeface="+mn-ea"/>
+                <a:cs typeface="+mn-cs"/>
+              </a:defRPr>
+            </a:lvl1pPr>
+            <a:lvl2pPr marL="265176" indent="-137160" algn="l" defTabSz="914400" rtl="0" eaLnBrk="1" latinLnBrk="0" hangingPunct="1">
+              <a:lnSpc>
+                <a:spcPct val="90000"/>
+              </a:lnSpc>
+              <a:spcBef>
+                <a:spcPts val="200"/>
+              </a:spcBef>
+              <a:spcAft>
+                <a:spcPts val="400"/>
+              </a:spcAft>
+              <a:buClr>
+                <a:schemeClr val="accent2"/>
+              </a:buClr>
+              <a:buFont typeface="Wingdings 3" pitchFamily="18" charset="2"/>
+              <a:buChar char=""/>
+              <a:defRPr sz="1800" kern="1200">
+                <a:solidFill>
+                  <a:schemeClr val="tx1"/>
+                </a:solidFill>
+                <a:latin typeface="+mn-lt"/>
+                <a:ea typeface="+mn-ea"/>
+                <a:cs typeface="+mn-cs"/>
+              </a:defRPr>
+            </a:lvl2pPr>
+            <a:lvl3pPr marL="448056" indent="-137160" algn="l" defTabSz="914400" rtl="0" eaLnBrk="1" latinLnBrk="0" hangingPunct="1">
+              <a:lnSpc>
+                <a:spcPct val="90000"/>
+              </a:lnSpc>
+              <a:spcBef>
+                <a:spcPts val="200"/>
+              </a:spcBef>
+              <a:spcAft>
+                <a:spcPts val="400"/>
+              </a:spcAft>
+              <a:buClr>
+                <a:schemeClr val="accent2"/>
+              </a:buClr>
+              <a:buFont typeface="Wingdings 3" pitchFamily="18" charset="2"/>
+              <a:buChar char=""/>
+              <a:defRPr sz="1400" kern="1200">
+                <a:solidFill>
+                  <a:schemeClr val="tx1"/>
+                </a:solidFill>
+                <a:latin typeface="+mn-lt"/>
+                <a:ea typeface="+mn-ea"/>
+                <a:cs typeface="+mn-cs"/>
+              </a:defRPr>
+            </a:lvl3pPr>
+            <a:lvl4pPr marL="594360" indent="-137160" algn="l" defTabSz="914400" rtl="0" eaLnBrk="1" latinLnBrk="0" hangingPunct="1">
+              <a:lnSpc>
+                <a:spcPct val="90000"/>
+              </a:lnSpc>
+              <a:spcBef>
+                <a:spcPts val="200"/>
+              </a:spcBef>
+              <a:spcAft>
+                <a:spcPts val="400"/>
+              </a:spcAft>
+              <a:buClr>
+                <a:schemeClr val="accent2"/>
+              </a:buClr>
+              <a:buFont typeface="Wingdings 3" pitchFamily="18" charset="2"/>
+              <a:buChar char=""/>
+              <a:defRPr sz="1400" kern="1200">
+                <a:solidFill>
+                  <a:schemeClr val="tx1"/>
+                </a:solidFill>
+                <a:latin typeface="+mn-lt"/>
+                <a:ea typeface="+mn-ea"/>
+                <a:cs typeface="+mn-cs"/>
+              </a:defRPr>
+            </a:lvl4pPr>
+            <a:lvl5pPr marL="777240" indent="-137160" algn="l" defTabSz="914400" rtl="0" eaLnBrk="1" latinLnBrk="0" hangingPunct="1">
+              <a:lnSpc>
+                <a:spcPct val="90000"/>
+              </a:lnSpc>
+              <a:spcBef>
+                <a:spcPts val="200"/>
+              </a:spcBef>
+              <a:spcAft>
+                <a:spcPts val="400"/>
+              </a:spcAft>
+              <a:buClr>
+                <a:schemeClr val="accent2"/>
+              </a:buClr>
+              <a:buFont typeface="Wingdings 3" pitchFamily="18" charset="2"/>
+              <a:buChar char=""/>
+              <a:defRPr sz="1400" kern="1200">
+                <a:solidFill>
+                  <a:schemeClr val="tx1"/>
+                </a:solidFill>
+                <a:latin typeface="+mn-lt"/>
+                <a:ea typeface="+mn-ea"/>
+                <a:cs typeface="+mn-cs"/>
+              </a:defRPr>
+            </a:lvl5pPr>
+            <a:lvl6pPr marL="914400" indent="-137160" algn="l" defTabSz="914400" rtl="0" eaLnBrk="1" latinLnBrk="0" hangingPunct="1">
+              <a:lnSpc>
+                <a:spcPct val="90000"/>
+              </a:lnSpc>
+              <a:spcBef>
+                <a:spcPts val="200"/>
+              </a:spcBef>
+              <a:spcAft>
+                <a:spcPts val="400"/>
+              </a:spcAft>
+              <a:buClr>
+                <a:schemeClr val="accent2"/>
+              </a:buClr>
+              <a:buFont typeface="Wingdings 3" pitchFamily="18" charset="2"/>
+              <a:buChar char=""/>
+              <a:defRPr sz="1400" kern="1200">
+                <a:solidFill>
+                  <a:schemeClr val="tx1"/>
+                </a:solidFill>
+                <a:latin typeface="+mn-lt"/>
+                <a:ea typeface="+mn-ea"/>
+                <a:cs typeface="+mn-cs"/>
+              </a:defRPr>
+            </a:lvl6pPr>
+            <a:lvl7pPr marL="1060704" indent="-137160" algn="l" defTabSz="914400" rtl="0" eaLnBrk="1" latinLnBrk="0" hangingPunct="1">
+              <a:lnSpc>
+                <a:spcPct val="90000"/>
+              </a:lnSpc>
+              <a:spcBef>
+                <a:spcPts val="200"/>
+              </a:spcBef>
+              <a:spcAft>
+                <a:spcPts val="400"/>
+              </a:spcAft>
+              <a:buClr>
+                <a:schemeClr val="accent2"/>
+              </a:buClr>
+              <a:buFont typeface="Wingdings 3" pitchFamily="18" charset="2"/>
+              <a:buChar char=""/>
+              <a:defRPr sz="1400" kern="1200">
+                <a:solidFill>
+                  <a:schemeClr val="tx1"/>
+                </a:solidFill>
+                <a:latin typeface="+mn-lt"/>
+                <a:ea typeface="+mn-ea"/>
+                <a:cs typeface="+mn-cs"/>
+              </a:defRPr>
+            </a:lvl7pPr>
+            <a:lvl8pPr marL="1216152" indent="-137160" algn="l" defTabSz="914400" rtl="0" eaLnBrk="1" latinLnBrk="0" hangingPunct="1">
+              <a:lnSpc>
+                <a:spcPct val="90000"/>
+              </a:lnSpc>
+              <a:spcBef>
+                <a:spcPts val="200"/>
+              </a:spcBef>
+              <a:spcAft>
+                <a:spcPts val="400"/>
+              </a:spcAft>
+              <a:buClr>
+                <a:schemeClr val="accent2"/>
+              </a:buClr>
+              <a:buFont typeface="Wingdings 3" pitchFamily="18" charset="2"/>
+              <a:buChar char=""/>
+              <a:defRPr sz="1400" kern="1200">
+                <a:solidFill>
+                  <a:schemeClr val="tx1"/>
+                </a:solidFill>
+                <a:latin typeface="+mn-lt"/>
+                <a:ea typeface="+mn-ea"/>
+                <a:cs typeface="+mn-cs"/>
+              </a:defRPr>
+            </a:lvl8pPr>
+            <a:lvl9pPr marL="1362456" indent="-137160" algn="l" defTabSz="914400" rtl="0" eaLnBrk="1" latinLnBrk="0" hangingPunct="1">
+              <a:lnSpc>
+                <a:spcPct val="90000"/>
+              </a:lnSpc>
+              <a:spcBef>
+                <a:spcPts val="200"/>
+              </a:spcBef>
+              <a:spcAft>
+                <a:spcPts val="400"/>
+              </a:spcAft>
+              <a:buClr>
+                <a:schemeClr val="accent2"/>
+              </a:buClr>
+              <a:buFont typeface="Wingdings 3" pitchFamily="18" charset="2"/>
+              <a:buChar char=""/>
+              <a:defRPr sz="1400" kern="1200">
+                <a:solidFill>
+                  <a:schemeClr val="tx1"/>
+                </a:solidFill>
+                <a:latin typeface="+mn-lt"/>
+                <a:ea typeface="+mn-ea"/>
+                <a:cs typeface="+mn-cs"/>
+              </a:defRPr>
+            </a:lvl9pPr>
+          </a:lstStyle>
+          <a:p>
+            <a:pPr>
+              <a:buFont typeface="Tw Cen MT" panose="020B0602020104020603" pitchFamily="34" charset="0"/>
+              <a:buBlip>
+                <a:blip r:embed="rId4">
+                  <a:extLst>
+                    <a:ext uri="{96DAC541-7B7A-43D3-8B79-37D633B846F1}">
+                      <asvg:svgBlip xmlns:asvg="http://schemas.microsoft.com/office/drawing/2016/SVG/main" r:embed="rId5"/>
+                    </a:ext>
+                  </a:extLst>
+                </a:blip>
+              </a:buBlip>
+            </a:pPr>
+            <a:r>
+              <a:rPr lang="en-GB" dirty="0"/>
+              <a:t>Predictive App</a:t>
+            </a:r>
+            <a:br>
+              <a:rPr lang="en-GB" dirty="0"/>
+            </a:br>
+            <a:endParaRPr lang="en-GB" sz="1500" dirty="0"/>
+          </a:p>
+          <a:p>
+            <a:endParaRPr lang="en-GB" dirty="0"/>
+          </a:p>
+        </p:txBody>
+      </p:sp>
     </p:spTree>
     <p:extLst>
       <p:ext uri="{BB962C8B-B14F-4D97-AF65-F5344CB8AC3E}">
@@ -7757,490 +10156,6 @@
     <p:extLst>
       <p:ext uri="{BB962C8B-B14F-4D97-AF65-F5344CB8AC3E}">
         <p14:creationId xmlns:p14="http://schemas.microsoft.com/office/powerpoint/2010/main" val="1166729548"/>
-      </p:ext>
-    </p:extLst>
-  </p:cSld>
-  <p:clrMapOvr>
-    <a:masterClrMapping/>
-  </p:clrMapOvr>
-</p:sld>
-</file>
-
-<file path=ppt/slides/slide8.xml><?xml version="1.0" encoding="utf-8"?>
-<p:sld xmlns:a="http://schemas.openxmlformats.org/drawingml/2006/main" xmlns:r="http://schemas.openxmlformats.org/officeDocument/2006/relationships" xmlns:p="http://schemas.openxmlformats.org/presentationml/2006/main">
-  <p:cSld>
-    <p:spTree>
-      <p:nvGrpSpPr>
-        <p:cNvPr id="1" name=""/>
-        <p:cNvGrpSpPr/>
-        <p:nvPr/>
-      </p:nvGrpSpPr>
-      <p:grpSpPr>
-        <a:xfrm>
-          <a:off x="0" y="0"/>
-          <a:ext cx="0" cy="0"/>
-          <a:chOff x="0" y="0"/>
-          <a:chExt cx="0" cy="0"/>
-        </a:xfrm>
-      </p:grpSpPr>
-      <p:sp>
-        <p:nvSpPr>
-          <p:cNvPr id="4" name="Title 3">
-            <a:extLst>
-              <a:ext uri="{FF2B5EF4-FFF2-40B4-BE49-F238E27FC236}">
-                <a16:creationId xmlns:a16="http://schemas.microsoft.com/office/drawing/2014/main" id="{00476960-1F20-460F-A064-3655B1A3C1A1}"/>
-              </a:ext>
-            </a:extLst>
-          </p:cNvPr>
-          <p:cNvSpPr>
-            <a:spLocks noGrp="1"/>
-          </p:cNvSpPr>
-          <p:nvPr>
-            <p:ph type="title"/>
-          </p:nvPr>
-        </p:nvSpPr>
-        <p:spPr/>
-        <p:txBody>
-          <a:bodyPr/>
-          <a:lstStyle/>
-          <a:p>
-            <a:endParaRPr lang="en-GB"/>
-          </a:p>
-        </p:txBody>
-      </p:sp>
-      <p:sp>
-        <p:nvSpPr>
-          <p:cNvPr id="5" name="Picture Placeholder 4">
-            <a:extLst>
-              <a:ext uri="{FF2B5EF4-FFF2-40B4-BE49-F238E27FC236}">
-                <a16:creationId xmlns:a16="http://schemas.microsoft.com/office/drawing/2014/main" id="{517F3FBD-1292-48AA-BE68-4AB970A5D1D3}"/>
-              </a:ext>
-            </a:extLst>
-          </p:cNvPr>
-          <p:cNvSpPr>
-            <a:spLocks noGrp="1"/>
-          </p:cNvSpPr>
-          <p:nvPr>
-            <p:ph type="pic" idx="1"/>
-          </p:nvPr>
-        </p:nvSpPr>
-        <p:spPr/>
-      </p:sp>
-      <p:sp>
-        <p:nvSpPr>
-          <p:cNvPr id="6" name="Text Placeholder 5">
-            <a:extLst>
-              <a:ext uri="{FF2B5EF4-FFF2-40B4-BE49-F238E27FC236}">
-                <a16:creationId xmlns:a16="http://schemas.microsoft.com/office/drawing/2014/main" id="{1B63680F-0423-4F85-98BE-76E0781D325C}"/>
-              </a:ext>
-            </a:extLst>
-          </p:cNvPr>
-          <p:cNvSpPr>
-            <a:spLocks noGrp="1"/>
-          </p:cNvSpPr>
-          <p:nvPr>
-            <p:ph type="body" sz="half" idx="2"/>
-          </p:nvPr>
-        </p:nvSpPr>
-        <p:spPr/>
-        <p:txBody>
-          <a:bodyPr/>
-          <a:lstStyle/>
-          <a:p>
-            <a:endParaRPr lang="en-GB"/>
-          </a:p>
-        </p:txBody>
-      </p:sp>
-      <p:pic>
-        <p:nvPicPr>
-          <p:cNvPr id="7" name="Picture 6">
-            <a:extLst>
-              <a:ext uri="{FF2B5EF4-FFF2-40B4-BE49-F238E27FC236}">
-                <a16:creationId xmlns:a16="http://schemas.microsoft.com/office/drawing/2014/main" id="{37A3CC29-C962-47DE-9631-1913A3DEDFF3}"/>
-              </a:ext>
-            </a:extLst>
-          </p:cNvPr>
-          <p:cNvPicPr>
-            <a:picLocks noChangeAspect="1"/>
-          </p:cNvPicPr>
-          <p:nvPr/>
-        </p:nvPicPr>
-        <p:blipFill>
-          <a:blip r:embed="rId2">
-            <a:extLst>
-              <a:ext uri="{BEBA8EAE-BF5A-486C-A8C5-ECC9F3942E4B}">
-                <a14:imgProps xmlns:a14="http://schemas.microsoft.com/office/drawing/2010/main">
-                  <a14:imgLayer r:embed="rId3">
-                    <a14:imgEffect>
-                      <a14:backgroundRemoval t="3933" b="91011" l="2703" r="94895">
-                        <a14:foregroundMark x1="3013" y1="39326" x2="3303" y2="70787"/>
-                        <a14:foregroundMark x1="22994" y1="13192" x2="24645" y2="13921"/>
-                        <a14:foregroundMark x1="6309" y1="5822" x2="21548" y2="12553"/>
-                        <a14:foregroundMark x1="26943" y1="41981" x2="26964" y2="42271"/>
-                        <a14:foregroundMark x1="26680" y1="38342" x2="26729" y2="39027"/>
-                        <a14:foregroundMark x1="7332" y1="43508" x2="6907" y2="43258"/>
-                        <a14:foregroundMark x1="6907" y1="43258" x2="6309" y2="35055"/>
-                        <a14:foregroundMark x1="4204" y1="69663" x2="16896" y2="67190"/>
-                        <a14:foregroundMark x1="29614" y1="41529" x2="31231" y2="38202"/>
-                        <a14:foregroundMark x1="16216" y1="69101" x2="16604" y2="68302"/>
-                        <a14:foregroundMark x1="28984" y1="28687" x2="25526" y2="14045"/>
-                        <a14:foregroundMark x1="31231" y1="38202" x2="28986" y2="28697"/>
-                        <a14:foregroundMark x1="30931" y1="39888" x2="30075" y2="41929"/>
-                        <a14:foregroundMark x1="23374" y1="64064" x2="26250" y2="60253"/>
-                        <a14:foregroundMark x1="21778" y1="66178" x2="23242" y2="64238"/>
-                        <a14:foregroundMark x1="29730" y1="29775" x2="27628" y2="23034"/>
-                        <a14:foregroundMark x1="28737" y1="30512" x2="28829" y2="31461"/>
-                        <a14:foregroundMark x1="28228" y1="25281" x2="28706" y2="30192"/>
-                        <a14:foregroundMark x1="25526" y1="17416" x2="27628" y2="24157"/>
-                        <a14:foregroundMark x1="27928" y1="25281" x2="27628" y2="25281"/>
-                        <a14:foregroundMark x1="27928" y1="25843" x2="27327" y2="23034"/>
-                        <a14:foregroundMark x1="73694" y1="14045" x2="74775" y2="69663"/>
-                        <a14:foregroundMark x1="73683" y1="13483" x2="73694" y2="14045"/>
-                        <a14:foregroundMark x1="73672" y1="12921" x2="73683" y2="13483"/>
-                        <a14:foregroundMark x1="73574" y1="7865" x2="73672" y2="12921"/>
-                        <a14:foregroundMark x1="89483" y1="30337" x2="90991" y2="32584"/>
-                        <a14:foregroundMark x1="89106" y1="29775" x2="89483" y2="30337"/>
-                        <a14:foregroundMark x1="88868" y1="29421" x2="89106" y2="29775"/>
-                        <a14:foregroundMark x1="78546" y1="14045" x2="78613" y2="14145"/>
-                        <a14:foregroundMark x1="78169" y1="13483" x2="78546" y2="14045"/>
-                        <a14:foregroundMark x1="77792" y1="12921" x2="78169" y2="13483"/>
-                        <a14:foregroundMark x1="74775" y1="8427" x2="77792" y2="12921"/>
-                        <a14:foregroundMark x1="86844" y1="37139" x2="87387" y2="37079"/>
-                        <a14:foregroundMark x1="77177" y1="38202" x2="86193" y2="37210"/>
-                        <a14:foregroundMark x1="83428" y1="9318" x2="88288" y2="9551"/>
-                        <a14:foregroundMark x1="76577" y1="8989" x2="81123" y2="9207"/>
-                        <a14:foregroundMark x1="88589" y1="8989" x2="93694" y2="20225"/>
-                        <a14:foregroundMark x1="92710" y1="48876" x2="95195" y2="55618"/>
-                        <a14:foregroundMark x1="92296" y1="47753" x2="92710" y2="48876"/>
-                        <a14:foregroundMark x1="91881" y1="46629" x2="92296" y2="47753"/>
-                        <a14:foregroundMark x1="91674" y1="46067" x2="91881" y2="46629"/>
-                        <a14:foregroundMark x1="91260" y1="44944" x2="91674" y2="46067"/>
-                        <a14:foregroundMark x1="91053" y1="44382" x2="91260" y2="44944"/>
-                        <a14:foregroundMark x1="90432" y1="42697" x2="91053" y2="44382"/>
-                        <a14:foregroundMark x1="89189" y1="39326" x2="90432" y2="42697"/>
-                        <a14:foregroundMark x1="51652" y1="41011" x2="51652" y2="41011"/>
-                        <a14:foregroundMark x1="4204" y1="83146" x2="4204" y2="83146"/>
-                        <a14:foregroundMark x1="4204" y1="81461" x2="4204" y2="81461"/>
-                        <a14:foregroundMark x1="5405" y1="80899" x2="5405" y2="80899"/>
-                        <a14:foregroundMark x1="7808" y1="80337" x2="7808" y2="80337"/>
-                        <a14:foregroundMark x1="4204" y1="84270" x2="4204" y2="84270"/>
-                        <a14:foregroundMark x1="3904" y1="86517" x2="3904" y2="86517"/>
-                        <a14:foregroundMark x1="3904" y1="89326" x2="3904" y2="89326"/>
-                        <a14:foregroundMark x1="6306" y1="91011" x2="6306" y2="91011"/>
-                        <a14:foregroundMark x1="15015" y1="88764" x2="15015" y2="88764"/>
-                        <a14:foregroundMark x1="27628" y1="84831" x2="27628" y2="84831"/>
-                        <a14:foregroundMark x1="37538" y1="84270" x2="37538" y2="84270"/>
-                        <a14:foregroundMark x1="47748" y1="85393" x2="47748" y2="85393"/>
-                        <a14:foregroundMark x1="59459" y1="82584" x2="59459" y2="82584"/>
-                        <a14:foregroundMark x1="66967" y1="82584" x2="66967" y2="82584"/>
-                        <a14:foregroundMark x1="74775" y1="83146" x2="74775" y2="83146"/>
-                        <a14:foregroundMark x1="75676" y1="79213" x2="75676" y2="79213"/>
-                        <a14:foregroundMark x1="81381" y1="84831" x2="81381" y2="84831"/>
-                        <a14:foregroundMark x1="91892" y1="86517" x2="91892" y2="86517"/>
-                        <a14:foregroundMark x1="27928" y1="23596" x2="27928" y2="23596"/>
-                        <a14:foregroundMark x1="27628" y1="25281" x2="27628" y2="25281"/>
-                        <a14:foregroundMark x1="27628" y1="24157" x2="27628" y2="24157"/>
-                        <a14:foregroundMark x1="27327" y1="24157" x2="27327" y2="24157"/>
-                        <a14:foregroundMark x1="7508" y1="41573" x2="7508" y2="41573"/>
-                        <a14:foregroundMark x1="7808" y1="41573" x2="7808" y2="41573"/>
-                        <a14:foregroundMark x1="7808" y1="41573" x2="7808" y2="41573"/>
-                        <a14:foregroundMark x1="76877" y1="12921" x2="76877" y2="12921"/>
-                        <a14:foregroundMark x1="77177" y1="12921" x2="77177" y2="12921"/>
-                        <a14:foregroundMark x1="77477" y1="12360" x2="77477" y2="12360"/>
-                        <a14:backgroundMark x1="7808" y1="41573" x2="21601" y2="23777"/>
-                        <a14:backgroundMark x1="12269" y1="41573" x2="21922" y2="35955"/>
-                        <a14:backgroundMark x1="8408" y1="43820" x2="12269" y2="41573"/>
-                        <a14:backgroundMark x1="22748" y1="43971" x2="23963" y2="33098"/>
-                        <a14:backgroundMark x1="23043" y1="28401" x2="13514" y2="58427"/>
-                        <a14:backgroundMark x1="13514" y1="58427" x2="27410" y2="31938"/>
-                        <a14:backgroundMark x1="23408" y1="19508" x2="23123" y2="19101"/>
-                        <a14:backgroundMark x1="27459" y1="25281" x2="27062" y2="24715"/>
-                        <a14:backgroundMark x1="27606" y1="25490" x2="27459" y2="25281"/>
-                        <a14:backgroundMark x1="25917" y1="36411" x2="25826" y2="35955"/>
-                        <a14:backgroundMark x1="18018" y1="62921" x2="22222" y2="58989"/>
-                        <a14:backgroundMark x1="21321" y1="61236" x2="23724" y2="58427"/>
-                        <a14:backgroundMark x1="24625" y1="57303" x2="27327" y2="37640"/>
-                        <a14:backgroundMark x1="26126" y1="49438" x2="27327" y2="42135"/>
-                        <a14:backgroundMark x1="26126" y1="50000" x2="26727" y2="47753"/>
-                        <a14:backgroundMark x1="27628" y1="46067" x2="27628" y2="44944"/>
-                        <a14:backgroundMark x1="26727" y1="48876" x2="25826" y2="52809"/>
-                        <a14:backgroundMark x1="26126" y1="51685" x2="23423" y2="55056"/>
-                        <a14:backgroundMark x1="27027" y1="49438" x2="26727" y2="38202"/>
-                        <a14:backgroundMark x1="26426" y1="38764" x2="25826" y2="41011"/>
-                        <a14:backgroundMark x1="27628" y1="42697" x2="26126" y2="50562"/>
-                        <a14:backgroundMark x1="1201" y1="1685" x2="1201" y2="39326"/>
-                        <a14:backgroundMark x1="80180" y1="16854" x2="86486" y2="21910"/>
-                        <a14:backgroundMark x1="86186" y1="26404" x2="87988" y2="25843"/>
-                        <a14:backgroundMark x1="87988" y1="29775" x2="89189" y2="28090"/>
-                        <a14:backgroundMark x1="84985" y1="24157" x2="88589" y2="28652"/>
-                        <a14:backgroundMark x1="78378" y1="14607" x2="80480" y2="16854"/>
-                        <a14:backgroundMark x1="78679" y1="14045" x2="78679" y2="14045"/>
-                        <a14:backgroundMark x1="78078" y1="13483" x2="78078" y2="13483"/>
-                        <a14:backgroundMark x1="88889" y1="29775" x2="88889" y2="29775"/>
-                        <a14:backgroundMark x1="89489" y1="29213" x2="89489" y2="29213"/>
-                        <a14:backgroundMark x1="91291" y1="47753" x2="91291" y2="47753"/>
-                        <a14:backgroundMark x1="91592" y1="46067" x2="91592" y2="46067"/>
-                        <a14:backgroundMark x1="90691" y1="44382" x2="90691" y2="44382"/>
-                        <a14:backgroundMark x1="91892" y1="47753" x2="91892" y2="47753"/>
-                        <a14:backgroundMark x1="92192" y1="48876" x2="92192" y2="48876"/>
-                        <a14:backgroundMark x1="91592" y1="46629" x2="91592" y2="46629"/>
-                        <a14:backgroundMark x1="91291" y1="44944" x2="91291" y2="44944"/>
-                        <a14:backgroundMark x1="90390" y1="42697" x2="90390" y2="42697"/>
-                        <a14:backgroundMark x1="89489" y1="30337" x2="89489" y2="30337"/>
-                        <a14:backgroundMark x1="78679" y1="13483" x2="78679" y2="13483"/>
-                        <a14:backgroundMark x1="77477" y1="12921" x2="77477" y2="12921"/>
-                        <a14:backgroundMark x1="47147" y1="47191" x2="47147" y2="47191"/>
-                        <a14:backgroundMark x1="93994" y1="87079" x2="93994" y2="87079"/>
-                      </a14:backgroundRemoval>
-                    </a14:imgEffect>
-                    <a14:imgEffect>
-                      <a14:saturation sat="66000"/>
-                    </a14:imgEffect>
-                    <a14:imgEffect>
-                      <a14:brightnessContrast bright="-20000" contrast="40000"/>
-                    </a14:imgEffect>
-                  </a14:imgLayer>
-                </a14:imgProps>
-              </a:ext>
-              <a:ext uri="{28A0092B-C50C-407E-A947-70E740481C1C}">
-                <a14:useLocalDpi xmlns:a14="http://schemas.microsoft.com/office/drawing/2010/main" val="0"/>
-              </a:ext>
-            </a:extLst>
-          </a:blip>
-          <a:stretch>
-            <a:fillRect/>
-          </a:stretch>
-        </p:blipFill>
-        <p:spPr>
-          <a:xfrm>
-            <a:off x="1336933" y="2775696"/>
-            <a:ext cx="1620142" cy="866022"/>
-          </a:xfrm>
-          <a:prstGeom prst="rect">
-            <a:avLst/>
-          </a:prstGeom>
-        </p:spPr>
-      </p:pic>
-      <p:pic>
-        <p:nvPicPr>
-          <p:cNvPr id="9" name="Picture 8">
-            <a:extLst>
-              <a:ext uri="{FF2B5EF4-FFF2-40B4-BE49-F238E27FC236}">
-                <a16:creationId xmlns:a16="http://schemas.microsoft.com/office/drawing/2014/main" id="{32831FE1-1382-484B-9D44-8DF78269B2B2}"/>
-              </a:ext>
-            </a:extLst>
-          </p:cNvPr>
-          <p:cNvPicPr>
-            <a:picLocks noChangeAspect="1"/>
-          </p:cNvPicPr>
-          <p:nvPr/>
-        </p:nvPicPr>
-        <p:blipFill>
-          <a:blip r:embed="rId4">
-            <a:extLst>
-              <a:ext uri="{BEBA8EAE-BF5A-486C-A8C5-ECC9F3942E4B}">
-                <a14:imgProps xmlns:a14="http://schemas.microsoft.com/office/drawing/2010/main">
-                  <a14:imgLayer r:embed="rId3">
-                    <a14:imgEffect>
-                      <a14:backgroundRemoval t="6180" b="94944" l="3604" r="94895">
-                        <a14:foregroundMark x1="49850" y1="7865" x2="49850" y2="7865"/>
-                        <a14:foregroundMark x1="17718" y1="69101" x2="17718" y2="69101"/>
-                        <a14:foregroundMark x1="18619" y1="67978" x2="18619" y2="67978"/>
-                        <a14:foregroundMark x1="21321" y1="66292" x2="21321" y2="66292"/>
-                        <a14:foregroundMark x1="23724" y1="65730" x2="23724" y2="65730"/>
-                        <a14:foregroundMark x1="25526" y1="63483" x2="25526" y2="63483"/>
-                        <a14:foregroundMark x1="25826" y1="61798" x2="25826" y2="61798"/>
-                        <a14:foregroundMark x1="27027" y1="60674" x2="27027" y2="60674"/>
-                        <a14:foregroundMark x1="29429" y1="56180" x2="29429" y2="56180"/>
-                        <a14:foregroundMark x1="30931" y1="50000" x2="30931" y2="50000"/>
-                        <a14:foregroundMark x1="31231" y1="42697" x2="31231" y2="42697"/>
-                        <a14:foregroundMark x1="31532" y1="35393" x2="31532" y2="35393"/>
-                        <a14:foregroundMark x1="30631" y1="47191" x2="30631" y2="47191"/>
-                        <a14:foregroundMark x1="30931" y1="40449" x2="30931" y2="40449"/>
-                        <a14:foregroundMark x1="31532" y1="33708" x2="31532" y2="33708"/>
-                        <a14:foregroundMark x1="30931" y1="30337" x2="30931" y2="30337"/>
-                        <a14:foregroundMark x1="30330" y1="27528" x2="30330" y2="27528"/>
-                        <a14:foregroundMark x1="30030" y1="24157" x2="30030" y2="24157"/>
-                        <a14:foregroundMark x1="29129" y1="22472" x2="29129" y2="22472"/>
-                        <a14:foregroundMark x1="28228" y1="20225" x2="28228" y2="20225"/>
-                        <a14:foregroundMark x1="27628" y1="17416" x2="27628" y2="17416"/>
-                        <a14:foregroundMark x1="27327" y1="17416" x2="27327" y2="17416"/>
-                        <a14:foregroundMark x1="25526" y1="15169" x2="25526" y2="15169"/>
-                        <a14:foregroundMark x1="17117" y1="67978" x2="17117" y2="67978"/>
-                        <a14:foregroundMark x1="15015" y1="69101" x2="15015" y2="69101"/>
-                        <a14:foregroundMark x1="13213" y1="69101" x2="13213" y2="69101"/>
-                        <a14:foregroundMark x1="11411" y1="69663" x2="11411" y2="69663"/>
-                        <a14:foregroundMark x1="9009" y1="69663" x2="9009" y2="69663"/>
-                        <a14:foregroundMark x1="6907" y1="69101" x2="6907" y2="69101"/>
-                        <a14:foregroundMark x1="6607" y1="67978" x2="6607" y2="67978"/>
-                        <a14:foregroundMark x1="6607" y1="65730" x2="6607" y2="65730"/>
-                        <a14:foregroundMark x1="5105" y1="70787" x2="5105" y2="70787"/>
-                        <a14:foregroundMark x1="3904" y1="71348" x2="3904" y2="71348"/>
-                        <a14:foregroundMark x1="5105" y1="66292" x2="5105" y2="66292"/>
-                        <a14:foregroundMark x1="5105" y1="61798" x2="5105" y2="61798"/>
-                        <a14:foregroundMark x1="5706" y1="58989" x2="5706" y2="58989"/>
-                        <a14:foregroundMark x1="5706" y1="56180" x2="5706" y2="56180"/>
-                        <a14:foregroundMark x1="5405" y1="51124" x2="5405" y2="51124"/>
-                        <a14:foregroundMark x1="5405" y1="47753" x2="5405" y2="47753"/>
-                        <a14:foregroundMark x1="5405" y1="39888" x2="5405" y2="39888"/>
-                        <a14:foregroundMark x1="5105" y1="43258" x2="5105" y2="43258"/>
-                        <a14:foregroundMark x1="5405" y1="33146" x2="5405" y2="33146"/>
-                        <a14:foregroundMark x1="5706" y1="37640" x2="5706" y2="37640"/>
-                        <a14:foregroundMark x1="5706" y1="29213" x2="5706" y2="29213"/>
-                        <a14:foregroundMark x1="5706" y1="21348" x2="5706" y2="21348"/>
-                        <a14:foregroundMark x1="5706" y1="25843" x2="5706" y2="25843"/>
-                        <a14:foregroundMark x1="6306" y1="17416" x2="6306" y2="17416"/>
-                        <a14:foregroundMark x1="6306" y1="14045" x2="6306" y2="14045"/>
-                        <a14:foregroundMark x1="6306" y1="10112" x2="6306" y2="10112"/>
-                        <a14:foregroundMark x1="6006" y1="6742" x2="6006" y2="6742"/>
-                        <a14:foregroundMark x1="7207" y1="7303" x2="7207" y2="7303"/>
-                        <a14:foregroundMark x1="10511" y1="7303" x2="10511" y2="7303"/>
-                        <a14:foregroundMark x1="12312" y1="8427" x2="12312" y2="8427"/>
-                        <a14:foregroundMark x1="14715" y1="8427" x2="14715" y2="8427"/>
-                        <a14:foregroundMark x1="17417" y1="8989" x2="17417" y2="8989"/>
-                        <a14:foregroundMark x1="74174" y1="10112" x2="74174" y2="10112"/>
-                        <a14:foregroundMark x1="74474" y1="16292" x2="74474" y2="16292"/>
-                        <a14:foregroundMark x1="74775" y1="14045" x2="74775" y2="14045"/>
-                        <a14:foregroundMark x1="75375" y1="9551" x2="75375" y2="9551"/>
-                        <a14:foregroundMark x1="74775" y1="12360" x2="74775" y2="12360"/>
-                        <a14:foregroundMark x1="73874" y1="6742" x2="73874" y2="6742"/>
-                        <a14:foregroundMark x1="75676" y1="10112" x2="75676" y2="10112"/>
-                        <a14:foregroundMark x1="77778" y1="9551" x2="77778" y2="9551"/>
-                        <a14:foregroundMark x1="75075" y1="17416" x2="75075" y2="17416"/>
-                        <a14:foregroundMark x1="74474" y1="24719" x2="74474" y2="24719"/>
-                        <a14:foregroundMark x1="74474" y1="20787" x2="74474" y2="20787"/>
-                        <a14:foregroundMark x1="75375" y1="29775" x2="75375" y2="29775"/>
-                        <a14:foregroundMark x1="75075" y1="34270" x2="75075" y2="34270"/>
-                        <a14:foregroundMark x1="74775" y1="32584" x2="74775" y2="32584"/>
-                        <a14:foregroundMark x1="75075" y1="38202" x2="75075" y2="38202"/>
-                        <a14:foregroundMark x1="75075" y1="42697" x2="75075" y2="42697"/>
-                        <a14:foregroundMark x1="74474" y1="41011" x2="74474" y2="41011"/>
-                        <a14:foregroundMark x1="74174" y1="48315" x2="74174" y2="48315"/>
-                        <a14:foregroundMark x1="74775" y1="52809" x2="74775" y2="52809"/>
-                        <a14:foregroundMark x1="75375" y1="58427" x2="75375" y2="58427"/>
-                        <a14:foregroundMark x1="75075" y1="62360" x2="75075" y2="62360"/>
-                        <a14:foregroundMark x1="75075" y1="65730" x2="75075" y2="65730"/>
-                        <a14:foregroundMark x1="75075" y1="68539" x2="75075" y2="68539"/>
-                        <a14:foregroundMark x1="75075" y1="70787" x2="75075" y2="70787"/>
-                        <a14:foregroundMark x1="82583" y1="71348" x2="82583" y2="71348"/>
-                        <a14:foregroundMark x1="80180" y1="70787" x2="80180" y2="70787"/>
-                        <a14:foregroundMark x1="86787" y1="69101" x2="86787" y2="69101"/>
-                        <a14:foregroundMark x1="90691" y1="67416" x2="90691" y2="67416"/>
-                        <a14:foregroundMark x1="85586" y1="69663" x2="85586" y2="69663"/>
-                        <a14:foregroundMark x1="89790" y1="68539" x2="89790" y2="68539"/>
-                        <a14:foregroundMark x1="91892" y1="65169" x2="91892" y2="65169"/>
-                        <a14:foregroundMark x1="93093" y1="63483" x2="93093" y2="63483"/>
-                        <a14:foregroundMark x1="93994" y1="59551" x2="93994" y2="59551"/>
-                        <a14:foregroundMark x1="94595" y1="57303" x2="94595" y2="57303"/>
-                        <a14:foregroundMark x1="94595" y1="53933" x2="94595" y2="53933"/>
-                        <a14:foregroundMark x1="94595" y1="51124" x2="94595" y2="51124"/>
-                        <a14:foregroundMark x1="93994" y1="48315" x2="93994" y2="48315"/>
-                        <a14:foregroundMark x1="93694" y1="46629" x2="93694" y2="46629"/>
-                        <a14:foregroundMark x1="93093" y1="42697" x2="93093" y2="42697"/>
-                        <a14:foregroundMark x1="91592" y1="42135" x2="91592" y2="42135"/>
-                        <a14:foregroundMark x1="89189" y1="40449" x2="89189" y2="40449"/>
-                        <a14:foregroundMark x1="89189" y1="38764" x2="89189" y2="38764"/>
-                        <a14:foregroundMark x1="86486" y1="35955" x2="86486" y2="35955"/>
-                        <a14:foregroundMark x1="84384" y1="37079" x2="84384" y2="37079"/>
-                        <a14:foregroundMark x1="81381" y1="36517" x2="81381" y2="36517"/>
-                        <a14:foregroundMark x1="78679" y1="36517" x2="78679" y2="36517"/>
-                        <a14:foregroundMark x1="84384" y1="37079" x2="84384" y2="37079"/>
-                        <a14:foregroundMark x1="84985" y1="34831" x2="84985" y2="34831"/>
-                        <a14:foregroundMark x1="89790" y1="34831" x2="89790" y2="34831"/>
-                        <a14:foregroundMark x1="91291" y1="32584" x2="91291" y2="32584"/>
-                        <a14:foregroundMark x1="92192" y1="30337" x2="92192" y2="30337"/>
-                        <a14:foregroundMark x1="92492" y1="29213" x2="92492" y2="29213"/>
-                        <a14:foregroundMark x1="92492" y1="26966" x2="92492" y2="26966"/>
-                        <a14:foregroundMark x1="92492" y1="24157" x2="92492" y2="24157"/>
-                        <a14:foregroundMark x1="93694" y1="29775" x2="93694" y2="29775"/>
-                        <a14:foregroundMark x1="94595" y1="26404" x2="94595" y2="26404"/>
-                        <a14:foregroundMark x1="94895" y1="23596" x2="94895" y2="23596"/>
-                        <a14:foregroundMark x1="94895" y1="20225" x2="94895" y2="20225"/>
-                        <a14:foregroundMark x1="95495" y1="18539" x2="95495" y2="18539"/>
-                        <a14:foregroundMark x1="93093" y1="17416" x2="93093" y2="17416"/>
-                        <a14:foregroundMark x1="92492" y1="14607" x2="92492" y2="14607"/>
-                        <a14:foregroundMark x1="91592" y1="11798" x2="91592" y2="11798"/>
-                        <a14:foregroundMark x1="89489" y1="10674" x2="89489" y2="10674"/>
-                        <a14:foregroundMark x1="87087" y1="10112" x2="87087" y2="10112"/>
-                        <a14:foregroundMark x1="76577" y1="67978" x2="76577" y2="67978"/>
-                        <a14:foregroundMark x1="78979" y1="69101" x2="78979" y2="69101"/>
-                        <a14:foregroundMark x1="81381" y1="69101" x2="81381" y2="69101"/>
-                        <a14:foregroundMark x1="15916" y1="7865" x2="15916" y2="7865"/>
-                        <a14:foregroundMark x1="18619" y1="7303" x2="18619" y2="7303"/>
-                        <a14:foregroundMark x1="21021" y1="8989" x2="21021" y2="8989"/>
-                        <a14:foregroundMark x1="3904" y1="88764" x2="3904" y2="88764"/>
-                        <a14:foregroundMark x1="3604" y1="84270" x2="3604" y2="84270"/>
-                        <a14:foregroundMark x1="4805" y1="82022" x2="4805" y2="82022"/>
-                        <a14:foregroundMark x1="6607" y1="80337" x2="6607" y2="80337"/>
-                        <a14:foregroundMark x1="8408" y1="79213" x2="8408" y2="79213"/>
-                        <a14:foregroundMark x1="9309" y1="81461" x2="9309" y2="81461"/>
-                        <a14:foregroundMark x1="6607" y1="90449" x2="6607" y2="90449"/>
-                        <a14:foregroundMark x1="8108" y1="88764" x2="8108" y2="88764"/>
-                        <a14:foregroundMark x1="9009" y1="87640" x2="9009" y2="87640"/>
-                        <a14:foregroundMark x1="15616" y1="88764" x2="15616" y2="88764"/>
-                        <a14:foregroundMark x1="15916" y1="84831" x2="15916" y2="84831"/>
-                        <a14:foregroundMark x1="19820" y1="88764" x2="19820" y2="88764"/>
-                        <a14:foregroundMark x1="26727" y1="84831" x2="26727" y2="84831"/>
-                        <a14:foregroundMark x1="27327" y1="83146" x2="27327" y2="83146"/>
-                        <a14:foregroundMark x1="26126" y1="88202" x2="26126" y2="88202"/>
-                        <a14:foregroundMark x1="29429" y1="83146" x2="29429" y2="83146"/>
-                        <a14:foregroundMark x1="30330" y1="83708" x2="30330" y2="83708"/>
-                        <a14:foregroundMark x1="39039" y1="86517" x2="39039" y2="86517"/>
-                        <a14:foregroundMark x1="40240" y1="88764" x2="40240" y2="88764"/>
-                        <a14:foregroundMark x1="46847" y1="86517" x2="46847" y2="86517"/>
-                        <a14:foregroundMark x1="51051" y1="89326" x2="51051" y2="89326"/>
-                        <a14:foregroundMark x1="58559" y1="82584" x2="58559" y2="82584"/>
-                        <a14:foregroundMark x1="57658" y1="88764" x2="57658" y2="88764"/>
-                        <a14:foregroundMark x1="66667" y1="83146" x2="66667" y2="83146"/>
-                        <a14:foregroundMark x1="75075" y1="79775" x2="75075" y2="79775"/>
-                        <a14:foregroundMark x1="74775" y1="83146" x2="74775" y2="83146"/>
-                        <a14:foregroundMark x1="81982" y1="83146" x2="81982" y2="83146"/>
-                        <a14:foregroundMark x1="83784" y1="83708" x2="83784" y2="83708"/>
-                        <a14:foregroundMark x1="92192" y1="83708" x2="92192" y2="83708"/>
-                        <a14:foregroundMark x1="51652" y1="6180" x2="51652" y2="6180"/>
-                        <a14:foregroundMark x1="51351" y1="41011" x2="51351" y2="41011"/>
-                        <a14:foregroundMark x1="52553" y1="34270" x2="52553" y2="34270"/>
-                        <a14:foregroundMark x1="91291" y1="88202" x2="91291" y2="88202"/>
-                        <a14:foregroundMark x1="95495" y1="88202" x2="95495" y2="88202"/>
-                        <a14:foregroundMark x1="94895" y1="91573" x2="94895" y2="91573"/>
-                        <a14:foregroundMark x1="92192" y1="94944" x2="92192" y2="94944"/>
-                        <a14:foregroundMark x1="84985" y1="86517" x2="84985" y2="86517"/>
-                        <a14:foregroundMark x1="36937" y1="89888" x2="36937" y2="89888"/>
-                        <a14:foregroundMark x1="51652" y1="6180" x2="51652" y2="6180"/>
-                        <a14:foregroundMark x1="52853" y1="32584" x2="52853" y2="32584"/>
-                        <a14:backgroundMark x1="33934" y1="38764" x2="33934" y2="38764"/>
-                        <a14:backgroundMark x1="33934" y1="42135" x2="33934" y2="42135"/>
-                        <a14:backgroundMark x1="93994" y1="86517" x2="93994" y2="86517"/>
-                        <a14:backgroundMark x1="50751" y1="32022" x2="50751" y2="32022"/>
-                        <a14:backgroundMark x1="20420" y1="89326" x2="20420" y2="89326"/>
-                      </a14:backgroundRemoval>
-                    </a14:imgEffect>
-                  </a14:imgLayer>
-                </a14:imgProps>
-              </a:ext>
-              <a:ext uri="{28A0092B-C50C-407E-A947-70E740481C1C}">
-                <a14:useLocalDpi xmlns:a14="http://schemas.microsoft.com/office/drawing/2010/main" val="0"/>
-              </a:ext>
-            </a:extLst>
-          </a:blip>
-          <a:stretch>
-            <a:fillRect/>
-          </a:stretch>
-        </p:blipFill>
-        <p:spPr>
-          <a:xfrm>
-            <a:off x="3746652" y="2971077"/>
-            <a:ext cx="2114550" cy="1130300"/>
-          </a:xfrm>
-          <a:prstGeom prst="rect">
-            <a:avLst/>
-          </a:prstGeom>
-        </p:spPr>
-      </p:pic>
-    </p:spTree>
-    <p:extLst>
-      <p:ext uri="{BB962C8B-B14F-4D97-AF65-F5344CB8AC3E}">
-        <p14:creationId xmlns:p14="http://schemas.microsoft.com/office/powerpoint/2010/main" val="1300904647"/>
       </p:ext>
     </p:extLst>
   </p:cSld>

--- a/BC2/GroupD_BC2_Presentation.pptx
+++ b/BC2/GroupD_BC2_Presentation.pptx
@@ -362,7 +362,7 @@
           <a:p>
             <a:fld id="{EF5D120B-6753-4D7A-A43B-B0C1D8D42D6B}" type="slidenum">
               <a:rPr lang="en-GB" smtClean="0"/>
-              <a:t>‹nº›</a:t>
+              <a:t>‹#›</a:t>
             </a:fld>
             <a:endParaRPr lang="en-GB"/>
           </a:p>
@@ -564,6 +564,264 @@
 </p:notes>
 </file>
 
+<file path=ppt/notesSlides/notesSlide2.xml><?xml version="1.0" encoding="utf-8"?>
+<p:notes xmlns:a="http://schemas.openxmlformats.org/drawingml/2006/main" xmlns:r="http://schemas.openxmlformats.org/officeDocument/2006/relationships" xmlns:p="http://schemas.openxmlformats.org/presentationml/2006/main">
+  <p:cSld>
+    <p:spTree>
+      <p:nvGrpSpPr>
+        <p:cNvPr id="1" name=""/>
+        <p:cNvGrpSpPr/>
+        <p:nvPr/>
+      </p:nvGrpSpPr>
+      <p:grpSpPr>
+        <a:xfrm>
+          <a:off x="0" y="0"/>
+          <a:ext cx="0" cy="0"/>
+          <a:chOff x="0" y="0"/>
+          <a:chExt cx="0" cy="0"/>
+        </a:xfrm>
+      </p:grpSpPr>
+      <p:sp>
+        <p:nvSpPr>
+          <p:cNvPr id="2" name="Slide Image Placeholder 1"/>
+          <p:cNvSpPr>
+            <a:spLocks noGrp="1" noRot="1" noChangeAspect="1"/>
+          </p:cNvSpPr>
+          <p:nvPr>
+            <p:ph type="sldImg"/>
+          </p:nvPr>
+        </p:nvSpPr>
+        <p:spPr/>
+      </p:sp>
+      <p:sp>
+        <p:nvSpPr>
+          <p:cNvPr id="3" name="Notes Placeholder 2"/>
+          <p:cNvSpPr>
+            <a:spLocks noGrp="1"/>
+          </p:cNvSpPr>
+          <p:nvPr>
+            <p:ph type="body" idx="1"/>
+          </p:nvPr>
+        </p:nvSpPr>
+        <p:spPr/>
+        <p:txBody>
+          <a:bodyPr/>
+          <a:lstStyle/>
+          <a:p>
+            <a:pPr marL="171450" indent="-171450">
+              <a:buFontTx/>
+              <a:buChar char="-"/>
+            </a:pPr>
+            <a:r>
+              <a:rPr lang="en-GB" sz="1200" kern="1200" dirty="0">
+                <a:solidFill>
+                  <a:schemeClr val="tx1"/>
+                </a:solidFill>
+                <a:effectLst/>
+                <a:latin typeface="+mn-lt"/>
+                <a:ea typeface="+mn-ea"/>
+                <a:cs typeface="+mn-cs"/>
+              </a:rPr>
+              <a:t>Models quality: Accuracy, Precision, F1-score</a:t>
+            </a:r>
+          </a:p>
+          <a:p>
+            <a:pPr marL="171450" indent="-171450">
+              <a:buFontTx/>
+              <a:buChar char="-"/>
+            </a:pPr>
+            <a:r>
+              <a:rPr lang="en-GB" sz="1200" kern="1200" dirty="0">
+                <a:solidFill>
+                  <a:schemeClr val="tx1"/>
+                </a:solidFill>
+                <a:effectLst/>
+                <a:latin typeface="+mn-lt"/>
+                <a:ea typeface="+mn-ea"/>
+                <a:cs typeface="+mn-cs"/>
+              </a:rPr>
+              <a:t>Accuracy: </a:t>
+            </a:r>
+            <a:r>
+              <a:rPr lang="en-US" sz="1200" kern="1200" dirty="0">
+                <a:solidFill>
+                  <a:schemeClr val="tx1"/>
+                </a:solidFill>
+                <a:effectLst/>
+                <a:latin typeface="+mn-lt"/>
+                <a:ea typeface="+mn-ea"/>
+                <a:cs typeface="+mn-cs"/>
+              </a:rPr>
+              <a:t>overall performance of the model – 80%</a:t>
+            </a:r>
+          </a:p>
+          <a:p>
+            <a:pPr marL="171450" indent="-171450">
+              <a:buFontTx/>
+              <a:buChar char="-"/>
+            </a:pPr>
+            <a:r>
+              <a:rPr lang="en-US" sz="1200" kern="1200" dirty="0">
+                <a:solidFill>
+                  <a:schemeClr val="tx1"/>
+                </a:solidFill>
+                <a:effectLst/>
+                <a:latin typeface="+mn-lt"/>
+                <a:ea typeface="+mn-ea"/>
+                <a:cs typeface="+mn-cs"/>
+              </a:rPr>
+              <a:t>Precision: how good the model is predicting the cancellations – 79%</a:t>
+            </a:r>
+          </a:p>
+          <a:p>
+            <a:pPr marL="171450" indent="-171450">
+              <a:buFontTx/>
+              <a:buChar char="-"/>
+            </a:pPr>
+            <a:r>
+              <a:rPr lang="en-GB" sz="1200" kern="1200" dirty="0">
+                <a:solidFill>
+                  <a:schemeClr val="tx1"/>
+                </a:solidFill>
+                <a:effectLst/>
+                <a:latin typeface="+mn-lt"/>
+                <a:ea typeface="+mn-ea"/>
+                <a:cs typeface="+mn-cs"/>
+              </a:rPr>
+              <a:t>F1-score: balance between the false positive (precision) and false negative (recall) – 80% - especially relevant for the present analysis</a:t>
+            </a:r>
+          </a:p>
+        </p:txBody>
+      </p:sp>
+      <p:sp>
+        <p:nvSpPr>
+          <p:cNvPr id="4" name="Slide Number Placeholder 3"/>
+          <p:cNvSpPr>
+            <a:spLocks noGrp="1"/>
+          </p:cNvSpPr>
+          <p:nvPr>
+            <p:ph type="sldNum" sz="quarter" idx="5"/>
+          </p:nvPr>
+        </p:nvSpPr>
+        <p:spPr/>
+        <p:txBody>
+          <a:bodyPr/>
+          <a:lstStyle/>
+          <a:p>
+            <a:fld id="{EF5D120B-6753-4D7A-A43B-B0C1D8D42D6B}" type="slidenum">
+              <a:rPr lang="en-GB" smtClean="0"/>
+              <a:t>3</a:t>
+            </a:fld>
+            <a:endParaRPr lang="en-GB"/>
+          </a:p>
+        </p:txBody>
+      </p:sp>
+    </p:spTree>
+    <p:extLst>
+      <p:ext uri="{BB962C8B-B14F-4D97-AF65-F5344CB8AC3E}">
+        <p14:creationId xmlns:p14="http://schemas.microsoft.com/office/powerpoint/2010/main" val="3380866711"/>
+      </p:ext>
+    </p:extLst>
+  </p:cSld>
+  <p:clrMapOvr>
+    <a:masterClrMapping/>
+  </p:clrMapOvr>
+</p:notes>
+</file>
+
+<file path=ppt/notesSlides/notesSlide3.xml><?xml version="1.0" encoding="utf-8"?>
+<p:notes xmlns:a="http://schemas.openxmlformats.org/drawingml/2006/main" xmlns:r="http://schemas.openxmlformats.org/officeDocument/2006/relationships" xmlns:p="http://schemas.openxmlformats.org/presentationml/2006/main">
+  <p:cSld>
+    <p:spTree>
+      <p:nvGrpSpPr>
+        <p:cNvPr id="1" name=""/>
+        <p:cNvGrpSpPr/>
+        <p:nvPr/>
+      </p:nvGrpSpPr>
+      <p:grpSpPr>
+        <a:xfrm>
+          <a:off x="0" y="0"/>
+          <a:ext cx="0" cy="0"/>
+          <a:chOff x="0" y="0"/>
+          <a:chExt cx="0" cy="0"/>
+        </a:xfrm>
+      </p:grpSpPr>
+      <p:sp>
+        <p:nvSpPr>
+          <p:cNvPr id="2" name="Slide Image Placeholder 1"/>
+          <p:cNvSpPr>
+            <a:spLocks noGrp="1" noRot="1" noChangeAspect="1"/>
+          </p:cNvSpPr>
+          <p:nvPr>
+            <p:ph type="sldImg"/>
+          </p:nvPr>
+        </p:nvSpPr>
+        <p:spPr/>
+      </p:sp>
+      <p:sp>
+        <p:nvSpPr>
+          <p:cNvPr id="3" name="Notes Placeholder 2"/>
+          <p:cNvSpPr>
+            <a:spLocks noGrp="1"/>
+          </p:cNvSpPr>
+          <p:nvPr>
+            <p:ph type="body" idx="1"/>
+          </p:nvPr>
+        </p:nvSpPr>
+        <p:spPr/>
+        <p:txBody>
+          <a:bodyPr/>
+          <a:lstStyle/>
+          <a:p>
+            <a:r>
+              <a:rPr lang="en-GB" dirty="0"/>
+              <a:t>TA – Travel Agent</a:t>
+            </a:r>
+          </a:p>
+          <a:p>
+            <a:r>
+              <a:rPr lang="en-GB" dirty="0"/>
+              <a:t>TO – Travel Operator</a:t>
+            </a:r>
+          </a:p>
+        </p:txBody>
+      </p:sp>
+      <p:sp>
+        <p:nvSpPr>
+          <p:cNvPr id="4" name="Slide Number Placeholder 3"/>
+          <p:cNvSpPr>
+            <a:spLocks noGrp="1"/>
+          </p:cNvSpPr>
+          <p:nvPr>
+            <p:ph type="sldNum" sz="quarter" idx="5"/>
+          </p:nvPr>
+        </p:nvSpPr>
+        <p:spPr/>
+        <p:txBody>
+          <a:bodyPr/>
+          <a:lstStyle/>
+          <a:p>
+            <a:fld id="{EF5D120B-6753-4D7A-A43B-B0C1D8D42D6B}" type="slidenum">
+              <a:rPr lang="en-GB" smtClean="0"/>
+              <a:t>4</a:t>
+            </a:fld>
+            <a:endParaRPr lang="en-GB"/>
+          </a:p>
+        </p:txBody>
+      </p:sp>
+    </p:spTree>
+    <p:extLst>
+      <p:ext uri="{BB962C8B-B14F-4D97-AF65-F5344CB8AC3E}">
+        <p14:creationId xmlns:p14="http://schemas.microsoft.com/office/powerpoint/2010/main" val="124001662"/>
+      </p:ext>
+    </p:extLst>
+  </p:cSld>
+  <p:clrMapOvr>
+    <a:masterClrMapping/>
+  </p:clrMapOvr>
+</p:notes>
+</file>
+
 <file path=ppt/slideLayouts/slideLayout1.xml><?xml version="1.0" encoding="utf-8"?>
 <p:sldLayout xmlns:a="http://schemas.openxmlformats.org/drawingml/2006/main" xmlns:r="http://schemas.openxmlformats.org/officeDocument/2006/relationships" xmlns:p="http://schemas.openxmlformats.org/presentationml/2006/main" showMasterSp="0" type="title" preserve="1">
   <p:cSld name="Title Slide">
@@ -758,7 +1016,7 @@
           <a:p>
             <a:fld id="{71E5C860-9239-4250-B9DD-17AE485B927F}" type="slidenum">
               <a:rPr lang="en-GB" smtClean="0"/>
-              <a:t>‹nº›</a:t>
+              <a:t>‹#›</a:t>
             </a:fld>
             <a:endParaRPr lang="en-GB"/>
           </a:p>
@@ -1001,7 +1259,7 @@
           <a:p>
             <a:fld id="{71E5C860-9239-4250-B9DD-17AE485B927F}" type="slidenum">
               <a:rPr lang="en-GB" smtClean="0"/>
-              <a:t>‹nº›</a:t>
+              <a:t>‹#›</a:t>
             </a:fld>
             <a:endParaRPr lang="en-GB"/>
           </a:p>
@@ -1181,7 +1439,7 @@
           <a:p>
             <a:fld id="{71E5C860-9239-4250-B9DD-17AE485B927F}" type="slidenum">
               <a:rPr lang="en-GB" smtClean="0"/>
-              <a:t>‹nº›</a:t>
+              <a:t>‹#›</a:t>
             </a:fld>
             <a:endParaRPr lang="en-GB"/>
           </a:p>
@@ -1386,7 +1644,7 @@
           <a:p>
             <a:fld id="{71E5C860-9239-4250-B9DD-17AE485B927F}" type="slidenum">
               <a:rPr lang="en-GB" smtClean="0"/>
-              <a:t>‹nº›</a:t>
+              <a:t>‹#›</a:t>
             </a:fld>
             <a:endParaRPr lang="en-GB"/>
           </a:p>
@@ -1643,7 +1901,7 @@
           <a:p>
             <a:fld id="{71E5C860-9239-4250-B9DD-17AE485B927F}" type="slidenum">
               <a:rPr lang="en-GB" smtClean="0"/>
-              <a:t>‹nº›</a:t>
+              <a:t>‹#›</a:t>
             </a:fld>
             <a:endParaRPr lang="en-GB"/>
           </a:p>
@@ -1990,7 +2248,7 @@
           <a:p>
             <a:fld id="{71E5C860-9239-4250-B9DD-17AE485B927F}" type="slidenum">
               <a:rPr lang="en-GB" smtClean="0"/>
-              <a:t>‹nº›</a:t>
+              <a:t>‹#›</a:t>
             </a:fld>
             <a:endParaRPr lang="en-GB"/>
           </a:p>
@@ -2392,7 +2650,7 @@
           <a:p>
             <a:fld id="{71E5C860-9239-4250-B9DD-17AE485B927F}" type="slidenum">
               <a:rPr lang="en-GB" smtClean="0"/>
-              <a:t>‹nº›</a:t>
+              <a:t>‹#›</a:t>
             </a:fld>
             <a:endParaRPr lang="en-GB"/>
           </a:p>
@@ -2510,7 +2768,7 @@
           <a:p>
             <a:fld id="{71E5C860-9239-4250-B9DD-17AE485B927F}" type="slidenum">
               <a:rPr lang="en-GB" smtClean="0"/>
-              <a:t>‹nº›</a:t>
+              <a:t>‹#›</a:t>
             </a:fld>
             <a:endParaRPr lang="en-GB"/>
           </a:p>
@@ -2605,7 +2863,7 @@
           <a:p>
             <a:fld id="{71E5C860-9239-4250-B9DD-17AE485B927F}" type="slidenum">
               <a:rPr lang="en-GB" smtClean="0"/>
-              <a:t>‹nº›</a:t>
+              <a:t>‹#›</a:t>
             </a:fld>
             <a:endParaRPr lang="en-GB"/>
           </a:p>
@@ -2895,7 +3153,7 @@
           <a:p>
             <a:fld id="{71E5C860-9239-4250-B9DD-17AE485B927F}" type="slidenum">
               <a:rPr lang="en-GB" smtClean="0"/>
-              <a:t>‹nº›</a:t>
+              <a:t>‹#›</a:t>
             </a:fld>
             <a:endParaRPr lang="en-GB"/>
           </a:p>
@@ -3175,7 +3433,7 @@
           <a:p>
             <a:fld id="{71E5C860-9239-4250-B9DD-17AE485B927F}" type="slidenum">
               <a:rPr lang="en-GB" smtClean="0"/>
-              <a:t>‹nº›</a:t>
+              <a:t>‹#›</a:t>
             </a:fld>
             <a:endParaRPr lang="en-GB"/>
           </a:p>
@@ -3465,7 +3723,7 @@
           <a:p>
             <a:fld id="{71E5C860-9239-4250-B9DD-17AE485B927F}" type="slidenum">
               <a:rPr lang="en-GB" smtClean="0"/>
-              <a:t>‹nº›</a:t>
+              <a:t>‹#›</a:t>
             </a:fld>
             <a:endParaRPr lang="en-GB"/>
           </a:p>
@@ -4422,7 +4680,7 @@
         </p:spPr>
         <p:txBody>
           <a:bodyPr>
-            <a:normAutofit fontScale="85000" lnSpcReduction="20000"/>
+            <a:normAutofit fontScale="92500" lnSpcReduction="10000"/>
           </a:bodyPr>
           <a:lstStyle/>
           <a:p>
@@ -4476,7 +4734,7 @@
         </p:spPr>
         <p:txBody>
           <a:bodyPr>
-            <a:normAutofit fontScale="85000" lnSpcReduction="20000"/>
+            <a:normAutofit fontScale="92500" lnSpcReduction="10000"/>
           </a:bodyPr>
           <a:lstStyle/>
           <a:p>
@@ -4584,23 +4842,6 @@
             <a:r>
               <a:rPr lang="en-GB" dirty="0"/>
               <a:t>Reduce cancellations to a rate of 20%. </a:t>
-            </a:r>
-          </a:p>
-          <a:p>
-            <a:pPr lvl="0">
-              <a:buBlip>
-                <a:blip r:embed="rId3">
-                  <a:extLst>
-                    <a:ext uri="{96DAC541-7B7A-43D3-8B79-37D633B846F1}">
-                      <asvg:svgBlip xmlns:asvg="http://schemas.microsoft.com/office/drawing/2016/SVG/main" r:embed="rId4"/>
-                    </a:ext>
-                  </a:extLst>
-                </a:blip>
-              </a:buBlip>
-            </a:pPr>
-            <a:r>
-              <a:rPr lang="en-GB" dirty="0"/>
-              <a:t>Create a prediction app</a:t>
             </a:r>
           </a:p>
           <a:p>
@@ -4831,137 +5072,6 @@
           </a:prstGeom>
         </p:spPr>
       </p:pic>
-      <p:sp>
-        <p:nvSpPr>
-          <p:cNvPr id="7" name="TextBox 6">
-            <a:extLst>
-              <a:ext uri="{FF2B5EF4-FFF2-40B4-BE49-F238E27FC236}">
-                <a16:creationId xmlns:a16="http://schemas.microsoft.com/office/drawing/2014/main" id="{F5484F27-3952-43F1-868D-FBE58BFE6F18}"/>
-              </a:ext>
-            </a:extLst>
-          </p:cNvPr>
-          <p:cNvSpPr txBox="1"/>
-          <p:nvPr/>
-        </p:nvSpPr>
-        <p:spPr>
-          <a:xfrm>
-            <a:off x="9225170" y="134695"/>
-            <a:ext cx="2809461" cy="1200329"/>
-          </a:xfrm>
-          <a:prstGeom prst="rect">
-            <a:avLst/>
-          </a:prstGeom>
-          <a:solidFill>
-            <a:srgbClr val="FFFF00"/>
-          </a:solidFill>
-        </p:spPr>
-        <p:txBody>
-          <a:bodyPr wrap="square" rtlCol="0">
-            <a:spAutoFit/>
-          </a:bodyPr>
-          <a:lstStyle/>
-          <a:p>
-            <a:r>
-              <a:rPr lang="en-GB" dirty="0" err="1">
-                <a:solidFill>
-                  <a:schemeClr val="bg1"/>
-                </a:solidFill>
-              </a:rPr>
-              <a:t>Aqui</a:t>
-            </a:r>
-            <a:r>
-              <a:rPr lang="en-GB" dirty="0">
-                <a:solidFill>
-                  <a:schemeClr val="bg1"/>
-                </a:solidFill>
-              </a:rPr>
-              <a:t> </a:t>
-            </a:r>
-            <a:r>
-              <a:rPr lang="en-GB" dirty="0" err="1">
-                <a:solidFill>
-                  <a:schemeClr val="bg1"/>
-                </a:solidFill>
-              </a:rPr>
-              <a:t>vamos</a:t>
-            </a:r>
-            <a:r>
-              <a:rPr lang="en-GB" dirty="0">
-                <a:solidFill>
-                  <a:schemeClr val="bg1"/>
-                </a:solidFill>
-              </a:rPr>
-              <a:t> </a:t>
-            </a:r>
-            <a:r>
-              <a:rPr lang="en-GB" dirty="0" err="1">
-                <a:solidFill>
-                  <a:schemeClr val="bg1"/>
-                </a:solidFill>
-              </a:rPr>
-              <a:t>escrever</a:t>
-            </a:r>
-            <a:r>
-              <a:rPr lang="en-GB" dirty="0">
-                <a:solidFill>
-                  <a:schemeClr val="bg1"/>
-                </a:solidFill>
-              </a:rPr>
-              <a:t>:</a:t>
-            </a:r>
-          </a:p>
-          <a:p>
-            <a:pPr marL="285750" indent="-285750">
-              <a:buFontTx/>
-              <a:buChar char="-"/>
-            </a:pPr>
-            <a:r>
-              <a:rPr lang="en-GB" dirty="0">
-                <a:solidFill>
-                  <a:schemeClr val="bg1"/>
-                </a:solidFill>
-              </a:rPr>
-              <a:t>business goals</a:t>
-            </a:r>
-          </a:p>
-          <a:p>
-            <a:pPr marL="285750" indent="-285750">
-              <a:buFontTx/>
-              <a:buChar char="-"/>
-            </a:pPr>
-            <a:r>
-              <a:rPr lang="en-GB" dirty="0" err="1">
-                <a:solidFill>
-                  <a:schemeClr val="bg1"/>
-                </a:solidFill>
-              </a:rPr>
-              <a:t>nosso</a:t>
-            </a:r>
-            <a:r>
-              <a:rPr lang="en-GB" dirty="0">
-                <a:solidFill>
-                  <a:schemeClr val="bg1"/>
-                </a:solidFill>
-              </a:rPr>
-              <a:t> challenge</a:t>
-            </a:r>
-          </a:p>
-          <a:p>
-            <a:pPr marL="285750" indent="-285750">
-              <a:buFontTx/>
-              <a:buChar char="-"/>
-            </a:pPr>
-            <a:r>
-              <a:rPr lang="en-GB" dirty="0">
-                <a:solidFill>
-                  <a:schemeClr val="bg1"/>
-                </a:solidFill>
-              </a:rPr>
-              <a:t>overview do business</a:t>
-            </a:r>
-          </a:p>
-        </p:txBody>
-      </p:sp>
       <p:grpSp>
         <p:nvGrpSpPr>
           <p:cNvPr id="14" name="Group 13">
@@ -5379,6 +5489,1112 @@
           </a:p>
         </p:txBody>
       </p:sp>
+      <p:pic>
+        <p:nvPicPr>
+          <p:cNvPr id="5" name="Picture 4">
+            <a:extLst>
+              <a:ext uri="{FF2B5EF4-FFF2-40B4-BE49-F238E27FC236}">
+                <a16:creationId xmlns:a16="http://schemas.microsoft.com/office/drawing/2014/main" id="{75035DF1-F637-4C24-A7E4-AE5681F218B0}"/>
+              </a:ext>
+            </a:extLst>
+          </p:cNvPr>
+          <p:cNvPicPr>
+            <a:picLocks noChangeAspect="1"/>
+          </p:cNvPicPr>
+          <p:nvPr/>
+        </p:nvPicPr>
+        <p:blipFill>
+          <a:blip r:embed="rId3">
+            <a:duotone>
+              <a:schemeClr val="accent1">
+                <a:shade val="45000"/>
+                <a:satMod val="135000"/>
+              </a:schemeClr>
+              <a:prstClr val="white"/>
+            </a:duotone>
+            <a:extLst>
+              <a:ext uri="{BEBA8EAE-BF5A-486C-A8C5-ECC9F3942E4B}">
+                <a14:imgProps xmlns:a14="http://schemas.microsoft.com/office/drawing/2010/main">
+                  <a14:imgLayer r:embed="rId4">
+                    <a14:imgEffect>
+                      <a14:backgroundRemoval t="6180" b="94944" l="3604" r="94895">
+                        <a14:foregroundMark x1="49850" y1="7865" x2="49850" y2="7865"/>
+                        <a14:foregroundMark x1="17718" y1="69101" x2="17718" y2="69101"/>
+                        <a14:foregroundMark x1="18619" y1="67978" x2="18619" y2="67978"/>
+                        <a14:foregroundMark x1="21321" y1="66292" x2="21321" y2="66292"/>
+                        <a14:foregroundMark x1="23724" y1="65730" x2="23724" y2="65730"/>
+                        <a14:foregroundMark x1="25526" y1="63483" x2="25526" y2="63483"/>
+                        <a14:foregroundMark x1="25826" y1="61798" x2="25826" y2="61798"/>
+                        <a14:foregroundMark x1="27027" y1="60674" x2="27027" y2="60674"/>
+                        <a14:foregroundMark x1="29429" y1="56180" x2="29429" y2="56180"/>
+                        <a14:foregroundMark x1="30931" y1="50000" x2="30931" y2="50000"/>
+                        <a14:foregroundMark x1="31231" y1="42697" x2="31231" y2="42697"/>
+                        <a14:foregroundMark x1="31532" y1="35393" x2="31532" y2="35393"/>
+                        <a14:foregroundMark x1="30631" y1="47191" x2="30631" y2="47191"/>
+                        <a14:foregroundMark x1="30931" y1="40449" x2="30931" y2="40449"/>
+                        <a14:foregroundMark x1="31532" y1="33708" x2="31532" y2="33708"/>
+                        <a14:foregroundMark x1="30931" y1="30337" x2="30931" y2="30337"/>
+                        <a14:foregroundMark x1="30330" y1="27528" x2="30330" y2="27528"/>
+                        <a14:foregroundMark x1="30030" y1="24157" x2="30030" y2="24157"/>
+                        <a14:foregroundMark x1="29129" y1="22472" x2="29129" y2="22472"/>
+                        <a14:foregroundMark x1="28228" y1="20225" x2="28228" y2="20225"/>
+                        <a14:foregroundMark x1="27628" y1="17416" x2="27628" y2="17416"/>
+                        <a14:foregroundMark x1="27327" y1="17416" x2="27327" y2="17416"/>
+                        <a14:foregroundMark x1="25526" y1="15169" x2="25526" y2="15169"/>
+                        <a14:foregroundMark x1="17117" y1="67978" x2="17117" y2="67978"/>
+                        <a14:foregroundMark x1="15015" y1="69101" x2="15015" y2="69101"/>
+                        <a14:foregroundMark x1="13213" y1="69101" x2="13213" y2="69101"/>
+                        <a14:foregroundMark x1="11411" y1="69663" x2="11411" y2="69663"/>
+                        <a14:foregroundMark x1="9009" y1="69663" x2="9009" y2="69663"/>
+                        <a14:foregroundMark x1="6907" y1="69101" x2="6907" y2="69101"/>
+                        <a14:foregroundMark x1="6607" y1="67978" x2="6607" y2="67978"/>
+                        <a14:foregroundMark x1="6607" y1="65730" x2="6607" y2="65730"/>
+                        <a14:foregroundMark x1="5105" y1="70787" x2="5105" y2="70787"/>
+                        <a14:foregroundMark x1="3904" y1="71348" x2="3904" y2="71348"/>
+                        <a14:foregroundMark x1="5105" y1="66292" x2="5105" y2="66292"/>
+                        <a14:foregroundMark x1="5105" y1="61798" x2="5105" y2="61798"/>
+                        <a14:foregroundMark x1="5706" y1="58989" x2="5706" y2="58989"/>
+                        <a14:foregroundMark x1="5706" y1="56180" x2="5706" y2="56180"/>
+                        <a14:foregroundMark x1="5405" y1="51124" x2="5405" y2="51124"/>
+                        <a14:foregroundMark x1="5405" y1="47753" x2="5405" y2="47753"/>
+                        <a14:foregroundMark x1="5405" y1="39888" x2="5405" y2="39888"/>
+                        <a14:foregroundMark x1="5105" y1="43258" x2="5105" y2="43258"/>
+                        <a14:foregroundMark x1="5405" y1="33146" x2="5405" y2="33146"/>
+                        <a14:foregroundMark x1="5706" y1="37640" x2="5706" y2="37640"/>
+                        <a14:foregroundMark x1="5706" y1="29213" x2="5706" y2="29213"/>
+                        <a14:foregroundMark x1="5706" y1="21348" x2="5706" y2="21348"/>
+                        <a14:foregroundMark x1="5706" y1="25843" x2="5706" y2="25843"/>
+                        <a14:foregroundMark x1="6306" y1="17416" x2="6306" y2="17416"/>
+                        <a14:foregroundMark x1="6306" y1="14045" x2="6306" y2="14045"/>
+                        <a14:foregroundMark x1="6306" y1="10112" x2="6306" y2="10112"/>
+                        <a14:foregroundMark x1="6006" y1="6742" x2="6006" y2="6742"/>
+                        <a14:foregroundMark x1="7207" y1="7303" x2="7207" y2="7303"/>
+                        <a14:foregroundMark x1="10511" y1="7303" x2="10511" y2="7303"/>
+                        <a14:foregroundMark x1="12312" y1="8427" x2="12312" y2="8427"/>
+                        <a14:foregroundMark x1="14715" y1="8427" x2="14715" y2="8427"/>
+                        <a14:foregroundMark x1="17417" y1="8989" x2="17417" y2="8989"/>
+                        <a14:foregroundMark x1="74174" y1="10112" x2="74174" y2="10112"/>
+                        <a14:foregroundMark x1="74474" y1="16292" x2="74474" y2="16292"/>
+                        <a14:foregroundMark x1="74775" y1="14045" x2="74775" y2="14045"/>
+                        <a14:foregroundMark x1="75375" y1="9551" x2="75375" y2="9551"/>
+                        <a14:foregroundMark x1="74775" y1="12360" x2="74775" y2="12360"/>
+                        <a14:foregroundMark x1="73874" y1="6742" x2="73874" y2="6742"/>
+                        <a14:foregroundMark x1="75676" y1="10112" x2="75676" y2="10112"/>
+                        <a14:foregroundMark x1="77778" y1="9551" x2="77778" y2="9551"/>
+                        <a14:foregroundMark x1="75075" y1="17416" x2="75075" y2="17416"/>
+                        <a14:foregroundMark x1="74474" y1="24719" x2="74474" y2="24719"/>
+                        <a14:foregroundMark x1="74474" y1="20787" x2="74474" y2="20787"/>
+                        <a14:foregroundMark x1="75375" y1="29775" x2="75375" y2="29775"/>
+                        <a14:foregroundMark x1="75075" y1="34270" x2="75075" y2="34270"/>
+                        <a14:foregroundMark x1="74775" y1="32584" x2="74775" y2="32584"/>
+                        <a14:foregroundMark x1="75075" y1="38202" x2="75075" y2="38202"/>
+                        <a14:foregroundMark x1="75075" y1="42697" x2="75075" y2="42697"/>
+                        <a14:foregroundMark x1="74474" y1="41011" x2="74474" y2="41011"/>
+                        <a14:foregroundMark x1="74174" y1="48315" x2="74174" y2="48315"/>
+                        <a14:foregroundMark x1="74775" y1="52809" x2="74775" y2="52809"/>
+                        <a14:foregroundMark x1="75375" y1="58427" x2="75375" y2="58427"/>
+                        <a14:foregroundMark x1="75075" y1="62360" x2="75075" y2="62360"/>
+                        <a14:foregroundMark x1="75075" y1="65730" x2="75075" y2="65730"/>
+                        <a14:foregroundMark x1="75075" y1="68539" x2="75075" y2="68539"/>
+                        <a14:foregroundMark x1="75075" y1="70787" x2="75075" y2="70787"/>
+                        <a14:foregroundMark x1="82583" y1="71348" x2="82583" y2="71348"/>
+                        <a14:foregroundMark x1="80180" y1="70787" x2="80180" y2="70787"/>
+                        <a14:foregroundMark x1="86787" y1="69101" x2="86787" y2="69101"/>
+                        <a14:foregroundMark x1="90691" y1="67416" x2="90691" y2="67416"/>
+                        <a14:foregroundMark x1="85586" y1="69663" x2="85586" y2="69663"/>
+                        <a14:foregroundMark x1="89790" y1="68539" x2="89790" y2="68539"/>
+                        <a14:foregroundMark x1="91892" y1="65169" x2="91892" y2="65169"/>
+                        <a14:foregroundMark x1="93093" y1="63483" x2="93093" y2="63483"/>
+                        <a14:foregroundMark x1="93994" y1="59551" x2="93994" y2="59551"/>
+                        <a14:foregroundMark x1="94595" y1="57303" x2="94595" y2="57303"/>
+                        <a14:foregroundMark x1="94595" y1="53933" x2="94595" y2="53933"/>
+                        <a14:foregroundMark x1="94595" y1="51124" x2="94595" y2="51124"/>
+                        <a14:foregroundMark x1="93994" y1="48315" x2="93994" y2="48315"/>
+                        <a14:foregroundMark x1="93694" y1="46629" x2="93694" y2="46629"/>
+                        <a14:foregroundMark x1="93093" y1="42697" x2="93093" y2="42697"/>
+                        <a14:foregroundMark x1="91592" y1="42135" x2="91592" y2="42135"/>
+                        <a14:foregroundMark x1="89189" y1="40449" x2="89189" y2="40449"/>
+                        <a14:foregroundMark x1="89189" y1="38764" x2="89189" y2="38764"/>
+                        <a14:foregroundMark x1="86486" y1="35955" x2="86486" y2="35955"/>
+                        <a14:foregroundMark x1="84384" y1="37079" x2="84384" y2="37079"/>
+                        <a14:foregroundMark x1="81381" y1="36517" x2="81381" y2="36517"/>
+                        <a14:foregroundMark x1="78679" y1="36517" x2="78679" y2="36517"/>
+                        <a14:foregroundMark x1="84384" y1="37079" x2="84384" y2="37079"/>
+                        <a14:foregroundMark x1="84985" y1="34831" x2="84985" y2="34831"/>
+                        <a14:foregroundMark x1="89790" y1="34831" x2="89790" y2="34831"/>
+                        <a14:foregroundMark x1="91291" y1="32584" x2="91291" y2="32584"/>
+                        <a14:foregroundMark x1="92192" y1="30337" x2="92192" y2="30337"/>
+                        <a14:foregroundMark x1="92492" y1="29213" x2="92492" y2="29213"/>
+                        <a14:foregroundMark x1="92492" y1="26966" x2="92492" y2="26966"/>
+                        <a14:foregroundMark x1="92492" y1="24157" x2="92492" y2="24157"/>
+                        <a14:foregroundMark x1="93694" y1="29775" x2="93694" y2="29775"/>
+                        <a14:foregroundMark x1="94595" y1="26404" x2="94595" y2="26404"/>
+                        <a14:foregroundMark x1="94895" y1="23596" x2="94895" y2="23596"/>
+                        <a14:foregroundMark x1="94895" y1="20225" x2="94895" y2="20225"/>
+                        <a14:foregroundMark x1="95495" y1="18539" x2="95495" y2="18539"/>
+                        <a14:foregroundMark x1="93093" y1="17416" x2="93093" y2="17416"/>
+                        <a14:foregroundMark x1="92492" y1="14607" x2="92492" y2="14607"/>
+                        <a14:foregroundMark x1="91592" y1="11798" x2="91592" y2="11798"/>
+                        <a14:foregroundMark x1="89489" y1="10674" x2="89489" y2="10674"/>
+                        <a14:foregroundMark x1="87087" y1="10112" x2="87087" y2="10112"/>
+                        <a14:foregroundMark x1="76577" y1="67978" x2="76577" y2="67978"/>
+                        <a14:foregroundMark x1="78979" y1="69101" x2="78979" y2="69101"/>
+                        <a14:foregroundMark x1="81381" y1="69101" x2="81381" y2="69101"/>
+                        <a14:foregroundMark x1="15916" y1="7865" x2="15916" y2="7865"/>
+                        <a14:foregroundMark x1="18619" y1="7303" x2="18619" y2="7303"/>
+                        <a14:foregroundMark x1="21021" y1="8989" x2="21021" y2="8989"/>
+                        <a14:foregroundMark x1="3904" y1="88764" x2="3904" y2="88764"/>
+                        <a14:foregroundMark x1="3604" y1="84270" x2="3604" y2="84270"/>
+                        <a14:foregroundMark x1="4805" y1="82022" x2="4805" y2="82022"/>
+                        <a14:foregroundMark x1="6607" y1="80337" x2="6607" y2="80337"/>
+                        <a14:foregroundMark x1="8408" y1="79213" x2="8408" y2="79213"/>
+                        <a14:foregroundMark x1="9309" y1="81461" x2="9309" y2="81461"/>
+                        <a14:foregroundMark x1="6607" y1="90449" x2="6607" y2="90449"/>
+                        <a14:foregroundMark x1="8108" y1="88764" x2="8108" y2="88764"/>
+                        <a14:foregroundMark x1="9009" y1="87640" x2="9009" y2="87640"/>
+                        <a14:foregroundMark x1="15616" y1="88764" x2="15616" y2="88764"/>
+                        <a14:foregroundMark x1="15916" y1="84831" x2="15916" y2="84831"/>
+                        <a14:foregroundMark x1="19820" y1="88764" x2="19820" y2="88764"/>
+                        <a14:foregroundMark x1="26727" y1="84831" x2="26727" y2="84831"/>
+                        <a14:foregroundMark x1="27327" y1="83146" x2="27327" y2="83146"/>
+                        <a14:foregroundMark x1="26126" y1="88202" x2="26126" y2="88202"/>
+                        <a14:foregroundMark x1="29429" y1="83146" x2="29429" y2="83146"/>
+                        <a14:foregroundMark x1="30330" y1="83708" x2="30330" y2="83708"/>
+                        <a14:foregroundMark x1="39039" y1="86517" x2="39039" y2="86517"/>
+                        <a14:foregroundMark x1="40240" y1="88764" x2="40240" y2="88764"/>
+                        <a14:foregroundMark x1="46847" y1="86517" x2="46847" y2="86517"/>
+                        <a14:foregroundMark x1="51051" y1="89326" x2="51051" y2="89326"/>
+                        <a14:foregroundMark x1="58559" y1="82584" x2="58559" y2="82584"/>
+                        <a14:foregroundMark x1="57658" y1="88764" x2="57658" y2="88764"/>
+                        <a14:foregroundMark x1="66667" y1="83146" x2="66667" y2="83146"/>
+                        <a14:foregroundMark x1="75075" y1="79775" x2="75075" y2="79775"/>
+                        <a14:foregroundMark x1="74775" y1="83146" x2="74775" y2="83146"/>
+                        <a14:foregroundMark x1="81982" y1="83146" x2="81982" y2="83146"/>
+                        <a14:foregroundMark x1="83784" y1="83708" x2="83784" y2="83708"/>
+                        <a14:foregroundMark x1="92192" y1="83708" x2="92192" y2="83708"/>
+                        <a14:foregroundMark x1="51652" y1="6180" x2="51652" y2="6180"/>
+                        <a14:foregroundMark x1="51351" y1="41011" x2="51351" y2="41011"/>
+                        <a14:foregroundMark x1="52553" y1="34270" x2="52553" y2="34270"/>
+                        <a14:foregroundMark x1="91291" y1="88202" x2="91291" y2="88202"/>
+                        <a14:foregroundMark x1="95495" y1="88202" x2="95495" y2="88202"/>
+                        <a14:foregroundMark x1="94895" y1="91573" x2="94895" y2="91573"/>
+                        <a14:foregroundMark x1="92192" y1="94944" x2="92192" y2="94944"/>
+                        <a14:foregroundMark x1="84985" y1="86517" x2="84985" y2="86517"/>
+                        <a14:foregroundMark x1="36937" y1="89888" x2="36937" y2="89888"/>
+                        <a14:foregroundMark x1="51652" y1="6180" x2="51652" y2="6180"/>
+                        <a14:foregroundMark x1="52853" y1="32584" x2="52853" y2="32584"/>
+                        <a14:backgroundMark x1="33934" y1="38764" x2="33934" y2="38764"/>
+                        <a14:backgroundMark x1="33934" y1="42135" x2="33934" y2="42135"/>
+                        <a14:backgroundMark x1="93994" y1="86517" x2="93994" y2="86517"/>
+                        <a14:backgroundMark x1="50751" y1="32022" x2="50751" y2="32022"/>
+                        <a14:backgroundMark x1="20420" y1="89326" x2="20420" y2="89326"/>
+                      </a14:backgroundRemoval>
+                    </a14:imgEffect>
+                  </a14:imgLayer>
+                </a14:imgProps>
+              </a:ext>
+              <a:ext uri="{28A0092B-C50C-407E-A947-70E740481C1C}">
+                <a14:useLocalDpi xmlns:a14="http://schemas.microsoft.com/office/drawing/2010/main" val="0"/>
+              </a:ext>
+            </a:extLst>
+          </a:blip>
+          <a:stretch>
+            <a:fillRect/>
+          </a:stretch>
+        </p:blipFill>
+        <p:spPr>
+          <a:xfrm>
+            <a:off x="10629901" y="5925616"/>
+            <a:ext cx="1298952" cy="694335"/>
+          </a:xfrm>
+          <a:prstGeom prst="rect">
+            <a:avLst/>
+          </a:prstGeom>
+        </p:spPr>
+      </p:pic>
+      <p:sp>
+        <p:nvSpPr>
+          <p:cNvPr id="22" name="Marcador de Posição de Conteúdo 21">
+            <a:extLst>
+              <a:ext uri="{FF2B5EF4-FFF2-40B4-BE49-F238E27FC236}">
+                <a16:creationId xmlns:a16="http://schemas.microsoft.com/office/drawing/2014/main" id="{E9B4A906-761A-4FA0-8244-6D57D9DEC60C}"/>
+              </a:ext>
+            </a:extLst>
+          </p:cNvPr>
+          <p:cNvSpPr>
+            <a:spLocks noGrp="1"/>
+          </p:cNvSpPr>
+          <p:nvPr>
+            <p:ph sz="half" idx="1"/>
+          </p:nvPr>
+        </p:nvSpPr>
+        <p:spPr>
+          <a:xfrm>
+            <a:off x="1024127" y="2286000"/>
+            <a:ext cx="4479830" cy="1043220"/>
+          </a:xfrm>
+        </p:spPr>
+        <p:txBody>
+          <a:bodyPr>
+            <a:normAutofit/>
+          </a:bodyPr>
+          <a:lstStyle/>
+          <a:p>
+            <a:pPr lvl="0">
+              <a:buBlip>
+                <a:blip r:embed="rId5">
+                  <a:extLst>
+                    <a:ext uri="{96DAC541-7B7A-43D3-8B79-37D633B846F1}">
+                      <asvg:svgBlip xmlns:asvg="http://schemas.microsoft.com/office/drawing/2016/SVG/main" r:embed="rId6"/>
+                    </a:ext>
+                  </a:extLst>
+                </a:blip>
+              </a:buBlip>
+            </a:pPr>
+            <a:r>
+              <a:rPr lang="en-GB" sz="2600" dirty="0"/>
+              <a:t>Algorithm: </a:t>
+            </a:r>
+          </a:p>
+          <a:p>
+            <a:pPr marL="0" lvl="0" indent="0">
+              <a:buNone/>
+            </a:pPr>
+            <a:r>
+              <a:rPr lang="en-GB" sz="2600" i="1" dirty="0">
+                <a:solidFill>
+                  <a:schemeClr val="accent2">
+                    <a:lumMod val="75000"/>
+                  </a:schemeClr>
+                </a:solidFill>
+              </a:rPr>
+              <a:t>	Random Forest Classifier</a:t>
+            </a:r>
+            <a:endParaRPr lang="en-GB" sz="2600" dirty="0"/>
+          </a:p>
+          <a:p>
+            <a:endParaRPr lang="pt-PT" dirty="0"/>
+          </a:p>
+        </p:txBody>
+      </p:sp>
+      <p:pic>
+        <p:nvPicPr>
+          <p:cNvPr id="8" name="Picture 7">
+            <a:extLst>
+              <a:ext uri="{FF2B5EF4-FFF2-40B4-BE49-F238E27FC236}">
+                <a16:creationId xmlns:a16="http://schemas.microsoft.com/office/drawing/2014/main" id="{1BB1388C-3307-485B-A67E-F0A3F4D87040}"/>
+              </a:ext>
+            </a:extLst>
+          </p:cNvPr>
+          <p:cNvPicPr>
+            <a:picLocks noChangeAspect="1"/>
+          </p:cNvPicPr>
+          <p:nvPr/>
+        </p:nvPicPr>
+        <p:blipFill>
+          <a:blip r:embed="rId7">
+            <a:extLst>
+              <a:ext uri="{28A0092B-C50C-407E-A947-70E740481C1C}">
+                <a14:useLocalDpi xmlns:a14="http://schemas.microsoft.com/office/drawing/2010/main" val="0"/>
+              </a:ext>
+            </a:extLst>
+          </a:blip>
+          <a:stretch>
+            <a:fillRect/>
+          </a:stretch>
+        </p:blipFill>
+        <p:spPr>
+          <a:xfrm>
+            <a:off x="1024127" y="3528780"/>
+            <a:ext cx="4479830" cy="2488775"/>
+          </a:xfrm>
+          <a:prstGeom prst="rect">
+            <a:avLst/>
+          </a:prstGeom>
+        </p:spPr>
+      </p:pic>
+      <p:pic>
+        <p:nvPicPr>
+          <p:cNvPr id="9" name="Picture 8">
+            <a:extLst>
+              <a:ext uri="{FF2B5EF4-FFF2-40B4-BE49-F238E27FC236}">
+                <a16:creationId xmlns:a16="http://schemas.microsoft.com/office/drawing/2014/main" id="{95AC01B4-DAD8-49FC-889C-3463CCED635D}"/>
+              </a:ext>
+            </a:extLst>
+          </p:cNvPr>
+          <p:cNvPicPr>
+            <a:picLocks noChangeAspect="1"/>
+          </p:cNvPicPr>
+          <p:nvPr/>
+        </p:nvPicPr>
+        <p:blipFill>
+          <a:blip r:embed="rId8" cstate="print">
+            <a:extLst>
+              <a:ext uri="{28A0092B-C50C-407E-A947-70E740481C1C}">
+                <a14:useLocalDpi xmlns:a14="http://schemas.microsoft.com/office/drawing/2010/main" val="0"/>
+              </a:ext>
+            </a:extLst>
+          </a:blip>
+          <a:srcRect/>
+          <a:stretch>
+            <a:fillRect/>
+          </a:stretch>
+        </p:blipFill>
+        <p:spPr bwMode="auto">
+          <a:xfrm>
+            <a:off x="6427589" y="3528781"/>
+            <a:ext cx="3842157" cy="2488775"/>
+          </a:xfrm>
+          <a:prstGeom prst="rect">
+            <a:avLst/>
+          </a:prstGeom>
+          <a:noFill/>
+          <a:ln>
+            <a:noFill/>
+          </a:ln>
+        </p:spPr>
+      </p:pic>
+      <p:pic>
+        <p:nvPicPr>
+          <p:cNvPr id="12" name="Picture 11" descr="Chart, line chart, scatter chart&#10;&#10;Description automatically generated">
+            <a:extLst>
+              <a:ext uri="{FF2B5EF4-FFF2-40B4-BE49-F238E27FC236}">
+                <a16:creationId xmlns:a16="http://schemas.microsoft.com/office/drawing/2014/main" id="{E8F786DE-D16F-49C7-A2DB-29D6200A1596}"/>
+              </a:ext>
+            </a:extLst>
+          </p:cNvPr>
+          <p:cNvPicPr>
+            <a:picLocks noChangeAspect="1"/>
+          </p:cNvPicPr>
+          <p:nvPr/>
+        </p:nvPicPr>
+        <p:blipFill>
+          <a:blip r:embed="rId9">
+            <a:extLst>
+              <a:ext uri="{28A0092B-C50C-407E-A947-70E740481C1C}">
+                <a14:useLocalDpi xmlns:a14="http://schemas.microsoft.com/office/drawing/2010/main" val="0"/>
+              </a:ext>
+            </a:extLst>
+          </a:blip>
+          <a:stretch>
+            <a:fillRect/>
+          </a:stretch>
+        </p:blipFill>
+        <p:spPr>
+          <a:xfrm>
+            <a:off x="6427589" y="585216"/>
+            <a:ext cx="3842157" cy="2542082"/>
+          </a:xfrm>
+          <a:prstGeom prst="rect">
+            <a:avLst/>
+          </a:prstGeom>
+        </p:spPr>
+      </p:pic>
+    </p:spTree>
+    <p:extLst>
+      <p:ext uri="{BB962C8B-B14F-4D97-AF65-F5344CB8AC3E}">
+        <p14:creationId xmlns:p14="http://schemas.microsoft.com/office/powerpoint/2010/main" val="1484628138"/>
+      </p:ext>
+    </p:extLst>
+  </p:cSld>
+  <p:clrMapOvr>
+    <a:masterClrMapping/>
+  </p:clrMapOvr>
+</p:sld>
+</file>
+
+<file path=ppt/slides/slide4.xml><?xml version="1.0" encoding="utf-8"?>
+<p:sld xmlns:a="http://schemas.openxmlformats.org/drawingml/2006/main" xmlns:r="http://schemas.openxmlformats.org/officeDocument/2006/relationships" xmlns:p="http://schemas.openxmlformats.org/presentationml/2006/main">
+  <p:cSld>
+    <p:spTree>
+      <p:nvGrpSpPr>
+        <p:cNvPr id="1" name=""/>
+        <p:cNvGrpSpPr/>
+        <p:nvPr/>
+      </p:nvGrpSpPr>
+      <p:grpSpPr>
+        <a:xfrm>
+          <a:off x="0" y="0"/>
+          <a:ext cx="0" cy="0"/>
+          <a:chOff x="0" y="0"/>
+          <a:chExt cx="0" cy="0"/>
+        </a:xfrm>
+      </p:grpSpPr>
+      <p:sp>
+        <p:nvSpPr>
+          <p:cNvPr id="4" name="TextBox 3">
+            <a:extLst>
+              <a:ext uri="{FF2B5EF4-FFF2-40B4-BE49-F238E27FC236}">
+                <a16:creationId xmlns:a16="http://schemas.microsoft.com/office/drawing/2014/main" id="{A29EDA30-9885-4793-AB16-0871349DD36E}"/>
+              </a:ext>
+            </a:extLst>
+          </p:cNvPr>
+          <p:cNvSpPr txBox="1"/>
+          <p:nvPr/>
+        </p:nvSpPr>
+        <p:spPr>
+          <a:xfrm>
+            <a:off x="231006" y="171450"/>
+            <a:ext cx="716922" cy="2265458"/>
+          </a:xfrm>
+          <a:prstGeom prst="rect">
+            <a:avLst/>
+          </a:prstGeom>
+          <a:solidFill>
+            <a:schemeClr val="bg1"/>
+          </a:solidFill>
+        </p:spPr>
+        <p:txBody>
+          <a:bodyPr wrap="square" rtlCol="0">
+            <a:spAutoFit/>
+          </a:bodyPr>
+          <a:lstStyle/>
+          <a:p>
+            <a:endParaRPr lang="en-GB" dirty="0"/>
+          </a:p>
+        </p:txBody>
+      </p:sp>
+      <p:sp>
+        <p:nvSpPr>
+          <p:cNvPr id="2" name="Title 1">
+            <a:extLst>
+              <a:ext uri="{FF2B5EF4-FFF2-40B4-BE49-F238E27FC236}">
+                <a16:creationId xmlns:a16="http://schemas.microsoft.com/office/drawing/2014/main" id="{DEE429DE-16B6-4840-AB34-DC60BAC8CD14}"/>
+              </a:ext>
+            </a:extLst>
+          </p:cNvPr>
+          <p:cNvSpPr>
+            <a:spLocks noGrp="1"/>
+          </p:cNvSpPr>
+          <p:nvPr>
+            <p:ph type="title"/>
+          </p:nvPr>
+        </p:nvSpPr>
+        <p:spPr>
+          <a:xfrm>
+            <a:off x="947928" y="171450"/>
+            <a:ext cx="9720072" cy="935455"/>
+          </a:xfrm>
+        </p:spPr>
+        <p:txBody>
+          <a:bodyPr/>
+          <a:lstStyle/>
+          <a:p>
+            <a:r>
+              <a:rPr lang="en-GB" dirty="0"/>
+              <a:t>Key Findings</a:t>
+            </a:r>
+          </a:p>
+        </p:txBody>
+      </p:sp>
+      <p:sp>
+        <p:nvSpPr>
+          <p:cNvPr id="3" name="Content Placeholder 2">
+            <a:extLst>
+              <a:ext uri="{FF2B5EF4-FFF2-40B4-BE49-F238E27FC236}">
+                <a16:creationId xmlns:a16="http://schemas.microsoft.com/office/drawing/2014/main" id="{D95F98AC-FDB5-4613-9807-237F77E9D651}"/>
+              </a:ext>
+            </a:extLst>
+          </p:cNvPr>
+          <p:cNvSpPr>
+            <a:spLocks noGrp="1"/>
+          </p:cNvSpPr>
+          <p:nvPr>
+            <p:ph sz="half" idx="1"/>
+          </p:nvPr>
+        </p:nvSpPr>
+        <p:spPr>
+          <a:xfrm>
+            <a:off x="947927" y="3733301"/>
+            <a:ext cx="3528823" cy="3059344"/>
+          </a:xfrm>
+        </p:spPr>
+        <p:txBody>
+          <a:bodyPr>
+            <a:normAutofit fontScale="70000" lnSpcReduction="20000"/>
+          </a:bodyPr>
+          <a:lstStyle/>
+          <a:p>
+            <a:pPr marL="0" indent="0">
+              <a:buNone/>
+            </a:pPr>
+            <a:r>
+              <a:rPr lang="en-GB" b="1" u="sng" dirty="0">
+                <a:solidFill>
+                  <a:schemeClr val="accent2">
+                    <a:lumMod val="75000"/>
+                  </a:schemeClr>
+                </a:solidFill>
+              </a:rPr>
+              <a:t>More willing to cancel:</a:t>
+            </a:r>
+          </a:p>
+          <a:p>
+            <a:pPr>
+              <a:buBlip>
+                <a:blip r:embed="rId3">
+                  <a:extLst>
+                    <a:ext uri="{96DAC541-7B7A-43D3-8B79-37D633B846F1}">
+                      <asvg:svgBlip xmlns:asvg="http://schemas.microsoft.com/office/drawing/2016/SVG/main" r:embed="rId4"/>
+                    </a:ext>
+                  </a:extLst>
+                </a:blip>
+              </a:buBlip>
+            </a:pPr>
+            <a:r>
+              <a:rPr lang="en-GB" dirty="0"/>
+              <a:t>Arrival months: April to June </a:t>
+            </a:r>
+          </a:p>
+          <a:p>
+            <a:pPr>
+              <a:buBlip>
+                <a:blip r:embed="rId3">
+                  <a:extLst>
+                    <a:ext uri="{96DAC541-7B7A-43D3-8B79-37D633B846F1}">
+                      <asvg:svgBlip xmlns:asvg="http://schemas.microsoft.com/office/drawing/2016/SVG/main" r:embed="rId4"/>
+                    </a:ext>
+                  </a:extLst>
+                </a:blip>
+              </a:buBlip>
+            </a:pPr>
+            <a:r>
+              <a:rPr lang="en-GB" dirty="0"/>
+              <a:t>Bookings with no children and/or babies</a:t>
+            </a:r>
+          </a:p>
+          <a:p>
+            <a:pPr>
+              <a:buBlip>
+                <a:blip r:embed="rId3">
+                  <a:extLst>
+                    <a:ext uri="{96DAC541-7B7A-43D3-8B79-37D633B846F1}">
+                      <asvg:svgBlip xmlns:asvg="http://schemas.microsoft.com/office/drawing/2016/SVG/main" r:embed="rId4"/>
+                    </a:ext>
+                  </a:extLst>
+                </a:blip>
+              </a:buBlip>
+            </a:pPr>
+            <a:r>
+              <a:rPr lang="en-GB" dirty="0"/>
+              <a:t>Meals: Bed &amp; Breakfast</a:t>
+            </a:r>
+          </a:p>
+          <a:p>
+            <a:pPr>
+              <a:buBlip>
+                <a:blip r:embed="rId3">
+                  <a:extLst>
+                    <a:ext uri="{96DAC541-7B7A-43D3-8B79-37D633B846F1}">
+                      <asvg:svgBlip xmlns:asvg="http://schemas.microsoft.com/office/drawing/2016/SVG/main" r:embed="rId4"/>
+                    </a:ext>
+                  </a:extLst>
+                </a:blip>
+              </a:buBlip>
+            </a:pPr>
+            <a:r>
+              <a:rPr lang="en-GB" dirty="0"/>
+              <a:t>Distribution channel: TA or TO </a:t>
+            </a:r>
+          </a:p>
+          <a:p>
+            <a:pPr>
+              <a:buBlip>
+                <a:blip r:embed="rId3">
+                  <a:extLst>
+                    <a:ext uri="{96DAC541-7B7A-43D3-8B79-37D633B846F1}">
+                      <asvg:svgBlip xmlns:asvg="http://schemas.microsoft.com/office/drawing/2016/SVG/main" r:embed="rId4"/>
+                    </a:ext>
+                  </a:extLst>
+                </a:blip>
+              </a:buBlip>
+            </a:pPr>
+            <a:r>
+              <a:rPr lang="en-GB" dirty="0"/>
+              <a:t>Higher lead time</a:t>
+            </a:r>
+          </a:p>
+          <a:p>
+            <a:pPr marL="0" indent="0">
+              <a:buNone/>
+            </a:pPr>
+            <a:r>
+              <a:rPr lang="en-GB" b="1" u="sng" dirty="0">
+                <a:solidFill>
+                  <a:schemeClr val="accent2">
+                    <a:lumMod val="75000"/>
+                  </a:schemeClr>
+                </a:solidFill>
+              </a:rPr>
+              <a:t>Less willing to cancel:</a:t>
+            </a:r>
+          </a:p>
+          <a:p>
+            <a:pPr>
+              <a:buBlip>
+                <a:blip r:embed="rId3">
+                  <a:extLst>
+                    <a:ext uri="{96DAC541-7B7A-43D3-8B79-37D633B846F1}">
+                      <asvg:svgBlip xmlns:asvg="http://schemas.microsoft.com/office/drawing/2016/SVG/main" r:embed="rId4"/>
+                    </a:ext>
+                  </a:extLst>
+                </a:blip>
+              </a:buBlip>
+            </a:pPr>
+            <a:r>
+              <a:rPr lang="en-GB" dirty="0"/>
+              <a:t>Customer type: Groups and transient-party</a:t>
+            </a:r>
+          </a:p>
+          <a:p>
+            <a:pPr>
+              <a:buBlip>
+                <a:blip r:embed="rId3">
+                  <a:extLst>
+                    <a:ext uri="{96DAC541-7B7A-43D3-8B79-37D633B846F1}">
+                      <asvg:svgBlip xmlns:asvg="http://schemas.microsoft.com/office/drawing/2016/SVG/main" r:embed="rId4"/>
+                    </a:ext>
+                  </a:extLst>
+                </a:blip>
+              </a:buBlip>
+            </a:pPr>
+            <a:r>
+              <a:rPr lang="en-GB" dirty="0"/>
+              <a:t>Repeated guests</a:t>
+            </a:r>
+          </a:p>
+          <a:p>
+            <a:endParaRPr lang="en-GB" dirty="0"/>
+          </a:p>
+          <a:p>
+            <a:pPr lvl="1" algn="ctr">
+              <a:buBlip>
+                <a:blip r:embed="rId3">
+                  <a:extLst>
+                    <a:ext uri="{96DAC541-7B7A-43D3-8B79-37D633B846F1}">
+                      <asvg:svgBlip xmlns:asvg="http://schemas.microsoft.com/office/drawing/2016/SVG/main" r:embed="rId4"/>
+                    </a:ext>
+                  </a:extLst>
+                </a:blip>
+              </a:buBlip>
+            </a:pPr>
+            <a:endParaRPr lang="en-GB" dirty="0"/>
+          </a:p>
+        </p:txBody>
+      </p:sp>
+      <p:pic>
+        <p:nvPicPr>
+          <p:cNvPr id="11" name="Picture 10">
+            <a:extLst>
+              <a:ext uri="{FF2B5EF4-FFF2-40B4-BE49-F238E27FC236}">
+                <a16:creationId xmlns:a16="http://schemas.microsoft.com/office/drawing/2014/main" id="{18A39253-8338-4683-B96F-6DEEBC1FA4D4}"/>
+              </a:ext>
+            </a:extLst>
+          </p:cNvPr>
+          <p:cNvPicPr>
+            <a:picLocks noChangeAspect="1"/>
+          </p:cNvPicPr>
+          <p:nvPr/>
+        </p:nvPicPr>
+        <p:blipFill>
+          <a:blip r:embed="rId5">
+            <a:duotone>
+              <a:schemeClr val="accent1">
+                <a:shade val="45000"/>
+                <a:satMod val="135000"/>
+              </a:schemeClr>
+              <a:prstClr val="white"/>
+            </a:duotone>
+            <a:extLst>
+              <a:ext uri="{BEBA8EAE-BF5A-486C-A8C5-ECC9F3942E4B}">
+                <a14:imgProps xmlns:a14="http://schemas.microsoft.com/office/drawing/2010/main">
+                  <a14:imgLayer r:embed="rId6">
+                    <a14:imgEffect>
+                      <a14:backgroundRemoval t="6180" b="94944" l="3604" r="94895">
+                        <a14:foregroundMark x1="49850" y1="7865" x2="49850" y2="7865"/>
+                        <a14:foregroundMark x1="17718" y1="69101" x2="17718" y2="69101"/>
+                        <a14:foregroundMark x1="18619" y1="67978" x2="18619" y2="67978"/>
+                        <a14:foregroundMark x1="21321" y1="66292" x2="21321" y2="66292"/>
+                        <a14:foregroundMark x1="23724" y1="65730" x2="23724" y2="65730"/>
+                        <a14:foregroundMark x1="25526" y1="63483" x2="25526" y2="63483"/>
+                        <a14:foregroundMark x1="25826" y1="61798" x2="25826" y2="61798"/>
+                        <a14:foregroundMark x1="27027" y1="60674" x2="27027" y2="60674"/>
+                        <a14:foregroundMark x1="29429" y1="56180" x2="29429" y2="56180"/>
+                        <a14:foregroundMark x1="30931" y1="50000" x2="30931" y2="50000"/>
+                        <a14:foregroundMark x1="31231" y1="42697" x2="31231" y2="42697"/>
+                        <a14:foregroundMark x1="31532" y1="35393" x2="31532" y2="35393"/>
+                        <a14:foregroundMark x1="30631" y1="47191" x2="30631" y2="47191"/>
+                        <a14:foregroundMark x1="30931" y1="40449" x2="30931" y2="40449"/>
+                        <a14:foregroundMark x1="31532" y1="33708" x2="31532" y2="33708"/>
+                        <a14:foregroundMark x1="30931" y1="30337" x2="30931" y2="30337"/>
+                        <a14:foregroundMark x1="30330" y1="27528" x2="30330" y2="27528"/>
+                        <a14:foregroundMark x1="30030" y1="24157" x2="30030" y2="24157"/>
+                        <a14:foregroundMark x1="29129" y1="22472" x2="29129" y2="22472"/>
+                        <a14:foregroundMark x1="28228" y1="20225" x2="28228" y2="20225"/>
+                        <a14:foregroundMark x1="27628" y1="17416" x2="27628" y2="17416"/>
+                        <a14:foregroundMark x1="27327" y1="17416" x2="27327" y2="17416"/>
+                        <a14:foregroundMark x1="25526" y1="15169" x2="25526" y2="15169"/>
+                        <a14:foregroundMark x1="17117" y1="67978" x2="17117" y2="67978"/>
+                        <a14:foregroundMark x1="15015" y1="69101" x2="15015" y2="69101"/>
+                        <a14:foregroundMark x1="13213" y1="69101" x2="13213" y2="69101"/>
+                        <a14:foregroundMark x1="11411" y1="69663" x2="11411" y2="69663"/>
+                        <a14:foregroundMark x1="9009" y1="69663" x2="9009" y2="69663"/>
+                        <a14:foregroundMark x1="6907" y1="69101" x2="6907" y2="69101"/>
+                        <a14:foregroundMark x1="6607" y1="67978" x2="6607" y2="67978"/>
+                        <a14:foregroundMark x1="6607" y1="65730" x2="6607" y2="65730"/>
+                        <a14:foregroundMark x1="5105" y1="70787" x2="5105" y2="70787"/>
+                        <a14:foregroundMark x1="3904" y1="71348" x2="3904" y2="71348"/>
+                        <a14:foregroundMark x1="5105" y1="66292" x2="5105" y2="66292"/>
+                        <a14:foregroundMark x1="5105" y1="61798" x2="5105" y2="61798"/>
+                        <a14:foregroundMark x1="5706" y1="58989" x2="5706" y2="58989"/>
+                        <a14:foregroundMark x1="5706" y1="56180" x2="5706" y2="56180"/>
+                        <a14:foregroundMark x1="5405" y1="51124" x2="5405" y2="51124"/>
+                        <a14:foregroundMark x1="5405" y1="47753" x2="5405" y2="47753"/>
+                        <a14:foregroundMark x1="5405" y1="39888" x2="5405" y2="39888"/>
+                        <a14:foregroundMark x1="5105" y1="43258" x2="5105" y2="43258"/>
+                        <a14:foregroundMark x1="5405" y1="33146" x2="5405" y2="33146"/>
+                        <a14:foregroundMark x1="5706" y1="37640" x2="5706" y2="37640"/>
+                        <a14:foregroundMark x1="5706" y1="29213" x2="5706" y2="29213"/>
+                        <a14:foregroundMark x1="5706" y1="21348" x2="5706" y2="21348"/>
+                        <a14:foregroundMark x1="5706" y1="25843" x2="5706" y2="25843"/>
+                        <a14:foregroundMark x1="6306" y1="17416" x2="6306" y2="17416"/>
+                        <a14:foregroundMark x1="6306" y1="14045" x2="6306" y2="14045"/>
+                        <a14:foregroundMark x1="6306" y1="10112" x2="6306" y2="10112"/>
+                        <a14:foregroundMark x1="6006" y1="6742" x2="6006" y2="6742"/>
+                        <a14:foregroundMark x1="7207" y1="7303" x2="7207" y2="7303"/>
+                        <a14:foregroundMark x1="10511" y1="7303" x2="10511" y2="7303"/>
+                        <a14:foregroundMark x1="12312" y1="8427" x2="12312" y2="8427"/>
+                        <a14:foregroundMark x1="14715" y1="8427" x2="14715" y2="8427"/>
+                        <a14:foregroundMark x1="17417" y1="8989" x2="17417" y2="8989"/>
+                        <a14:foregroundMark x1="74174" y1="10112" x2="74174" y2="10112"/>
+                        <a14:foregroundMark x1="74474" y1="16292" x2="74474" y2="16292"/>
+                        <a14:foregroundMark x1="74775" y1="14045" x2="74775" y2="14045"/>
+                        <a14:foregroundMark x1="75375" y1="9551" x2="75375" y2="9551"/>
+                        <a14:foregroundMark x1="74775" y1="12360" x2="74775" y2="12360"/>
+                        <a14:foregroundMark x1="73874" y1="6742" x2="73874" y2="6742"/>
+                        <a14:foregroundMark x1="75676" y1="10112" x2="75676" y2="10112"/>
+                        <a14:foregroundMark x1="77778" y1="9551" x2="77778" y2="9551"/>
+                        <a14:foregroundMark x1="75075" y1="17416" x2="75075" y2="17416"/>
+                        <a14:foregroundMark x1="74474" y1="24719" x2="74474" y2="24719"/>
+                        <a14:foregroundMark x1="74474" y1="20787" x2="74474" y2="20787"/>
+                        <a14:foregroundMark x1="75375" y1="29775" x2="75375" y2="29775"/>
+                        <a14:foregroundMark x1="75075" y1="34270" x2="75075" y2="34270"/>
+                        <a14:foregroundMark x1="74775" y1="32584" x2="74775" y2="32584"/>
+                        <a14:foregroundMark x1="75075" y1="38202" x2="75075" y2="38202"/>
+                        <a14:foregroundMark x1="75075" y1="42697" x2="75075" y2="42697"/>
+                        <a14:foregroundMark x1="74474" y1="41011" x2="74474" y2="41011"/>
+                        <a14:foregroundMark x1="74174" y1="48315" x2="74174" y2="48315"/>
+                        <a14:foregroundMark x1="74775" y1="52809" x2="74775" y2="52809"/>
+                        <a14:foregroundMark x1="75375" y1="58427" x2="75375" y2="58427"/>
+                        <a14:foregroundMark x1="75075" y1="62360" x2="75075" y2="62360"/>
+                        <a14:foregroundMark x1="75075" y1="65730" x2="75075" y2="65730"/>
+                        <a14:foregroundMark x1="75075" y1="68539" x2="75075" y2="68539"/>
+                        <a14:foregroundMark x1="75075" y1="70787" x2="75075" y2="70787"/>
+                        <a14:foregroundMark x1="82583" y1="71348" x2="82583" y2="71348"/>
+                        <a14:foregroundMark x1="80180" y1="70787" x2="80180" y2="70787"/>
+                        <a14:foregroundMark x1="86787" y1="69101" x2="86787" y2="69101"/>
+                        <a14:foregroundMark x1="90691" y1="67416" x2="90691" y2="67416"/>
+                        <a14:foregroundMark x1="85586" y1="69663" x2="85586" y2="69663"/>
+                        <a14:foregroundMark x1="89790" y1="68539" x2="89790" y2="68539"/>
+                        <a14:foregroundMark x1="91892" y1="65169" x2="91892" y2="65169"/>
+                        <a14:foregroundMark x1="93093" y1="63483" x2="93093" y2="63483"/>
+                        <a14:foregroundMark x1="93994" y1="59551" x2="93994" y2="59551"/>
+                        <a14:foregroundMark x1="94595" y1="57303" x2="94595" y2="57303"/>
+                        <a14:foregroundMark x1="94595" y1="53933" x2="94595" y2="53933"/>
+                        <a14:foregroundMark x1="94595" y1="51124" x2="94595" y2="51124"/>
+                        <a14:foregroundMark x1="93994" y1="48315" x2="93994" y2="48315"/>
+                        <a14:foregroundMark x1="93694" y1="46629" x2="93694" y2="46629"/>
+                        <a14:foregroundMark x1="93093" y1="42697" x2="93093" y2="42697"/>
+                        <a14:foregroundMark x1="91592" y1="42135" x2="91592" y2="42135"/>
+                        <a14:foregroundMark x1="89189" y1="40449" x2="89189" y2="40449"/>
+                        <a14:foregroundMark x1="89189" y1="38764" x2="89189" y2="38764"/>
+                        <a14:foregroundMark x1="86486" y1="35955" x2="86486" y2="35955"/>
+                        <a14:foregroundMark x1="84384" y1="37079" x2="84384" y2="37079"/>
+                        <a14:foregroundMark x1="81381" y1="36517" x2="81381" y2="36517"/>
+                        <a14:foregroundMark x1="78679" y1="36517" x2="78679" y2="36517"/>
+                        <a14:foregroundMark x1="84384" y1="37079" x2="84384" y2="37079"/>
+                        <a14:foregroundMark x1="84985" y1="34831" x2="84985" y2="34831"/>
+                        <a14:foregroundMark x1="89790" y1="34831" x2="89790" y2="34831"/>
+                        <a14:foregroundMark x1="91291" y1="32584" x2="91291" y2="32584"/>
+                        <a14:foregroundMark x1="92192" y1="30337" x2="92192" y2="30337"/>
+                        <a14:foregroundMark x1="92492" y1="29213" x2="92492" y2="29213"/>
+                        <a14:foregroundMark x1="92492" y1="26966" x2="92492" y2="26966"/>
+                        <a14:foregroundMark x1="92492" y1="24157" x2="92492" y2="24157"/>
+                        <a14:foregroundMark x1="93694" y1="29775" x2="93694" y2="29775"/>
+                        <a14:foregroundMark x1="94595" y1="26404" x2="94595" y2="26404"/>
+                        <a14:foregroundMark x1="94895" y1="23596" x2="94895" y2="23596"/>
+                        <a14:foregroundMark x1="94895" y1="20225" x2="94895" y2="20225"/>
+                        <a14:foregroundMark x1="95495" y1="18539" x2="95495" y2="18539"/>
+                        <a14:foregroundMark x1="93093" y1="17416" x2="93093" y2="17416"/>
+                        <a14:foregroundMark x1="92492" y1="14607" x2="92492" y2="14607"/>
+                        <a14:foregroundMark x1="91592" y1="11798" x2="91592" y2="11798"/>
+                        <a14:foregroundMark x1="89489" y1="10674" x2="89489" y2="10674"/>
+                        <a14:foregroundMark x1="87087" y1="10112" x2="87087" y2="10112"/>
+                        <a14:foregroundMark x1="76577" y1="67978" x2="76577" y2="67978"/>
+                        <a14:foregroundMark x1="78979" y1="69101" x2="78979" y2="69101"/>
+                        <a14:foregroundMark x1="81381" y1="69101" x2="81381" y2="69101"/>
+                        <a14:foregroundMark x1="15916" y1="7865" x2="15916" y2="7865"/>
+                        <a14:foregroundMark x1="18619" y1="7303" x2="18619" y2="7303"/>
+                        <a14:foregroundMark x1="21021" y1="8989" x2="21021" y2="8989"/>
+                        <a14:foregroundMark x1="3904" y1="88764" x2="3904" y2="88764"/>
+                        <a14:foregroundMark x1="3604" y1="84270" x2="3604" y2="84270"/>
+                        <a14:foregroundMark x1="4805" y1="82022" x2="4805" y2="82022"/>
+                        <a14:foregroundMark x1="6607" y1="80337" x2="6607" y2="80337"/>
+                        <a14:foregroundMark x1="8408" y1="79213" x2="8408" y2="79213"/>
+                        <a14:foregroundMark x1="9309" y1="81461" x2="9309" y2="81461"/>
+                        <a14:foregroundMark x1="6607" y1="90449" x2="6607" y2="90449"/>
+                        <a14:foregroundMark x1="8108" y1="88764" x2="8108" y2="88764"/>
+                        <a14:foregroundMark x1="9009" y1="87640" x2="9009" y2="87640"/>
+                        <a14:foregroundMark x1="15616" y1="88764" x2="15616" y2="88764"/>
+                        <a14:foregroundMark x1="15916" y1="84831" x2="15916" y2="84831"/>
+                        <a14:foregroundMark x1="19820" y1="88764" x2="19820" y2="88764"/>
+                        <a14:foregroundMark x1="26727" y1="84831" x2="26727" y2="84831"/>
+                        <a14:foregroundMark x1="27327" y1="83146" x2="27327" y2="83146"/>
+                        <a14:foregroundMark x1="26126" y1="88202" x2="26126" y2="88202"/>
+                        <a14:foregroundMark x1="29429" y1="83146" x2="29429" y2="83146"/>
+                        <a14:foregroundMark x1="30330" y1="83708" x2="30330" y2="83708"/>
+                        <a14:foregroundMark x1="39039" y1="86517" x2="39039" y2="86517"/>
+                        <a14:foregroundMark x1="40240" y1="88764" x2="40240" y2="88764"/>
+                        <a14:foregroundMark x1="46847" y1="86517" x2="46847" y2="86517"/>
+                        <a14:foregroundMark x1="51051" y1="89326" x2="51051" y2="89326"/>
+                        <a14:foregroundMark x1="58559" y1="82584" x2="58559" y2="82584"/>
+                        <a14:foregroundMark x1="57658" y1="88764" x2="57658" y2="88764"/>
+                        <a14:foregroundMark x1="66667" y1="83146" x2="66667" y2="83146"/>
+                        <a14:foregroundMark x1="75075" y1="79775" x2="75075" y2="79775"/>
+                        <a14:foregroundMark x1="74775" y1="83146" x2="74775" y2="83146"/>
+                        <a14:foregroundMark x1="81982" y1="83146" x2="81982" y2="83146"/>
+                        <a14:foregroundMark x1="83784" y1="83708" x2="83784" y2="83708"/>
+                        <a14:foregroundMark x1="92192" y1="83708" x2="92192" y2="83708"/>
+                        <a14:foregroundMark x1="51652" y1="6180" x2="51652" y2="6180"/>
+                        <a14:foregroundMark x1="51351" y1="41011" x2="51351" y2="41011"/>
+                        <a14:foregroundMark x1="52553" y1="34270" x2="52553" y2="34270"/>
+                        <a14:foregroundMark x1="91291" y1="88202" x2="91291" y2="88202"/>
+                        <a14:foregroundMark x1="95495" y1="88202" x2="95495" y2="88202"/>
+                        <a14:foregroundMark x1="94895" y1="91573" x2="94895" y2="91573"/>
+                        <a14:foregroundMark x1="92192" y1="94944" x2="92192" y2="94944"/>
+                        <a14:foregroundMark x1="84985" y1="86517" x2="84985" y2="86517"/>
+                        <a14:foregroundMark x1="36937" y1="89888" x2="36937" y2="89888"/>
+                        <a14:foregroundMark x1="51652" y1="6180" x2="51652" y2="6180"/>
+                        <a14:foregroundMark x1="52853" y1="32584" x2="52853" y2="32584"/>
+                        <a14:backgroundMark x1="33934" y1="38764" x2="33934" y2="38764"/>
+                        <a14:backgroundMark x1="33934" y1="42135" x2="33934" y2="42135"/>
+                        <a14:backgroundMark x1="93994" y1="86517" x2="93994" y2="86517"/>
+                        <a14:backgroundMark x1="50751" y1="32022" x2="50751" y2="32022"/>
+                        <a14:backgroundMark x1="20420" y1="89326" x2="20420" y2="89326"/>
+                      </a14:backgroundRemoval>
+                    </a14:imgEffect>
+                  </a14:imgLayer>
+                </a14:imgProps>
+              </a:ext>
+              <a:ext uri="{28A0092B-C50C-407E-A947-70E740481C1C}">
+                <a14:useLocalDpi xmlns:a14="http://schemas.microsoft.com/office/drawing/2010/main" val="0"/>
+              </a:ext>
+            </a:extLst>
+          </a:blip>
+          <a:stretch>
+            <a:fillRect/>
+          </a:stretch>
+        </p:blipFill>
+        <p:spPr>
+          <a:xfrm>
+            <a:off x="10946660" y="6203967"/>
+            <a:ext cx="1147018" cy="613121"/>
+          </a:xfrm>
+          <a:prstGeom prst="rect">
+            <a:avLst/>
+          </a:prstGeom>
+        </p:spPr>
+      </p:pic>
+      <p:pic>
+        <p:nvPicPr>
+          <p:cNvPr id="8" name="Picture 7" descr="Chart, box and whisker chart&#10;&#10;Description automatically generated">
+            <a:extLst>
+              <a:ext uri="{FF2B5EF4-FFF2-40B4-BE49-F238E27FC236}">
+                <a16:creationId xmlns:a16="http://schemas.microsoft.com/office/drawing/2014/main" id="{1E135F0B-33BD-44A5-8193-870A255C7448}"/>
+              </a:ext>
+            </a:extLst>
+          </p:cNvPr>
+          <p:cNvPicPr>
+            <a:picLocks noChangeAspect="1"/>
+          </p:cNvPicPr>
+          <p:nvPr/>
+        </p:nvPicPr>
+        <p:blipFill>
+          <a:blip r:embed="rId7">
+            <a:extLst>
+              <a:ext uri="{28A0092B-C50C-407E-A947-70E740481C1C}">
+                <a14:useLocalDpi xmlns:a14="http://schemas.microsoft.com/office/drawing/2010/main" val="0"/>
+              </a:ext>
+            </a:extLst>
+          </a:blip>
+          <a:stretch>
+            <a:fillRect/>
+          </a:stretch>
+        </p:blipFill>
+        <p:spPr>
+          <a:xfrm>
+            <a:off x="8820150" y="3828494"/>
+            <a:ext cx="1847850" cy="2697066"/>
+          </a:xfrm>
+          <a:prstGeom prst="rect">
+            <a:avLst/>
+          </a:prstGeom>
+        </p:spPr>
+      </p:pic>
+      <p:pic>
+        <p:nvPicPr>
+          <p:cNvPr id="9" name="Picture 8">
+            <a:extLst>
+              <a:ext uri="{FF2B5EF4-FFF2-40B4-BE49-F238E27FC236}">
+                <a16:creationId xmlns:a16="http://schemas.microsoft.com/office/drawing/2014/main" id="{35C457C5-F3FF-493C-96BD-30399FD594BC}"/>
+              </a:ext>
+            </a:extLst>
+          </p:cNvPr>
+          <p:cNvPicPr>
+            <a:picLocks noChangeAspect="1"/>
+          </p:cNvPicPr>
+          <p:nvPr/>
+        </p:nvPicPr>
+        <p:blipFill>
+          <a:blip r:embed="rId8"/>
+          <a:stretch>
+            <a:fillRect/>
+          </a:stretch>
+        </p:blipFill>
+        <p:spPr>
+          <a:xfrm>
+            <a:off x="5784758" y="3828493"/>
+            <a:ext cx="2779938" cy="2697067"/>
+          </a:xfrm>
+          <a:prstGeom prst="rect">
+            <a:avLst/>
+          </a:prstGeom>
+        </p:spPr>
+      </p:pic>
+      <p:pic>
+        <p:nvPicPr>
+          <p:cNvPr id="16" name="Picture 15" descr="Chart, bar chart&#10;&#10;Description automatically generated">
+            <a:extLst>
+              <a:ext uri="{FF2B5EF4-FFF2-40B4-BE49-F238E27FC236}">
+                <a16:creationId xmlns:a16="http://schemas.microsoft.com/office/drawing/2014/main" id="{DE94F846-054E-44E9-8F45-C57D595FB59C}"/>
+              </a:ext>
+            </a:extLst>
+          </p:cNvPr>
+          <p:cNvPicPr>
+            <a:picLocks noChangeAspect="1"/>
+          </p:cNvPicPr>
+          <p:nvPr/>
+        </p:nvPicPr>
+        <p:blipFill>
+          <a:blip r:embed="rId9">
+            <a:extLst>
+              <a:ext uri="{28A0092B-C50C-407E-A947-70E740481C1C}">
+                <a14:useLocalDpi xmlns:a14="http://schemas.microsoft.com/office/drawing/2010/main" val="0"/>
+              </a:ext>
+            </a:extLst>
+          </a:blip>
+          <a:stretch>
+            <a:fillRect/>
+          </a:stretch>
+        </p:blipFill>
+        <p:spPr>
+          <a:xfrm>
+            <a:off x="5784758" y="1019753"/>
+            <a:ext cx="4860036" cy="2591099"/>
+          </a:xfrm>
+          <a:prstGeom prst="rect">
+            <a:avLst/>
+          </a:prstGeom>
+        </p:spPr>
+      </p:pic>
+      <p:pic>
+        <p:nvPicPr>
+          <p:cNvPr id="18" name="Picture 17">
+            <a:extLst>
+              <a:ext uri="{FF2B5EF4-FFF2-40B4-BE49-F238E27FC236}">
+                <a16:creationId xmlns:a16="http://schemas.microsoft.com/office/drawing/2014/main" id="{81F9A8E8-38EC-48C2-AF5A-188D996CFDCC}"/>
+              </a:ext>
+            </a:extLst>
+          </p:cNvPr>
+          <p:cNvPicPr>
+            <a:picLocks noChangeAspect="1"/>
+          </p:cNvPicPr>
+          <p:nvPr/>
+        </p:nvPicPr>
+        <p:blipFill>
+          <a:blip r:embed="rId10"/>
+          <a:stretch>
+            <a:fillRect/>
+          </a:stretch>
+        </p:blipFill>
+        <p:spPr>
+          <a:xfrm>
+            <a:off x="947926" y="1019753"/>
+            <a:ext cx="3528823" cy="2591099"/>
+          </a:xfrm>
+          <a:prstGeom prst="rect">
+            <a:avLst/>
+          </a:prstGeom>
+        </p:spPr>
+      </p:pic>
+    </p:spTree>
+    <p:extLst>
+      <p:ext uri="{BB962C8B-B14F-4D97-AF65-F5344CB8AC3E}">
+        <p14:creationId xmlns:p14="http://schemas.microsoft.com/office/powerpoint/2010/main" val="753190076"/>
+      </p:ext>
+    </p:extLst>
+  </p:cSld>
+  <p:clrMapOvr>
+    <a:masterClrMapping/>
+  </p:clrMapOvr>
+</p:sld>
+</file>
+
+<file path=ppt/slides/slide5.xml><?xml version="1.0" encoding="utf-8"?>
+<p:sld xmlns:a="http://schemas.openxmlformats.org/drawingml/2006/main" xmlns:r="http://schemas.openxmlformats.org/officeDocument/2006/relationships" xmlns:p="http://schemas.openxmlformats.org/presentationml/2006/main">
+  <p:cSld>
+    <p:spTree>
+      <p:nvGrpSpPr>
+        <p:cNvPr id="1" name=""/>
+        <p:cNvGrpSpPr/>
+        <p:nvPr/>
+      </p:nvGrpSpPr>
+      <p:grpSpPr>
+        <a:xfrm>
+          <a:off x="0" y="0"/>
+          <a:ext cx="0" cy="0"/>
+          <a:chOff x="0" y="0"/>
+          <a:chExt cx="0" cy="0"/>
+        </a:xfrm>
+      </p:grpSpPr>
+      <p:sp>
+        <p:nvSpPr>
+          <p:cNvPr id="2" name="Title 1">
+            <a:extLst>
+              <a:ext uri="{FF2B5EF4-FFF2-40B4-BE49-F238E27FC236}">
+                <a16:creationId xmlns:a16="http://schemas.microsoft.com/office/drawing/2014/main" id="{DEE429DE-16B6-4840-AB34-DC60BAC8CD14}"/>
+              </a:ext>
+            </a:extLst>
+          </p:cNvPr>
+          <p:cNvSpPr>
+            <a:spLocks noGrp="1"/>
+          </p:cNvSpPr>
+          <p:nvPr>
+            <p:ph type="title"/>
+          </p:nvPr>
+        </p:nvSpPr>
+        <p:spPr/>
+        <p:txBody>
+          <a:bodyPr/>
+          <a:lstStyle/>
+          <a:p>
+            <a:r>
+              <a:rPr lang="en-GB" dirty="0"/>
+              <a:t>Project Plan</a:t>
+            </a:r>
+          </a:p>
+        </p:txBody>
+      </p:sp>
       <p:sp>
         <p:nvSpPr>
           <p:cNvPr id="4" name="Content Placeholder 3">
@@ -5395,11 +6611,488 @@
             <p:ph sz="half" idx="2"/>
           </p:nvPr>
         </p:nvSpPr>
+        <p:spPr>
+          <a:xfrm>
+            <a:off x="5884164" y="2084832"/>
+            <a:ext cx="6015867" cy="3328737"/>
+          </a:xfrm>
+        </p:spPr>
+        <p:txBody>
+          <a:bodyPr>
+            <a:normAutofit lnSpcReduction="10000"/>
+          </a:bodyPr>
+          <a:lstStyle/>
+          <a:p>
+            <a:pPr lvl="0">
+              <a:buBlip>
+                <a:blip r:embed="rId2">
+                  <a:extLst>
+                    <a:ext uri="{96DAC541-7B7A-43D3-8B79-37D633B846F1}">
+                      <asvg:svgBlip xmlns:asvg="http://schemas.microsoft.com/office/drawing/2016/SVG/main" r:embed="rId3"/>
+                    </a:ext>
+                  </a:extLst>
+                </a:blip>
+              </a:buBlip>
+            </a:pPr>
+            <a:r>
+              <a:rPr lang="en-GB" sz="2150" u="sng" dirty="0">
+                <a:solidFill>
+                  <a:schemeClr val="accent2">
+                    <a:lumMod val="75000"/>
+                  </a:schemeClr>
+                </a:solidFill>
+              </a:rPr>
+              <a:t>Data preparation</a:t>
+            </a:r>
+            <a:r>
+              <a:rPr lang="en-GB" sz="2150" dirty="0"/>
+              <a:t>: Analysis and removal useless information (missing values, inconsistent data and outliers)</a:t>
+            </a:r>
+          </a:p>
+          <a:p>
+            <a:pPr>
+              <a:buBlip>
+                <a:blip r:embed="rId2">
+                  <a:extLst>
+                    <a:ext uri="{96DAC541-7B7A-43D3-8B79-37D633B846F1}">
+                      <asvg:svgBlip xmlns:asvg="http://schemas.microsoft.com/office/drawing/2016/SVG/main" r:embed="rId3"/>
+                    </a:ext>
+                  </a:extLst>
+                </a:blip>
+              </a:buBlip>
+            </a:pPr>
+            <a:r>
+              <a:rPr lang="en-GB" sz="2150" u="sng" dirty="0">
+                <a:solidFill>
+                  <a:schemeClr val="accent2">
+                    <a:lumMod val="75000"/>
+                  </a:schemeClr>
+                </a:solidFill>
+              </a:rPr>
+              <a:t>Generate test design</a:t>
+            </a:r>
+            <a:r>
+              <a:rPr lang="en-GB" sz="2150" dirty="0"/>
+              <a:t>: Keep the duplicates and better distribute them between train and test dataset</a:t>
+            </a:r>
+          </a:p>
+          <a:p>
+            <a:pPr>
+              <a:buBlip>
+                <a:blip r:embed="rId2">
+                  <a:extLst>
+                    <a:ext uri="{96DAC541-7B7A-43D3-8B79-37D633B846F1}">
+                      <asvg:svgBlip xmlns:asvg="http://schemas.microsoft.com/office/drawing/2016/SVG/main" r:embed="rId3"/>
+                    </a:ext>
+                  </a:extLst>
+                </a:blip>
+              </a:buBlip>
+            </a:pPr>
+            <a:r>
+              <a:rPr lang="en-GB" sz="2150" u="sng" dirty="0">
+                <a:solidFill>
+                  <a:schemeClr val="accent2">
+                    <a:lumMod val="75000"/>
+                  </a:schemeClr>
+                </a:solidFill>
+              </a:rPr>
+              <a:t>Feature selection</a:t>
+            </a:r>
+            <a:r>
+              <a:rPr lang="en-GB" sz="2150" dirty="0"/>
+              <a:t>: Mutual Information Coefficient</a:t>
+            </a:r>
+          </a:p>
+          <a:p>
+            <a:pPr>
+              <a:buBlip>
+                <a:blip r:embed="rId2">
+                  <a:extLst>
+                    <a:ext uri="{96DAC541-7B7A-43D3-8B79-37D633B846F1}">
+                      <asvg:svgBlip xmlns:asvg="http://schemas.microsoft.com/office/drawing/2016/SVG/main" r:embed="rId3"/>
+                    </a:ext>
+                  </a:extLst>
+                </a:blip>
+              </a:buBlip>
+            </a:pPr>
+            <a:r>
+              <a:rPr lang="en-GB" sz="2150" u="sng" dirty="0">
+                <a:solidFill>
+                  <a:schemeClr val="accent2">
+                    <a:lumMod val="75000"/>
+                  </a:schemeClr>
+                </a:solidFill>
+              </a:rPr>
+              <a:t>Modelling</a:t>
+            </a:r>
+            <a:r>
+              <a:rPr lang="en-GB" sz="2150" dirty="0"/>
+              <a:t>: Decision Tree, Gradient Boosting, AdaBoost, Random Forest</a:t>
+            </a:r>
+          </a:p>
+          <a:p>
+            <a:pPr>
+              <a:buBlip>
+                <a:blip r:embed="rId2">
+                  <a:extLst>
+                    <a:ext uri="{96DAC541-7B7A-43D3-8B79-37D633B846F1}">
+                      <asvg:svgBlip xmlns:asvg="http://schemas.microsoft.com/office/drawing/2016/SVG/main" r:embed="rId3"/>
+                    </a:ext>
+                  </a:extLst>
+                </a:blip>
+              </a:buBlip>
+            </a:pPr>
+            <a:r>
+              <a:rPr lang="en-GB" sz="2150" u="sng" dirty="0">
+                <a:solidFill>
+                  <a:schemeClr val="accent2">
+                    <a:lumMod val="75000"/>
+                  </a:schemeClr>
+                </a:solidFill>
+              </a:rPr>
+              <a:t>Evaluation</a:t>
+            </a:r>
+            <a:r>
+              <a:rPr lang="en-GB" sz="2150" dirty="0"/>
+              <a:t>: Accuracy, Precision, F1-Score	 </a:t>
+            </a:r>
+          </a:p>
+          <a:p>
+            <a:pPr marL="0" lvl="0" indent="0">
+              <a:buNone/>
+            </a:pPr>
+            <a:endParaRPr lang="en-GB" dirty="0"/>
+          </a:p>
+          <a:p>
+            <a:endParaRPr lang="en-GB" dirty="0"/>
+          </a:p>
+        </p:txBody>
+      </p:sp>
+      <p:pic>
+        <p:nvPicPr>
+          <p:cNvPr id="5" name="Picture 4">
+            <a:extLst>
+              <a:ext uri="{FF2B5EF4-FFF2-40B4-BE49-F238E27FC236}">
+                <a16:creationId xmlns:a16="http://schemas.microsoft.com/office/drawing/2014/main" id="{75035DF1-F637-4C24-A7E4-AE5681F218B0}"/>
+              </a:ext>
+            </a:extLst>
+          </p:cNvPr>
+          <p:cNvPicPr>
+            <a:picLocks noChangeAspect="1"/>
+          </p:cNvPicPr>
+          <p:nvPr/>
+        </p:nvPicPr>
+        <p:blipFill>
+          <a:blip r:embed="rId4">
+            <a:duotone>
+              <a:schemeClr val="accent1">
+                <a:shade val="45000"/>
+                <a:satMod val="135000"/>
+              </a:schemeClr>
+              <a:prstClr val="white"/>
+            </a:duotone>
+            <a:extLst>
+              <a:ext uri="{BEBA8EAE-BF5A-486C-A8C5-ECC9F3942E4B}">
+                <a14:imgProps xmlns:a14="http://schemas.microsoft.com/office/drawing/2010/main">
+                  <a14:imgLayer r:embed="rId5">
+                    <a14:imgEffect>
+                      <a14:backgroundRemoval t="6180" b="94944" l="3604" r="94895">
+                        <a14:foregroundMark x1="49850" y1="7865" x2="49850" y2="7865"/>
+                        <a14:foregroundMark x1="17718" y1="69101" x2="17718" y2="69101"/>
+                        <a14:foregroundMark x1="18619" y1="67978" x2="18619" y2="67978"/>
+                        <a14:foregroundMark x1="21321" y1="66292" x2="21321" y2="66292"/>
+                        <a14:foregroundMark x1="23724" y1="65730" x2="23724" y2="65730"/>
+                        <a14:foregroundMark x1="25526" y1="63483" x2="25526" y2="63483"/>
+                        <a14:foregroundMark x1="25826" y1="61798" x2="25826" y2="61798"/>
+                        <a14:foregroundMark x1="27027" y1="60674" x2="27027" y2="60674"/>
+                        <a14:foregroundMark x1="29429" y1="56180" x2="29429" y2="56180"/>
+                        <a14:foregroundMark x1="30931" y1="50000" x2="30931" y2="50000"/>
+                        <a14:foregroundMark x1="31231" y1="42697" x2="31231" y2="42697"/>
+                        <a14:foregroundMark x1="31532" y1="35393" x2="31532" y2="35393"/>
+                        <a14:foregroundMark x1="30631" y1="47191" x2="30631" y2="47191"/>
+                        <a14:foregroundMark x1="30931" y1="40449" x2="30931" y2="40449"/>
+                        <a14:foregroundMark x1="31532" y1="33708" x2="31532" y2="33708"/>
+                        <a14:foregroundMark x1="30931" y1="30337" x2="30931" y2="30337"/>
+                        <a14:foregroundMark x1="30330" y1="27528" x2="30330" y2="27528"/>
+                        <a14:foregroundMark x1="30030" y1="24157" x2="30030" y2="24157"/>
+                        <a14:foregroundMark x1="29129" y1="22472" x2="29129" y2="22472"/>
+                        <a14:foregroundMark x1="28228" y1="20225" x2="28228" y2="20225"/>
+                        <a14:foregroundMark x1="27628" y1="17416" x2="27628" y2="17416"/>
+                        <a14:foregroundMark x1="27327" y1="17416" x2="27327" y2="17416"/>
+                        <a14:foregroundMark x1="25526" y1="15169" x2="25526" y2="15169"/>
+                        <a14:foregroundMark x1="17117" y1="67978" x2="17117" y2="67978"/>
+                        <a14:foregroundMark x1="15015" y1="69101" x2="15015" y2="69101"/>
+                        <a14:foregroundMark x1="13213" y1="69101" x2="13213" y2="69101"/>
+                        <a14:foregroundMark x1="11411" y1="69663" x2="11411" y2="69663"/>
+                        <a14:foregroundMark x1="9009" y1="69663" x2="9009" y2="69663"/>
+                        <a14:foregroundMark x1="6907" y1="69101" x2="6907" y2="69101"/>
+                        <a14:foregroundMark x1="6607" y1="67978" x2="6607" y2="67978"/>
+                        <a14:foregroundMark x1="6607" y1="65730" x2="6607" y2="65730"/>
+                        <a14:foregroundMark x1="5105" y1="70787" x2="5105" y2="70787"/>
+                        <a14:foregroundMark x1="3904" y1="71348" x2="3904" y2="71348"/>
+                        <a14:foregroundMark x1="5105" y1="66292" x2="5105" y2="66292"/>
+                        <a14:foregroundMark x1="5105" y1="61798" x2="5105" y2="61798"/>
+                        <a14:foregroundMark x1="5706" y1="58989" x2="5706" y2="58989"/>
+                        <a14:foregroundMark x1="5706" y1="56180" x2="5706" y2="56180"/>
+                        <a14:foregroundMark x1="5405" y1="51124" x2="5405" y2="51124"/>
+                        <a14:foregroundMark x1="5405" y1="47753" x2="5405" y2="47753"/>
+                        <a14:foregroundMark x1="5405" y1="39888" x2="5405" y2="39888"/>
+                        <a14:foregroundMark x1="5105" y1="43258" x2="5105" y2="43258"/>
+                        <a14:foregroundMark x1="5405" y1="33146" x2="5405" y2="33146"/>
+                        <a14:foregroundMark x1="5706" y1="37640" x2="5706" y2="37640"/>
+                        <a14:foregroundMark x1="5706" y1="29213" x2="5706" y2="29213"/>
+                        <a14:foregroundMark x1="5706" y1="21348" x2="5706" y2="21348"/>
+                        <a14:foregroundMark x1="5706" y1="25843" x2="5706" y2="25843"/>
+                        <a14:foregroundMark x1="6306" y1="17416" x2="6306" y2="17416"/>
+                        <a14:foregroundMark x1="6306" y1="14045" x2="6306" y2="14045"/>
+                        <a14:foregroundMark x1="6306" y1="10112" x2="6306" y2="10112"/>
+                        <a14:foregroundMark x1="6006" y1="6742" x2="6006" y2="6742"/>
+                        <a14:foregroundMark x1="7207" y1="7303" x2="7207" y2="7303"/>
+                        <a14:foregroundMark x1="10511" y1="7303" x2="10511" y2="7303"/>
+                        <a14:foregroundMark x1="12312" y1="8427" x2="12312" y2="8427"/>
+                        <a14:foregroundMark x1="14715" y1="8427" x2="14715" y2="8427"/>
+                        <a14:foregroundMark x1="17417" y1="8989" x2="17417" y2="8989"/>
+                        <a14:foregroundMark x1="74174" y1="10112" x2="74174" y2="10112"/>
+                        <a14:foregroundMark x1="74474" y1="16292" x2="74474" y2="16292"/>
+                        <a14:foregroundMark x1="74775" y1="14045" x2="74775" y2="14045"/>
+                        <a14:foregroundMark x1="75375" y1="9551" x2="75375" y2="9551"/>
+                        <a14:foregroundMark x1="74775" y1="12360" x2="74775" y2="12360"/>
+                        <a14:foregroundMark x1="73874" y1="6742" x2="73874" y2="6742"/>
+                        <a14:foregroundMark x1="75676" y1="10112" x2="75676" y2="10112"/>
+                        <a14:foregroundMark x1="77778" y1="9551" x2="77778" y2="9551"/>
+                        <a14:foregroundMark x1="75075" y1="17416" x2="75075" y2="17416"/>
+                        <a14:foregroundMark x1="74474" y1="24719" x2="74474" y2="24719"/>
+                        <a14:foregroundMark x1="74474" y1="20787" x2="74474" y2="20787"/>
+                        <a14:foregroundMark x1="75375" y1="29775" x2="75375" y2="29775"/>
+                        <a14:foregroundMark x1="75075" y1="34270" x2="75075" y2="34270"/>
+                        <a14:foregroundMark x1="74775" y1="32584" x2="74775" y2="32584"/>
+                        <a14:foregroundMark x1="75075" y1="38202" x2="75075" y2="38202"/>
+                        <a14:foregroundMark x1="75075" y1="42697" x2="75075" y2="42697"/>
+                        <a14:foregroundMark x1="74474" y1="41011" x2="74474" y2="41011"/>
+                        <a14:foregroundMark x1="74174" y1="48315" x2="74174" y2="48315"/>
+                        <a14:foregroundMark x1="74775" y1="52809" x2="74775" y2="52809"/>
+                        <a14:foregroundMark x1="75375" y1="58427" x2="75375" y2="58427"/>
+                        <a14:foregroundMark x1="75075" y1="62360" x2="75075" y2="62360"/>
+                        <a14:foregroundMark x1="75075" y1="65730" x2="75075" y2="65730"/>
+                        <a14:foregroundMark x1="75075" y1="68539" x2="75075" y2="68539"/>
+                        <a14:foregroundMark x1="75075" y1="70787" x2="75075" y2="70787"/>
+                        <a14:foregroundMark x1="82583" y1="71348" x2="82583" y2="71348"/>
+                        <a14:foregroundMark x1="80180" y1="70787" x2="80180" y2="70787"/>
+                        <a14:foregroundMark x1="86787" y1="69101" x2="86787" y2="69101"/>
+                        <a14:foregroundMark x1="90691" y1="67416" x2="90691" y2="67416"/>
+                        <a14:foregroundMark x1="85586" y1="69663" x2="85586" y2="69663"/>
+                        <a14:foregroundMark x1="89790" y1="68539" x2="89790" y2="68539"/>
+                        <a14:foregroundMark x1="91892" y1="65169" x2="91892" y2="65169"/>
+                        <a14:foregroundMark x1="93093" y1="63483" x2="93093" y2="63483"/>
+                        <a14:foregroundMark x1="93994" y1="59551" x2="93994" y2="59551"/>
+                        <a14:foregroundMark x1="94595" y1="57303" x2="94595" y2="57303"/>
+                        <a14:foregroundMark x1="94595" y1="53933" x2="94595" y2="53933"/>
+                        <a14:foregroundMark x1="94595" y1="51124" x2="94595" y2="51124"/>
+                        <a14:foregroundMark x1="93994" y1="48315" x2="93994" y2="48315"/>
+                        <a14:foregroundMark x1="93694" y1="46629" x2="93694" y2="46629"/>
+                        <a14:foregroundMark x1="93093" y1="42697" x2="93093" y2="42697"/>
+                        <a14:foregroundMark x1="91592" y1="42135" x2="91592" y2="42135"/>
+                        <a14:foregroundMark x1="89189" y1="40449" x2="89189" y2="40449"/>
+                        <a14:foregroundMark x1="89189" y1="38764" x2="89189" y2="38764"/>
+                        <a14:foregroundMark x1="86486" y1="35955" x2="86486" y2="35955"/>
+                        <a14:foregroundMark x1="84384" y1="37079" x2="84384" y2="37079"/>
+                        <a14:foregroundMark x1="81381" y1="36517" x2="81381" y2="36517"/>
+                        <a14:foregroundMark x1="78679" y1="36517" x2="78679" y2="36517"/>
+                        <a14:foregroundMark x1="84384" y1="37079" x2="84384" y2="37079"/>
+                        <a14:foregroundMark x1="84985" y1="34831" x2="84985" y2="34831"/>
+                        <a14:foregroundMark x1="89790" y1="34831" x2="89790" y2="34831"/>
+                        <a14:foregroundMark x1="91291" y1="32584" x2="91291" y2="32584"/>
+                        <a14:foregroundMark x1="92192" y1="30337" x2="92192" y2="30337"/>
+                        <a14:foregroundMark x1="92492" y1="29213" x2="92492" y2="29213"/>
+                        <a14:foregroundMark x1="92492" y1="26966" x2="92492" y2="26966"/>
+                        <a14:foregroundMark x1="92492" y1="24157" x2="92492" y2="24157"/>
+                        <a14:foregroundMark x1="93694" y1="29775" x2="93694" y2="29775"/>
+                        <a14:foregroundMark x1="94595" y1="26404" x2="94595" y2="26404"/>
+                        <a14:foregroundMark x1="94895" y1="23596" x2="94895" y2="23596"/>
+                        <a14:foregroundMark x1="94895" y1="20225" x2="94895" y2="20225"/>
+                        <a14:foregroundMark x1="95495" y1="18539" x2="95495" y2="18539"/>
+                        <a14:foregroundMark x1="93093" y1="17416" x2="93093" y2="17416"/>
+                        <a14:foregroundMark x1="92492" y1="14607" x2="92492" y2="14607"/>
+                        <a14:foregroundMark x1="91592" y1="11798" x2="91592" y2="11798"/>
+                        <a14:foregroundMark x1="89489" y1="10674" x2="89489" y2="10674"/>
+                        <a14:foregroundMark x1="87087" y1="10112" x2="87087" y2="10112"/>
+                        <a14:foregroundMark x1="76577" y1="67978" x2="76577" y2="67978"/>
+                        <a14:foregroundMark x1="78979" y1="69101" x2="78979" y2="69101"/>
+                        <a14:foregroundMark x1="81381" y1="69101" x2="81381" y2="69101"/>
+                        <a14:foregroundMark x1="15916" y1="7865" x2="15916" y2="7865"/>
+                        <a14:foregroundMark x1="18619" y1="7303" x2="18619" y2="7303"/>
+                        <a14:foregroundMark x1="21021" y1="8989" x2="21021" y2="8989"/>
+                        <a14:foregroundMark x1="3904" y1="88764" x2="3904" y2="88764"/>
+                        <a14:foregroundMark x1="3604" y1="84270" x2="3604" y2="84270"/>
+                        <a14:foregroundMark x1="4805" y1="82022" x2="4805" y2="82022"/>
+                        <a14:foregroundMark x1="6607" y1="80337" x2="6607" y2="80337"/>
+                        <a14:foregroundMark x1="8408" y1="79213" x2="8408" y2="79213"/>
+                        <a14:foregroundMark x1="9309" y1="81461" x2="9309" y2="81461"/>
+                        <a14:foregroundMark x1="6607" y1="90449" x2="6607" y2="90449"/>
+                        <a14:foregroundMark x1="8108" y1="88764" x2="8108" y2="88764"/>
+                        <a14:foregroundMark x1="9009" y1="87640" x2="9009" y2="87640"/>
+                        <a14:foregroundMark x1="15616" y1="88764" x2="15616" y2="88764"/>
+                        <a14:foregroundMark x1="15916" y1="84831" x2="15916" y2="84831"/>
+                        <a14:foregroundMark x1="19820" y1="88764" x2="19820" y2="88764"/>
+                        <a14:foregroundMark x1="26727" y1="84831" x2="26727" y2="84831"/>
+                        <a14:foregroundMark x1="27327" y1="83146" x2="27327" y2="83146"/>
+                        <a14:foregroundMark x1="26126" y1="88202" x2="26126" y2="88202"/>
+                        <a14:foregroundMark x1="29429" y1="83146" x2="29429" y2="83146"/>
+                        <a14:foregroundMark x1="30330" y1="83708" x2="30330" y2="83708"/>
+                        <a14:foregroundMark x1="39039" y1="86517" x2="39039" y2="86517"/>
+                        <a14:foregroundMark x1="40240" y1="88764" x2="40240" y2="88764"/>
+                        <a14:foregroundMark x1="46847" y1="86517" x2="46847" y2="86517"/>
+                        <a14:foregroundMark x1="51051" y1="89326" x2="51051" y2="89326"/>
+                        <a14:foregroundMark x1="58559" y1="82584" x2="58559" y2="82584"/>
+                        <a14:foregroundMark x1="57658" y1="88764" x2="57658" y2="88764"/>
+                        <a14:foregroundMark x1="66667" y1="83146" x2="66667" y2="83146"/>
+                        <a14:foregroundMark x1="75075" y1="79775" x2="75075" y2="79775"/>
+                        <a14:foregroundMark x1="74775" y1="83146" x2="74775" y2="83146"/>
+                        <a14:foregroundMark x1="81982" y1="83146" x2="81982" y2="83146"/>
+                        <a14:foregroundMark x1="83784" y1="83708" x2="83784" y2="83708"/>
+                        <a14:foregroundMark x1="92192" y1="83708" x2="92192" y2="83708"/>
+                        <a14:foregroundMark x1="51652" y1="6180" x2="51652" y2="6180"/>
+                        <a14:foregroundMark x1="51351" y1="41011" x2="51351" y2="41011"/>
+                        <a14:foregroundMark x1="52553" y1="34270" x2="52553" y2="34270"/>
+                        <a14:foregroundMark x1="91291" y1="88202" x2="91291" y2="88202"/>
+                        <a14:foregroundMark x1="95495" y1="88202" x2="95495" y2="88202"/>
+                        <a14:foregroundMark x1="94895" y1="91573" x2="94895" y2="91573"/>
+                        <a14:foregroundMark x1="92192" y1="94944" x2="92192" y2="94944"/>
+                        <a14:foregroundMark x1="84985" y1="86517" x2="84985" y2="86517"/>
+                        <a14:foregroundMark x1="36937" y1="89888" x2="36937" y2="89888"/>
+                        <a14:foregroundMark x1="51652" y1="6180" x2="51652" y2="6180"/>
+                        <a14:foregroundMark x1="52853" y1="32584" x2="52853" y2="32584"/>
+                        <a14:backgroundMark x1="33934" y1="38764" x2="33934" y2="38764"/>
+                        <a14:backgroundMark x1="33934" y1="42135" x2="33934" y2="42135"/>
+                        <a14:backgroundMark x1="93994" y1="86517" x2="93994" y2="86517"/>
+                        <a14:backgroundMark x1="50751" y1="32022" x2="50751" y2="32022"/>
+                        <a14:backgroundMark x1="20420" y1="89326" x2="20420" y2="89326"/>
+                      </a14:backgroundRemoval>
+                    </a14:imgEffect>
+                  </a14:imgLayer>
+                </a14:imgProps>
+              </a:ext>
+              <a:ext uri="{28A0092B-C50C-407E-A947-70E740481C1C}">
+                <a14:useLocalDpi xmlns:a14="http://schemas.microsoft.com/office/drawing/2010/main" val="0"/>
+              </a:ext>
+            </a:extLst>
+          </a:blip>
+          <a:stretch>
+            <a:fillRect/>
+          </a:stretch>
+        </p:blipFill>
+        <p:spPr>
+          <a:xfrm>
+            <a:off x="10946660" y="6203967"/>
+            <a:ext cx="1147018" cy="613121"/>
+          </a:xfrm>
+          <a:prstGeom prst="rect">
+            <a:avLst/>
+          </a:prstGeom>
+        </p:spPr>
+      </p:pic>
+      <p:pic>
+        <p:nvPicPr>
+          <p:cNvPr id="12" name="Content Placeholder 11">
+            <a:extLst>
+              <a:ext uri="{FF2B5EF4-FFF2-40B4-BE49-F238E27FC236}">
+                <a16:creationId xmlns:a16="http://schemas.microsoft.com/office/drawing/2014/main" id="{E8AC452C-2C1B-41E2-8D7D-61139DADA6D6}"/>
+              </a:ext>
+            </a:extLst>
+          </p:cNvPr>
+          <p:cNvPicPr>
+            <a:picLocks noGrp="1"/>
+          </p:cNvPicPr>
+          <p:nvPr>
+            <p:ph sz="half" idx="1"/>
+          </p:nvPr>
+        </p:nvPicPr>
+        <p:blipFill>
+          <a:blip r:embed="rId6" cstate="print">
+            <a:extLst>
+              <a:ext uri="{28A0092B-C50C-407E-A947-70E740481C1C}">
+                <a14:useLocalDpi xmlns:a14="http://schemas.microsoft.com/office/drawing/2010/main" val="0"/>
+              </a:ext>
+            </a:extLst>
+          </a:blip>
+          <a:srcRect/>
+          <a:stretch>
+            <a:fillRect/>
+          </a:stretch>
+        </p:blipFill>
+        <p:spPr bwMode="auto">
+          <a:xfrm>
+            <a:off x="1024128" y="2084832"/>
+            <a:ext cx="4398104" cy="3328737"/>
+          </a:xfrm>
+          <a:prstGeom prst="rect">
+            <a:avLst/>
+          </a:prstGeom>
+          <a:noFill/>
+          <a:ln>
+            <a:noFill/>
+          </a:ln>
+        </p:spPr>
+      </p:pic>
+    </p:spTree>
+    <p:extLst>
+      <p:ext uri="{BB962C8B-B14F-4D97-AF65-F5344CB8AC3E}">
+        <p14:creationId xmlns:p14="http://schemas.microsoft.com/office/powerpoint/2010/main" val="2789349663"/>
+      </p:ext>
+    </p:extLst>
+  </p:cSld>
+  <p:clrMapOvr>
+    <a:masterClrMapping/>
+  </p:clrMapOvr>
+</p:sld>
+</file>
+
+<file path=ppt/slides/slide6.xml><?xml version="1.0" encoding="utf-8"?>
+<p:sld xmlns:a="http://schemas.openxmlformats.org/drawingml/2006/main" xmlns:r="http://schemas.openxmlformats.org/officeDocument/2006/relationships" xmlns:p="http://schemas.openxmlformats.org/presentationml/2006/main">
+  <p:cSld>
+    <p:spTree>
+      <p:nvGrpSpPr>
+        <p:cNvPr id="1" name=""/>
+        <p:cNvGrpSpPr/>
+        <p:nvPr/>
+      </p:nvGrpSpPr>
+      <p:grpSpPr>
+        <a:xfrm>
+          <a:off x="0" y="0"/>
+          <a:ext cx="0" cy="0"/>
+          <a:chOff x="0" y="0"/>
+          <a:chExt cx="0" cy="0"/>
+        </a:xfrm>
+      </p:grpSpPr>
+      <p:sp>
+        <p:nvSpPr>
+          <p:cNvPr id="2" name="Title 1">
+            <a:extLst>
+              <a:ext uri="{FF2B5EF4-FFF2-40B4-BE49-F238E27FC236}">
+                <a16:creationId xmlns:a16="http://schemas.microsoft.com/office/drawing/2014/main" id="{DEE429DE-16B6-4840-AB34-DC60BAC8CD14}"/>
+              </a:ext>
+            </a:extLst>
+          </p:cNvPr>
+          <p:cNvSpPr>
+            <a:spLocks noGrp="1"/>
+          </p:cNvSpPr>
+          <p:nvPr>
+            <p:ph type="title"/>
+          </p:nvPr>
+        </p:nvSpPr>
         <p:spPr/>
         <p:txBody>
           <a:bodyPr/>
           <a:lstStyle/>
           <a:p>
+            <a:r>
+              <a:rPr lang="en-GB" dirty="0"/>
+              <a:t>Key Take </a:t>
+            </a:r>
+            <a:r>
+              <a:rPr lang="en-GB" dirty="0" err="1"/>
+              <a:t>aways</a:t>
+            </a:r>
             <a:endParaRPr lang="en-GB" dirty="0"/>
           </a:p>
         </p:txBody>
@@ -5629,563 +7322,30 @@
       </p:pic>
       <p:sp>
         <p:nvSpPr>
-          <p:cNvPr id="6" name="TextBox 5">
+          <p:cNvPr id="11" name="Content Placeholder 2">
             <a:extLst>
               <a:ext uri="{FF2B5EF4-FFF2-40B4-BE49-F238E27FC236}">
-                <a16:creationId xmlns:a16="http://schemas.microsoft.com/office/drawing/2014/main" id="{DF2F55A6-762E-4CE0-8C7B-415072614C1C}"/>
+                <a16:creationId xmlns:a16="http://schemas.microsoft.com/office/drawing/2014/main" id="{C8D32A2A-8DB4-47EE-B94C-8A57A7784822}"/>
               </a:ext>
             </a:extLst>
           </p:cNvPr>
-          <p:cNvSpPr txBox="1"/>
+          <p:cNvSpPr txBox="1">
+            <a:spLocks/>
+          </p:cNvSpPr>
           <p:nvPr/>
         </p:nvSpPr>
         <p:spPr>
           <a:xfrm>
-            <a:off x="9225170" y="53507"/>
-            <a:ext cx="2809461" cy="2308324"/>
-          </a:xfrm>
-          <a:prstGeom prst="rect">
-            <a:avLst/>
-          </a:prstGeom>
-          <a:solidFill>
-            <a:srgbClr val="FFFF00"/>
-          </a:solidFill>
-        </p:spPr>
-        <p:txBody>
-          <a:bodyPr wrap="square" rtlCol="0">
-            <a:spAutoFit/>
-          </a:bodyPr>
-          <a:lstStyle/>
-          <a:p>
-            <a:r>
-              <a:rPr lang="en-GB" dirty="0" err="1">
-                <a:solidFill>
-                  <a:schemeClr val="bg1"/>
-                </a:solidFill>
-              </a:rPr>
-              <a:t>Aqui</a:t>
-            </a:r>
-            <a:r>
-              <a:rPr lang="en-GB" dirty="0">
-                <a:solidFill>
-                  <a:schemeClr val="bg1"/>
-                </a:solidFill>
-              </a:rPr>
-              <a:t> </a:t>
-            </a:r>
-            <a:r>
-              <a:rPr lang="en-GB" dirty="0" err="1">
-                <a:solidFill>
-                  <a:schemeClr val="bg1"/>
-                </a:solidFill>
-              </a:rPr>
-              <a:t>vamos</a:t>
-            </a:r>
-            <a:r>
-              <a:rPr lang="en-GB" dirty="0">
-                <a:solidFill>
-                  <a:schemeClr val="bg1"/>
-                </a:solidFill>
-              </a:rPr>
-              <a:t> </a:t>
-            </a:r>
-            <a:r>
-              <a:rPr lang="en-GB" dirty="0" err="1">
-                <a:solidFill>
-                  <a:schemeClr val="bg1"/>
-                </a:solidFill>
-              </a:rPr>
-              <a:t>escrever</a:t>
-            </a:r>
-            <a:r>
-              <a:rPr lang="en-GB" dirty="0">
-                <a:solidFill>
-                  <a:schemeClr val="bg1"/>
-                </a:solidFill>
-              </a:rPr>
-              <a:t>:</a:t>
-            </a:r>
-          </a:p>
-          <a:p>
-            <a:pPr marL="285750" indent="-285750">
-              <a:buFontTx/>
-              <a:buChar char="-"/>
-            </a:pPr>
-            <a:r>
-              <a:rPr lang="en-GB" dirty="0">
-                <a:solidFill>
-                  <a:schemeClr val="bg1"/>
-                </a:solidFill>
-              </a:rPr>
-              <a:t>o que </a:t>
-            </a:r>
-            <a:r>
-              <a:rPr lang="en-GB" dirty="0" err="1">
-                <a:solidFill>
-                  <a:schemeClr val="bg1"/>
-                </a:solidFill>
-              </a:rPr>
-              <a:t>encontramos</a:t>
-            </a:r>
-            <a:r>
-              <a:rPr lang="en-GB" dirty="0">
-                <a:solidFill>
-                  <a:schemeClr val="bg1"/>
-                </a:solidFill>
-              </a:rPr>
-              <a:t> (in terms of data)</a:t>
-            </a:r>
-          </a:p>
-          <a:p>
-            <a:pPr marL="285750" indent="-285750">
-              <a:buFontTx/>
-              <a:buChar char="-"/>
-            </a:pPr>
-            <a:r>
-              <a:rPr lang="en-GB" dirty="0" err="1">
-                <a:solidFill>
-                  <a:schemeClr val="bg1"/>
-                </a:solidFill>
-              </a:rPr>
-              <a:t>importancia</a:t>
-            </a:r>
-            <a:r>
-              <a:rPr lang="en-GB" dirty="0">
-                <a:solidFill>
-                  <a:schemeClr val="bg1"/>
-                </a:solidFill>
-              </a:rPr>
-              <a:t> do que </a:t>
-            </a:r>
-            <a:r>
-              <a:rPr lang="en-GB" dirty="0" err="1">
-                <a:solidFill>
-                  <a:schemeClr val="bg1"/>
-                </a:solidFill>
-              </a:rPr>
-              <a:t>encontramos</a:t>
-            </a:r>
-            <a:endParaRPr lang="en-GB" dirty="0">
-              <a:solidFill>
-                <a:schemeClr val="bg1"/>
-              </a:solidFill>
-            </a:endParaRPr>
-          </a:p>
-          <a:p>
-            <a:pPr marL="285750" indent="-285750">
-              <a:buFontTx/>
-              <a:buChar char="-"/>
-            </a:pPr>
-            <a:r>
-              <a:rPr lang="en-GB" dirty="0">
-                <a:solidFill>
-                  <a:schemeClr val="bg1"/>
-                </a:solidFill>
-              </a:rPr>
-              <a:t>Confusion matrix</a:t>
-            </a:r>
-          </a:p>
-          <a:p>
-            <a:pPr marL="285750" indent="-285750">
-              <a:buFontTx/>
-              <a:buChar char="-"/>
-            </a:pPr>
-            <a:r>
-              <a:rPr lang="en-GB" dirty="0" err="1">
-                <a:solidFill>
-                  <a:schemeClr val="bg1"/>
-                </a:solidFill>
-              </a:rPr>
-              <a:t>Resultados</a:t>
-            </a:r>
-            <a:endParaRPr lang="en-GB" dirty="0">
-              <a:solidFill>
-                <a:schemeClr val="bg1"/>
-              </a:solidFill>
-            </a:endParaRPr>
-          </a:p>
-          <a:p>
-            <a:pPr marL="285750" indent="-285750">
-              <a:buFontTx/>
-              <a:buChar char="-"/>
-            </a:pPr>
-            <a:endParaRPr lang="en-GB" dirty="0">
-              <a:solidFill>
-                <a:schemeClr val="bg1"/>
-              </a:solidFill>
-            </a:endParaRPr>
-          </a:p>
-        </p:txBody>
-      </p:sp>
-      <p:sp>
-        <p:nvSpPr>
-          <p:cNvPr id="22" name="Marcador de Posição de Conteúdo 21">
-            <a:extLst>
-              <a:ext uri="{FF2B5EF4-FFF2-40B4-BE49-F238E27FC236}">
-                <a16:creationId xmlns:a16="http://schemas.microsoft.com/office/drawing/2014/main" id="{E9B4A906-761A-4FA0-8244-6D57D9DEC60C}"/>
-              </a:ext>
-            </a:extLst>
-          </p:cNvPr>
-          <p:cNvSpPr>
-            <a:spLocks noGrp="1"/>
-          </p:cNvSpPr>
-          <p:nvPr>
-            <p:ph sz="half" idx="1"/>
-          </p:nvPr>
-        </p:nvSpPr>
-        <p:spPr/>
-        <p:txBody>
-          <a:bodyPr/>
-          <a:lstStyle/>
-          <a:p>
-            <a:endParaRPr lang="pt-PT"/>
-          </a:p>
-        </p:txBody>
-      </p:sp>
-    </p:spTree>
-    <p:extLst>
-      <p:ext uri="{BB962C8B-B14F-4D97-AF65-F5344CB8AC3E}">
-        <p14:creationId xmlns:p14="http://schemas.microsoft.com/office/powerpoint/2010/main" val="1484628138"/>
-      </p:ext>
-    </p:extLst>
-  </p:cSld>
-  <p:clrMapOvr>
-    <a:masterClrMapping/>
-  </p:clrMapOvr>
-</p:sld>
-</file>
-
-<file path=ppt/slides/slide4.xml><?xml version="1.0" encoding="utf-8"?>
-<p:sld xmlns:a="http://schemas.openxmlformats.org/drawingml/2006/main" xmlns:r="http://schemas.openxmlformats.org/officeDocument/2006/relationships" xmlns:p="http://schemas.openxmlformats.org/presentationml/2006/main">
-  <p:cSld>
-    <p:spTree>
-      <p:nvGrpSpPr>
-        <p:cNvPr id="1" name=""/>
-        <p:cNvGrpSpPr/>
-        <p:nvPr/>
-      </p:nvGrpSpPr>
-      <p:grpSpPr>
-        <a:xfrm>
-          <a:off x="0" y="0"/>
-          <a:ext cx="0" cy="0"/>
-          <a:chOff x="0" y="0"/>
-          <a:chExt cx="0" cy="0"/>
-        </a:xfrm>
-      </p:grpSpPr>
-      <p:sp>
-        <p:nvSpPr>
-          <p:cNvPr id="2" name="Title 1">
-            <a:extLst>
-              <a:ext uri="{FF2B5EF4-FFF2-40B4-BE49-F238E27FC236}">
-                <a16:creationId xmlns:a16="http://schemas.microsoft.com/office/drawing/2014/main" id="{DEE429DE-16B6-4840-AB34-DC60BAC8CD14}"/>
-              </a:ext>
-            </a:extLst>
-          </p:cNvPr>
-          <p:cNvSpPr>
-            <a:spLocks noGrp="1"/>
-          </p:cNvSpPr>
-          <p:nvPr>
-            <p:ph type="title"/>
-          </p:nvPr>
-        </p:nvSpPr>
-        <p:spPr/>
-        <p:txBody>
-          <a:bodyPr/>
-          <a:lstStyle/>
-          <a:p>
-            <a:r>
-              <a:rPr lang="en-GB" dirty="0"/>
-              <a:t>Key Findings</a:t>
-            </a:r>
-          </a:p>
-        </p:txBody>
-      </p:sp>
-      <p:sp>
-        <p:nvSpPr>
-          <p:cNvPr id="3" name="Content Placeholder 2">
-            <a:extLst>
-              <a:ext uri="{FF2B5EF4-FFF2-40B4-BE49-F238E27FC236}">
-                <a16:creationId xmlns:a16="http://schemas.microsoft.com/office/drawing/2014/main" id="{D95F98AC-FDB5-4613-9807-237F77E9D651}"/>
-              </a:ext>
-            </a:extLst>
-          </p:cNvPr>
-          <p:cNvSpPr>
-            <a:spLocks noGrp="1"/>
-          </p:cNvSpPr>
-          <p:nvPr>
-            <p:ph sz="half" idx="1"/>
-          </p:nvPr>
-        </p:nvSpPr>
-        <p:spPr>
-          <a:xfrm>
-            <a:off x="7583781" y="2126477"/>
-            <a:ext cx="4754880" cy="4023360"/>
-          </a:xfrm>
-        </p:spPr>
-        <p:txBody>
-          <a:bodyPr/>
-          <a:lstStyle/>
-          <a:p>
-            <a:pPr lvl="0" algn="ctr">
-              <a:buBlip>
-                <a:blip r:embed="rId2">
-                  <a:extLst>
-                    <a:ext uri="{96DAC541-7B7A-43D3-8B79-37D633B846F1}">
-                      <asvg:svgBlip xmlns:asvg="http://schemas.microsoft.com/office/drawing/2016/SVG/main" r:embed="rId3"/>
-                    </a:ext>
-                  </a:extLst>
-                </a:blip>
-              </a:buBlip>
-            </a:pPr>
-            <a:r>
-              <a:rPr lang="en-US" dirty="0"/>
-              <a:t> Cancellation proportion according to the most important feature</a:t>
-            </a:r>
-            <a:endParaRPr lang="en-GB" dirty="0"/>
-          </a:p>
-          <a:p>
-            <a:pPr marL="0" lvl="0" indent="0" algn="ctr">
-              <a:buNone/>
-            </a:pPr>
-            <a:endParaRPr lang="en-GB" dirty="0"/>
-          </a:p>
-          <a:p>
-            <a:pPr marL="0" lvl="0" indent="0" algn="ctr">
-              <a:buNone/>
-            </a:pPr>
-            <a:endParaRPr lang="en-GB" dirty="0"/>
-          </a:p>
-          <a:p>
-            <a:pPr marL="0" lvl="0" indent="0" algn="ctr">
-              <a:buNone/>
-            </a:pPr>
-            <a:endParaRPr lang="en-GB" dirty="0"/>
-          </a:p>
-          <a:p>
-            <a:pPr marL="0" lvl="0" indent="0" algn="ctr">
-              <a:buNone/>
-            </a:pPr>
-            <a:endParaRPr lang="en-GB" dirty="0"/>
-          </a:p>
-          <a:p>
-            <a:pPr algn="ctr"/>
-            <a:endParaRPr lang="en-GB" dirty="0"/>
-          </a:p>
-        </p:txBody>
-      </p:sp>
-      <p:sp>
-        <p:nvSpPr>
-          <p:cNvPr id="6" name="TextBox 5">
-            <a:extLst>
-              <a:ext uri="{FF2B5EF4-FFF2-40B4-BE49-F238E27FC236}">
-                <a16:creationId xmlns:a16="http://schemas.microsoft.com/office/drawing/2014/main" id="{DF2F55A6-762E-4CE0-8C7B-415072614C1C}"/>
-              </a:ext>
-            </a:extLst>
-          </p:cNvPr>
-          <p:cNvSpPr txBox="1"/>
-          <p:nvPr/>
-        </p:nvSpPr>
-        <p:spPr>
-          <a:xfrm>
-            <a:off x="9225170" y="53507"/>
-            <a:ext cx="2809461" cy="1477328"/>
-          </a:xfrm>
-          <a:prstGeom prst="rect">
-            <a:avLst/>
-          </a:prstGeom>
-          <a:solidFill>
-            <a:srgbClr val="FFFF00"/>
-          </a:solidFill>
-        </p:spPr>
-        <p:txBody>
-          <a:bodyPr wrap="square" rtlCol="0">
-            <a:spAutoFit/>
-          </a:bodyPr>
-          <a:lstStyle/>
-          <a:p>
-            <a:r>
-              <a:rPr lang="en-GB" dirty="0" err="1">
-                <a:solidFill>
-                  <a:schemeClr val="bg1"/>
-                </a:solidFill>
-              </a:rPr>
-              <a:t>Aqui</a:t>
-            </a:r>
-            <a:r>
-              <a:rPr lang="en-GB" dirty="0">
-                <a:solidFill>
-                  <a:schemeClr val="bg1"/>
-                </a:solidFill>
-              </a:rPr>
-              <a:t> </a:t>
-            </a:r>
-            <a:r>
-              <a:rPr lang="en-GB" dirty="0" err="1">
-                <a:solidFill>
-                  <a:schemeClr val="bg1"/>
-                </a:solidFill>
-              </a:rPr>
-              <a:t>vamos</a:t>
-            </a:r>
-            <a:r>
-              <a:rPr lang="en-GB" dirty="0">
-                <a:solidFill>
-                  <a:schemeClr val="bg1"/>
-                </a:solidFill>
-              </a:rPr>
-              <a:t> </a:t>
-            </a:r>
-            <a:r>
-              <a:rPr lang="en-GB" dirty="0" err="1">
-                <a:solidFill>
-                  <a:schemeClr val="bg1"/>
-                </a:solidFill>
-              </a:rPr>
-              <a:t>escrever</a:t>
-            </a:r>
-            <a:r>
-              <a:rPr lang="en-GB" dirty="0">
-                <a:solidFill>
-                  <a:schemeClr val="bg1"/>
-                </a:solidFill>
-              </a:rPr>
-              <a:t>:</a:t>
-            </a:r>
-          </a:p>
-          <a:p>
-            <a:pPr marL="285750" indent="-285750">
-              <a:buFontTx/>
-              <a:buChar char="-"/>
-            </a:pPr>
-            <a:r>
-              <a:rPr lang="en-GB" dirty="0" err="1">
-                <a:solidFill>
-                  <a:schemeClr val="bg1"/>
-                </a:solidFill>
-              </a:rPr>
-              <a:t>Mostrar</a:t>
-            </a:r>
-            <a:r>
-              <a:rPr lang="en-GB" dirty="0">
-                <a:solidFill>
-                  <a:schemeClr val="bg1"/>
-                </a:solidFill>
-              </a:rPr>
-              <a:t> um </a:t>
-            </a:r>
-            <a:r>
-              <a:rPr lang="en-GB" dirty="0" err="1">
-                <a:solidFill>
-                  <a:schemeClr val="bg1"/>
-                </a:solidFill>
-              </a:rPr>
-              <a:t>pouco</a:t>
-            </a:r>
-            <a:r>
-              <a:rPr lang="en-GB" dirty="0">
-                <a:solidFill>
-                  <a:schemeClr val="bg1"/>
-                </a:solidFill>
-              </a:rPr>
-              <a:t> dos dados (</a:t>
-            </a:r>
-            <a:r>
-              <a:rPr lang="en-GB" dirty="0" err="1">
-                <a:solidFill>
-                  <a:schemeClr val="bg1"/>
-                </a:solidFill>
-              </a:rPr>
-              <a:t>visualizacoes</a:t>
-            </a:r>
-            <a:r>
-              <a:rPr lang="en-GB" dirty="0">
-                <a:solidFill>
-                  <a:schemeClr val="bg1"/>
-                </a:solidFill>
-              </a:rPr>
-              <a:t>)</a:t>
-            </a:r>
-          </a:p>
-          <a:p>
-            <a:pPr marL="285750" indent="-285750">
-              <a:buFontTx/>
-              <a:buChar char="-"/>
-            </a:pPr>
-            <a:r>
-              <a:rPr lang="en-GB" dirty="0" err="1">
-                <a:solidFill>
-                  <a:schemeClr val="bg1"/>
-                </a:solidFill>
-              </a:rPr>
-              <a:t>Grafico</a:t>
-            </a:r>
-            <a:r>
-              <a:rPr lang="en-GB" dirty="0">
-                <a:solidFill>
-                  <a:schemeClr val="bg1"/>
-                </a:solidFill>
-              </a:rPr>
-              <a:t> Mutual/ Main variables</a:t>
-            </a:r>
-          </a:p>
-        </p:txBody>
-      </p:sp>
-      <p:pic>
-        <p:nvPicPr>
-          <p:cNvPr id="13" name="Imagem 12">
-            <a:extLst>
-              <a:ext uri="{FF2B5EF4-FFF2-40B4-BE49-F238E27FC236}">
-                <a16:creationId xmlns:a16="http://schemas.microsoft.com/office/drawing/2014/main" id="{9113300B-5186-4811-8063-80FF753AADB6}"/>
-              </a:ext>
-            </a:extLst>
-          </p:cNvPr>
-          <p:cNvPicPr>
-            <a:picLocks noChangeAspect="1"/>
-          </p:cNvPicPr>
-          <p:nvPr/>
-        </p:nvPicPr>
-        <p:blipFill>
-          <a:blip r:embed="rId4"/>
-          <a:stretch>
-            <a:fillRect/>
-          </a:stretch>
-        </p:blipFill>
-        <p:spPr>
-          <a:xfrm>
-            <a:off x="4387757" y="2991250"/>
-            <a:ext cx="3674762" cy="3725565"/>
+            <a:off x="601819" y="2329634"/>
+            <a:ext cx="10900369" cy="3595982"/>
           </a:xfrm>
           <a:prstGeom prst="rect">
             <a:avLst/>
           </a:prstGeom>
         </p:spPr>
-      </p:pic>
-      <p:sp>
-        <p:nvSpPr>
-          <p:cNvPr id="14" name="Content Placeholder 2">
-            <a:extLst>
-              <a:ext uri="{FF2B5EF4-FFF2-40B4-BE49-F238E27FC236}">
-                <a16:creationId xmlns:a16="http://schemas.microsoft.com/office/drawing/2014/main" id="{49315257-2B06-4889-842D-919E63AFCD37}"/>
-              </a:ext>
-            </a:extLst>
-          </p:cNvPr>
-          <p:cNvSpPr txBox="1">
-            <a:spLocks/>
-          </p:cNvSpPr>
-          <p:nvPr/>
-        </p:nvSpPr>
-        <p:spPr>
-          <a:xfrm>
-            <a:off x="3718560" y="2126477"/>
-            <a:ext cx="4754880" cy="4023360"/>
-          </a:xfrm>
-          <a:prstGeom prst="rect">
-            <a:avLst/>
-          </a:prstGeom>
-        </p:spPr>
         <p:txBody>
           <a:bodyPr vert="horz" lIns="45720" tIns="45720" rIns="45720" bIns="45720" rtlCol="0">
-            <a:normAutofit/>
+            <a:normAutofit lnSpcReduction="10000"/>
           </a:bodyPr>
           <a:lstStyle>
             <a:lvl1pPr marL="91440" indent="-91440" algn="l" defTabSz="914400" rtl="0" eaLnBrk="1" latinLnBrk="0" hangingPunct="1">
@@ -6407,2797 +7567,10 @@
             </a:lvl9pPr>
           </a:lstStyle>
           <a:p>
-            <a:pPr algn="ctr">
-              <a:buFont typeface="Tw Cen MT" panose="020B0602020104020603" pitchFamily="34" charset="0"/>
-              <a:buBlip>
-                <a:blip r:embed="rId2">
-                  <a:extLst>
-                    <a:ext uri="{96DAC541-7B7A-43D3-8B79-37D633B846F1}">
-                      <asvg:svgBlip xmlns:asvg="http://schemas.microsoft.com/office/drawing/2016/SVG/main" r:embed="rId3"/>
-                    </a:ext>
-                  </a:extLst>
-                </a:blip>
-              </a:buBlip>
-            </a:pPr>
-            <a:r>
-              <a:rPr lang="en-US" dirty="0"/>
-              <a:t> Best features</a:t>
-            </a:r>
-          </a:p>
-          <a:p>
-            <a:pPr marL="0" indent="0">
-              <a:buFont typeface="Tw Cen MT" panose="020B0602020104020603" pitchFamily="34" charset="0"/>
-              <a:buNone/>
-            </a:pPr>
-            <a:endParaRPr lang="en-GB" dirty="0"/>
-          </a:p>
-          <a:p>
-            <a:pPr marL="0" indent="0">
-              <a:buFont typeface="Tw Cen MT" panose="020B0602020104020603" pitchFamily="34" charset="0"/>
-              <a:buNone/>
-            </a:pPr>
-            <a:endParaRPr lang="en-GB" dirty="0"/>
-          </a:p>
-          <a:p>
-            <a:pPr marL="0" indent="0">
-              <a:buFont typeface="Tw Cen MT" panose="020B0602020104020603" pitchFamily="34" charset="0"/>
-              <a:buNone/>
-            </a:pPr>
-            <a:endParaRPr lang="en-GB" dirty="0"/>
-          </a:p>
-          <a:p>
-            <a:pPr marL="0" indent="0">
-              <a:buFont typeface="Tw Cen MT" panose="020B0602020104020603" pitchFamily="34" charset="0"/>
-              <a:buNone/>
-            </a:pPr>
-            <a:endParaRPr lang="en-GB" dirty="0"/>
-          </a:p>
-          <a:p>
-            <a:pPr marL="0" indent="0">
-              <a:buFont typeface="Tw Cen MT" panose="020B0602020104020603" pitchFamily="34" charset="0"/>
-              <a:buNone/>
-            </a:pPr>
-            <a:endParaRPr lang="en-GB" dirty="0"/>
-          </a:p>
-          <a:p>
-            <a:r>
-              <a:rPr lang="en-GB" dirty="0"/>
-              <a:t>c</a:t>
-            </a:r>
-          </a:p>
-        </p:txBody>
-      </p:sp>
-      <p:sp>
-        <p:nvSpPr>
-          <p:cNvPr id="17" name="Content Placeholder 2">
-            <a:extLst>
-              <a:ext uri="{FF2B5EF4-FFF2-40B4-BE49-F238E27FC236}">
-                <a16:creationId xmlns:a16="http://schemas.microsoft.com/office/drawing/2014/main" id="{64380A83-E6B0-40EA-98A6-831D3B381480}"/>
-              </a:ext>
-            </a:extLst>
-          </p:cNvPr>
-          <p:cNvSpPr txBox="1">
-            <a:spLocks/>
-          </p:cNvSpPr>
-          <p:nvPr/>
-        </p:nvSpPr>
-        <p:spPr>
-          <a:xfrm>
-            <a:off x="-9749" y="2126477"/>
-            <a:ext cx="4397506" cy="4023360"/>
-          </a:xfrm>
-          <a:prstGeom prst="rect">
-            <a:avLst/>
-          </a:prstGeom>
-        </p:spPr>
-        <p:txBody>
-          <a:bodyPr vert="horz" lIns="45720" tIns="45720" rIns="45720" bIns="45720" rtlCol="0">
-            <a:normAutofit/>
-          </a:bodyPr>
-          <a:lstStyle>
-            <a:lvl1pPr marL="91440" indent="-91440" algn="l" defTabSz="914400" rtl="0" eaLnBrk="1" latinLnBrk="0" hangingPunct="1">
+            <a:pPr>
               <a:lnSpc>
-                <a:spcPct val="90000"/>
+                <a:spcPct val="150000"/>
               </a:lnSpc>
-              <a:spcBef>
-                <a:spcPts val="1200"/>
-              </a:spcBef>
-              <a:spcAft>
-                <a:spcPts val="200"/>
-              </a:spcAft>
-              <a:buClr>
-                <a:schemeClr val="accent2"/>
-              </a:buClr>
-              <a:buSzPct val="100000"/>
-              <a:buFont typeface="Tw Cen MT" panose="020B0602020104020603" pitchFamily="34" charset="0"/>
-              <a:buChar char=" "/>
-              <a:defRPr sz="2200" kern="1200">
-                <a:solidFill>
-                  <a:schemeClr val="tx1"/>
-                </a:solidFill>
-                <a:latin typeface="+mn-lt"/>
-                <a:ea typeface="+mn-ea"/>
-                <a:cs typeface="+mn-cs"/>
-              </a:defRPr>
-            </a:lvl1pPr>
-            <a:lvl2pPr marL="265176" indent="-137160" algn="l" defTabSz="914400" rtl="0" eaLnBrk="1" latinLnBrk="0" hangingPunct="1">
-              <a:lnSpc>
-                <a:spcPct val="90000"/>
-              </a:lnSpc>
-              <a:spcBef>
-                <a:spcPts val="200"/>
-              </a:spcBef>
-              <a:spcAft>
-                <a:spcPts val="400"/>
-              </a:spcAft>
-              <a:buClr>
-                <a:schemeClr val="accent2"/>
-              </a:buClr>
-              <a:buFont typeface="Wingdings 3" pitchFamily="18" charset="2"/>
-              <a:buChar char=""/>
-              <a:defRPr sz="1800" kern="1200">
-                <a:solidFill>
-                  <a:schemeClr val="tx1"/>
-                </a:solidFill>
-                <a:latin typeface="+mn-lt"/>
-                <a:ea typeface="+mn-ea"/>
-                <a:cs typeface="+mn-cs"/>
-              </a:defRPr>
-            </a:lvl2pPr>
-            <a:lvl3pPr marL="448056" indent="-137160" algn="l" defTabSz="914400" rtl="0" eaLnBrk="1" latinLnBrk="0" hangingPunct="1">
-              <a:lnSpc>
-                <a:spcPct val="90000"/>
-              </a:lnSpc>
-              <a:spcBef>
-                <a:spcPts val="200"/>
-              </a:spcBef>
-              <a:spcAft>
-                <a:spcPts val="400"/>
-              </a:spcAft>
-              <a:buClr>
-                <a:schemeClr val="accent2"/>
-              </a:buClr>
-              <a:buFont typeface="Wingdings 3" pitchFamily="18" charset="2"/>
-              <a:buChar char=""/>
-              <a:defRPr sz="1400" kern="1200">
-                <a:solidFill>
-                  <a:schemeClr val="tx1"/>
-                </a:solidFill>
-                <a:latin typeface="+mn-lt"/>
-                <a:ea typeface="+mn-ea"/>
-                <a:cs typeface="+mn-cs"/>
-              </a:defRPr>
-            </a:lvl3pPr>
-            <a:lvl4pPr marL="594360" indent="-137160" algn="l" defTabSz="914400" rtl="0" eaLnBrk="1" latinLnBrk="0" hangingPunct="1">
-              <a:lnSpc>
-                <a:spcPct val="90000"/>
-              </a:lnSpc>
-              <a:spcBef>
-                <a:spcPts val="200"/>
-              </a:spcBef>
-              <a:spcAft>
-                <a:spcPts val="400"/>
-              </a:spcAft>
-              <a:buClr>
-                <a:schemeClr val="accent2"/>
-              </a:buClr>
-              <a:buFont typeface="Wingdings 3" pitchFamily="18" charset="2"/>
-              <a:buChar char=""/>
-              <a:defRPr sz="1400" kern="1200">
-                <a:solidFill>
-                  <a:schemeClr val="tx1"/>
-                </a:solidFill>
-                <a:latin typeface="+mn-lt"/>
-                <a:ea typeface="+mn-ea"/>
-                <a:cs typeface="+mn-cs"/>
-              </a:defRPr>
-            </a:lvl4pPr>
-            <a:lvl5pPr marL="777240" indent="-137160" algn="l" defTabSz="914400" rtl="0" eaLnBrk="1" latinLnBrk="0" hangingPunct="1">
-              <a:lnSpc>
-                <a:spcPct val="90000"/>
-              </a:lnSpc>
-              <a:spcBef>
-                <a:spcPts val="200"/>
-              </a:spcBef>
-              <a:spcAft>
-                <a:spcPts val="400"/>
-              </a:spcAft>
-              <a:buClr>
-                <a:schemeClr val="accent2"/>
-              </a:buClr>
-              <a:buFont typeface="Wingdings 3" pitchFamily="18" charset="2"/>
-              <a:buChar char=""/>
-              <a:defRPr sz="1400" kern="1200">
-                <a:solidFill>
-                  <a:schemeClr val="tx1"/>
-                </a:solidFill>
-                <a:latin typeface="+mn-lt"/>
-                <a:ea typeface="+mn-ea"/>
-                <a:cs typeface="+mn-cs"/>
-              </a:defRPr>
-            </a:lvl5pPr>
-            <a:lvl6pPr marL="914400" indent="-137160" algn="l" defTabSz="914400" rtl="0" eaLnBrk="1" latinLnBrk="0" hangingPunct="1">
-              <a:lnSpc>
-                <a:spcPct val="90000"/>
-              </a:lnSpc>
-              <a:spcBef>
-                <a:spcPts val="200"/>
-              </a:spcBef>
-              <a:spcAft>
-                <a:spcPts val="400"/>
-              </a:spcAft>
-              <a:buClr>
-                <a:schemeClr val="accent2"/>
-              </a:buClr>
-              <a:buFont typeface="Wingdings 3" pitchFamily="18" charset="2"/>
-              <a:buChar char=""/>
-              <a:defRPr sz="1400" kern="1200">
-                <a:solidFill>
-                  <a:schemeClr val="tx1"/>
-                </a:solidFill>
-                <a:latin typeface="+mn-lt"/>
-                <a:ea typeface="+mn-ea"/>
-                <a:cs typeface="+mn-cs"/>
-              </a:defRPr>
-            </a:lvl6pPr>
-            <a:lvl7pPr marL="1060704" indent="-137160" algn="l" defTabSz="914400" rtl="0" eaLnBrk="1" latinLnBrk="0" hangingPunct="1">
-              <a:lnSpc>
-                <a:spcPct val="90000"/>
-              </a:lnSpc>
-              <a:spcBef>
-                <a:spcPts val="200"/>
-              </a:spcBef>
-              <a:spcAft>
-                <a:spcPts val="400"/>
-              </a:spcAft>
-              <a:buClr>
-                <a:schemeClr val="accent2"/>
-              </a:buClr>
-              <a:buFont typeface="Wingdings 3" pitchFamily="18" charset="2"/>
-              <a:buChar char=""/>
-              <a:defRPr sz="1400" kern="1200">
-                <a:solidFill>
-                  <a:schemeClr val="tx1"/>
-                </a:solidFill>
-                <a:latin typeface="+mn-lt"/>
-                <a:ea typeface="+mn-ea"/>
-                <a:cs typeface="+mn-cs"/>
-              </a:defRPr>
-            </a:lvl7pPr>
-            <a:lvl8pPr marL="1216152" indent="-137160" algn="l" defTabSz="914400" rtl="0" eaLnBrk="1" latinLnBrk="0" hangingPunct="1">
-              <a:lnSpc>
-                <a:spcPct val="90000"/>
-              </a:lnSpc>
-              <a:spcBef>
-                <a:spcPts val="200"/>
-              </a:spcBef>
-              <a:spcAft>
-                <a:spcPts val="400"/>
-              </a:spcAft>
-              <a:buClr>
-                <a:schemeClr val="accent2"/>
-              </a:buClr>
-              <a:buFont typeface="Wingdings 3" pitchFamily="18" charset="2"/>
-              <a:buChar char=""/>
-              <a:defRPr sz="1400" kern="1200">
-                <a:solidFill>
-                  <a:schemeClr val="tx1"/>
-                </a:solidFill>
-                <a:latin typeface="+mn-lt"/>
-                <a:ea typeface="+mn-ea"/>
-                <a:cs typeface="+mn-cs"/>
-              </a:defRPr>
-            </a:lvl8pPr>
-            <a:lvl9pPr marL="1362456" indent="-137160" algn="l" defTabSz="914400" rtl="0" eaLnBrk="1" latinLnBrk="0" hangingPunct="1">
-              <a:lnSpc>
-                <a:spcPct val="90000"/>
-              </a:lnSpc>
-              <a:spcBef>
-                <a:spcPts val="200"/>
-              </a:spcBef>
-              <a:spcAft>
-                <a:spcPts val="400"/>
-              </a:spcAft>
-              <a:buClr>
-                <a:schemeClr val="accent2"/>
-              </a:buClr>
-              <a:buFont typeface="Wingdings 3" pitchFamily="18" charset="2"/>
-              <a:buChar char=""/>
-              <a:defRPr sz="1400" kern="1200">
-                <a:solidFill>
-                  <a:schemeClr val="tx1"/>
-                </a:solidFill>
-                <a:latin typeface="+mn-lt"/>
-                <a:ea typeface="+mn-ea"/>
-                <a:cs typeface="+mn-cs"/>
-              </a:defRPr>
-            </a:lvl9pPr>
-          </a:lstStyle>
-          <a:p>
-            <a:pPr algn="ctr">
-              <a:buFont typeface="Tw Cen MT" panose="020B0602020104020603" pitchFamily="34" charset="0"/>
-              <a:buBlip>
-                <a:blip r:embed="rId2">
-                  <a:extLst>
-                    <a:ext uri="{96DAC541-7B7A-43D3-8B79-37D633B846F1}">
-                      <asvg:svgBlip xmlns:asvg="http://schemas.microsoft.com/office/drawing/2016/SVG/main" r:embed="rId3"/>
-                    </a:ext>
-                  </a:extLst>
-                </a:blip>
-              </a:buBlip>
-            </a:pPr>
-            <a:r>
-              <a:rPr lang="en-US" dirty="0"/>
-              <a:t> Cancellation proportion in the dataset (42%)</a:t>
-            </a:r>
-          </a:p>
-          <a:p>
-            <a:pPr marL="0" indent="0">
-              <a:buFont typeface="Tw Cen MT" panose="020B0602020104020603" pitchFamily="34" charset="0"/>
-              <a:buNone/>
-            </a:pPr>
-            <a:endParaRPr lang="en-GB" dirty="0"/>
-          </a:p>
-          <a:p>
-            <a:pPr marL="0" indent="0">
-              <a:buFont typeface="Tw Cen MT" panose="020B0602020104020603" pitchFamily="34" charset="0"/>
-              <a:buNone/>
-            </a:pPr>
-            <a:endParaRPr lang="en-GB" dirty="0"/>
-          </a:p>
-          <a:p>
-            <a:pPr marL="0" indent="0">
-              <a:buFont typeface="Tw Cen MT" panose="020B0602020104020603" pitchFamily="34" charset="0"/>
-              <a:buNone/>
-            </a:pPr>
-            <a:endParaRPr lang="en-GB" dirty="0"/>
-          </a:p>
-          <a:p>
-            <a:pPr marL="0" indent="0">
-              <a:buFont typeface="Tw Cen MT" panose="020B0602020104020603" pitchFamily="34" charset="0"/>
-              <a:buNone/>
-            </a:pPr>
-            <a:endParaRPr lang="en-GB" dirty="0"/>
-          </a:p>
-          <a:p>
-            <a:endParaRPr lang="en-GB" dirty="0"/>
-          </a:p>
-        </p:txBody>
-      </p:sp>
-      <p:pic>
-        <p:nvPicPr>
-          <p:cNvPr id="19" name="Imagem 18">
-            <a:extLst>
-              <a:ext uri="{FF2B5EF4-FFF2-40B4-BE49-F238E27FC236}">
-                <a16:creationId xmlns:a16="http://schemas.microsoft.com/office/drawing/2014/main" id="{FEAFC0B2-E9E6-4991-BCF6-4FB6FBA3EB7E}"/>
-              </a:ext>
-            </a:extLst>
-          </p:cNvPr>
-          <p:cNvPicPr>
-            <a:picLocks noChangeAspect="1"/>
-          </p:cNvPicPr>
-          <p:nvPr/>
-        </p:nvPicPr>
-        <p:blipFill>
-          <a:blip r:embed="rId5"/>
-          <a:stretch>
-            <a:fillRect/>
-          </a:stretch>
-        </p:blipFill>
-        <p:spPr>
-          <a:xfrm>
-            <a:off x="168938" y="2991250"/>
-            <a:ext cx="4040132" cy="2600344"/>
-          </a:xfrm>
-          <a:prstGeom prst="rect">
-            <a:avLst/>
-          </a:prstGeom>
-        </p:spPr>
-      </p:pic>
-      <p:pic>
-        <p:nvPicPr>
-          <p:cNvPr id="21" name="Imagem 20">
-            <a:extLst>
-              <a:ext uri="{FF2B5EF4-FFF2-40B4-BE49-F238E27FC236}">
-                <a16:creationId xmlns:a16="http://schemas.microsoft.com/office/drawing/2014/main" id="{A86D6DD9-02F8-4343-AF91-D67C5FC7F8F6}"/>
-              </a:ext>
-            </a:extLst>
-          </p:cNvPr>
-          <p:cNvPicPr>
-            <a:picLocks noChangeAspect="1"/>
-          </p:cNvPicPr>
-          <p:nvPr/>
-        </p:nvPicPr>
-        <p:blipFill>
-          <a:blip r:embed="rId6"/>
-          <a:stretch>
-            <a:fillRect/>
-          </a:stretch>
-        </p:blipFill>
-        <p:spPr>
-          <a:xfrm>
-            <a:off x="8255871" y="2976109"/>
-            <a:ext cx="3767191" cy="3725565"/>
-          </a:xfrm>
-          <a:prstGeom prst="rect">
-            <a:avLst/>
-          </a:prstGeom>
-        </p:spPr>
-      </p:pic>
-      <p:pic>
-        <p:nvPicPr>
-          <p:cNvPr id="22" name="Picture 4">
-            <a:extLst>
-              <a:ext uri="{FF2B5EF4-FFF2-40B4-BE49-F238E27FC236}">
-                <a16:creationId xmlns:a16="http://schemas.microsoft.com/office/drawing/2014/main" id="{3D862689-9965-4801-9EBC-0F515CC515A8}"/>
-              </a:ext>
-            </a:extLst>
-          </p:cNvPr>
-          <p:cNvPicPr>
-            <a:picLocks noChangeAspect="1"/>
-          </p:cNvPicPr>
-          <p:nvPr/>
-        </p:nvPicPr>
-        <p:blipFill>
-          <a:blip r:embed="rId7">
-            <a:duotone>
-              <a:schemeClr val="accent1">
-                <a:shade val="45000"/>
-                <a:satMod val="135000"/>
-              </a:schemeClr>
-              <a:prstClr val="white"/>
-            </a:duotone>
-            <a:extLst>
-              <a:ext uri="{BEBA8EAE-BF5A-486C-A8C5-ECC9F3942E4B}">
-                <a14:imgProps xmlns:a14="http://schemas.microsoft.com/office/drawing/2010/main">
-                  <a14:imgLayer r:embed="rId8">
-                    <a14:imgEffect>
-                      <a14:backgroundRemoval t="6180" b="94944" l="3604" r="94895">
-                        <a14:foregroundMark x1="49850" y1="7865" x2="49850" y2="7865"/>
-                        <a14:foregroundMark x1="17718" y1="69101" x2="17718" y2="69101"/>
-                        <a14:foregroundMark x1="18619" y1="67978" x2="18619" y2="67978"/>
-                        <a14:foregroundMark x1="21321" y1="66292" x2="21321" y2="66292"/>
-                        <a14:foregroundMark x1="23724" y1="65730" x2="23724" y2="65730"/>
-                        <a14:foregroundMark x1="25526" y1="63483" x2="25526" y2="63483"/>
-                        <a14:foregroundMark x1="25826" y1="61798" x2="25826" y2="61798"/>
-                        <a14:foregroundMark x1="27027" y1="60674" x2="27027" y2="60674"/>
-                        <a14:foregroundMark x1="29429" y1="56180" x2="29429" y2="56180"/>
-                        <a14:foregroundMark x1="30931" y1="50000" x2="30931" y2="50000"/>
-                        <a14:foregroundMark x1="31231" y1="42697" x2="31231" y2="42697"/>
-                        <a14:foregroundMark x1="31532" y1="35393" x2="31532" y2="35393"/>
-                        <a14:foregroundMark x1="30631" y1="47191" x2="30631" y2="47191"/>
-                        <a14:foregroundMark x1="30931" y1="40449" x2="30931" y2="40449"/>
-                        <a14:foregroundMark x1="31532" y1="33708" x2="31532" y2="33708"/>
-                        <a14:foregroundMark x1="30931" y1="30337" x2="30931" y2="30337"/>
-                        <a14:foregroundMark x1="30330" y1="27528" x2="30330" y2="27528"/>
-                        <a14:foregroundMark x1="30030" y1="24157" x2="30030" y2="24157"/>
-                        <a14:foregroundMark x1="29129" y1="22472" x2="29129" y2="22472"/>
-                        <a14:foregroundMark x1="28228" y1="20225" x2="28228" y2="20225"/>
-                        <a14:foregroundMark x1="27628" y1="17416" x2="27628" y2="17416"/>
-                        <a14:foregroundMark x1="27327" y1="17416" x2="27327" y2="17416"/>
-                        <a14:foregroundMark x1="25526" y1="15169" x2="25526" y2="15169"/>
-                        <a14:foregroundMark x1="17117" y1="67978" x2="17117" y2="67978"/>
-                        <a14:foregroundMark x1="15015" y1="69101" x2="15015" y2="69101"/>
-                        <a14:foregroundMark x1="13213" y1="69101" x2="13213" y2="69101"/>
-                        <a14:foregroundMark x1="11411" y1="69663" x2="11411" y2="69663"/>
-                        <a14:foregroundMark x1="9009" y1="69663" x2="9009" y2="69663"/>
-                        <a14:foregroundMark x1="6907" y1="69101" x2="6907" y2="69101"/>
-                        <a14:foregroundMark x1="6607" y1="67978" x2="6607" y2="67978"/>
-                        <a14:foregroundMark x1="6607" y1="65730" x2="6607" y2="65730"/>
-                        <a14:foregroundMark x1="5105" y1="70787" x2="5105" y2="70787"/>
-                        <a14:foregroundMark x1="3904" y1="71348" x2="3904" y2="71348"/>
-                        <a14:foregroundMark x1="5105" y1="66292" x2="5105" y2="66292"/>
-                        <a14:foregroundMark x1="5105" y1="61798" x2="5105" y2="61798"/>
-                        <a14:foregroundMark x1="5706" y1="58989" x2="5706" y2="58989"/>
-                        <a14:foregroundMark x1="5706" y1="56180" x2="5706" y2="56180"/>
-                        <a14:foregroundMark x1="5405" y1="51124" x2="5405" y2="51124"/>
-                        <a14:foregroundMark x1="5405" y1="47753" x2="5405" y2="47753"/>
-                        <a14:foregroundMark x1="5405" y1="39888" x2="5405" y2="39888"/>
-                        <a14:foregroundMark x1="5105" y1="43258" x2="5105" y2="43258"/>
-                        <a14:foregroundMark x1="5405" y1="33146" x2="5405" y2="33146"/>
-                        <a14:foregroundMark x1="5706" y1="37640" x2="5706" y2="37640"/>
-                        <a14:foregroundMark x1="5706" y1="29213" x2="5706" y2="29213"/>
-                        <a14:foregroundMark x1="5706" y1="21348" x2="5706" y2="21348"/>
-                        <a14:foregroundMark x1="5706" y1="25843" x2="5706" y2="25843"/>
-                        <a14:foregroundMark x1="6306" y1="17416" x2="6306" y2="17416"/>
-                        <a14:foregroundMark x1="6306" y1="14045" x2="6306" y2="14045"/>
-                        <a14:foregroundMark x1="6306" y1="10112" x2="6306" y2="10112"/>
-                        <a14:foregroundMark x1="6006" y1="6742" x2="6006" y2="6742"/>
-                        <a14:foregroundMark x1="7207" y1="7303" x2="7207" y2="7303"/>
-                        <a14:foregroundMark x1="10511" y1="7303" x2="10511" y2="7303"/>
-                        <a14:foregroundMark x1="12312" y1="8427" x2="12312" y2="8427"/>
-                        <a14:foregroundMark x1="14715" y1="8427" x2="14715" y2="8427"/>
-                        <a14:foregroundMark x1="17417" y1="8989" x2="17417" y2="8989"/>
-                        <a14:foregroundMark x1="74174" y1="10112" x2="74174" y2="10112"/>
-                        <a14:foregroundMark x1="74474" y1="16292" x2="74474" y2="16292"/>
-                        <a14:foregroundMark x1="74775" y1="14045" x2="74775" y2="14045"/>
-                        <a14:foregroundMark x1="75375" y1="9551" x2="75375" y2="9551"/>
-                        <a14:foregroundMark x1="74775" y1="12360" x2="74775" y2="12360"/>
-                        <a14:foregroundMark x1="73874" y1="6742" x2="73874" y2="6742"/>
-                        <a14:foregroundMark x1="75676" y1="10112" x2="75676" y2="10112"/>
-                        <a14:foregroundMark x1="77778" y1="9551" x2="77778" y2="9551"/>
-                        <a14:foregroundMark x1="75075" y1="17416" x2="75075" y2="17416"/>
-                        <a14:foregroundMark x1="74474" y1="24719" x2="74474" y2="24719"/>
-                        <a14:foregroundMark x1="74474" y1="20787" x2="74474" y2="20787"/>
-                        <a14:foregroundMark x1="75375" y1="29775" x2="75375" y2="29775"/>
-                        <a14:foregroundMark x1="75075" y1="34270" x2="75075" y2="34270"/>
-                        <a14:foregroundMark x1="74775" y1="32584" x2="74775" y2="32584"/>
-                        <a14:foregroundMark x1="75075" y1="38202" x2="75075" y2="38202"/>
-                        <a14:foregroundMark x1="75075" y1="42697" x2="75075" y2="42697"/>
-                        <a14:foregroundMark x1="74474" y1="41011" x2="74474" y2="41011"/>
-                        <a14:foregroundMark x1="74174" y1="48315" x2="74174" y2="48315"/>
-                        <a14:foregroundMark x1="74775" y1="52809" x2="74775" y2="52809"/>
-                        <a14:foregroundMark x1="75375" y1="58427" x2="75375" y2="58427"/>
-                        <a14:foregroundMark x1="75075" y1="62360" x2="75075" y2="62360"/>
-                        <a14:foregroundMark x1="75075" y1="65730" x2="75075" y2="65730"/>
-                        <a14:foregroundMark x1="75075" y1="68539" x2="75075" y2="68539"/>
-                        <a14:foregroundMark x1="75075" y1="70787" x2="75075" y2="70787"/>
-                        <a14:foregroundMark x1="82583" y1="71348" x2="82583" y2="71348"/>
-                        <a14:foregroundMark x1="80180" y1="70787" x2="80180" y2="70787"/>
-                        <a14:foregroundMark x1="86787" y1="69101" x2="86787" y2="69101"/>
-                        <a14:foregroundMark x1="90691" y1="67416" x2="90691" y2="67416"/>
-                        <a14:foregroundMark x1="85586" y1="69663" x2="85586" y2="69663"/>
-                        <a14:foregroundMark x1="89790" y1="68539" x2="89790" y2="68539"/>
-                        <a14:foregroundMark x1="91892" y1="65169" x2="91892" y2="65169"/>
-                        <a14:foregroundMark x1="93093" y1="63483" x2="93093" y2="63483"/>
-                        <a14:foregroundMark x1="93994" y1="59551" x2="93994" y2="59551"/>
-                        <a14:foregroundMark x1="94595" y1="57303" x2="94595" y2="57303"/>
-                        <a14:foregroundMark x1="94595" y1="53933" x2="94595" y2="53933"/>
-                        <a14:foregroundMark x1="94595" y1="51124" x2="94595" y2="51124"/>
-                        <a14:foregroundMark x1="93994" y1="48315" x2="93994" y2="48315"/>
-                        <a14:foregroundMark x1="93694" y1="46629" x2="93694" y2="46629"/>
-                        <a14:foregroundMark x1="93093" y1="42697" x2="93093" y2="42697"/>
-                        <a14:foregroundMark x1="91592" y1="42135" x2="91592" y2="42135"/>
-                        <a14:foregroundMark x1="89189" y1="40449" x2="89189" y2="40449"/>
-                        <a14:foregroundMark x1="89189" y1="38764" x2="89189" y2="38764"/>
-                        <a14:foregroundMark x1="86486" y1="35955" x2="86486" y2="35955"/>
-                        <a14:foregroundMark x1="84384" y1="37079" x2="84384" y2="37079"/>
-                        <a14:foregroundMark x1="81381" y1="36517" x2="81381" y2="36517"/>
-                        <a14:foregroundMark x1="78679" y1="36517" x2="78679" y2="36517"/>
-                        <a14:foregroundMark x1="84384" y1="37079" x2="84384" y2="37079"/>
-                        <a14:foregroundMark x1="84985" y1="34831" x2="84985" y2="34831"/>
-                        <a14:foregroundMark x1="89790" y1="34831" x2="89790" y2="34831"/>
-                        <a14:foregroundMark x1="91291" y1="32584" x2="91291" y2="32584"/>
-                        <a14:foregroundMark x1="92192" y1="30337" x2="92192" y2="30337"/>
-                        <a14:foregroundMark x1="92492" y1="29213" x2="92492" y2="29213"/>
-                        <a14:foregroundMark x1="92492" y1="26966" x2="92492" y2="26966"/>
-                        <a14:foregroundMark x1="92492" y1="24157" x2="92492" y2="24157"/>
-                        <a14:foregroundMark x1="93694" y1="29775" x2="93694" y2="29775"/>
-                        <a14:foregroundMark x1="94595" y1="26404" x2="94595" y2="26404"/>
-                        <a14:foregroundMark x1="94895" y1="23596" x2="94895" y2="23596"/>
-                        <a14:foregroundMark x1="94895" y1="20225" x2="94895" y2="20225"/>
-                        <a14:foregroundMark x1="95495" y1="18539" x2="95495" y2="18539"/>
-                        <a14:foregroundMark x1="93093" y1="17416" x2="93093" y2="17416"/>
-                        <a14:foregroundMark x1="92492" y1="14607" x2="92492" y2="14607"/>
-                        <a14:foregroundMark x1="91592" y1="11798" x2="91592" y2="11798"/>
-                        <a14:foregroundMark x1="89489" y1="10674" x2="89489" y2="10674"/>
-                        <a14:foregroundMark x1="87087" y1="10112" x2="87087" y2="10112"/>
-                        <a14:foregroundMark x1="76577" y1="67978" x2="76577" y2="67978"/>
-                        <a14:foregroundMark x1="78979" y1="69101" x2="78979" y2="69101"/>
-                        <a14:foregroundMark x1="81381" y1="69101" x2="81381" y2="69101"/>
-                        <a14:foregroundMark x1="15916" y1="7865" x2="15916" y2="7865"/>
-                        <a14:foregroundMark x1="18619" y1="7303" x2="18619" y2="7303"/>
-                        <a14:foregroundMark x1="21021" y1="8989" x2="21021" y2="8989"/>
-                        <a14:foregroundMark x1="3904" y1="88764" x2="3904" y2="88764"/>
-                        <a14:foregroundMark x1="3604" y1="84270" x2="3604" y2="84270"/>
-                        <a14:foregroundMark x1="4805" y1="82022" x2="4805" y2="82022"/>
-                        <a14:foregroundMark x1="6607" y1="80337" x2="6607" y2="80337"/>
-                        <a14:foregroundMark x1="8408" y1="79213" x2="8408" y2="79213"/>
-                        <a14:foregroundMark x1="9309" y1="81461" x2="9309" y2="81461"/>
-                        <a14:foregroundMark x1="6607" y1="90449" x2="6607" y2="90449"/>
-                        <a14:foregroundMark x1="8108" y1="88764" x2="8108" y2="88764"/>
-                        <a14:foregroundMark x1="9009" y1="87640" x2="9009" y2="87640"/>
-                        <a14:foregroundMark x1="15616" y1="88764" x2="15616" y2="88764"/>
-                        <a14:foregroundMark x1="15916" y1="84831" x2="15916" y2="84831"/>
-                        <a14:foregroundMark x1="19820" y1="88764" x2="19820" y2="88764"/>
-                        <a14:foregroundMark x1="26727" y1="84831" x2="26727" y2="84831"/>
-                        <a14:foregroundMark x1="27327" y1="83146" x2="27327" y2="83146"/>
-                        <a14:foregroundMark x1="26126" y1="88202" x2="26126" y2="88202"/>
-                        <a14:foregroundMark x1="29429" y1="83146" x2="29429" y2="83146"/>
-                        <a14:foregroundMark x1="30330" y1="83708" x2="30330" y2="83708"/>
-                        <a14:foregroundMark x1="39039" y1="86517" x2="39039" y2="86517"/>
-                        <a14:foregroundMark x1="40240" y1="88764" x2="40240" y2="88764"/>
-                        <a14:foregroundMark x1="46847" y1="86517" x2="46847" y2="86517"/>
-                        <a14:foregroundMark x1="51051" y1="89326" x2="51051" y2="89326"/>
-                        <a14:foregroundMark x1="58559" y1="82584" x2="58559" y2="82584"/>
-                        <a14:foregroundMark x1="57658" y1="88764" x2="57658" y2="88764"/>
-                        <a14:foregroundMark x1="66667" y1="83146" x2="66667" y2="83146"/>
-                        <a14:foregroundMark x1="75075" y1="79775" x2="75075" y2="79775"/>
-                        <a14:foregroundMark x1="74775" y1="83146" x2="74775" y2="83146"/>
-                        <a14:foregroundMark x1="81982" y1="83146" x2="81982" y2="83146"/>
-                        <a14:foregroundMark x1="83784" y1="83708" x2="83784" y2="83708"/>
-                        <a14:foregroundMark x1="92192" y1="83708" x2="92192" y2="83708"/>
-                        <a14:foregroundMark x1="51652" y1="6180" x2="51652" y2="6180"/>
-                        <a14:foregroundMark x1="51351" y1="41011" x2="51351" y2="41011"/>
-                        <a14:foregroundMark x1="52553" y1="34270" x2="52553" y2="34270"/>
-                        <a14:foregroundMark x1="91291" y1="88202" x2="91291" y2="88202"/>
-                        <a14:foregroundMark x1="95495" y1="88202" x2="95495" y2="88202"/>
-                        <a14:foregroundMark x1="94895" y1="91573" x2="94895" y2="91573"/>
-                        <a14:foregroundMark x1="92192" y1="94944" x2="92192" y2="94944"/>
-                        <a14:foregroundMark x1="84985" y1="86517" x2="84985" y2="86517"/>
-                        <a14:foregroundMark x1="36937" y1="89888" x2="36937" y2="89888"/>
-                        <a14:foregroundMark x1="51652" y1="6180" x2="51652" y2="6180"/>
-                        <a14:foregroundMark x1="52853" y1="32584" x2="52853" y2="32584"/>
-                        <a14:backgroundMark x1="33934" y1="38764" x2="33934" y2="38764"/>
-                        <a14:backgroundMark x1="33934" y1="42135" x2="33934" y2="42135"/>
-                        <a14:backgroundMark x1="93994" y1="86517" x2="93994" y2="86517"/>
-                        <a14:backgroundMark x1="50751" y1="32022" x2="50751" y2="32022"/>
-                        <a14:backgroundMark x1="20420" y1="89326" x2="20420" y2="89326"/>
-                      </a14:backgroundRemoval>
-                    </a14:imgEffect>
-                  </a14:imgLayer>
-                </a14:imgProps>
-              </a:ext>
-              <a:ext uri="{28A0092B-C50C-407E-A947-70E740481C1C}">
-                <a14:useLocalDpi xmlns:a14="http://schemas.microsoft.com/office/drawing/2010/main" val="0"/>
-              </a:ext>
-            </a:extLst>
-          </a:blip>
-          <a:stretch>
-            <a:fillRect/>
-          </a:stretch>
-        </p:blipFill>
-        <p:spPr>
-          <a:xfrm>
-            <a:off x="38063" y="6107861"/>
-            <a:ext cx="1298952" cy="694335"/>
-          </a:xfrm>
-          <a:prstGeom prst="rect">
-            <a:avLst/>
-          </a:prstGeom>
-        </p:spPr>
-      </p:pic>
-    </p:spTree>
-    <p:extLst>
-      <p:ext uri="{BB962C8B-B14F-4D97-AF65-F5344CB8AC3E}">
-        <p14:creationId xmlns:p14="http://schemas.microsoft.com/office/powerpoint/2010/main" val="753190076"/>
-      </p:ext>
-    </p:extLst>
-  </p:cSld>
-  <p:clrMapOvr>
-    <a:masterClrMapping/>
-  </p:clrMapOvr>
-</p:sld>
-</file>
-
-<file path=ppt/slides/slide5.xml><?xml version="1.0" encoding="utf-8"?>
-<p:sld xmlns:a="http://schemas.openxmlformats.org/drawingml/2006/main" xmlns:r="http://schemas.openxmlformats.org/officeDocument/2006/relationships" xmlns:p="http://schemas.openxmlformats.org/presentationml/2006/main">
-  <p:cSld>
-    <p:spTree>
-      <p:nvGrpSpPr>
-        <p:cNvPr id="1" name=""/>
-        <p:cNvGrpSpPr/>
-        <p:nvPr/>
-      </p:nvGrpSpPr>
-      <p:grpSpPr>
-        <a:xfrm>
-          <a:off x="0" y="0"/>
-          <a:ext cx="0" cy="0"/>
-          <a:chOff x="0" y="0"/>
-          <a:chExt cx="0" cy="0"/>
-        </a:xfrm>
-      </p:grpSpPr>
-      <p:sp>
-        <p:nvSpPr>
-          <p:cNvPr id="2" name="Title 1">
-            <a:extLst>
-              <a:ext uri="{FF2B5EF4-FFF2-40B4-BE49-F238E27FC236}">
-                <a16:creationId xmlns:a16="http://schemas.microsoft.com/office/drawing/2014/main" id="{DEE429DE-16B6-4840-AB34-DC60BAC8CD14}"/>
-              </a:ext>
-            </a:extLst>
-          </p:cNvPr>
-          <p:cNvSpPr>
-            <a:spLocks noGrp="1"/>
-          </p:cNvSpPr>
-          <p:nvPr>
-            <p:ph type="title"/>
-          </p:nvPr>
-        </p:nvSpPr>
-        <p:spPr/>
-        <p:txBody>
-          <a:bodyPr/>
-          <a:lstStyle/>
-          <a:p>
-            <a:r>
-              <a:rPr lang="en-GB" dirty="0"/>
-              <a:t>Project Plan</a:t>
-            </a:r>
-          </a:p>
-        </p:txBody>
-      </p:sp>
-      <p:sp>
-        <p:nvSpPr>
-          <p:cNvPr id="3" name="Content Placeholder 2">
-            <a:extLst>
-              <a:ext uri="{FF2B5EF4-FFF2-40B4-BE49-F238E27FC236}">
-                <a16:creationId xmlns:a16="http://schemas.microsoft.com/office/drawing/2014/main" id="{D95F98AC-FDB5-4613-9807-237F77E9D651}"/>
-              </a:ext>
-            </a:extLst>
-          </p:cNvPr>
-          <p:cNvSpPr>
-            <a:spLocks noGrp="1"/>
-          </p:cNvSpPr>
-          <p:nvPr>
-            <p:ph sz="half" idx="1"/>
-          </p:nvPr>
-        </p:nvSpPr>
-        <p:spPr/>
-        <p:txBody>
-          <a:bodyPr/>
-          <a:lstStyle/>
-          <a:p>
-            <a:pPr marL="0" indent="0">
-              <a:buNone/>
-            </a:pPr>
-            <a:r>
-              <a:rPr lang="en-GB" dirty="0"/>
-              <a:t>Dataset </a:t>
-            </a:r>
-            <a:r>
-              <a:rPr lang="en-GB" u="sng" dirty="0">
-                <a:solidFill>
-                  <a:schemeClr val="accent2">
-                    <a:lumMod val="75000"/>
-                  </a:schemeClr>
-                </a:solidFill>
-              </a:rPr>
-              <a:t>challenges</a:t>
-            </a:r>
-            <a:r>
-              <a:rPr lang="en-GB" dirty="0"/>
-              <a:t>:</a:t>
-            </a:r>
-          </a:p>
-          <a:p>
-            <a:pPr lvl="0">
-              <a:buBlip>
-                <a:blip r:embed="rId2">
-                  <a:extLst>
-                    <a:ext uri="{96DAC541-7B7A-43D3-8B79-37D633B846F1}">
-                      <asvg:svgBlip xmlns:asvg="http://schemas.microsoft.com/office/drawing/2016/SVG/main" r:embed="rId3"/>
-                    </a:ext>
-                  </a:extLst>
-                </a:blip>
-              </a:buBlip>
-            </a:pPr>
-            <a:r>
-              <a:rPr lang="en-GB" dirty="0"/>
-              <a:t>Limited dataset – 79330 observations</a:t>
-            </a:r>
-          </a:p>
-          <a:p>
-            <a:pPr marL="0" lvl="0" indent="0">
-              <a:buNone/>
-            </a:pPr>
-            <a:endParaRPr lang="en-GB" dirty="0"/>
-          </a:p>
-          <a:p>
-            <a:pPr lvl="0">
-              <a:buBlip>
-                <a:blip r:embed="rId2">
-                  <a:extLst>
-                    <a:ext uri="{96DAC541-7B7A-43D3-8B79-37D633B846F1}">
-                      <asvg:svgBlip xmlns:asvg="http://schemas.microsoft.com/office/drawing/2016/SVG/main" r:embed="rId3"/>
-                    </a:ext>
-                  </a:extLst>
-                </a:blip>
-              </a:buBlip>
-            </a:pPr>
-            <a:r>
-              <a:rPr lang="en-GB" dirty="0">
-                <a:solidFill>
-                  <a:srgbClr val="C00000"/>
-                </a:solidFill>
-                <a:highlight>
-                  <a:srgbClr val="FFFF00"/>
-                </a:highlight>
-              </a:rPr>
-              <a:t>Data quality: ~30%</a:t>
-            </a:r>
-            <a:r>
-              <a:rPr lang="en-GB" dirty="0"/>
-              <a:t> of what seemed to be duplicated entries</a:t>
-            </a:r>
-            <a:br>
-              <a:rPr lang="en-GB" dirty="0"/>
-            </a:br>
-            <a:endParaRPr lang="en-GB" dirty="0"/>
-          </a:p>
-          <a:p>
-            <a:pPr lvl="0">
-              <a:buBlip>
-                <a:blip r:embed="rId2">
-                  <a:extLst>
-                    <a:ext uri="{96DAC541-7B7A-43D3-8B79-37D633B846F1}">
-                      <asvg:svgBlip xmlns:asvg="http://schemas.microsoft.com/office/drawing/2016/SVG/main" r:embed="rId3"/>
-                    </a:ext>
-                  </a:extLst>
-                </a:blip>
-              </a:buBlip>
-            </a:pPr>
-            <a:r>
-              <a:rPr lang="en-GB" dirty="0"/>
-              <a:t>Select best features</a:t>
-            </a:r>
-          </a:p>
-          <a:p>
-            <a:pPr lvl="0">
-              <a:buBlip>
-                <a:blip r:embed="rId2">
-                  <a:extLst>
-                    <a:ext uri="{96DAC541-7B7A-43D3-8B79-37D633B846F1}">
-                      <asvg:svgBlip xmlns:asvg="http://schemas.microsoft.com/office/drawing/2016/SVG/main" r:embed="rId3"/>
-                    </a:ext>
-                  </a:extLst>
-                </a:blip>
-              </a:buBlip>
-            </a:pPr>
-            <a:endParaRPr lang="en-GB" dirty="0"/>
-          </a:p>
-          <a:p>
-            <a:pPr lvl="0">
-              <a:buBlip>
-                <a:blip r:embed="rId2">
-                  <a:extLst>
-                    <a:ext uri="{96DAC541-7B7A-43D3-8B79-37D633B846F1}">
-                      <asvg:svgBlip xmlns:asvg="http://schemas.microsoft.com/office/drawing/2016/SVG/main" r:embed="rId3"/>
-                    </a:ext>
-                  </a:extLst>
-                </a:blip>
-              </a:buBlip>
-            </a:pPr>
-            <a:r>
-              <a:rPr lang="en-GB" dirty="0"/>
-              <a:t>Identify best prediction model</a:t>
-            </a:r>
-          </a:p>
-          <a:p>
-            <a:pPr lvl="0">
-              <a:buBlip>
-                <a:blip r:embed="rId2">
-                  <a:extLst>
-                    <a:ext uri="{96DAC541-7B7A-43D3-8B79-37D633B846F1}">
-                      <asvg:svgBlip xmlns:asvg="http://schemas.microsoft.com/office/drawing/2016/SVG/main" r:embed="rId3"/>
-                    </a:ext>
-                  </a:extLst>
-                </a:blip>
-              </a:buBlip>
-            </a:pPr>
-            <a:endParaRPr lang="en-GB" dirty="0"/>
-          </a:p>
-          <a:p>
-            <a:endParaRPr lang="en-GB" dirty="0"/>
-          </a:p>
-        </p:txBody>
-      </p:sp>
-      <p:sp>
-        <p:nvSpPr>
-          <p:cNvPr id="4" name="Content Placeholder 3">
-            <a:extLst>
-              <a:ext uri="{FF2B5EF4-FFF2-40B4-BE49-F238E27FC236}">
-                <a16:creationId xmlns:a16="http://schemas.microsoft.com/office/drawing/2014/main" id="{74C29F94-9013-443B-85B8-A87E07003C7C}"/>
-              </a:ext>
-            </a:extLst>
-          </p:cNvPr>
-          <p:cNvSpPr>
-            <a:spLocks noGrp="1"/>
-          </p:cNvSpPr>
-          <p:nvPr>
-            <p:ph sz="half" idx="2"/>
-          </p:nvPr>
-        </p:nvSpPr>
-        <p:spPr>
-          <a:xfrm>
-            <a:off x="5989319" y="2286000"/>
-            <a:ext cx="6015867" cy="4023360"/>
-          </a:xfrm>
-        </p:spPr>
-        <p:txBody>
-          <a:bodyPr/>
-          <a:lstStyle/>
-          <a:p>
-            <a:r>
-              <a:rPr lang="en-GB" dirty="0"/>
-              <a:t>Dataset </a:t>
-            </a:r>
-            <a:r>
-              <a:rPr lang="en-GB" u="sng" dirty="0">
-                <a:solidFill>
-                  <a:schemeClr val="accent2">
-                    <a:lumMod val="75000"/>
-                  </a:schemeClr>
-                </a:solidFill>
-              </a:rPr>
-              <a:t>solutions</a:t>
-            </a:r>
-            <a:r>
-              <a:rPr lang="en-GB" dirty="0"/>
-              <a:t>:</a:t>
-            </a:r>
-          </a:p>
-          <a:p>
-            <a:pPr lvl="0">
-              <a:buBlip>
-                <a:blip r:embed="rId2">
-                  <a:extLst>
-                    <a:ext uri="{96DAC541-7B7A-43D3-8B79-37D633B846F1}">
-                      <asvg:svgBlip xmlns:asvg="http://schemas.microsoft.com/office/drawing/2016/SVG/main" r:embed="rId3"/>
-                    </a:ext>
-                  </a:extLst>
-                </a:blip>
-              </a:buBlip>
-            </a:pPr>
-            <a:r>
-              <a:rPr lang="en-GB" sz="2150" dirty="0"/>
-              <a:t>Analysis and removal useless information (missing values, inconsistent data and outliers)</a:t>
-            </a:r>
-            <a:r>
-              <a:rPr lang="en-GB" sz="2100" dirty="0"/>
-              <a:t>	</a:t>
-            </a:r>
-            <a:r>
-              <a:rPr lang="en-GB" dirty="0"/>
-              <a:t> </a:t>
-            </a:r>
-          </a:p>
-          <a:p>
-            <a:pPr marL="0" lvl="0" indent="0">
-              <a:buNone/>
-            </a:pPr>
-            <a:endParaRPr lang="en-GB" dirty="0"/>
-          </a:p>
-          <a:p>
-            <a:endParaRPr lang="en-GB" dirty="0"/>
-          </a:p>
-        </p:txBody>
-      </p:sp>
-      <p:pic>
-        <p:nvPicPr>
-          <p:cNvPr id="5" name="Picture 4">
-            <a:extLst>
-              <a:ext uri="{FF2B5EF4-FFF2-40B4-BE49-F238E27FC236}">
-                <a16:creationId xmlns:a16="http://schemas.microsoft.com/office/drawing/2014/main" id="{75035DF1-F637-4C24-A7E4-AE5681F218B0}"/>
-              </a:ext>
-            </a:extLst>
-          </p:cNvPr>
-          <p:cNvPicPr>
-            <a:picLocks noChangeAspect="1"/>
-          </p:cNvPicPr>
-          <p:nvPr/>
-        </p:nvPicPr>
-        <p:blipFill>
-          <a:blip r:embed="rId4">
-            <a:duotone>
-              <a:schemeClr val="accent1">
-                <a:shade val="45000"/>
-                <a:satMod val="135000"/>
-              </a:schemeClr>
-              <a:prstClr val="white"/>
-            </a:duotone>
-            <a:extLst>
-              <a:ext uri="{BEBA8EAE-BF5A-486C-A8C5-ECC9F3942E4B}">
-                <a14:imgProps xmlns:a14="http://schemas.microsoft.com/office/drawing/2010/main">
-                  <a14:imgLayer r:embed="rId5">
-                    <a14:imgEffect>
-                      <a14:backgroundRemoval t="6180" b="94944" l="3604" r="94895">
-                        <a14:foregroundMark x1="49850" y1="7865" x2="49850" y2="7865"/>
-                        <a14:foregroundMark x1="17718" y1="69101" x2="17718" y2="69101"/>
-                        <a14:foregroundMark x1="18619" y1="67978" x2="18619" y2="67978"/>
-                        <a14:foregroundMark x1="21321" y1="66292" x2="21321" y2="66292"/>
-                        <a14:foregroundMark x1="23724" y1="65730" x2="23724" y2="65730"/>
-                        <a14:foregroundMark x1="25526" y1="63483" x2="25526" y2="63483"/>
-                        <a14:foregroundMark x1="25826" y1="61798" x2="25826" y2="61798"/>
-                        <a14:foregroundMark x1="27027" y1="60674" x2="27027" y2="60674"/>
-                        <a14:foregroundMark x1="29429" y1="56180" x2="29429" y2="56180"/>
-                        <a14:foregroundMark x1="30931" y1="50000" x2="30931" y2="50000"/>
-                        <a14:foregroundMark x1="31231" y1="42697" x2="31231" y2="42697"/>
-                        <a14:foregroundMark x1="31532" y1="35393" x2="31532" y2="35393"/>
-                        <a14:foregroundMark x1="30631" y1="47191" x2="30631" y2="47191"/>
-                        <a14:foregroundMark x1="30931" y1="40449" x2="30931" y2="40449"/>
-                        <a14:foregroundMark x1="31532" y1="33708" x2="31532" y2="33708"/>
-                        <a14:foregroundMark x1="30931" y1="30337" x2="30931" y2="30337"/>
-                        <a14:foregroundMark x1="30330" y1="27528" x2="30330" y2="27528"/>
-                        <a14:foregroundMark x1="30030" y1="24157" x2="30030" y2="24157"/>
-                        <a14:foregroundMark x1="29129" y1="22472" x2="29129" y2="22472"/>
-                        <a14:foregroundMark x1="28228" y1="20225" x2="28228" y2="20225"/>
-                        <a14:foregroundMark x1="27628" y1="17416" x2="27628" y2="17416"/>
-                        <a14:foregroundMark x1="27327" y1="17416" x2="27327" y2="17416"/>
-                        <a14:foregroundMark x1="25526" y1="15169" x2="25526" y2="15169"/>
-                        <a14:foregroundMark x1="17117" y1="67978" x2="17117" y2="67978"/>
-                        <a14:foregroundMark x1="15015" y1="69101" x2="15015" y2="69101"/>
-                        <a14:foregroundMark x1="13213" y1="69101" x2="13213" y2="69101"/>
-                        <a14:foregroundMark x1="11411" y1="69663" x2="11411" y2="69663"/>
-                        <a14:foregroundMark x1="9009" y1="69663" x2="9009" y2="69663"/>
-                        <a14:foregroundMark x1="6907" y1="69101" x2="6907" y2="69101"/>
-                        <a14:foregroundMark x1="6607" y1="67978" x2="6607" y2="67978"/>
-                        <a14:foregroundMark x1="6607" y1="65730" x2="6607" y2="65730"/>
-                        <a14:foregroundMark x1="5105" y1="70787" x2="5105" y2="70787"/>
-                        <a14:foregroundMark x1="3904" y1="71348" x2="3904" y2="71348"/>
-                        <a14:foregroundMark x1="5105" y1="66292" x2="5105" y2="66292"/>
-                        <a14:foregroundMark x1="5105" y1="61798" x2="5105" y2="61798"/>
-                        <a14:foregroundMark x1="5706" y1="58989" x2="5706" y2="58989"/>
-                        <a14:foregroundMark x1="5706" y1="56180" x2="5706" y2="56180"/>
-                        <a14:foregroundMark x1="5405" y1="51124" x2="5405" y2="51124"/>
-                        <a14:foregroundMark x1="5405" y1="47753" x2="5405" y2="47753"/>
-                        <a14:foregroundMark x1="5405" y1="39888" x2="5405" y2="39888"/>
-                        <a14:foregroundMark x1="5105" y1="43258" x2="5105" y2="43258"/>
-                        <a14:foregroundMark x1="5405" y1="33146" x2="5405" y2="33146"/>
-                        <a14:foregroundMark x1="5706" y1="37640" x2="5706" y2="37640"/>
-                        <a14:foregroundMark x1="5706" y1="29213" x2="5706" y2="29213"/>
-                        <a14:foregroundMark x1="5706" y1="21348" x2="5706" y2="21348"/>
-                        <a14:foregroundMark x1="5706" y1="25843" x2="5706" y2="25843"/>
-                        <a14:foregroundMark x1="6306" y1="17416" x2="6306" y2="17416"/>
-                        <a14:foregroundMark x1="6306" y1="14045" x2="6306" y2="14045"/>
-                        <a14:foregroundMark x1="6306" y1="10112" x2="6306" y2="10112"/>
-                        <a14:foregroundMark x1="6006" y1="6742" x2="6006" y2="6742"/>
-                        <a14:foregroundMark x1="7207" y1="7303" x2="7207" y2="7303"/>
-                        <a14:foregroundMark x1="10511" y1="7303" x2="10511" y2="7303"/>
-                        <a14:foregroundMark x1="12312" y1="8427" x2="12312" y2="8427"/>
-                        <a14:foregroundMark x1="14715" y1="8427" x2="14715" y2="8427"/>
-                        <a14:foregroundMark x1="17417" y1="8989" x2="17417" y2="8989"/>
-                        <a14:foregroundMark x1="74174" y1="10112" x2="74174" y2="10112"/>
-                        <a14:foregroundMark x1="74474" y1="16292" x2="74474" y2="16292"/>
-                        <a14:foregroundMark x1="74775" y1="14045" x2="74775" y2="14045"/>
-                        <a14:foregroundMark x1="75375" y1="9551" x2="75375" y2="9551"/>
-                        <a14:foregroundMark x1="74775" y1="12360" x2="74775" y2="12360"/>
-                        <a14:foregroundMark x1="73874" y1="6742" x2="73874" y2="6742"/>
-                        <a14:foregroundMark x1="75676" y1="10112" x2="75676" y2="10112"/>
-                        <a14:foregroundMark x1="77778" y1="9551" x2="77778" y2="9551"/>
-                        <a14:foregroundMark x1="75075" y1="17416" x2="75075" y2="17416"/>
-                        <a14:foregroundMark x1="74474" y1="24719" x2="74474" y2="24719"/>
-                        <a14:foregroundMark x1="74474" y1="20787" x2="74474" y2="20787"/>
-                        <a14:foregroundMark x1="75375" y1="29775" x2="75375" y2="29775"/>
-                        <a14:foregroundMark x1="75075" y1="34270" x2="75075" y2="34270"/>
-                        <a14:foregroundMark x1="74775" y1="32584" x2="74775" y2="32584"/>
-                        <a14:foregroundMark x1="75075" y1="38202" x2="75075" y2="38202"/>
-                        <a14:foregroundMark x1="75075" y1="42697" x2="75075" y2="42697"/>
-                        <a14:foregroundMark x1="74474" y1="41011" x2="74474" y2="41011"/>
-                        <a14:foregroundMark x1="74174" y1="48315" x2="74174" y2="48315"/>
-                        <a14:foregroundMark x1="74775" y1="52809" x2="74775" y2="52809"/>
-                        <a14:foregroundMark x1="75375" y1="58427" x2="75375" y2="58427"/>
-                        <a14:foregroundMark x1="75075" y1="62360" x2="75075" y2="62360"/>
-                        <a14:foregroundMark x1="75075" y1="65730" x2="75075" y2="65730"/>
-                        <a14:foregroundMark x1="75075" y1="68539" x2="75075" y2="68539"/>
-                        <a14:foregroundMark x1="75075" y1="70787" x2="75075" y2="70787"/>
-                        <a14:foregroundMark x1="82583" y1="71348" x2="82583" y2="71348"/>
-                        <a14:foregroundMark x1="80180" y1="70787" x2="80180" y2="70787"/>
-                        <a14:foregroundMark x1="86787" y1="69101" x2="86787" y2="69101"/>
-                        <a14:foregroundMark x1="90691" y1="67416" x2="90691" y2="67416"/>
-                        <a14:foregroundMark x1="85586" y1="69663" x2="85586" y2="69663"/>
-                        <a14:foregroundMark x1="89790" y1="68539" x2="89790" y2="68539"/>
-                        <a14:foregroundMark x1="91892" y1="65169" x2="91892" y2="65169"/>
-                        <a14:foregroundMark x1="93093" y1="63483" x2="93093" y2="63483"/>
-                        <a14:foregroundMark x1="93994" y1="59551" x2="93994" y2="59551"/>
-                        <a14:foregroundMark x1="94595" y1="57303" x2="94595" y2="57303"/>
-                        <a14:foregroundMark x1="94595" y1="53933" x2="94595" y2="53933"/>
-                        <a14:foregroundMark x1="94595" y1="51124" x2="94595" y2="51124"/>
-                        <a14:foregroundMark x1="93994" y1="48315" x2="93994" y2="48315"/>
-                        <a14:foregroundMark x1="93694" y1="46629" x2="93694" y2="46629"/>
-                        <a14:foregroundMark x1="93093" y1="42697" x2="93093" y2="42697"/>
-                        <a14:foregroundMark x1="91592" y1="42135" x2="91592" y2="42135"/>
-                        <a14:foregroundMark x1="89189" y1="40449" x2="89189" y2="40449"/>
-                        <a14:foregroundMark x1="89189" y1="38764" x2="89189" y2="38764"/>
-                        <a14:foregroundMark x1="86486" y1="35955" x2="86486" y2="35955"/>
-                        <a14:foregroundMark x1="84384" y1="37079" x2="84384" y2="37079"/>
-                        <a14:foregroundMark x1="81381" y1="36517" x2="81381" y2="36517"/>
-                        <a14:foregroundMark x1="78679" y1="36517" x2="78679" y2="36517"/>
-                        <a14:foregroundMark x1="84384" y1="37079" x2="84384" y2="37079"/>
-                        <a14:foregroundMark x1="84985" y1="34831" x2="84985" y2="34831"/>
-                        <a14:foregroundMark x1="89790" y1="34831" x2="89790" y2="34831"/>
-                        <a14:foregroundMark x1="91291" y1="32584" x2="91291" y2="32584"/>
-                        <a14:foregroundMark x1="92192" y1="30337" x2="92192" y2="30337"/>
-                        <a14:foregroundMark x1="92492" y1="29213" x2="92492" y2="29213"/>
-                        <a14:foregroundMark x1="92492" y1="26966" x2="92492" y2="26966"/>
-                        <a14:foregroundMark x1="92492" y1="24157" x2="92492" y2="24157"/>
-                        <a14:foregroundMark x1="93694" y1="29775" x2="93694" y2="29775"/>
-                        <a14:foregroundMark x1="94595" y1="26404" x2="94595" y2="26404"/>
-                        <a14:foregroundMark x1="94895" y1="23596" x2="94895" y2="23596"/>
-                        <a14:foregroundMark x1="94895" y1="20225" x2="94895" y2="20225"/>
-                        <a14:foregroundMark x1="95495" y1="18539" x2="95495" y2="18539"/>
-                        <a14:foregroundMark x1="93093" y1="17416" x2="93093" y2="17416"/>
-                        <a14:foregroundMark x1="92492" y1="14607" x2="92492" y2="14607"/>
-                        <a14:foregroundMark x1="91592" y1="11798" x2="91592" y2="11798"/>
-                        <a14:foregroundMark x1="89489" y1="10674" x2="89489" y2="10674"/>
-                        <a14:foregroundMark x1="87087" y1="10112" x2="87087" y2="10112"/>
-                        <a14:foregroundMark x1="76577" y1="67978" x2="76577" y2="67978"/>
-                        <a14:foregroundMark x1="78979" y1="69101" x2="78979" y2="69101"/>
-                        <a14:foregroundMark x1="81381" y1="69101" x2="81381" y2="69101"/>
-                        <a14:foregroundMark x1="15916" y1="7865" x2="15916" y2="7865"/>
-                        <a14:foregroundMark x1="18619" y1="7303" x2="18619" y2="7303"/>
-                        <a14:foregroundMark x1="21021" y1="8989" x2="21021" y2="8989"/>
-                        <a14:foregroundMark x1="3904" y1="88764" x2="3904" y2="88764"/>
-                        <a14:foregroundMark x1="3604" y1="84270" x2="3604" y2="84270"/>
-                        <a14:foregroundMark x1="4805" y1="82022" x2="4805" y2="82022"/>
-                        <a14:foregroundMark x1="6607" y1="80337" x2="6607" y2="80337"/>
-                        <a14:foregroundMark x1="8408" y1="79213" x2="8408" y2="79213"/>
-                        <a14:foregroundMark x1="9309" y1="81461" x2="9309" y2="81461"/>
-                        <a14:foregroundMark x1="6607" y1="90449" x2="6607" y2="90449"/>
-                        <a14:foregroundMark x1="8108" y1="88764" x2="8108" y2="88764"/>
-                        <a14:foregroundMark x1="9009" y1="87640" x2="9009" y2="87640"/>
-                        <a14:foregroundMark x1="15616" y1="88764" x2="15616" y2="88764"/>
-                        <a14:foregroundMark x1="15916" y1="84831" x2="15916" y2="84831"/>
-                        <a14:foregroundMark x1="19820" y1="88764" x2="19820" y2="88764"/>
-                        <a14:foregroundMark x1="26727" y1="84831" x2="26727" y2="84831"/>
-                        <a14:foregroundMark x1="27327" y1="83146" x2="27327" y2="83146"/>
-                        <a14:foregroundMark x1="26126" y1="88202" x2="26126" y2="88202"/>
-                        <a14:foregroundMark x1="29429" y1="83146" x2="29429" y2="83146"/>
-                        <a14:foregroundMark x1="30330" y1="83708" x2="30330" y2="83708"/>
-                        <a14:foregroundMark x1="39039" y1="86517" x2="39039" y2="86517"/>
-                        <a14:foregroundMark x1="40240" y1="88764" x2="40240" y2="88764"/>
-                        <a14:foregroundMark x1="46847" y1="86517" x2="46847" y2="86517"/>
-                        <a14:foregroundMark x1="51051" y1="89326" x2="51051" y2="89326"/>
-                        <a14:foregroundMark x1="58559" y1="82584" x2="58559" y2="82584"/>
-                        <a14:foregroundMark x1="57658" y1="88764" x2="57658" y2="88764"/>
-                        <a14:foregroundMark x1="66667" y1="83146" x2="66667" y2="83146"/>
-                        <a14:foregroundMark x1="75075" y1="79775" x2="75075" y2="79775"/>
-                        <a14:foregroundMark x1="74775" y1="83146" x2="74775" y2="83146"/>
-                        <a14:foregroundMark x1="81982" y1="83146" x2="81982" y2="83146"/>
-                        <a14:foregroundMark x1="83784" y1="83708" x2="83784" y2="83708"/>
-                        <a14:foregroundMark x1="92192" y1="83708" x2="92192" y2="83708"/>
-                        <a14:foregroundMark x1="51652" y1="6180" x2="51652" y2="6180"/>
-                        <a14:foregroundMark x1="51351" y1="41011" x2="51351" y2="41011"/>
-                        <a14:foregroundMark x1="52553" y1="34270" x2="52553" y2="34270"/>
-                        <a14:foregroundMark x1="91291" y1="88202" x2="91291" y2="88202"/>
-                        <a14:foregroundMark x1="95495" y1="88202" x2="95495" y2="88202"/>
-                        <a14:foregroundMark x1="94895" y1="91573" x2="94895" y2="91573"/>
-                        <a14:foregroundMark x1="92192" y1="94944" x2="92192" y2="94944"/>
-                        <a14:foregroundMark x1="84985" y1="86517" x2="84985" y2="86517"/>
-                        <a14:foregroundMark x1="36937" y1="89888" x2="36937" y2="89888"/>
-                        <a14:foregroundMark x1="51652" y1="6180" x2="51652" y2="6180"/>
-                        <a14:foregroundMark x1="52853" y1="32584" x2="52853" y2="32584"/>
-                        <a14:backgroundMark x1="33934" y1="38764" x2="33934" y2="38764"/>
-                        <a14:backgroundMark x1="33934" y1="42135" x2="33934" y2="42135"/>
-                        <a14:backgroundMark x1="93994" y1="86517" x2="93994" y2="86517"/>
-                        <a14:backgroundMark x1="50751" y1="32022" x2="50751" y2="32022"/>
-                        <a14:backgroundMark x1="20420" y1="89326" x2="20420" y2="89326"/>
-                      </a14:backgroundRemoval>
-                    </a14:imgEffect>
-                  </a14:imgLayer>
-                </a14:imgProps>
-              </a:ext>
-              <a:ext uri="{28A0092B-C50C-407E-A947-70E740481C1C}">
-                <a14:useLocalDpi xmlns:a14="http://schemas.microsoft.com/office/drawing/2010/main" val="0"/>
-              </a:ext>
-            </a:extLst>
-          </a:blip>
-          <a:stretch>
-            <a:fillRect/>
-          </a:stretch>
-        </p:blipFill>
-        <p:spPr>
-          <a:xfrm>
-            <a:off x="10946660" y="6203967"/>
-            <a:ext cx="1147018" cy="613121"/>
-          </a:xfrm>
-          <a:prstGeom prst="rect">
-            <a:avLst/>
-          </a:prstGeom>
-        </p:spPr>
-      </p:pic>
-      <p:sp>
-        <p:nvSpPr>
-          <p:cNvPr id="6" name="TextBox 5">
-            <a:extLst>
-              <a:ext uri="{FF2B5EF4-FFF2-40B4-BE49-F238E27FC236}">
-                <a16:creationId xmlns:a16="http://schemas.microsoft.com/office/drawing/2014/main" id="{BCE4485E-5106-4CB6-BCB3-ADAF963F9A57}"/>
-              </a:ext>
-            </a:extLst>
-          </p:cNvPr>
-          <p:cNvSpPr txBox="1"/>
-          <p:nvPr/>
-        </p:nvSpPr>
-        <p:spPr>
-          <a:xfrm>
-            <a:off x="7712765" y="585216"/>
-            <a:ext cx="2809461" cy="923330"/>
-          </a:xfrm>
-          <a:prstGeom prst="rect">
-            <a:avLst/>
-          </a:prstGeom>
-          <a:solidFill>
-            <a:srgbClr val="FFFF00"/>
-          </a:solidFill>
-        </p:spPr>
-        <p:txBody>
-          <a:bodyPr wrap="square" rtlCol="0">
-            <a:spAutoFit/>
-          </a:bodyPr>
-          <a:lstStyle/>
-          <a:p>
-            <a:r>
-              <a:rPr lang="en-GB" dirty="0" err="1">
-                <a:solidFill>
-                  <a:schemeClr val="bg1"/>
-                </a:solidFill>
-              </a:rPr>
-              <a:t>Aqui</a:t>
-            </a:r>
-            <a:r>
-              <a:rPr lang="en-GB" dirty="0">
-                <a:solidFill>
-                  <a:schemeClr val="bg1"/>
-                </a:solidFill>
-              </a:rPr>
-              <a:t> </a:t>
-            </a:r>
-            <a:r>
-              <a:rPr lang="en-GB" dirty="0" err="1">
-                <a:solidFill>
-                  <a:schemeClr val="bg1"/>
-                </a:solidFill>
-              </a:rPr>
-              <a:t>vamos</a:t>
-            </a:r>
-            <a:r>
-              <a:rPr lang="en-GB" dirty="0">
-                <a:solidFill>
-                  <a:schemeClr val="bg1"/>
-                </a:solidFill>
-              </a:rPr>
-              <a:t> </a:t>
-            </a:r>
-            <a:r>
-              <a:rPr lang="en-GB" dirty="0" err="1">
-                <a:solidFill>
-                  <a:schemeClr val="bg1"/>
-                </a:solidFill>
-              </a:rPr>
-              <a:t>escrever</a:t>
-            </a:r>
-            <a:r>
-              <a:rPr lang="en-GB" dirty="0">
-                <a:solidFill>
-                  <a:schemeClr val="bg1"/>
-                </a:solidFill>
-              </a:rPr>
-              <a:t>:</a:t>
-            </a:r>
-          </a:p>
-          <a:p>
-            <a:pPr marL="285750" indent="-285750">
-              <a:buFontTx/>
-              <a:buChar char="-"/>
-            </a:pPr>
-            <a:r>
-              <a:rPr lang="en-GB" dirty="0" err="1">
-                <a:solidFill>
-                  <a:schemeClr val="bg1"/>
-                </a:solidFill>
-              </a:rPr>
-              <a:t>algoritmos</a:t>
-            </a:r>
-            <a:r>
-              <a:rPr lang="en-GB" dirty="0">
-                <a:solidFill>
-                  <a:schemeClr val="bg1"/>
-                </a:solidFill>
-              </a:rPr>
-              <a:t> </a:t>
-            </a:r>
-            <a:r>
-              <a:rPr lang="en-GB" dirty="0" err="1">
-                <a:solidFill>
-                  <a:schemeClr val="bg1"/>
-                </a:solidFill>
-              </a:rPr>
-              <a:t>utilizados</a:t>
-            </a:r>
-            <a:endParaRPr lang="en-GB" dirty="0">
-              <a:solidFill>
-                <a:schemeClr val="bg1"/>
-              </a:solidFill>
-            </a:endParaRPr>
-          </a:p>
-          <a:p>
-            <a:pPr marL="285750" indent="-285750">
-              <a:buFontTx/>
-              <a:buChar char="-"/>
-            </a:pPr>
-            <a:r>
-              <a:rPr lang="en-GB" dirty="0">
-                <a:solidFill>
-                  <a:schemeClr val="bg1"/>
-                </a:solidFill>
-              </a:rPr>
-              <a:t>main variables</a:t>
-            </a:r>
-          </a:p>
-        </p:txBody>
-      </p:sp>
-      <p:sp>
-        <p:nvSpPr>
-          <p:cNvPr id="7" name="Content Placeholder 3">
-            <a:extLst>
-              <a:ext uri="{FF2B5EF4-FFF2-40B4-BE49-F238E27FC236}">
-                <a16:creationId xmlns:a16="http://schemas.microsoft.com/office/drawing/2014/main" id="{265B1CF9-29D4-4AEB-8BEA-888814A66380}"/>
-              </a:ext>
-            </a:extLst>
-          </p:cNvPr>
-          <p:cNvSpPr txBox="1">
-            <a:spLocks/>
-          </p:cNvSpPr>
-          <p:nvPr/>
-        </p:nvSpPr>
-        <p:spPr>
-          <a:xfrm>
-            <a:off x="5989318" y="3204333"/>
-            <a:ext cx="6015867" cy="4023360"/>
-          </a:xfrm>
-          <a:prstGeom prst="rect">
-            <a:avLst/>
-          </a:prstGeom>
-        </p:spPr>
-        <p:txBody>
-          <a:bodyPr vert="horz" lIns="45720" tIns="45720" rIns="45720" bIns="45720" rtlCol="0">
-            <a:normAutofit/>
-          </a:bodyPr>
-          <a:lstStyle>
-            <a:lvl1pPr marL="91440" indent="-91440" algn="l" defTabSz="914400" rtl="0" eaLnBrk="1" latinLnBrk="0" hangingPunct="1">
-              <a:lnSpc>
-                <a:spcPct val="90000"/>
-              </a:lnSpc>
-              <a:spcBef>
-                <a:spcPts val="1200"/>
-              </a:spcBef>
-              <a:spcAft>
-                <a:spcPts val="200"/>
-              </a:spcAft>
-              <a:buClr>
-                <a:schemeClr val="accent2"/>
-              </a:buClr>
-              <a:buSzPct val="100000"/>
-              <a:buFont typeface="Tw Cen MT" panose="020B0602020104020603" pitchFamily="34" charset="0"/>
-              <a:buChar char=" "/>
-              <a:defRPr sz="2200" kern="1200">
-                <a:solidFill>
-                  <a:schemeClr val="tx1"/>
-                </a:solidFill>
-                <a:latin typeface="+mn-lt"/>
-                <a:ea typeface="+mn-ea"/>
-                <a:cs typeface="+mn-cs"/>
-              </a:defRPr>
-            </a:lvl1pPr>
-            <a:lvl2pPr marL="265176" indent="-137160" algn="l" defTabSz="914400" rtl="0" eaLnBrk="1" latinLnBrk="0" hangingPunct="1">
-              <a:lnSpc>
-                <a:spcPct val="90000"/>
-              </a:lnSpc>
-              <a:spcBef>
-                <a:spcPts val="200"/>
-              </a:spcBef>
-              <a:spcAft>
-                <a:spcPts val="400"/>
-              </a:spcAft>
-              <a:buClr>
-                <a:schemeClr val="accent2"/>
-              </a:buClr>
-              <a:buFont typeface="Wingdings 3" pitchFamily="18" charset="2"/>
-              <a:buChar char=""/>
-              <a:defRPr sz="1800" kern="1200">
-                <a:solidFill>
-                  <a:schemeClr val="tx1"/>
-                </a:solidFill>
-                <a:latin typeface="+mn-lt"/>
-                <a:ea typeface="+mn-ea"/>
-                <a:cs typeface="+mn-cs"/>
-              </a:defRPr>
-            </a:lvl2pPr>
-            <a:lvl3pPr marL="448056" indent="-137160" algn="l" defTabSz="914400" rtl="0" eaLnBrk="1" latinLnBrk="0" hangingPunct="1">
-              <a:lnSpc>
-                <a:spcPct val="90000"/>
-              </a:lnSpc>
-              <a:spcBef>
-                <a:spcPts val="200"/>
-              </a:spcBef>
-              <a:spcAft>
-                <a:spcPts val="400"/>
-              </a:spcAft>
-              <a:buClr>
-                <a:schemeClr val="accent2"/>
-              </a:buClr>
-              <a:buFont typeface="Wingdings 3" pitchFamily="18" charset="2"/>
-              <a:buChar char=""/>
-              <a:defRPr sz="1400" kern="1200">
-                <a:solidFill>
-                  <a:schemeClr val="tx1"/>
-                </a:solidFill>
-                <a:latin typeface="+mn-lt"/>
-                <a:ea typeface="+mn-ea"/>
-                <a:cs typeface="+mn-cs"/>
-              </a:defRPr>
-            </a:lvl3pPr>
-            <a:lvl4pPr marL="594360" indent="-137160" algn="l" defTabSz="914400" rtl="0" eaLnBrk="1" latinLnBrk="0" hangingPunct="1">
-              <a:lnSpc>
-                <a:spcPct val="90000"/>
-              </a:lnSpc>
-              <a:spcBef>
-                <a:spcPts val="200"/>
-              </a:spcBef>
-              <a:spcAft>
-                <a:spcPts val="400"/>
-              </a:spcAft>
-              <a:buClr>
-                <a:schemeClr val="accent2"/>
-              </a:buClr>
-              <a:buFont typeface="Wingdings 3" pitchFamily="18" charset="2"/>
-              <a:buChar char=""/>
-              <a:defRPr sz="1400" kern="1200">
-                <a:solidFill>
-                  <a:schemeClr val="tx1"/>
-                </a:solidFill>
-                <a:latin typeface="+mn-lt"/>
-                <a:ea typeface="+mn-ea"/>
-                <a:cs typeface="+mn-cs"/>
-              </a:defRPr>
-            </a:lvl4pPr>
-            <a:lvl5pPr marL="777240" indent="-137160" algn="l" defTabSz="914400" rtl="0" eaLnBrk="1" latinLnBrk="0" hangingPunct="1">
-              <a:lnSpc>
-                <a:spcPct val="90000"/>
-              </a:lnSpc>
-              <a:spcBef>
-                <a:spcPts val="200"/>
-              </a:spcBef>
-              <a:spcAft>
-                <a:spcPts val="400"/>
-              </a:spcAft>
-              <a:buClr>
-                <a:schemeClr val="accent2"/>
-              </a:buClr>
-              <a:buFont typeface="Wingdings 3" pitchFamily="18" charset="2"/>
-              <a:buChar char=""/>
-              <a:defRPr sz="1400" kern="1200">
-                <a:solidFill>
-                  <a:schemeClr val="tx1"/>
-                </a:solidFill>
-                <a:latin typeface="+mn-lt"/>
-                <a:ea typeface="+mn-ea"/>
-                <a:cs typeface="+mn-cs"/>
-              </a:defRPr>
-            </a:lvl5pPr>
-            <a:lvl6pPr marL="914400" indent="-137160" algn="l" defTabSz="914400" rtl="0" eaLnBrk="1" latinLnBrk="0" hangingPunct="1">
-              <a:lnSpc>
-                <a:spcPct val="90000"/>
-              </a:lnSpc>
-              <a:spcBef>
-                <a:spcPts val="200"/>
-              </a:spcBef>
-              <a:spcAft>
-                <a:spcPts val="400"/>
-              </a:spcAft>
-              <a:buClr>
-                <a:schemeClr val="accent2"/>
-              </a:buClr>
-              <a:buFont typeface="Wingdings 3" pitchFamily="18" charset="2"/>
-              <a:buChar char=""/>
-              <a:defRPr sz="1400" kern="1200">
-                <a:solidFill>
-                  <a:schemeClr val="tx1"/>
-                </a:solidFill>
-                <a:latin typeface="+mn-lt"/>
-                <a:ea typeface="+mn-ea"/>
-                <a:cs typeface="+mn-cs"/>
-              </a:defRPr>
-            </a:lvl6pPr>
-            <a:lvl7pPr marL="1060704" indent="-137160" algn="l" defTabSz="914400" rtl="0" eaLnBrk="1" latinLnBrk="0" hangingPunct="1">
-              <a:lnSpc>
-                <a:spcPct val="90000"/>
-              </a:lnSpc>
-              <a:spcBef>
-                <a:spcPts val="200"/>
-              </a:spcBef>
-              <a:spcAft>
-                <a:spcPts val="400"/>
-              </a:spcAft>
-              <a:buClr>
-                <a:schemeClr val="accent2"/>
-              </a:buClr>
-              <a:buFont typeface="Wingdings 3" pitchFamily="18" charset="2"/>
-              <a:buChar char=""/>
-              <a:defRPr sz="1400" kern="1200">
-                <a:solidFill>
-                  <a:schemeClr val="tx1"/>
-                </a:solidFill>
-                <a:latin typeface="+mn-lt"/>
-                <a:ea typeface="+mn-ea"/>
-                <a:cs typeface="+mn-cs"/>
-              </a:defRPr>
-            </a:lvl7pPr>
-            <a:lvl8pPr marL="1216152" indent="-137160" algn="l" defTabSz="914400" rtl="0" eaLnBrk="1" latinLnBrk="0" hangingPunct="1">
-              <a:lnSpc>
-                <a:spcPct val="90000"/>
-              </a:lnSpc>
-              <a:spcBef>
-                <a:spcPts val="200"/>
-              </a:spcBef>
-              <a:spcAft>
-                <a:spcPts val="400"/>
-              </a:spcAft>
-              <a:buClr>
-                <a:schemeClr val="accent2"/>
-              </a:buClr>
-              <a:buFont typeface="Wingdings 3" pitchFamily="18" charset="2"/>
-              <a:buChar char=""/>
-              <a:defRPr sz="1400" kern="1200">
-                <a:solidFill>
-                  <a:schemeClr val="tx1"/>
-                </a:solidFill>
-                <a:latin typeface="+mn-lt"/>
-                <a:ea typeface="+mn-ea"/>
-                <a:cs typeface="+mn-cs"/>
-              </a:defRPr>
-            </a:lvl8pPr>
-            <a:lvl9pPr marL="1362456" indent="-137160" algn="l" defTabSz="914400" rtl="0" eaLnBrk="1" latinLnBrk="0" hangingPunct="1">
-              <a:lnSpc>
-                <a:spcPct val="90000"/>
-              </a:lnSpc>
-              <a:spcBef>
-                <a:spcPts val="200"/>
-              </a:spcBef>
-              <a:spcAft>
-                <a:spcPts val="400"/>
-              </a:spcAft>
-              <a:buClr>
-                <a:schemeClr val="accent2"/>
-              </a:buClr>
-              <a:buFont typeface="Wingdings 3" pitchFamily="18" charset="2"/>
-              <a:buChar char=""/>
-              <a:defRPr sz="1400" kern="1200">
-                <a:solidFill>
-                  <a:schemeClr val="tx1"/>
-                </a:solidFill>
-                <a:latin typeface="+mn-lt"/>
-                <a:ea typeface="+mn-ea"/>
-                <a:cs typeface="+mn-cs"/>
-              </a:defRPr>
-            </a:lvl9pPr>
-          </a:lstStyle>
-          <a:p>
-            <a:r>
-              <a:rPr lang="en-GB" sz="2100" dirty="0"/>
-              <a:t>	</a:t>
-            </a:r>
-            <a:r>
-              <a:rPr lang="en-GB" dirty="0"/>
-              <a:t> </a:t>
-            </a:r>
-          </a:p>
-          <a:p>
-            <a:pPr>
-              <a:buFont typeface="Tw Cen MT" panose="020B0602020104020603" pitchFamily="34" charset="0"/>
-              <a:buBlip>
-                <a:blip r:embed="rId2">
-                  <a:extLst>
-                    <a:ext uri="{96DAC541-7B7A-43D3-8B79-37D633B846F1}">
-                      <asvg:svgBlip xmlns:asvg="http://schemas.microsoft.com/office/drawing/2016/SVG/main" r:embed="rId3"/>
-                    </a:ext>
-                  </a:extLst>
-                </a:blip>
-              </a:buBlip>
-            </a:pPr>
-            <a:r>
-              <a:rPr lang="en-GB" dirty="0"/>
-              <a:t>Keep the duplicates and better distribute them between train and test dataset</a:t>
-            </a:r>
-          </a:p>
-          <a:p>
-            <a:pPr marL="0" indent="0">
-              <a:buFont typeface="Tw Cen MT" panose="020B0602020104020603" pitchFamily="34" charset="0"/>
-              <a:buNone/>
-            </a:pPr>
-            <a:endParaRPr lang="en-GB" dirty="0"/>
-          </a:p>
-          <a:p>
-            <a:endParaRPr lang="en-GB" dirty="0"/>
-          </a:p>
-        </p:txBody>
-      </p:sp>
-      <p:sp>
-        <p:nvSpPr>
-          <p:cNvPr id="8" name="Content Placeholder 3">
-            <a:extLst>
-              <a:ext uri="{FF2B5EF4-FFF2-40B4-BE49-F238E27FC236}">
-                <a16:creationId xmlns:a16="http://schemas.microsoft.com/office/drawing/2014/main" id="{FAE8B514-06AD-4095-83E7-C066A66851E6}"/>
-              </a:ext>
-            </a:extLst>
-          </p:cNvPr>
-          <p:cNvSpPr txBox="1">
-            <a:spLocks/>
-          </p:cNvSpPr>
-          <p:nvPr/>
-        </p:nvSpPr>
-        <p:spPr>
-          <a:xfrm>
-            <a:off x="5989317" y="4261103"/>
-            <a:ext cx="6015867" cy="4023360"/>
-          </a:xfrm>
-          <a:prstGeom prst="rect">
-            <a:avLst/>
-          </a:prstGeom>
-        </p:spPr>
-        <p:txBody>
-          <a:bodyPr vert="horz" lIns="45720" tIns="45720" rIns="45720" bIns="45720" rtlCol="0">
-            <a:normAutofit/>
-          </a:bodyPr>
-          <a:lstStyle>
-            <a:lvl1pPr marL="91440" indent="-91440" algn="l" defTabSz="914400" rtl="0" eaLnBrk="1" latinLnBrk="0" hangingPunct="1">
-              <a:lnSpc>
-                <a:spcPct val="90000"/>
-              </a:lnSpc>
-              <a:spcBef>
-                <a:spcPts val="1200"/>
-              </a:spcBef>
-              <a:spcAft>
-                <a:spcPts val="200"/>
-              </a:spcAft>
-              <a:buClr>
-                <a:schemeClr val="accent2"/>
-              </a:buClr>
-              <a:buSzPct val="100000"/>
-              <a:buFont typeface="Tw Cen MT" panose="020B0602020104020603" pitchFamily="34" charset="0"/>
-              <a:buChar char=" "/>
-              <a:defRPr sz="2200" kern="1200">
-                <a:solidFill>
-                  <a:schemeClr val="tx1"/>
-                </a:solidFill>
-                <a:latin typeface="+mn-lt"/>
-                <a:ea typeface="+mn-ea"/>
-                <a:cs typeface="+mn-cs"/>
-              </a:defRPr>
-            </a:lvl1pPr>
-            <a:lvl2pPr marL="265176" indent="-137160" algn="l" defTabSz="914400" rtl="0" eaLnBrk="1" latinLnBrk="0" hangingPunct="1">
-              <a:lnSpc>
-                <a:spcPct val="90000"/>
-              </a:lnSpc>
-              <a:spcBef>
-                <a:spcPts val="200"/>
-              </a:spcBef>
-              <a:spcAft>
-                <a:spcPts val="400"/>
-              </a:spcAft>
-              <a:buClr>
-                <a:schemeClr val="accent2"/>
-              </a:buClr>
-              <a:buFont typeface="Wingdings 3" pitchFamily="18" charset="2"/>
-              <a:buChar char=""/>
-              <a:defRPr sz="1800" kern="1200">
-                <a:solidFill>
-                  <a:schemeClr val="tx1"/>
-                </a:solidFill>
-                <a:latin typeface="+mn-lt"/>
-                <a:ea typeface="+mn-ea"/>
-                <a:cs typeface="+mn-cs"/>
-              </a:defRPr>
-            </a:lvl2pPr>
-            <a:lvl3pPr marL="448056" indent="-137160" algn="l" defTabSz="914400" rtl="0" eaLnBrk="1" latinLnBrk="0" hangingPunct="1">
-              <a:lnSpc>
-                <a:spcPct val="90000"/>
-              </a:lnSpc>
-              <a:spcBef>
-                <a:spcPts val="200"/>
-              </a:spcBef>
-              <a:spcAft>
-                <a:spcPts val="400"/>
-              </a:spcAft>
-              <a:buClr>
-                <a:schemeClr val="accent2"/>
-              </a:buClr>
-              <a:buFont typeface="Wingdings 3" pitchFamily="18" charset="2"/>
-              <a:buChar char=""/>
-              <a:defRPr sz="1400" kern="1200">
-                <a:solidFill>
-                  <a:schemeClr val="tx1"/>
-                </a:solidFill>
-                <a:latin typeface="+mn-lt"/>
-                <a:ea typeface="+mn-ea"/>
-                <a:cs typeface="+mn-cs"/>
-              </a:defRPr>
-            </a:lvl3pPr>
-            <a:lvl4pPr marL="594360" indent="-137160" algn="l" defTabSz="914400" rtl="0" eaLnBrk="1" latinLnBrk="0" hangingPunct="1">
-              <a:lnSpc>
-                <a:spcPct val="90000"/>
-              </a:lnSpc>
-              <a:spcBef>
-                <a:spcPts val="200"/>
-              </a:spcBef>
-              <a:spcAft>
-                <a:spcPts val="400"/>
-              </a:spcAft>
-              <a:buClr>
-                <a:schemeClr val="accent2"/>
-              </a:buClr>
-              <a:buFont typeface="Wingdings 3" pitchFamily="18" charset="2"/>
-              <a:buChar char=""/>
-              <a:defRPr sz="1400" kern="1200">
-                <a:solidFill>
-                  <a:schemeClr val="tx1"/>
-                </a:solidFill>
-                <a:latin typeface="+mn-lt"/>
-                <a:ea typeface="+mn-ea"/>
-                <a:cs typeface="+mn-cs"/>
-              </a:defRPr>
-            </a:lvl4pPr>
-            <a:lvl5pPr marL="777240" indent="-137160" algn="l" defTabSz="914400" rtl="0" eaLnBrk="1" latinLnBrk="0" hangingPunct="1">
-              <a:lnSpc>
-                <a:spcPct val="90000"/>
-              </a:lnSpc>
-              <a:spcBef>
-                <a:spcPts val="200"/>
-              </a:spcBef>
-              <a:spcAft>
-                <a:spcPts val="400"/>
-              </a:spcAft>
-              <a:buClr>
-                <a:schemeClr val="accent2"/>
-              </a:buClr>
-              <a:buFont typeface="Wingdings 3" pitchFamily="18" charset="2"/>
-              <a:buChar char=""/>
-              <a:defRPr sz="1400" kern="1200">
-                <a:solidFill>
-                  <a:schemeClr val="tx1"/>
-                </a:solidFill>
-                <a:latin typeface="+mn-lt"/>
-                <a:ea typeface="+mn-ea"/>
-                <a:cs typeface="+mn-cs"/>
-              </a:defRPr>
-            </a:lvl5pPr>
-            <a:lvl6pPr marL="914400" indent="-137160" algn="l" defTabSz="914400" rtl="0" eaLnBrk="1" latinLnBrk="0" hangingPunct="1">
-              <a:lnSpc>
-                <a:spcPct val="90000"/>
-              </a:lnSpc>
-              <a:spcBef>
-                <a:spcPts val="200"/>
-              </a:spcBef>
-              <a:spcAft>
-                <a:spcPts val="400"/>
-              </a:spcAft>
-              <a:buClr>
-                <a:schemeClr val="accent2"/>
-              </a:buClr>
-              <a:buFont typeface="Wingdings 3" pitchFamily="18" charset="2"/>
-              <a:buChar char=""/>
-              <a:defRPr sz="1400" kern="1200">
-                <a:solidFill>
-                  <a:schemeClr val="tx1"/>
-                </a:solidFill>
-                <a:latin typeface="+mn-lt"/>
-                <a:ea typeface="+mn-ea"/>
-                <a:cs typeface="+mn-cs"/>
-              </a:defRPr>
-            </a:lvl6pPr>
-            <a:lvl7pPr marL="1060704" indent="-137160" algn="l" defTabSz="914400" rtl="0" eaLnBrk="1" latinLnBrk="0" hangingPunct="1">
-              <a:lnSpc>
-                <a:spcPct val="90000"/>
-              </a:lnSpc>
-              <a:spcBef>
-                <a:spcPts val="200"/>
-              </a:spcBef>
-              <a:spcAft>
-                <a:spcPts val="400"/>
-              </a:spcAft>
-              <a:buClr>
-                <a:schemeClr val="accent2"/>
-              </a:buClr>
-              <a:buFont typeface="Wingdings 3" pitchFamily="18" charset="2"/>
-              <a:buChar char=""/>
-              <a:defRPr sz="1400" kern="1200">
-                <a:solidFill>
-                  <a:schemeClr val="tx1"/>
-                </a:solidFill>
-                <a:latin typeface="+mn-lt"/>
-                <a:ea typeface="+mn-ea"/>
-                <a:cs typeface="+mn-cs"/>
-              </a:defRPr>
-            </a:lvl7pPr>
-            <a:lvl8pPr marL="1216152" indent="-137160" algn="l" defTabSz="914400" rtl="0" eaLnBrk="1" latinLnBrk="0" hangingPunct="1">
-              <a:lnSpc>
-                <a:spcPct val="90000"/>
-              </a:lnSpc>
-              <a:spcBef>
-                <a:spcPts val="200"/>
-              </a:spcBef>
-              <a:spcAft>
-                <a:spcPts val="400"/>
-              </a:spcAft>
-              <a:buClr>
-                <a:schemeClr val="accent2"/>
-              </a:buClr>
-              <a:buFont typeface="Wingdings 3" pitchFamily="18" charset="2"/>
-              <a:buChar char=""/>
-              <a:defRPr sz="1400" kern="1200">
-                <a:solidFill>
-                  <a:schemeClr val="tx1"/>
-                </a:solidFill>
-                <a:latin typeface="+mn-lt"/>
-                <a:ea typeface="+mn-ea"/>
-                <a:cs typeface="+mn-cs"/>
-              </a:defRPr>
-            </a:lvl8pPr>
-            <a:lvl9pPr marL="1362456" indent="-137160" algn="l" defTabSz="914400" rtl="0" eaLnBrk="1" latinLnBrk="0" hangingPunct="1">
-              <a:lnSpc>
-                <a:spcPct val="90000"/>
-              </a:lnSpc>
-              <a:spcBef>
-                <a:spcPts val="200"/>
-              </a:spcBef>
-              <a:spcAft>
-                <a:spcPts val="400"/>
-              </a:spcAft>
-              <a:buClr>
-                <a:schemeClr val="accent2"/>
-              </a:buClr>
-              <a:buFont typeface="Wingdings 3" pitchFamily="18" charset="2"/>
-              <a:buChar char=""/>
-              <a:defRPr sz="1400" kern="1200">
-                <a:solidFill>
-                  <a:schemeClr val="tx1"/>
-                </a:solidFill>
-                <a:latin typeface="+mn-lt"/>
-                <a:ea typeface="+mn-ea"/>
-                <a:cs typeface="+mn-cs"/>
-              </a:defRPr>
-            </a:lvl9pPr>
-          </a:lstStyle>
-          <a:p>
-            <a:r>
-              <a:rPr lang="en-GB" sz="2100" dirty="0"/>
-              <a:t>	</a:t>
-            </a:r>
-            <a:r>
-              <a:rPr lang="en-GB" dirty="0"/>
-              <a:t> </a:t>
-            </a:r>
-          </a:p>
-          <a:p>
-            <a:pPr>
-              <a:buFont typeface="Tw Cen MT" panose="020B0602020104020603" pitchFamily="34" charset="0"/>
-              <a:buBlip>
-                <a:blip r:embed="rId2">
-                  <a:extLst>
-                    <a:ext uri="{96DAC541-7B7A-43D3-8B79-37D633B846F1}">
-                      <asvg:svgBlip xmlns:asvg="http://schemas.microsoft.com/office/drawing/2016/SVG/main" r:embed="rId3"/>
-                    </a:ext>
-                  </a:extLst>
-                </a:blip>
-              </a:buBlip>
-            </a:pPr>
-            <a:r>
-              <a:rPr lang="en-GB" dirty="0"/>
-              <a:t>Mutual Information Classifier</a:t>
-            </a:r>
-          </a:p>
-          <a:p>
-            <a:pPr marL="0" indent="0">
-              <a:buFont typeface="Tw Cen MT" panose="020B0602020104020603" pitchFamily="34" charset="0"/>
-              <a:buNone/>
-            </a:pPr>
-            <a:endParaRPr lang="en-GB" dirty="0"/>
-          </a:p>
-          <a:p>
-            <a:endParaRPr lang="en-GB" dirty="0"/>
-          </a:p>
-        </p:txBody>
-      </p:sp>
-      <p:sp>
-        <p:nvSpPr>
-          <p:cNvPr id="9" name="Content Placeholder 3">
-            <a:extLst>
-              <a:ext uri="{FF2B5EF4-FFF2-40B4-BE49-F238E27FC236}">
-                <a16:creationId xmlns:a16="http://schemas.microsoft.com/office/drawing/2014/main" id="{B1C041BB-60BD-48CE-AB5C-AEAB47C47B2A}"/>
-              </a:ext>
-            </a:extLst>
-          </p:cNvPr>
-          <p:cNvSpPr txBox="1">
-            <a:spLocks/>
-          </p:cNvSpPr>
-          <p:nvPr/>
-        </p:nvSpPr>
-        <p:spPr>
-          <a:xfrm>
-            <a:off x="5989317" y="5216013"/>
-            <a:ext cx="6015867" cy="4023360"/>
-          </a:xfrm>
-          <a:prstGeom prst="rect">
-            <a:avLst/>
-          </a:prstGeom>
-        </p:spPr>
-        <p:txBody>
-          <a:bodyPr vert="horz" lIns="45720" tIns="45720" rIns="45720" bIns="45720" rtlCol="0">
-            <a:normAutofit/>
-          </a:bodyPr>
-          <a:lstStyle>
-            <a:lvl1pPr marL="91440" indent="-91440" algn="l" defTabSz="914400" rtl="0" eaLnBrk="1" latinLnBrk="0" hangingPunct="1">
-              <a:lnSpc>
-                <a:spcPct val="90000"/>
-              </a:lnSpc>
-              <a:spcBef>
-                <a:spcPts val="1200"/>
-              </a:spcBef>
-              <a:spcAft>
-                <a:spcPts val="200"/>
-              </a:spcAft>
-              <a:buClr>
-                <a:schemeClr val="accent2"/>
-              </a:buClr>
-              <a:buSzPct val="100000"/>
-              <a:buFont typeface="Tw Cen MT" panose="020B0602020104020603" pitchFamily="34" charset="0"/>
-              <a:buChar char=" "/>
-              <a:defRPr sz="2200" kern="1200">
-                <a:solidFill>
-                  <a:schemeClr val="tx1"/>
-                </a:solidFill>
-                <a:latin typeface="+mn-lt"/>
-                <a:ea typeface="+mn-ea"/>
-                <a:cs typeface="+mn-cs"/>
-              </a:defRPr>
-            </a:lvl1pPr>
-            <a:lvl2pPr marL="265176" indent="-137160" algn="l" defTabSz="914400" rtl="0" eaLnBrk="1" latinLnBrk="0" hangingPunct="1">
-              <a:lnSpc>
-                <a:spcPct val="90000"/>
-              </a:lnSpc>
-              <a:spcBef>
-                <a:spcPts val="200"/>
-              </a:spcBef>
-              <a:spcAft>
-                <a:spcPts val="400"/>
-              </a:spcAft>
-              <a:buClr>
-                <a:schemeClr val="accent2"/>
-              </a:buClr>
-              <a:buFont typeface="Wingdings 3" pitchFamily="18" charset="2"/>
-              <a:buChar char=""/>
-              <a:defRPr sz="1800" kern="1200">
-                <a:solidFill>
-                  <a:schemeClr val="tx1"/>
-                </a:solidFill>
-                <a:latin typeface="+mn-lt"/>
-                <a:ea typeface="+mn-ea"/>
-                <a:cs typeface="+mn-cs"/>
-              </a:defRPr>
-            </a:lvl2pPr>
-            <a:lvl3pPr marL="448056" indent="-137160" algn="l" defTabSz="914400" rtl="0" eaLnBrk="1" latinLnBrk="0" hangingPunct="1">
-              <a:lnSpc>
-                <a:spcPct val="90000"/>
-              </a:lnSpc>
-              <a:spcBef>
-                <a:spcPts val="200"/>
-              </a:spcBef>
-              <a:spcAft>
-                <a:spcPts val="400"/>
-              </a:spcAft>
-              <a:buClr>
-                <a:schemeClr val="accent2"/>
-              </a:buClr>
-              <a:buFont typeface="Wingdings 3" pitchFamily="18" charset="2"/>
-              <a:buChar char=""/>
-              <a:defRPr sz="1400" kern="1200">
-                <a:solidFill>
-                  <a:schemeClr val="tx1"/>
-                </a:solidFill>
-                <a:latin typeface="+mn-lt"/>
-                <a:ea typeface="+mn-ea"/>
-                <a:cs typeface="+mn-cs"/>
-              </a:defRPr>
-            </a:lvl3pPr>
-            <a:lvl4pPr marL="594360" indent="-137160" algn="l" defTabSz="914400" rtl="0" eaLnBrk="1" latinLnBrk="0" hangingPunct="1">
-              <a:lnSpc>
-                <a:spcPct val="90000"/>
-              </a:lnSpc>
-              <a:spcBef>
-                <a:spcPts val="200"/>
-              </a:spcBef>
-              <a:spcAft>
-                <a:spcPts val="400"/>
-              </a:spcAft>
-              <a:buClr>
-                <a:schemeClr val="accent2"/>
-              </a:buClr>
-              <a:buFont typeface="Wingdings 3" pitchFamily="18" charset="2"/>
-              <a:buChar char=""/>
-              <a:defRPr sz="1400" kern="1200">
-                <a:solidFill>
-                  <a:schemeClr val="tx1"/>
-                </a:solidFill>
-                <a:latin typeface="+mn-lt"/>
-                <a:ea typeface="+mn-ea"/>
-                <a:cs typeface="+mn-cs"/>
-              </a:defRPr>
-            </a:lvl4pPr>
-            <a:lvl5pPr marL="777240" indent="-137160" algn="l" defTabSz="914400" rtl="0" eaLnBrk="1" latinLnBrk="0" hangingPunct="1">
-              <a:lnSpc>
-                <a:spcPct val="90000"/>
-              </a:lnSpc>
-              <a:spcBef>
-                <a:spcPts val="200"/>
-              </a:spcBef>
-              <a:spcAft>
-                <a:spcPts val="400"/>
-              </a:spcAft>
-              <a:buClr>
-                <a:schemeClr val="accent2"/>
-              </a:buClr>
-              <a:buFont typeface="Wingdings 3" pitchFamily="18" charset="2"/>
-              <a:buChar char=""/>
-              <a:defRPr sz="1400" kern="1200">
-                <a:solidFill>
-                  <a:schemeClr val="tx1"/>
-                </a:solidFill>
-                <a:latin typeface="+mn-lt"/>
-                <a:ea typeface="+mn-ea"/>
-                <a:cs typeface="+mn-cs"/>
-              </a:defRPr>
-            </a:lvl5pPr>
-            <a:lvl6pPr marL="914400" indent="-137160" algn="l" defTabSz="914400" rtl="0" eaLnBrk="1" latinLnBrk="0" hangingPunct="1">
-              <a:lnSpc>
-                <a:spcPct val="90000"/>
-              </a:lnSpc>
-              <a:spcBef>
-                <a:spcPts val="200"/>
-              </a:spcBef>
-              <a:spcAft>
-                <a:spcPts val="400"/>
-              </a:spcAft>
-              <a:buClr>
-                <a:schemeClr val="accent2"/>
-              </a:buClr>
-              <a:buFont typeface="Wingdings 3" pitchFamily="18" charset="2"/>
-              <a:buChar char=""/>
-              <a:defRPr sz="1400" kern="1200">
-                <a:solidFill>
-                  <a:schemeClr val="tx1"/>
-                </a:solidFill>
-                <a:latin typeface="+mn-lt"/>
-                <a:ea typeface="+mn-ea"/>
-                <a:cs typeface="+mn-cs"/>
-              </a:defRPr>
-            </a:lvl6pPr>
-            <a:lvl7pPr marL="1060704" indent="-137160" algn="l" defTabSz="914400" rtl="0" eaLnBrk="1" latinLnBrk="0" hangingPunct="1">
-              <a:lnSpc>
-                <a:spcPct val="90000"/>
-              </a:lnSpc>
-              <a:spcBef>
-                <a:spcPts val="200"/>
-              </a:spcBef>
-              <a:spcAft>
-                <a:spcPts val="400"/>
-              </a:spcAft>
-              <a:buClr>
-                <a:schemeClr val="accent2"/>
-              </a:buClr>
-              <a:buFont typeface="Wingdings 3" pitchFamily="18" charset="2"/>
-              <a:buChar char=""/>
-              <a:defRPr sz="1400" kern="1200">
-                <a:solidFill>
-                  <a:schemeClr val="tx1"/>
-                </a:solidFill>
-                <a:latin typeface="+mn-lt"/>
-                <a:ea typeface="+mn-ea"/>
-                <a:cs typeface="+mn-cs"/>
-              </a:defRPr>
-            </a:lvl7pPr>
-            <a:lvl8pPr marL="1216152" indent="-137160" algn="l" defTabSz="914400" rtl="0" eaLnBrk="1" latinLnBrk="0" hangingPunct="1">
-              <a:lnSpc>
-                <a:spcPct val="90000"/>
-              </a:lnSpc>
-              <a:spcBef>
-                <a:spcPts val="200"/>
-              </a:spcBef>
-              <a:spcAft>
-                <a:spcPts val="400"/>
-              </a:spcAft>
-              <a:buClr>
-                <a:schemeClr val="accent2"/>
-              </a:buClr>
-              <a:buFont typeface="Wingdings 3" pitchFamily="18" charset="2"/>
-              <a:buChar char=""/>
-              <a:defRPr sz="1400" kern="1200">
-                <a:solidFill>
-                  <a:schemeClr val="tx1"/>
-                </a:solidFill>
-                <a:latin typeface="+mn-lt"/>
-                <a:ea typeface="+mn-ea"/>
-                <a:cs typeface="+mn-cs"/>
-              </a:defRPr>
-            </a:lvl8pPr>
-            <a:lvl9pPr marL="1362456" indent="-137160" algn="l" defTabSz="914400" rtl="0" eaLnBrk="1" latinLnBrk="0" hangingPunct="1">
-              <a:lnSpc>
-                <a:spcPct val="90000"/>
-              </a:lnSpc>
-              <a:spcBef>
-                <a:spcPts val="200"/>
-              </a:spcBef>
-              <a:spcAft>
-                <a:spcPts val="400"/>
-              </a:spcAft>
-              <a:buClr>
-                <a:schemeClr val="accent2"/>
-              </a:buClr>
-              <a:buFont typeface="Wingdings 3" pitchFamily="18" charset="2"/>
-              <a:buChar char=""/>
-              <a:defRPr sz="1400" kern="1200">
-                <a:solidFill>
-                  <a:schemeClr val="tx1"/>
-                </a:solidFill>
-                <a:latin typeface="+mn-lt"/>
-                <a:ea typeface="+mn-ea"/>
-                <a:cs typeface="+mn-cs"/>
-              </a:defRPr>
-            </a:lvl9pPr>
-          </a:lstStyle>
-          <a:p>
-            <a:r>
-              <a:rPr lang="en-GB" sz="2100" dirty="0"/>
-              <a:t>	</a:t>
-            </a:r>
-            <a:r>
-              <a:rPr lang="en-GB" dirty="0"/>
-              <a:t> </a:t>
-            </a:r>
-          </a:p>
-          <a:p>
-            <a:pPr>
-              <a:buFont typeface="Tw Cen MT" panose="020B0602020104020603" pitchFamily="34" charset="0"/>
-              <a:buBlip>
-                <a:blip r:embed="rId2">
-                  <a:extLst>
-                    <a:ext uri="{96DAC541-7B7A-43D3-8B79-37D633B846F1}">
-                      <asvg:svgBlip xmlns:asvg="http://schemas.microsoft.com/office/drawing/2016/SVG/main" r:embed="rId3"/>
-                    </a:ext>
-                  </a:extLst>
-                </a:blip>
-              </a:buBlip>
-            </a:pPr>
-            <a:r>
-              <a:rPr lang="en-GB" dirty="0"/>
-              <a:t>Algorithms considered: Decision Tree, Gradient Boosting, AdaBoost, Random Forest</a:t>
-            </a:r>
-          </a:p>
-          <a:p>
-            <a:pPr marL="0" indent="0">
-              <a:buNone/>
-            </a:pPr>
-            <a:endParaRPr lang="en-GB" dirty="0"/>
-          </a:p>
-          <a:p>
-            <a:pPr marL="0" indent="0">
-              <a:buFont typeface="Tw Cen MT" panose="020B0602020104020603" pitchFamily="34" charset="0"/>
-              <a:buNone/>
-            </a:pPr>
-            <a:endParaRPr lang="en-GB" dirty="0"/>
-          </a:p>
-          <a:p>
-            <a:endParaRPr lang="en-GB" dirty="0"/>
-          </a:p>
-        </p:txBody>
-      </p:sp>
-    </p:spTree>
-    <p:extLst>
-      <p:ext uri="{BB962C8B-B14F-4D97-AF65-F5344CB8AC3E}">
-        <p14:creationId xmlns:p14="http://schemas.microsoft.com/office/powerpoint/2010/main" val="2789349663"/>
-      </p:ext>
-    </p:extLst>
-  </p:cSld>
-  <p:clrMapOvr>
-    <a:masterClrMapping/>
-  </p:clrMapOvr>
-</p:sld>
-</file>
-
-<file path=ppt/slides/slide6.xml><?xml version="1.0" encoding="utf-8"?>
-<p:sld xmlns:a="http://schemas.openxmlformats.org/drawingml/2006/main" xmlns:r="http://schemas.openxmlformats.org/officeDocument/2006/relationships" xmlns:p="http://schemas.openxmlformats.org/presentationml/2006/main">
-  <p:cSld>
-    <p:spTree>
-      <p:nvGrpSpPr>
-        <p:cNvPr id="1" name=""/>
-        <p:cNvGrpSpPr/>
-        <p:nvPr/>
-      </p:nvGrpSpPr>
-      <p:grpSpPr>
-        <a:xfrm>
-          <a:off x="0" y="0"/>
-          <a:ext cx="0" cy="0"/>
-          <a:chOff x="0" y="0"/>
-          <a:chExt cx="0" cy="0"/>
-        </a:xfrm>
-      </p:grpSpPr>
-      <p:sp>
-        <p:nvSpPr>
-          <p:cNvPr id="2" name="Title 1">
-            <a:extLst>
-              <a:ext uri="{FF2B5EF4-FFF2-40B4-BE49-F238E27FC236}">
-                <a16:creationId xmlns:a16="http://schemas.microsoft.com/office/drawing/2014/main" id="{DEE429DE-16B6-4840-AB34-DC60BAC8CD14}"/>
-              </a:ext>
-            </a:extLst>
-          </p:cNvPr>
-          <p:cNvSpPr>
-            <a:spLocks noGrp="1"/>
-          </p:cNvSpPr>
-          <p:nvPr>
-            <p:ph type="title"/>
-          </p:nvPr>
-        </p:nvSpPr>
-        <p:spPr/>
-        <p:txBody>
-          <a:bodyPr/>
-          <a:lstStyle/>
-          <a:p>
-            <a:r>
-              <a:rPr lang="en-GB" dirty="0"/>
-              <a:t>Key Take </a:t>
-            </a:r>
-            <a:r>
-              <a:rPr lang="en-GB" dirty="0" err="1"/>
-              <a:t>aways</a:t>
-            </a:r>
-            <a:endParaRPr lang="en-GB" dirty="0"/>
-          </a:p>
-        </p:txBody>
-      </p:sp>
-      <p:pic>
-        <p:nvPicPr>
-          <p:cNvPr id="5" name="Picture 4">
-            <a:extLst>
-              <a:ext uri="{FF2B5EF4-FFF2-40B4-BE49-F238E27FC236}">
-                <a16:creationId xmlns:a16="http://schemas.microsoft.com/office/drawing/2014/main" id="{75035DF1-F637-4C24-A7E4-AE5681F218B0}"/>
-              </a:ext>
-            </a:extLst>
-          </p:cNvPr>
-          <p:cNvPicPr>
-            <a:picLocks noChangeAspect="1"/>
-          </p:cNvPicPr>
-          <p:nvPr/>
-        </p:nvPicPr>
-        <p:blipFill>
-          <a:blip r:embed="rId2">
-            <a:duotone>
-              <a:schemeClr val="accent1">
-                <a:shade val="45000"/>
-                <a:satMod val="135000"/>
-              </a:schemeClr>
-              <a:prstClr val="white"/>
-            </a:duotone>
-            <a:extLst>
-              <a:ext uri="{BEBA8EAE-BF5A-486C-A8C5-ECC9F3942E4B}">
-                <a14:imgProps xmlns:a14="http://schemas.microsoft.com/office/drawing/2010/main">
-                  <a14:imgLayer r:embed="rId3">
-                    <a14:imgEffect>
-                      <a14:backgroundRemoval t="6180" b="94944" l="3604" r="94895">
-                        <a14:foregroundMark x1="49850" y1="7865" x2="49850" y2="7865"/>
-                        <a14:foregroundMark x1="17718" y1="69101" x2="17718" y2="69101"/>
-                        <a14:foregroundMark x1="18619" y1="67978" x2="18619" y2="67978"/>
-                        <a14:foregroundMark x1="21321" y1="66292" x2="21321" y2="66292"/>
-                        <a14:foregroundMark x1="23724" y1="65730" x2="23724" y2="65730"/>
-                        <a14:foregroundMark x1="25526" y1="63483" x2="25526" y2="63483"/>
-                        <a14:foregroundMark x1="25826" y1="61798" x2="25826" y2="61798"/>
-                        <a14:foregroundMark x1="27027" y1="60674" x2="27027" y2="60674"/>
-                        <a14:foregroundMark x1="29429" y1="56180" x2="29429" y2="56180"/>
-                        <a14:foregroundMark x1="30931" y1="50000" x2="30931" y2="50000"/>
-                        <a14:foregroundMark x1="31231" y1="42697" x2="31231" y2="42697"/>
-                        <a14:foregroundMark x1="31532" y1="35393" x2="31532" y2="35393"/>
-                        <a14:foregroundMark x1="30631" y1="47191" x2="30631" y2="47191"/>
-                        <a14:foregroundMark x1="30931" y1="40449" x2="30931" y2="40449"/>
-                        <a14:foregroundMark x1="31532" y1="33708" x2="31532" y2="33708"/>
-                        <a14:foregroundMark x1="30931" y1="30337" x2="30931" y2="30337"/>
-                        <a14:foregroundMark x1="30330" y1="27528" x2="30330" y2="27528"/>
-                        <a14:foregroundMark x1="30030" y1="24157" x2="30030" y2="24157"/>
-                        <a14:foregroundMark x1="29129" y1="22472" x2="29129" y2="22472"/>
-                        <a14:foregroundMark x1="28228" y1="20225" x2="28228" y2="20225"/>
-                        <a14:foregroundMark x1="27628" y1="17416" x2="27628" y2="17416"/>
-                        <a14:foregroundMark x1="27327" y1="17416" x2="27327" y2="17416"/>
-                        <a14:foregroundMark x1="25526" y1="15169" x2="25526" y2="15169"/>
-                        <a14:foregroundMark x1="17117" y1="67978" x2="17117" y2="67978"/>
-                        <a14:foregroundMark x1="15015" y1="69101" x2="15015" y2="69101"/>
-                        <a14:foregroundMark x1="13213" y1="69101" x2="13213" y2="69101"/>
-                        <a14:foregroundMark x1="11411" y1="69663" x2="11411" y2="69663"/>
-                        <a14:foregroundMark x1="9009" y1="69663" x2="9009" y2="69663"/>
-                        <a14:foregroundMark x1="6907" y1="69101" x2="6907" y2="69101"/>
-                        <a14:foregroundMark x1="6607" y1="67978" x2="6607" y2="67978"/>
-                        <a14:foregroundMark x1="6607" y1="65730" x2="6607" y2="65730"/>
-                        <a14:foregroundMark x1="5105" y1="70787" x2="5105" y2="70787"/>
-                        <a14:foregroundMark x1="3904" y1="71348" x2="3904" y2="71348"/>
-                        <a14:foregroundMark x1="5105" y1="66292" x2="5105" y2="66292"/>
-                        <a14:foregroundMark x1="5105" y1="61798" x2="5105" y2="61798"/>
-                        <a14:foregroundMark x1="5706" y1="58989" x2="5706" y2="58989"/>
-                        <a14:foregroundMark x1="5706" y1="56180" x2="5706" y2="56180"/>
-                        <a14:foregroundMark x1="5405" y1="51124" x2="5405" y2="51124"/>
-                        <a14:foregroundMark x1="5405" y1="47753" x2="5405" y2="47753"/>
-                        <a14:foregroundMark x1="5405" y1="39888" x2="5405" y2="39888"/>
-                        <a14:foregroundMark x1="5105" y1="43258" x2="5105" y2="43258"/>
-                        <a14:foregroundMark x1="5405" y1="33146" x2="5405" y2="33146"/>
-                        <a14:foregroundMark x1="5706" y1="37640" x2="5706" y2="37640"/>
-                        <a14:foregroundMark x1="5706" y1="29213" x2="5706" y2="29213"/>
-                        <a14:foregroundMark x1="5706" y1="21348" x2="5706" y2="21348"/>
-                        <a14:foregroundMark x1="5706" y1="25843" x2="5706" y2="25843"/>
-                        <a14:foregroundMark x1="6306" y1="17416" x2="6306" y2="17416"/>
-                        <a14:foregroundMark x1="6306" y1="14045" x2="6306" y2="14045"/>
-                        <a14:foregroundMark x1="6306" y1="10112" x2="6306" y2="10112"/>
-                        <a14:foregroundMark x1="6006" y1="6742" x2="6006" y2="6742"/>
-                        <a14:foregroundMark x1="7207" y1="7303" x2="7207" y2="7303"/>
-                        <a14:foregroundMark x1="10511" y1="7303" x2="10511" y2="7303"/>
-                        <a14:foregroundMark x1="12312" y1="8427" x2="12312" y2="8427"/>
-                        <a14:foregroundMark x1="14715" y1="8427" x2="14715" y2="8427"/>
-                        <a14:foregroundMark x1="17417" y1="8989" x2="17417" y2="8989"/>
-                        <a14:foregroundMark x1="74174" y1="10112" x2="74174" y2="10112"/>
-                        <a14:foregroundMark x1="74474" y1="16292" x2="74474" y2="16292"/>
-                        <a14:foregroundMark x1="74775" y1="14045" x2="74775" y2="14045"/>
-                        <a14:foregroundMark x1="75375" y1="9551" x2="75375" y2="9551"/>
-                        <a14:foregroundMark x1="74775" y1="12360" x2="74775" y2="12360"/>
-                        <a14:foregroundMark x1="73874" y1="6742" x2="73874" y2="6742"/>
-                        <a14:foregroundMark x1="75676" y1="10112" x2="75676" y2="10112"/>
-                        <a14:foregroundMark x1="77778" y1="9551" x2="77778" y2="9551"/>
-                        <a14:foregroundMark x1="75075" y1="17416" x2="75075" y2="17416"/>
-                        <a14:foregroundMark x1="74474" y1="24719" x2="74474" y2="24719"/>
-                        <a14:foregroundMark x1="74474" y1="20787" x2="74474" y2="20787"/>
-                        <a14:foregroundMark x1="75375" y1="29775" x2="75375" y2="29775"/>
-                        <a14:foregroundMark x1="75075" y1="34270" x2="75075" y2="34270"/>
-                        <a14:foregroundMark x1="74775" y1="32584" x2="74775" y2="32584"/>
-                        <a14:foregroundMark x1="75075" y1="38202" x2="75075" y2="38202"/>
-                        <a14:foregroundMark x1="75075" y1="42697" x2="75075" y2="42697"/>
-                        <a14:foregroundMark x1="74474" y1="41011" x2="74474" y2="41011"/>
-                        <a14:foregroundMark x1="74174" y1="48315" x2="74174" y2="48315"/>
-                        <a14:foregroundMark x1="74775" y1="52809" x2="74775" y2="52809"/>
-                        <a14:foregroundMark x1="75375" y1="58427" x2="75375" y2="58427"/>
-                        <a14:foregroundMark x1="75075" y1="62360" x2="75075" y2="62360"/>
-                        <a14:foregroundMark x1="75075" y1="65730" x2="75075" y2="65730"/>
-                        <a14:foregroundMark x1="75075" y1="68539" x2="75075" y2="68539"/>
-                        <a14:foregroundMark x1="75075" y1="70787" x2="75075" y2="70787"/>
-                        <a14:foregroundMark x1="82583" y1="71348" x2="82583" y2="71348"/>
-                        <a14:foregroundMark x1="80180" y1="70787" x2="80180" y2="70787"/>
-                        <a14:foregroundMark x1="86787" y1="69101" x2="86787" y2="69101"/>
-                        <a14:foregroundMark x1="90691" y1="67416" x2="90691" y2="67416"/>
-                        <a14:foregroundMark x1="85586" y1="69663" x2="85586" y2="69663"/>
-                        <a14:foregroundMark x1="89790" y1="68539" x2="89790" y2="68539"/>
-                        <a14:foregroundMark x1="91892" y1="65169" x2="91892" y2="65169"/>
-                        <a14:foregroundMark x1="93093" y1="63483" x2="93093" y2="63483"/>
-                        <a14:foregroundMark x1="93994" y1="59551" x2="93994" y2="59551"/>
-                        <a14:foregroundMark x1="94595" y1="57303" x2="94595" y2="57303"/>
-                        <a14:foregroundMark x1="94595" y1="53933" x2="94595" y2="53933"/>
-                        <a14:foregroundMark x1="94595" y1="51124" x2="94595" y2="51124"/>
-                        <a14:foregroundMark x1="93994" y1="48315" x2="93994" y2="48315"/>
-                        <a14:foregroundMark x1="93694" y1="46629" x2="93694" y2="46629"/>
-                        <a14:foregroundMark x1="93093" y1="42697" x2="93093" y2="42697"/>
-                        <a14:foregroundMark x1="91592" y1="42135" x2="91592" y2="42135"/>
-                        <a14:foregroundMark x1="89189" y1="40449" x2="89189" y2="40449"/>
-                        <a14:foregroundMark x1="89189" y1="38764" x2="89189" y2="38764"/>
-                        <a14:foregroundMark x1="86486" y1="35955" x2="86486" y2="35955"/>
-                        <a14:foregroundMark x1="84384" y1="37079" x2="84384" y2="37079"/>
-                        <a14:foregroundMark x1="81381" y1="36517" x2="81381" y2="36517"/>
-                        <a14:foregroundMark x1="78679" y1="36517" x2="78679" y2="36517"/>
-                        <a14:foregroundMark x1="84384" y1="37079" x2="84384" y2="37079"/>
-                        <a14:foregroundMark x1="84985" y1="34831" x2="84985" y2="34831"/>
-                        <a14:foregroundMark x1="89790" y1="34831" x2="89790" y2="34831"/>
-                        <a14:foregroundMark x1="91291" y1="32584" x2="91291" y2="32584"/>
-                        <a14:foregroundMark x1="92192" y1="30337" x2="92192" y2="30337"/>
-                        <a14:foregroundMark x1="92492" y1="29213" x2="92492" y2="29213"/>
-                        <a14:foregroundMark x1="92492" y1="26966" x2="92492" y2="26966"/>
-                        <a14:foregroundMark x1="92492" y1="24157" x2="92492" y2="24157"/>
-                        <a14:foregroundMark x1="93694" y1="29775" x2="93694" y2="29775"/>
-                        <a14:foregroundMark x1="94595" y1="26404" x2="94595" y2="26404"/>
-                        <a14:foregroundMark x1="94895" y1="23596" x2="94895" y2="23596"/>
-                        <a14:foregroundMark x1="94895" y1="20225" x2="94895" y2="20225"/>
-                        <a14:foregroundMark x1="95495" y1="18539" x2="95495" y2="18539"/>
-                        <a14:foregroundMark x1="93093" y1="17416" x2="93093" y2="17416"/>
-                        <a14:foregroundMark x1="92492" y1="14607" x2="92492" y2="14607"/>
-                        <a14:foregroundMark x1="91592" y1="11798" x2="91592" y2="11798"/>
-                        <a14:foregroundMark x1="89489" y1="10674" x2="89489" y2="10674"/>
-                        <a14:foregroundMark x1="87087" y1="10112" x2="87087" y2="10112"/>
-                        <a14:foregroundMark x1="76577" y1="67978" x2="76577" y2="67978"/>
-                        <a14:foregroundMark x1="78979" y1="69101" x2="78979" y2="69101"/>
-                        <a14:foregroundMark x1="81381" y1="69101" x2="81381" y2="69101"/>
-                        <a14:foregroundMark x1="15916" y1="7865" x2="15916" y2="7865"/>
-                        <a14:foregroundMark x1="18619" y1="7303" x2="18619" y2="7303"/>
-                        <a14:foregroundMark x1="21021" y1="8989" x2="21021" y2="8989"/>
-                        <a14:foregroundMark x1="3904" y1="88764" x2="3904" y2="88764"/>
-                        <a14:foregroundMark x1="3604" y1="84270" x2="3604" y2="84270"/>
-                        <a14:foregroundMark x1="4805" y1="82022" x2="4805" y2="82022"/>
-                        <a14:foregroundMark x1="6607" y1="80337" x2="6607" y2="80337"/>
-                        <a14:foregroundMark x1="8408" y1="79213" x2="8408" y2="79213"/>
-                        <a14:foregroundMark x1="9309" y1="81461" x2="9309" y2="81461"/>
-                        <a14:foregroundMark x1="6607" y1="90449" x2="6607" y2="90449"/>
-                        <a14:foregroundMark x1="8108" y1="88764" x2="8108" y2="88764"/>
-                        <a14:foregroundMark x1="9009" y1="87640" x2="9009" y2="87640"/>
-                        <a14:foregroundMark x1="15616" y1="88764" x2="15616" y2="88764"/>
-                        <a14:foregroundMark x1="15916" y1="84831" x2="15916" y2="84831"/>
-                        <a14:foregroundMark x1="19820" y1="88764" x2="19820" y2="88764"/>
-                        <a14:foregroundMark x1="26727" y1="84831" x2="26727" y2="84831"/>
-                        <a14:foregroundMark x1="27327" y1="83146" x2="27327" y2="83146"/>
-                        <a14:foregroundMark x1="26126" y1="88202" x2="26126" y2="88202"/>
-                        <a14:foregroundMark x1="29429" y1="83146" x2="29429" y2="83146"/>
-                        <a14:foregroundMark x1="30330" y1="83708" x2="30330" y2="83708"/>
-                        <a14:foregroundMark x1="39039" y1="86517" x2="39039" y2="86517"/>
-                        <a14:foregroundMark x1="40240" y1="88764" x2="40240" y2="88764"/>
-                        <a14:foregroundMark x1="46847" y1="86517" x2="46847" y2="86517"/>
-                        <a14:foregroundMark x1="51051" y1="89326" x2="51051" y2="89326"/>
-                        <a14:foregroundMark x1="58559" y1="82584" x2="58559" y2="82584"/>
-                        <a14:foregroundMark x1="57658" y1="88764" x2="57658" y2="88764"/>
-                        <a14:foregroundMark x1="66667" y1="83146" x2="66667" y2="83146"/>
-                        <a14:foregroundMark x1="75075" y1="79775" x2="75075" y2="79775"/>
-                        <a14:foregroundMark x1="74775" y1="83146" x2="74775" y2="83146"/>
-                        <a14:foregroundMark x1="81982" y1="83146" x2="81982" y2="83146"/>
-                        <a14:foregroundMark x1="83784" y1="83708" x2="83784" y2="83708"/>
-                        <a14:foregroundMark x1="92192" y1="83708" x2="92192" y2="83708"/>
-                        <a14:foregroundMark x1="51652" y1="6180" x2="51652" y2="6180"/>
-                        <a14:foregroundMark x1="51351" y1="41011" x2="51351" y2="41011"/>
-                        <a14:foregroundMark x1="52553" y1="34270" x2="52553" y2="34270"/>
-                        <a14:foregroundMark x1="91291" y1="88202" x2="91291" y2="88202"/>
-                        <a14:foregroundMark x1="95495" y1="88202" x2="95495" y2="88202"/>
-                        <a14:foregroundMark x1="94895" y1="91573" x2="94895" y2="91573"/>
-                        <a14:foregroundMark x1="92192" y1="94944" x2="92192" y2="94944"/>
-                        <a14:foregroundMark x1="84985" y1="86517" x2="84985" y2="86517"/>
-                        <a14:foregroundMark x1="36937" y1="89888" x2="36937" y2="89888"/>
-                        <a14:foregroundMark x1="51652" y1="6180" x2="51652" y2="6180"/>
-                        <a14:foregroundMark x1="52853" y1="32584" x2="52853" y2="32584"/>
-                        <a14:backgroundMark x1="33934" y1="38764" x2="33934" y2="38764"/>
-                        <a14:backgroundMark x1="33934" y1="42135" x2="33934" y2="42135"/>
-                        <a14:backgroundMark x1="93994" y1="86517" x2="93994" y2="86517"/>
-                        <a14:backgroundMark x1="50751" y1="32022" x2="50751" y2="32022"/>
-                        <a14:backgroundMark x1="20420" y1="89326" x2="20420" y2="89326"/>
-                      </a14:backgroundRemoval>
-                    </a14:imgEffect>
-                  </a14:imgLayer>
-                </a14:imgProps>
-              </a:ext>
-              <a:ext uri="{28A0092B-C50C-407E-A947-70E740481C1C}">
-                <a14:useLocalDpi xmlns:a14="http://schemas.microsoft.com/office/drawing/2010/main" val="0"/>
-              </a:ext>
-            </a:extLst>
-          </a:blip>
-          <a:stretch>
-            <a:fillRect/>
-          </a:stretch>
-        </p:blipFill>
-        <p:spPr>
-          <a:xfrm>
-            <a:off x="10629901" y="5925616"/>
-            <a:ext cx="1298952" cy="694335"/>
-          </a:xfrm>
-          <a:prstGeom prst="rect">
-            <a:avLst/>
-          </a:prstGeom>
-        </p:spPr>
-      </p:pic>
-      <p:sp>
-        <p:nvSpPr>
-          <p:cNvPr id="7" name="TextBox 6">
-            <a:extLst>
-              <a:ext uri="{FF2B5EF4-FFF2-40B4-BE49-F238E27FC236}">
-                <a16:creationId xmlns:a16="http://schemas.microsoft.com/office/drawing/2014/main" id="{2E7AB109-6D42-45E9-B0D2-0FFACDDC377E}"/>
-              </a:ext>
-            </a:extLst>
-          </p:cNvPr>
-          <p:cNvSpPr txBox="1"/>
-          <p:nvPr/>
-        </p:nvSpPr>
-        <p:spPr>
-          <a:xfrm>
-            <a:off x="7712765" y="585216"/>
-            <a:ext cx="2809461" cy="646331"/>
-          </a:xfrm>
-          <a:prstGeom prst="rect">
-            <a:avLst/>
-          </a:prstGeom>
-          <a:solidFill>
-            <a:srgbClr val="FFFF00"/>
-          </a:solidFill>
-        </p:spPr>
-        <p:txBody>
-          <a:bodyPr wrap="square" rtlCol="0">
-            <a:spAutoFit/>
-          </a:bodyPr>
-          <a:lstStyle/>
-          <a:p>
-            <a:r>
-              <a:rPr lang="en-GB" dirty="0" err="1">
-                <a:solidFill>
-                  <a:schemeClr val="bg1"/>
-                </a:solidFill>
-              </a:rPr>
-              <a:t>Aqui</a:t>
-            </a:r>
-            <a:r>
-              <a:rPr lang="en-GB" dirty="0">
-                <a:solidFill>
-                  <a:schemeClr val="bg1"/>
-                </a:solidFill>
-              </a:rPr>
-              <a:t> </a:t>
-            </a:r>
-            <a:r>
-              <a:rPr lang="en-GB" dirty="0" err="1">
-                <a:solidFill>
-                  <a:schemeClr val="bg1"/>
-                </a:solidFill>
-              </a:rPr>
-              <a:t>vamos</a:t>
-            </a:r>
-            <a:r>
-              <a:rPr lang="en-GB" dirty="0">
-                <a:solidFill>
-                  <a:schemeClr val="bg1"/>
-                </a:solidFill>
-              </a:rPr>
-              <a:t> </a:t>
-            </a:r>
-            <a:r>
-              <a:rPr lang="en-GB" dirty="0" err="1">
-                <a:solidFill>
-                  <a:schemeClr val="bg1"/>
-                </a:solidFill>
-              </a:rPr>
-              <a:t>escrever</a:t>
-            </a:r>
-            <a:r>
-              <a:rPr lang="en-GB" dirty="0">
-                <a:solidFill>
-                  <a:schemeClr val="bg1"/>
-                </a:solidFill>
-              </a:rPr>
-              <a:t>:</a:t>
-            </a:r>
-          </a:p>
-          <a:p>
-            <a:pPr marL="285750" indent="-285750">
-              <a:buFontTx/>
-              <a:buChar char="-"/>
-            </a:pPr>
-            <a:r>
-              <a:rPr lang="en-GB" dirty="0">
-                <a:solidFill>
-                  <a:schemeClr val="bg1"/>
-                </a:solidFill>
-              </a:rPr>
-              <a:t>4 or so main conclusions</a:t>
-            </a:r>
-          </a:p>
-        </p:txBody>
-      </p:sp>
-      <p:sp>
-        <p:nvSpPr>
-          <p:cNvPr id="8" name="Content Placeholder 2">
-            <a:extLst>
-              <a:ext uri="{FF2B5EF4-FFF2-40B4-BE49-F238E27FC236}">
-                <a16:creationId xmlns:a16="http://schemas.microsoft.com/office/drawing/2014/main" id="{02FBBB88-1425-4F59-B689-64D518A0CD33}"/>
-              </a:ext>
-            </a:extLst>
-          </p:cNvPr>
-          <p:cNvSpPr txBox="1">
-            <a:spLocks/>
-          </p:cNvSpPr>
-          <p:nvPr/>
-        </p:nvSpPr>
-        <p:spPr>
-          <a:xfrm>
-            <a:off x="1301376" y="1902256"/>
-            <a:ext cx="4754880" cy="4023360"/>
-          </a:xfrm>
-          <a:prstGeom prst="rect">
-            <a:avLst/>
-          </a:prstGeom>
-        </p:spPr>
-        <p:txBody>
-          <a:bodyPr vert="horz" lIns="45720" tIns="45720" rIns="45720" bIns="45720" rtlCol="0">
-            <a:normAutofit/>
-          </a:bodyPr>
-          <a:lstStyle>
-            <a:lvl1pPr marL="91440" indent="-91440" algn="l" defTabSz="914400" rtl="0" eaLnBrk="1" latinLnBrk="0" hangingPunct="1">
-              <a:lnSpc>
-                <a:spcPct val="90000"/>
-              </a:lnSpc>
-              <a:spcBef>
-                <a:spcPts val="1200"/>
-              </a:spcBef>
-              <a:spcAft>
-                <a:spcPts val="200"/>
-              </a:spcAft>
-              <a:buClr>
-                <a:schemeClr val="accent2"/>
-              </a:buClr>
-              <a:buSzPct val="100000"/>
-              <a:buFont typeface="Tw Cen MT" panose="020B0602020104020603" pitchFamily="34" charset="0"/>
-              <a:buChar char=" "/>
-              <a:defRPr sz="2200" kern="1200">
-                <a:solidFill>
-                  <a:schemeClr val="tx1"/>
-                </a:solidFill>
-                <a:latin typeface="+mn-lt"/>
-                <a:ea typeface="+mn-ea"/>
-                <a:cs typeface="+mn-cs"/>
-              </a:defRPr>
-            </a:lvl1pPr>
-            <a:lvl2pPr marL="265176" indent="-137160" algn="l" defTabSz="914400" rtl="0" eaLnBrk="1" latinLnBrk="0" hangingPunct="1">
-              <a:lnSpc>
-                <a:spcPct val="90000"/>
-              </a:lnSpc>
-              <a:spcBef>
-                <a:spcPts val="200"/>
-              </a:spcBef>
-              <a:spcAft>
-                <a:spcPts val="400"/>
-              </a:spcAft>
-              <a:buClr>
-                <a:schemeClr val="accent2"/>
-              </a:buClr>
-              <a:buFont typeface="Wingdings 3" pitchFamily="18" charset="2"/>
-              <a:buChar char=""/>
-              <a:defRPr sz="1800" kern="1200">
-                <a:solidFill>
-                  <a:schemeClr val="tx1"/>
-                </a:solidFill>
-                <a:latin typeface="+mn-lt"/>
-                <a:ea typeface="+mn-ea"/>
-                <a:cs typeface="+mn-cs"/>
-              </a:defRPr>
-            </a:lvl2pPr>
-            <a:lvl3pPr marL="448056" indent="-137160" algn="l" defTabSz="914400" rtl="0" eaLnBrk="1" latinLnBrk="0" hangingPunct="1">
-              <a:lnSpc>
-                <a:spcPct val="90000"/>
-              </a:lnSpc>
-              <a:spcBef>
-                <a:spcPts val="200"/>
-              </a:spcBef>
-              <a:spcAft>
-                <a:spcPts val="400"/>
-              </a:spcAft>
-              <a:buClr>
-                <a:schemeClr val="accent2"/>
-              </a:buClr>
-              <a:buFont typeface="Wingdings 3" pitchFamily="18" charset="2"/>
-              <a:buChar char=""/>
-              <a:defRPr sz="1400" kern="1200">
-                <a:solidFill>
-                  <a:schemeClr val="tx1"/>
-                </a:solidFill>
-                <a:latin typeface="+mn-lt"/>
-                <a:ea typeface="+mn-ea"/>
-                <a:cs typeface="+mn-cs"/>
-              </a:defRPr>
-            </a:lvl3pPr>
-            <a:lvl4pPr marL="594360" indent="-137160" algn="l" defTabSz="914400" rtl="0" eaLnBrk="1" latinLnBrk="0" hangingPunct="1">
-              <a:lnSpc>
-                <a:spcPct val="90000"/>
-              </a:lnSpc>
-              <a:spcBef>
-                <a:spcPts val="200"/>
-              </a:spcBef>
-              <a:spcAft>
-                <a:spcPts val="400"/>
-              </a:spcAft>
-              <a:buClr>
-                <a:schemeClr val="accent2"/>
-              </a:buClr>
-              <a:buFont typeface="Wingdings 3" pitchFamily="18" charset="2"/>
-              <a:buChar char=""/>
-              <a:defRPr sz="1400" kern="1200">
-                <a:solidFill>
-                  <a:schemeClr val="tx1"/>
-                </a:solidFill>
-                <a:latin typeface="+mn-lt"/>
-                <a:ea typeface="+mn-ea"/>
-                <a:cs typeface="+mn-cs"/>
-              </a:defRPr>
-            </a:lvl4pPr>
-            <a:lvl5pPr marL="777240" indent="-137160" algn="l" defTabSz="914400" rtl="0" eaLnBrk="1" latinLnBrk="0" hangingPunct="1">
-              <a:lnSpc>
-                <a:spcPct val="90000"/>
-              </a:lnSpc>
-              <a:spcBef>
-                <a:spcPts val="200"/>
-              </a:spcBef>
-              <a:spcAft>
-                <a:spcPts val="400"/>
-              </a:spcAft>
-              <a:buClr>
-                <a:schemeClr val="accent2"/>
-              </a:buClr>
-              <a:buFont typeface="Wingdings 3" pitchFamily="18" charset="2"/>
-              <a:buChar char=""/>
-              <a:defRPr sz="1400" kern="1200">
-                <a:solidFill>
-                  <a:schemeClr val="tx1"/>
-                </a:solidFill>
-                <a:latin typeface="+mn-lt"/>
-                <a:ea typeface="+mn-ea"/>
-                <a:cs typeface="+mn-cs"/>
-              </a:defRPr>
-            </a:lvl5pPr>
-            <a:lvl6pPr marL="914400" indent="-137160" algn="l" defTabSz="914400" rtl="0" eaLnBrk="1" latinLnBrk="0" hangingPunct="1">
-              <a:lnSpc>
-                <a:spcPct val="90000"/>
-              </a:lnSpc>
-              <a:spcBef>
-                <a:spcPts val="200"/>
-              </a:spcBef>
-              <a:spcAft>
-                <a:spcPts val="400"/>
-              </a:spcAft>
-              <a:buClr>
-                <a:schemeClr val="accent2"/>
-              </a:buClr>
-              <a:buFont typeface="Wingdings 3" pitchFamily="18" charset="2"/>
-              <a:buChar char=""/>
-              <a:defRPr sz="1400" kern="1200">
-                <a:solidFill>
-                  <a:schemeClr val="tx1"/>
-                </a:solidFill>
-                <a:latin typeface="+mn-lt"/>
-                <a:ea typeface="+mn-ea"/>
-                <a:cs typeface="+mn-cs"/>
-              </a:defRPr>
-            </a:lvl6pPr>
-            <a:lvl7pPr marL="1060704" indent="-137160" algn="l" defTabSz="914400" rtl="0" eaLnBrk="1" latinLnBrk="0" hangingPunct="1">
-              <a:lnSpc>
-                <a:spcPct val="90000"/>
-              </a:lnSpc>
-              <a:spcBef>
-                <a:spcPts val="200"/>
-              </a:spcBef>
-              <a:spcAft>
-                <a:spcPts val="400"/>
-              </a:spcAft>
-              <a:buClr>
-                <a:schemeClr val="accent2"/>
-              </a:buClr>
-              <a:buFont typeface="Wingdings 3" pitchFamily="18" charset="2"/>
-              <a:buChar char=""/>
-              <a:defRPr sz="1400" kern="1200">
-                <a:solidFill>
-                  <a:schemeClr val="tx1"/>
-                </a:solidFill>
-                <a:latin typeface="+mn-lt"/>
-                <a:ea typeface="+mn-ea"/>
-                <a:cs typeface="+mn-cs"/>
-              </a:defRPr>
-            </a:lvl7pPr>
-            <a:lvl8pPr marL="1216152" indent="-137160" algn="l" defTabSz="914400" rtl="0" eaLnBrk="1" latinLnBrk="0" hangingPunct="1">
-              <a:lnSpc>
-                <a:spcPct val="90000"/>
-              </a:lnSpc>
-              <a:spcBef>
-                <a:spcPts val="200"/>
-              </a:spcBef>
-              <a:spcAft>
-                <a:spcPts val="400"/>
-              </a:spcAft>
-              <a:buClr>
-                <a:schemeClr val="accent2"/>
-              </a:buClr>
-              <a:buFont typeface="Wingdings 3" pitchFamily="18" charset="2"/>
-              <a:buChar char=""/>
-              <a:defRPr sz="1400" kern="1200">
-                <a:solidFill>
-                  <a:schemeClr val="tx1"/>
-                </a:solidFill>
-                <a:latin typeface="+mn-lt"/>
-                <a:ea typeface="+mn-ea"/>
-                <a:cs typeface="+mn-cs"/>
-              </a:defRPr>
-            </a:lvl8pPr>
-            <a:lvl9pPr marL="1362456" indent="-137160" algn="l" defTabSz="914400" rtl="0" eaLnBrk="1" latinLnBrk="0" hangingPunct="1">
-              <a:lnSpc>
-                <a:spcPct val="90000"/>
-              </a:lnSpc>
-              <a:spcBef>
-                <a:spcPts val="200"/>
-              </a:spcBef>
-              <a:spcAft>
-                <a:spcPts val="400"/>
-              </a:spcAft>
-              <a:buClr>
-                <a:schemeClr val="accent2"/>
-              </a:buClr>
-              <a:buFont typeface="Wingdings 3" pitchFamily="18" charset="2"/>
-              <a:buChar char=""/>
-              <a:defRPr sz="1400" kern="1200">
-                <a:solidFill>
-                  <a:schemeClr val="tx1"/>
-                </a:solidFill>
-                <a:latin typeface="+mn-lt"/>
-                <a:ea typeface="+mn-ea"/>
-                <a:cs typeface="+mn-cs"/>
-              </a:defRPr>
-            </a:lvl9pPr>
-          </a:lstStyle>
-          <a:p>
-            <a:pPr>
-              <a:buFont typeface="Tw Cen MT" panose="020B0602020104020603" pitchFamily="34" charset="0"/>
               <a:buBlip>
                 <a:blip r:embed="rId4">
                   <a:extLst>
@@ -9210,327 +7583,57 @@
             </a:pPr>
             <a:r>
               <a:rPr lang="en-GB" dirty="0"/>
-              <a:t>Best model: Random Forest </a:t>
-            </a:r>
-            <a:br>
+              <a:t> </a:t>
+            </a:r>
+            <a:r>
+              <a:rPr lang="en-GB" dirty="0">
+                <a:solidFill>
+                  <a:schemeClr val="accent2">
+                    <a:lumMod val="75000"/>
+                  </a:schemeClr>
+                </a:solidFill>
+              </a:rPr>
+              <a:t>Main variables </a:t>
+            </a:r>
+            <a:r>
               <a:rPr lang="en-GB" dirty="0"/>
-            </a:br>
-            <a:endParaRPr lang="en-GB" sz="1500" dirty="0"/>
-          </a:p>
-          <a:p>
-            <a:endParaRPr lang="en-GB" dirty="0"/>
-          </a:p>
-        </p:txBody>
-      </p:sp>
-      <p:pic>
-        <p:nvPicPr>
-          <p:cNvPr id="9" name="Imagem 8">
-            <a:extLst>
-              <a:ext uri="{FF2B5EF4-FFF2-40B4-BE49-F238E27FC236}">
-                <a16:creationId xmlns:a16="http://schemas.microsoft.com/office/drawing/2014/main" id="{26FFE5CB-BF06-4338-858E-50EB1675AF01}"/>
-              </a:ext>
-            </a:extLst>
-          </p:cNvPr>
-          <p:cNvPicPr>
-            <a:picLocks noChangeAspect="1"/>
-          </p:cNvPicPr>
-          <p:nvPr/>
-        </p:nvPicPr>
-        <p:blipFill>
-          <a:blip r:embed="rId6"/>
-          <a:stretch>
-            <a:fillRect/>
-          </a:stretch>
-        </p:blipFill>
-        <p:spPr>
-          <a:xfrm>
-            <a:off x="813816" y="2313157"/>
-            <a:ext cx="4192531" cy="1476243"/>
-          </a:xfrm>
-          <a:prstGeom prst="rect">
-            <a:avLst/>
-          </a:prstGeom>
-        </p:spPr>
-      </p:pic>
-      <p:pic>
-        <p:nvPicPr>
-          <p:cNvPr id="10" name="Imagem 9">
-            <a:extLst>
-              <a:ext uri="{FF2B5EF4-FFF2-40B4-BE49-F238E27FC236}">
-                <a16:creationId xmlns:a16="http://schemas.microsoft.com/office/drawing/2014/main" id="{9D24F01D-BAE3-42F4-8624-9995AFC8E55C}"/>
-              </a:ext>
-            </a:extLst>
-          </p:cNvPr>
-          <p:cNvPicPr>
-            <a:picLocks noChangeAspect="1"/>
-          </p:cNvPicPr>
-          <p:nvPr/>
-        </p:nvPicPr>
-        <p:blipFill>
-          <a:blip r:embed="rId7"/>
-          <a:stretch>
-            <a:fillRect/>
-          </a:stretch>
-        </p:blipFill>
-        <p:spPr>
-          <a:xfrm>
-            <a:off x="1301376" y="4257141"/>
-            <a:ext cx="3217410" cy="2560273"/>
-          </a:xfrm>
-          <a:prstGeom prst="rect">
-            <a:avLst/>
-          </a:prstGeom>
-        </p:spPr>
-      </p:pic>
-      <p:sp>
-        <p:nvSpPr>
-          <p:cNvPr id="11" name="Content Placeholder 2">
-            <a:extLst>
-              <a:ext uri="{FF2B5EF4-FFF2-40B4-BE49-F238E27FC236}">
-                <a16:creationId xmlns:a16="http://schemas.microsoft.com/office/drawing/2014/main" id="{C8D32A2A-8DB4-47EE-B94C-8A57A7784822}"/>
-              </a:ext>
-            </a:extLst>
-          </p:cNvPr>
-          <p:cNvSpPr txBox="1">
-            <a:spLocks/>
-          </p:cNvSpPr>
-          <p:nvPr/>
-        </p:nvSpPr>
-        <p:spPr>
-          <a:xfrm>
-            <a:off x="1788936" y="3849091"/>
-            <a:ext cx="4754880" cy="4023360"/>
-          </a:xfrm>
-          <a:prstGeom prst="rect">
-            <a:avLst/>
-          </a:prstGeom>
-        </p:spPr>
-        <p:txBody>
-          <a:bodyPr vert="horz" lIns="45720" tIns="45720" rIns="45720" bIns="45720" rtlCol="0">
-            <a:normAutofit/>
-          </a:bodyPr>
-          <a:lstStyle>
-            <a:lvl1pPr marL="91440" indent="-91440" algn="l" defTabSz="914400" rtl="0" eaLnBrk="1" latinLnBrk="0" hangingPunct="1">
+              <a:t>to the predictive model: </a:t>
+            </a:r>
+            <a:r>
+              <a:rPr lang="en-GB" i="1" dirty="0"/>
+              <a:t>ADR</a:t>
+            </a:r>
+            <a:r>
+              <a:rPr lang="en-GB" dirty="0"/>
+              <a:t>, </a:t>
+            </a:r>
+            <a:r>
+              <a:rPr lang="en-GB" i="1" dirty="0" err="1"/>
+              <a:t>LeadTime</a:t>
+            </a:r>
+            <a:r>
+              <a:rPr lang="en-GB" dirty="0"/>
+              <a:t>, </a:t>
+            </a:r>
+            <a:r>
+              <a:rPr lang="en-GB" i="1" dirty="0" err="1"/>
+              <a:t>DepositType</a:t>
+            </a:r>
+            <a:r>
+              <a:rPr lang="en-GB" dirty="0"/>
+              <a:t>, </a:t>
+            </a:r>
+            <a:r>
+              <a:rPr lang="en-GB" i="1" dirty="0" err="1"/>
+              <a:t>PreviousCancellations</a:t>
+            </a:r>
+            <a:endParaRPr lang="en-GB" i="1" dirty="0"/>
+          </a:p>
+          <a:p>
+            <a:pPr>
               <a:lnSpc>
-                <a:spcPct val="90000"/>
+                <a:spcPct val="150000"/>
               </a:lnSpc>
-              <a:spcBef>
-                <a:spcPts val="1200"/>
-              </a:spcBef>
-              <a:spcAft>
-                <a:spcPts val="200"/>
-              </a:spcAft>
-              <a:buClr>
-                <a:schemeClr val="accent2"/>
-              </a:buClr>
-              <a:buSzPct val="100000"/>
-              <a:buFont typeface="Tw Cen MT" panose="020B0602020104020603" pitchFamily="34" charset="0"/>
-              <a:buChar char=" "/>
-              <a:defRPr sz="2200" kern="1200">
-                <a:solidFill>
-                  <a:schemeClr val="tx1"/>
-                </a:solidFill>
-                <a:latin typeface="+mn-lt"/>
-                <a:ea typeface="+mn-ea"/>
-                <a:cs typeface="+mn-cs"/>
-              </a:defRPr>
-            </a:lvl1pPr>
-            <a:lvl2pPr marL="265176" indent="-137160" algn="l" defTabSz="914400" rtl="0" eaLnBrk="1" latinLnBrk="0" hangingPunct="1">
-              <a:lnSpc>
-                <a:spcPct val="90000"/>
-              </a:lnSpc>
-              <a:spcBef>
-                <a:spcPts val="200"/>
-              </a:spcBef>
-              <a:spcAft>
-                <a:spcPts val="400"/>
-              </a:spcAft>
-              <a:buClr>
-                <a:schemeClr val="accent2"/>
-              </a:buClr>
-              <a:buFont typeface="Wingdings 3" pitchFamily="18" charset="2"/>
-              <a:buChar char=""/>
-              <a:defRPr sz="1800" kern="1200">
-                <a:solidFill>
-                  <a:schemeClr val="tx1"/>
-                </a:solidFill>
-                <a:latin typeface="+mn-lt"/>
-                <a:ea typeface="+mn-ea"/>
-                <a:cs typeface="+mn-cs"/>
-              </a:defRPr>
-            </a:lvl2pPr>
-            <a:lvl3pPr marL="448056" indent="-137160" algn="l" defTabSz="914400" rtl="0" eaLnBrk="1" latinLnBrk="0" hangingPunct="1">
-              <a:lnSpc>
-                <a:spcPct val="90000"/>
-              </a:lnSpc>
-              <a:spcBef>
-                <a:spcPts val="200"/>
-              </a:spcBef>
-              <a:spcAft>
-                <a:spcPts val="400"/>
-              </a:spcAft>
-              <a:buClr>
-                <a:schemeClr val="accent2"/>
-              </a:buClr>
-              <a:buFont typeface="Wingdings 3" pitchFamily="18" charset="2"/>
-              <a:buChar char=""/>
-              <a:defRPr sz="1400" kern="1200">
-                <a:solidFill>
-                  <a:schemeClr val="tx1"/>
-                </a:solidFill>
-                <a:latin typeface="+mn-lt"/>
-                <a:ea typeface="+mn-ea"/>
-                <a:cs typeface="+mn-cs"/>
-              </a:defRPr>
-            </a:lvl3pPr>
-            <a:lvl4pPr marL="594360" indent="-137160" algn="l" defTabSz="914400" rtl="0" eaLnBrk="1" latinLnBrk="0" hangingPunct="1">
-              <a:lnSpc>
-                <a:spcPct val="90000"/>
-              </a:lnSpc>
-              <a:spcBef>
-                <a:spcPts val="200"/>
-              </a:spcBef>
-              <a:spcAft>
-                <a:spcPts val="400"/>
-              </a:spcAft>
-              <a:buClr>
-                <a:schemeClr val="accent2"/>
-              </a:buClr>
-              <a:buFont typeface="Wingdings 3" pitchFamily="18" charset="2"/>
-              <a:buChar char=""/>
-              <a:defRPr sz="1400" kern="1200">
-                <a:solidFill>
-                  <a:schemeClr val="tx1"/>
-                </a:solidFill>
-                <a:latin typeface="+mn-lt"/>
-                <a:ea typeface="+mn-ea"/>
-                <a:cs typeface="+mn-cs"/>
-              </a:defRPr>
-            </a:lvl4pPr>
-            <a:lvl5pPr marL="777240" indent="-137160" algn="l" defTabSz="914400" rtl="0" eaLnBrk="1" latinLnBrk="0" hangingPunct="1">
-              <a:lnSpc>
-                <a:spcPct val="90000"/>
-              </a:lnSpc>
-              <a:spcBef>
-                <a:spcPts val="200"/>
-              </a:spcBef>
-              <a:spcAft>
-                <a:spcPts val="400"/>
-              </a:spcAft>
-              <a:buClr>
-                <a:schemeClr val="accent2"/>
-              </a:buClr>
-              <a:buFont typeface="Wingdings 3" pitchFamily="18" charset="2"/>
-              <a:buChar char=""/>
-              <a:defRPr sz="1400" kern="1200">
-                <a:solidFill>
-                  <a:schemeClr val="tx1"/>
-                </a:solidFill>
-                <a:latin typeface="+mn-lt"/>
-                <a:ea typeface="+mn-ea"/>
-                <a:cs typeface="+mn-cs"/>
-              </a:defRPr>
-            </a:lvl5pPr>
-            <a:lvl6pPr marL="914400" indent="-137160" algn="l" defTabSz="914400" rtl="0" eaLnBrk="1" latinLnBrk="0" hangingPunct="1">
-              <a:lnSpc>
-                <a:spcPct val="90000"/>
-              </a:lnSpc>
-              <a:spcBef>
-                <a:spcPts val="200"/>
-              </a:spcBef>
-              <a:spcAft>
-                <a:spcPts val="400"/>
-              </a:spcAft>
-              <a:buClr>
-                <a:schemeClr val="accent2"/>
-              </a:buClr>
-              <a:buFont typeface="Wingdings 3" pitchFamily="18" charset="2"/>
-              <a:buChar char=""/>
-              <a:defRPr sz="1400" kern="1200">
-                <a:solidFill>
-                  <a:schemeClr val="tx1"/>
-                </a:solidFill>
-                <a:latin typeface="+mn-lt"/>
-                <a:ea typeface="+mn-ea"/>
-                <a:cs typeface="+mn-cs"/>
-              </a:defRPr>
-            </a:lvl6pPr>
-            <a:lvl7pPr marL="1060704" indent="-137160" algn="l" defTabSz="914400" rtl="0" eaLnBrk="1" latinLnBrk="0" hangingPunct="1">
-              <a:lnSpc>
-                <a:spcPct val="90000"/>
-              </a:lnSpc>
-              <a:spcBef>
-                <a:spcPts val="200"/>
-              </a:spcBef>
-              <a:spcAft>
-                <a:spcPts val="400"/>
-              </a:spcAft>
-              <a:buClr>
-                <a:schemeClr val="accent2"/>
-              </a:buClr>
-              <a:buFont typeface="Wingdings 3" pitchFamily="18" charset="2"/>
-              <a:buChar char=""/>
-              <a:defRPr sz="1400" kern="1200">
-                <a:solidFill>
-                  <a:schemeClr val="tx1"/>
-                </a:solidFill>
-                <a:latin typeface="+mn-lt"/>
-                <a:ea typeface="+mn-ea"/>
-                <a:cs typeface="+mn-cs"/>
-              </a:defRPr>
-            </a:lvl7pPr>
-            <a:lvl8pPr marL="1216152" indent="-137160" algn="l" defTabSz="914400" rtl="0" eaLnBrk="1" latinLnBrk="0" hangingPunct="1">
-              <a:lnSpc>
-                <a:spcPct val="90000"/>
-              </a:lnSpc>
-              <a:spcBef>
-                <a:spcPts val="200"/>
-              </a:spcBef>
-              <a:spcAft>
-                <a:spcPts val="400"/>
-              </a:spcAft>
-              <a:buClr>
-                <a:schemeClr val="accent2"/>
-              </a:buClr>
-              <a:buFont typeface="Wingdings 3" pitchFamily="18" charset="2"/>
-              <a:buChar char=""/>
-              <a:defRPr sz="1400" kern="1200">
-                <a:solidFill>
-                  <a:schemeClr val="tx1"/>
-                </a:solidFill>
-                <a:latin typeface="+mn-lt"/>
-                <a:ea typeface="+mn-ea"/>
-                <a:cs typeface="+mn-cs"/>
-              </a:defRPr>
-            </a:lvl8pPr>
-            <a:lvl9pPr marL="1362456" indent="-137160" algn="l" defTabSz="914400" rtl="0" eaLnBrk="1" latinLnBrk="0" hangingPunct="1">
-              <a:lnSpc>
-                <a:spcPct val="90000"/>
-              </a:lnSpc>
-              <a:spcBef>
-                <a:spcPts val="200"/>
-              </a:spcBef>
-              <a:spcAft>
-                <a:spcPts val="400"/>
-              </a:spcAft>
-              <a:buClr>
-                <a:schemeClr val="accent2"/>
-              </a:buClr>
-              <a:buFont typeface="Wingdings 3" pitchFamily="18" charset="2"/>
-              <a:buChar char=""/>
-              <a:defRPr sz="1400" kern="1200">
-                <a:solidFill>
-                  <a:schemeClr val="tx1"/>
-                </a:solidFill>
-                <a:latin typeface="+mn-lt"/>
-                <a:ea typeface="+mn-ea"/>
-                <a:cs typeface="+mn-cs"/>
-              </a:defRPr>
-            </a:lvl9pPr>
-          </a:lstStyle>
-          <a:p>
-            <a:pPr>
-              <a:buFont typeface="Tw Cen MT" panose="020B0602020104020603" pitchFamily="34" charset="0"/>
               <a:buBlip>
                 <a:blip r:embed="rId4">
                   <a:extLst>
@@ -9543,267 +7646,28 @@
             </a:pPr>
             <a:r>
               <a:rPr lang="en-GB" dirty="0"/>
-              <a:t>Confusion Matrix</a:t>
-            </a:r>
-            <a:br>
+              <a:t> Bookings made </a:t>
+            </a:r>
+            <a:r>
+              <a:rPr lang="en-GB" dirty="0">
+                <a:solidFill>
+                  <a:schemeClr val="accent2">
+                    <a:lumMod val="75000"/>
+                  </a:schemeClr>
+                </a:solidFill>
+              </a:rPr>
+              <a:t>further ahead from the arrival date </a:t>
+            </a:r>
+            <a:r>
               <a:rPr lang="en-GB" dirty="0"/>
-            </a:br>
-            <a:endParaRPr lang="en-GB" sz="1500" dirty="0"/>
-          </a:p>
-          <a:p>
-            <a:endParaRPr lang="en-GB" dirty="0"/>
-          </a:p>
-        </p:txBody>
-      </p:sp>
-      <p:sp>
-        <p:nvSpPr>
-          <p:cNvPr id="12" name="Content Placeholder 2">
-            <a:extLst>
-              <a:ext uri="{FF2B5EF4-FFF2-40B4-BE49-F238E27FC236}">
-                <a16:creationId xmlns:a16="http://schemas.microsoft.com/office/drawing/2014/main" id="{C4993391-8A9E-435C-8ADB-D7BCE40C3988}"/>
-              </a:ext>
-            </a:extLst>
-          </p:cNvPr>
-          <p:cNvSpPr txBox="1">
-            <a:spLocks/>
-          </p:cNvSpPr>
-          <p:nvPr/>
-        </p:nvSpPr>
-        <p:spPr>
-          <a:xfrm>
-            <a:off x="5989320" y="1902256"/>
-            <a:ext cx="4754880" cy="4023360"/>
-          </a:xfrm>
-          <a:prstGeom prst="rect">
-            <a:avLst/>
-          </a:prstGeom>
-        </p:spPr>
-        <p:txBody>
-          <a:bodyPr vert="horz" lIns="45720" tIns="45720" rIns="45720" bIns="45720" rtlCol="0">
-            <a:normAutofit/>
-          </a:bodyPr>
-          <a:lstStyle>
-            <a:lvl1pPr marL="91440" indent="-91440" algn="l" defTabSz="914400" rtl="0" eaLnBrk="1" latinLnBrk="0" hangingPunct="1">
+              <a:t>are more willing to cancel</a:t>
+            </a:r>
+          </a:p>
+          <a:p>
+            <a:pPr>
               <a:lnSpc>
-                <a:spcPct val="90000"/>
+                <a:spcPct val="150000"/>
               </a:lnSpc>
-              <a:spcBef>
-                <a:spcPts val="1200"/>
-              </a:spcBef>
-              <a:spcAft>
-                <a:spcPts val="200"/>
-              </a:spcAft>
-              <a:buClr>
-                <a:schemeClr val="accent2"/>
-              </a:buClr>
-              <a:buSzPct val="100000"/>
-              <a:buFont typeface="Tw Cen MT" panose="020B0602020104020603" pitchFamily="34" charset="0"/>
-              <a:buChar char=" "/>
-              <a:defRPr sz="2200" kern="1200">
-                <a:solidFill>
-                  <a:schemeClr val="tx1"/>
-                </a:solidFill>
-                <a:latin typeface="+mn-lt"/>
-                <a:ea typeface="+mn-ea"/>
-                <a:cs typeface="+mn-cs"/>
-              </a:defRPr>
-            </a:lvl1pPr>
-            <a:lvl2pPr marL="265176" indent="-137160" algn="l" defTabSz="914400" rtl="0" eaLnBrk="1" latinLnBrk="0" hangingPunct="1">
-              <a:lnSpc>
-                <a:spcPct val="90000"/>
-              </a:lnSpc>
-              <a:spcBef>
-                <a:spcPts val="200"/>
-              </a:spcBef>
-              <a:spcAft>
-                <a:spcPts val="400"/>
-              </a:spcAft>
-              <a:buClr>
-                <a:schemeClr val="accent2"/>
-              </a:buClr>
-              <a:buFont typeface="Wingdings 3" pitchFamily="18" charset="2"/>
-              <a:buChar char=""/>
-              <a:defRPr sz="1800" kern="1200">
-                <a:solidFill>
-                  <a:schemeClr val="tx1"/>
-                </a:solidFill>
-                <a:latin typeface="+mn-lt"/>
-                <a:ea typeface="+mn-ea"/>
-                <a:cs typeface="+mn-cs"/>
-              </a:defRPr>
-            </a:lvl2pPr>
-            <a:lvl3pPr marL="448056" indent="-137160" algn="l" defTabSz="914400" rtl="0" eaLnBrk="1" latinLnBrk="0" hangingPunct="1">
-              <a:lnSpc>
-                <a:spcPct val="90000"/>
-              </a:lnSpc>
-              <a:spcBef>
-                <a:spcPts val="200"/>
-              </a:spcBef>
-              <a:spcAft>
-                <a:spcPts val="400"/>
-              </a:spcAft>
-              <a:buClr>
-                <a:schemeClr val="accent2"/>
-              </a:buClr>
-              <a:buFont typeface="Wingdings 3" pitchFamily="18" charset="2"/>
-              <a:buChar char=""/>
-              <a:defRPr sz="1400" kern="1200">
-                <a:solidFill>
-                  <a:schemeClr val="tx1"/>
-                </a:solidFill>
-                <a:latin typeface="+mn-lt"/>
-                <a:ea typeface="+mn-ea"/>
-                <a:cs typeface="+mn-cs"/>
-              </a:defRPr>
-            </a:lvl3pPr>
-            <a:lvl4pPr marL="594360" indent="-137160" algn="l" defTabSz="914400" rtl="0" eaLnBrk="1" latinLnBrk="0" hangingPunct="1">
-              <a:lnSpc>
-                <a:spcPct val="90000"/>
-              </a:lnSpc>
-              <a:spcBef>
-                <a:spcPts val="200"/>
-              </a:spcBef>
-              <a:spcAft>
-                <a:spcPts val="400"/>
-              </a:spcAft>
-              <a:buClr>
-                <a:schemeClr val="accent2"/>
-              </a:buClr>
-              <a:buFont typeface="Wingdings 3" pitchFamily="18" charset="2"/>
-              <a:buChar char=""/>
-              <a:defRPr sz="1400" kern="1200">
-                <a:solidFill>
-                  <a:schemeClr val="tx1"/>
-                </a:solidFill>
-                <a:latin typeface="+mn-lt"/>
-                <a:ea typeface="+mn-ea"/>
-                <a:cs typeface="+mn-cs"/>
-              </a:defRPr>
-            </a:lvl4pPr>
-            <a:lvl5pPr marL="777240" indent="-137160" algn="l" defTabSz="914400" rtl="0" eaLnBrk="1" latinLnBrk="0" hangingPunct="1">
-              <a:lnSpc>
-                <a:spcPct val="90000"/>
-              </a:lnSpc>
-              <a:spcBef>
-                <a:spcPts val="200"/>
-              </a:spcBef>
-              <a:spcAft>
-                <a:spcPts val="400"/>
-              </a:spcAft>
-              <a:buClr>
-                <a:schemeClr val="accent2"/>
-              </a:buClr>
-              <a:buFont typeface="Wingdings 3" pitchFamily="18" charset="2"/>
-              <a:buChar char=""/>
-              <a:defRPr sz="1400" kern="1200">
-                <a:solidFill>
-                  <a:schemeClr val="tx1"/>
-                </a:solidFill>
-                <a:latin typeface="+mn-lt"/>
-                <a:ea typeface="+mn-ea"/>
-                <a:cs typeface="+mn-cs"/>
-              </a:defRPr>
-            </a:lvl5pPr>
-            <a:lvl6pPr marL="914400" indent="-137160" algn="l" defTabSz="914400" rtl="0" eaLnBrk="1" latinLnBrk="0" hangingPunct="1">
-              <a:lnSpc>
-                <a:spcPct val="90000"/>
-              </a:lnSpc>
-              <a:spcBef>
-                <a:spcPts val="200"/>
-              </a:spcBef>
-              <a:spcAft>
-                <a:spcPts val="400"/>
-              </a:spcAft>
-              <a:buClr>
-                <a:schemeClr val="accent2"/>
-              </a:buClr>
-              <a:buFont typeface="Wingdings 3" pitchFamily="18" charset="2"/>
-              <a:buChar char=""/>
-              <a:defRPr sz="1400" kern="1200">
-                <a:solidFill>
-                  <a:schemeClr val="tx1"/>
-                </a:solidFill>
-                <a:latin typeface="+mn-lt"/>
-                <a:ea typeface="+mn-ea"/>
-                <a:cs typeface="+mn-cs"/>
-              </a:defRPr>
-            </a:lvl6pPr>
-            <a:lvl7pPr marL="1060704" indent="-137160" algn="l" defTabSz="914400" rtl="0" eaLnBrk="1" latinLnBrk="0" hangingPunct="1">
-              <a:lnSpc>
-                <a:spcPct val="90000"/>
-              </a:lnSpc>
-              <a:spcBef>
-                <a:spcPts val="200"/>
-              </a:spcBef>
-              <a:spcAft>
-                <a:spcPts val="400"/>
-              </a:spcAft>
-              <a:buClr>
-                <a:schemeClr val="accent2"/>
-              </a:buClr>
-              <a:buFont typeface="Wingdings 3" pitchFamily="18" charset="2"/>
-              <a:buChar char=""/>
-              <a:defRPr sz="1400" kern="1200">
-                <a:solidFill>
-                  <a:schemeClr val="tx1"/>
-                </a:solidFill>
-                <a:latin typeface="+mn-lt"/>
-                <a:ea typeface="+mn-ea"/>
-                <a:cs typeface="+mn-cs"/>
-              </a:defRPr>
-            </a:lvl7pPr>
-            <a:lvl8pPr marL="1216152" indent="-137160" algn="l" defTabSz="914400" rtl="0" eaLnBrk="1" latinLnBrk="0" hangingPunct="1">
-              <a:lnSpc>
-                <a:spcPct val="90000"/>
-              </a:lnSpc>
-              <a:spcBef>
-                <a:spcPts val="200"/>
-              </a:spcBef>
-              <a:spcAft>
-                <a:spcPts val="400"/>
-              </a:spcAft>
-              <a:buClr>
-                <a:schemeClr val="accent2"/>
-              </a:buClr>
-              <a:buFont typeface="Wingdings 3" pitchFamily="18" charset="2"/>
-              <a:buChar char=""/>
-              <a:defRPr sz="1400" kern="1200">
-                <a:solidFill>
-                  <a:schemeClr val="tx1"/>
-                </a:solidFill>
-                <a:latin typeface="+mn-lt"/>
-                <a:ea typeface="+mn-ea"/>
-                <a:cs typeface="+mn-cs"/>
-              </a:defRPr>
-            </a:lvl8pPr>
-            <a:lvl9pPr marL="1362456" indent="-137160" algn="l" defTabSz="914400" rtl="0" eaLnBrk="1" latinLnBrk="0" hangingPunct="1">
-              <a:lnSpc>
-                <a:spcPct val="90000"/>
-              </a:lnSpc>
-              <a:spcBef>
-                <a:spcPts val="200"/>
-              </a:spcBef>
-              <a:spcAft>
-                <a:spcPts val="400"/>
-              </a:spcAft>
-              <a:buClr>
-                <a:schemeClr val="accent2"/>
-              </a:buClr>
-              <a:buFont typeface="Wingdings 3" pitchFamily="18" charset="2"/>
-              <a:buChar char=""/>
-              <a:defRPr sz="1400" kern="1200">
-                <a:solidFill>
-                  <a:schemeClr val="tx1"/>
-                </a:solidFill>
-                <a:latin typeface="+mn-lt"/>
-                <a:ea typeface="+mn-ea"/>
-                <a:cs typeface="+mn-cs"/>
-              </a:defRPr>
-            </a:lvl9pPr>
-          </a:lstStyle>
-          <a:p>
-            <a:pPr>
-              <a:buFont typeface="Tw Cen MT" panose="020B0602020104020603" pitchFamily="34" charset="0"/>
               <a:buBlip>
                 <a:blip r:embed="rId4">
                   <a:extLst>
@@ -9816,12 +7680,46 @@
             </a:pPr>
             <a:r>
               <a:rPr lang="en-GB" dirty="0"/>
-              <a:t>Predictive App</a:t>
+              <a:t> </a:t>
+            </a:r>
+            <a:r>
+              <a:rPr lang="en-GB" dirty="0">
+                <a:solidFill>
+                  <a:schemeClr val="accent2">
+                    <a:lumMod val="75000"/>
+                  </a:schemeClr>
+                </a:solidFill>
+              </a:rPr>
+              <a:t>Repeated guests </a:t>
+            </a:r>
+            <a:r>
+              <a:rPr lang="en-GB" dirty="0"/>
+              <a:t>are more reliable (&lt;3% of the current number of bookings)</a:t>
+            </a:r>
+          </a:p>
+          <a:p>
+            <a:pPr>
+              <a:lnSpc>
+                <a:spcPct val="150000"/>
+              </a:lnSpc>
+              <a:buBlip>
+                <a:blip r:embed="rId4">
+                  <a:extLst>
+                    <a:ext uri="{96DAC541-7B7A-43D3-8B79-37D633B846F1}">
+                      <asvg:svgBlip xmlns:asvg="http://schemas.microsoft.com/office/drawing/2016/SVG/main" r:embed="rId5"/>
+                    </a:ext>
+                  </a:extLst>
+                </a:blip>
+              </a:buBlip>
+            </a:pPr>
+            <a:r>
+              <a:rPr lang="en-GB" dirty="0"/>
+              <a:t> The model presents good accuracy, precision and F1-Score, that will help C to implement actions to prevent cancellation</a:t>
             </a:r>
             <a:br>
               <a:rPr lang="en-GB" dirty="0"/>
             </a:br>
-            <a:endParaRPr lang="en-GB" sz="1500" dirty="0"/>
+            <a:endParaRPr lang="en-GB" dirty="0"/>
           </a:p>
           <a:p>
             <a:endParaRPr lang="en-GB" dirty="0"/>

--- a/BC2/GroupD_BC2_Presentation.pptx
+++ b/BC2/GroupD_BC2_Presentation.pptx
@@ -203,7 +203,7 @@
           <a:p>
             <a:fld id="{CF526EAB-B917-4617-B7DA-C06F4166FDA5}" type="datetimeFigureOut">
               <a:rPr lang="en-GB" smtClean="0"/>
-              <a:t>14/03/2021</a:t>
+              <a:t>15/03/2021</a:t>
             </a:fld>
             <a:endParaRPr lang="en-GB"/>
           </a:p>
@@ -974,7 +974,7 @@
           <a:p>
             <a:fld id="{AC012AA7-0247-432D-BF0F-48D9C3C58E37}" type="datetimeFigureOut">
               <a:rPr lang="en-GB" smtClean="0"/>
-              <a:t>14/03/2021</a:t>
+              <a:t>15/03/2021</a:t>
             </a:fld>
             <a:endParaRPr lang="en-GB"/>
           </a:p>
@@ -1217,7 +1217,7 @@
           <a:p>
             <a:fld id="{AC012AA7-0247-432D-BF0F-48D9C3C58E37}" type="datetimeFigureOut">
               <a:rPr lang="en-GB" smtClean="0"/>
-              <a:t>14/03/2021</a:t>
+              <a:t>15/03/2021</a:t>
             </a:fld>
             <a:endParaRPr lang="en-GB"/>
           </a:p>
@@ -1397,7 +1397,7 @@
           <a:p>
             <a:fld id="{AC012AA7-0247-432D-BF0F-48D9C3C58E37}" type="datetimeFigureOut">
               <a:rPr lang="en-GB" smtClean="0"/>
-              <a:t>14/03/2021</a:t>
+              <a:t>15/03/2021</a:t>
             </a:fld>
             <a:endParaRPr lang="en-GB"/>
           </a:p>
@@ -1602,7 +1602,7 @@
           <a:p>
             <a:fld id="{AC012AA7-0247-432D-BF0F-48D9C3C58E37}" type="datetimeFigureOut">
               <a:rPr lang="en-GB" smtClean="0"/>
-              <a:t>14/03/2021</a:t>
+              <a:t>15/03/2021</a:t>
             </a:fld>
             <a:endParaRPr lang="en-GB"/>
           </a:p>
@@ -1859,7 +1859,7 @@
           <a:p>
             <a:fld id="{AC012AA7-0247-432D-BF0F-48D9C3C58E37}" type="datetimeFigureOut">
               <a:rPr lang="en-GB" smtClean="0"/>
-              <a:t>14/03/2021</a:t>
+              <a:t>15/03/2021</a:t>
             </a:fld>
             <a:endParaRPr lang="en-GB"/>
           </a:p>
@@ -2206,7 +2206,7 @@
           <a:p>
             <a:fld id="{AC012AA7-0247-432D-BF0F-48D9C3C58E37}" type="datetimeFigureOut">
               <a:rPr lang="en-GB" smtClean="0"/>
-              <a:t>14/03/2021</a:t>
+              <a:t>15/03/2021</a:t>
             </a:fld>
             <a:endParaRPr lang="en-GB"/>
           </a:p>
@@ -2608,7 +2608,7 @@
           <a:p>
             <a:fld id="{AC012AA7-0247-432D-BF0F-48D9C3C58E37}" type="datetimeFigureOut">
               <a:rPr lang="en-GB" smtClean="0"/>
-              <a:t>14/03/2021</a:t>
+              <a:t>15/03/2021</a:t>
             </a:fld>
             <a:endParaRPr lang="en-GB"/>
           </a:p>
@@ -2726,7 +2726,7 @@
           <a:p>
             <a:fld id="{AC012AA7-0247-432D-BF0F-48D9C3C58E37}" type="datetimeFigureOut">
               <a:rPr lang="en-GB" smtClean="0"/>
-              <a:t>14/03/2021</a:t>
+              <a:t>15/03/2021</a:t>
             </a:fld>
             <a:endParaRPr lang="en-GB"/>
           </a:p>
@@ -2821,7 +2821,7 @@
           <a:p>
             <a:fld id="{AC012AA7-0247-432D-BF0F-48D9C3C58E37}" type="datetimeFigureOut">
               <a:rPr lang="en-GB" smtClean="0"/>
-              <a:t>14/03/2021</a:t>
+              <a:t>15/03/2021</a:t>
             </a:fld>
             <a:endParaRPr lang="en-GB"/>
           </a:p>
@@ -3111,7 +3111,7 @@
           <a:p>
             <a:fld id="{AC012AA7-0247-432D-BF0F-48D9C3C58E37}" type="datetimeFigureOut">
               <a:rPr lang="en-GB" smtClean="0"/>
-              <a:t>14/03/2021</a:t>
+              <a:t>15/03/2021</a:t>
             </a:fld>
             <a:endParaRPr lang="en-GB"/>
           </a:p>
@@ -3391,7 +3391,7 @@
           <a:p>
             <a:fld id="{AC012AA7-0247-432D-BF0F-48D9C3C58E37}" type="datetimeFigureOut">
               <a:rPr lang="en-GB" smtClean="0"/>
-              <a:t>14/03/2021</a:t>
+              <a:t>15/03/2021</a:t>
             </a:fld>
             <a:endParaRPr lang="en-GB"/>
           </a:p>
@@ -3641,7 +3641,7 @@
           <a:p>
             <a:fld id="{AC012AA7-0247-432D-BF0F-48D9C3C58E37}" type="datetimeFigureOut">
               <a:rPr lang="en-GB" smtClean="0"/>
-              <a:t>14/03/2021</a:t>
+              <a:t>15/03/2021</a:t>
             </a:fld>
             <a:endParaRPr lang="en-GB"/>
           </a:p>
@@ -6619,7 +6619,7 @@
         </p:spPr>
         <p:txBody>
           <a:bodyPr>
-            <a:normAutofit lnSpcReduction="10000"/>
+            <a:normAutofit fontScale="92500"/>
           </a:bodyPr>
           <a:lstStyle/>
           <a:p>
@@ -6646,7 +6646,7 @@
             </a:r>
             <a:r>
               <a:rPr lang="en-GB" sz="2150" dirty="0"/>
-              <a:t>: Analysis and removal useless information (missing values, inconsistent data and outliers)</a:t>
+              <a:t>: Analysis and removal of irrelevant information (missing values, inconsistent data and outliers)</a:t>
             </a:r>
           </a:p>
           <a:p>
@@ -6673,7 +6673,7 @@
             </a:r>
             <a:r>
               <a:rPr lang="en-GB" sz="2150" dirty="0"/>
-              <a:t>: Keep the duplicates and better distribute them between train and test dataset</a:t>
+              <a:t>: Keep the duplicates and better distribute them between the training and testing datasets. Cross validation on training dataset. </a:t>
             </a:r>
           </a:p>
           <a:p>
@@ -7087,13 +7087,8 @@
           <a:p>
             <a:r>
               <a:rPr lang="en-GB" dirty="0"/>
-              <a:t>Key Take </a:t>
-            </a:r>
-            <a:r>
-              <a:rPr lang="en-GB" dirty="0" err="1"/>
-              <a:t>aways</a:t>
-            </a:r>
-            <a:endParaRPr lang="en-GB" dirty="0"/>
+              <a:t>Key Takeaways</a:t>
+            </a:r>
           </a:p>
         </p:txBody>
       </p:sp>
@@ -7656,11 +7651,11 @@
                   </a:schemeClr>
                 </a:solidFill>
               </a:rPr>
-              <a:t>further ahead from the arrival date </a:t>
+              <a:t>far in advance </a:t>
             </a:r>
             <a:r>
               <a:rPr lang="en-GB" dirty="0"/>
-              <a:t>are more willing to cancel</a:t>
+              <a:t>are more likely to be cancelled</a:t>
             </a:r>
           </a:p>
           <a:p>

--- a/BC2/GroupD_BC2_Presentation.pptx
+++ b/BC2/GroupD_BC2_Presentation.pptx
@@ -5779,42 +5779,6 @@
       </p:sp>
       <p:pic>
         <p:nvPicPr>
-          <p:cNvPr id="8" name="Picture 7">
-            <a:extLst>
-              <a:ext uri="{FF2B5EF4-FFF2-40B4-BE49-F238E27FC236}">
-                <a16:creationId xmlns:a16="http://schemas.microsoft.com/office/drawing/2014/main" id="{1BB1388C-3307-485B-A67E-F0A3F4D87040}"/>
-              </a:ext>
-            </a:extLst>
-          </p:cNvPr>
-          <p:cNvPicPr>
-            <a:picLocks noChangeAspect="1"/>
-          </p:cNvPicPr>
-          <p:nvPr/>
-        </p:nvPicPr>
-        <p:blipFill>
-          <a:blip r:embed="rId7">
-            <a:extLst>
-              <a:ext uri="{28A0092B-C50C-407E-A947-70E740481C1C}">
-                <a14:useLocalDpi xmlns:a14="http://schemas.microsoft.com/office/drawing/2010/main" val="0"/>
-              </a:ext>
-            </a:extLst>
-          </a:blip>
-          <a:stretch>
-            <a:fillRect/>
-          </a:stretch>
-        </p:blipFill>
-        <p:spPr>
-          <a:xfrm>
-            <a:off x="1024127" y="3528780"/>
-            <a:ext cx="4479830" cy="2488775"/>
-          </a:xfrm>
-          <a:prstGeom prst="rect">
-            <a:avLst/>
-          </a:prstGeom>
-        </p:spPr>
-      </p:pic>
-      <p:pic>
-        <p:nvPicPr>
           <p:cNvPr id="9" name="Picture 8">
             <a:extLst>
               <a:ext uri="{FF2B5EF4-FFF2-40B4-BE49-F238E27FC236}">
@@ -5828,7 +5792,7 @@
           <p:nvPr/>
         </p:nvPicPr>
         <p:blipFill>
-          <a:blip r:embed="rId8" cstate="print">
+          <a:blip r:embed="rId7" cstate="print">
             <a:extLst>
               <a:ext uri="{28A0092B-C50C-407E-A947-70E740481C1C}">
                 <a14:useLocalDpi xmlns:a14="http://schemas.microsoft.com/office/drawing/2010/main" val="0"/>
@@ -5869,7 +5833,7 @@
           <p:nvPr/>
         </p:nvPicPr>
         <p:blipFill>
-          <a:blip r:embed="rId9">
+          <a:blip r:embed="rId8">
             <a:extLst>
               <a:ext uri="{28A0092B-C50C-407E-A947-70E740481C1C}">
                 <a14:useLocalDpi xmlns:a14="http://schemas.microsoft.com/office/drawing/2010/main" val="0"/>
@@ -5884,6 +5848,36 @@
           <a:xfrm>
             <a:off x="6427589" y="585216"/>
             <a:ext cx="3842157" cy="2542082"/>
+          </a:xfrm>
+          <a:prstGeom prst="rect">
+            <a:avLst/>
+          </a:prstGeom>
+        </p:spPr>
+      </p:pic>
+      <p:pic>
+        <p:nvPicPr>
+          <p:cNvPr id="4" name="Picture 3">
+            <a:extLst>
+              <a:ext uri="{FF2B5EF4-FFF2-40B4-BE49-F238E27FC236}">
+                <a16:creationId xmlns:a16="http://schemas.microsoft.com/office/drawing/2014/main" id="{185F31D1-E886-4A48-9C10-A55134B13FB5}"/>
+              </a:ext>
+            </a:extLst>
+          </p:cNvPr>
+          <p:cNvPicPr>
+            <a:picLocks noChangeAspect="1"/>
+          </p:cNvPicPr>
+          <p:nvPr/>
+        </p:nvPicPr>
+        <p:blipFill>
+          <a:blip r:embed="rId9"/>
+          <a:stretch>
+            <a:fillRect/>
+          </a:stretch>
+        </p:blipFill>
+        <p:spPr>
+          <a:xfrm>
+            <a:off x="1113503" y="3528781"/>
+            <a:ext cx="4390454" cy="2488775"/>
           </a:xfrm>
           <a:prstGeom prst="rect">
             <a:avLst/>
@@ -6993,22 +6987,20 @@
       </p:pic>
       <p:pic>
         <p:nvPicPr>
-          <p:cNvPr id="12" name="Content Placeholder 11">
+          <p:cNvPr id="1026" name="Picture 2">
             <a:extLst>
               <a:ext uri="{FF2B5EF4-FFF2-40B4-BE49-F238E27FC236}">
-                <a16:creationId xmlns:a16="http://schemas.microsoft.com/office/drawing/2014/main" id="{E8AC452C-2C1B-41E2-8D7D-61139DADA6D6}"/>
+                <a16:creationId xmlns:a16="http://schemas.microsoft.com/office/drawing/2014/main" id="{8108A580-162B-45BB-B767-AB2E29814DC6}"/>
               </a:ext>
             </a:extLst>
           </p:cNvPr>
           <p:cNvPicPr>
-            <a:picLocks noGrp="1"/>
+            <a:picLocks noChangeAspect="1" noChangeArrowheads="1"/>
           </p:cNvPicPr>
-          <p:nvPr>
-            <p:ph sz="half" idx="1"/>
-          </p:nvPr>
+          <p:nvPr/>
         </p:nvPicPr>
         <p:blipFill>
-          <a:blip r:embed="rId6" cstate="print">
+          <a:blip r:embed="rId6">
             <a:extLst>
               <a:ext uri="{28A0092B-C50C-407E-A947-70E740481C1C}">
                 <a14:useLocalDpi xmlns:a14="http://schemas.microsoft.com/office/drawing/2010/main" val="0"/>
@@ -7022,16 +7014,22 @@
         </p:blipFill>
         <p:spPr bwMode="auto">
           <a:xfrm>
-            <a:off x="1024128" y="2084832"/>
-            <a:ext cx="4398104" cy="3328737"/>
+            <a:off x="1036204" y="2183340"/>
+            <a:ext cx="4742803" cy="3131720"/>
           </a:xfrm>
           <a:prstGeom prst="rect">
             <a:avLst/>
           </a:prstGeom>
           <a:noFill/>
-          <a:ln>
-            <a:noFill/>
-          </a:ln>
+          <a:extLst>
+            <a:ext uri="{909E8E84-426E-40DD-AFC4-6F175D3DCCD1}">
+              <a14:hiddenFill xmlns:a14="http://schemas.microsoft.com/office/drawing/2010/main">
+                <a:solidFill>
+                  <a:srgbClr val="FFFFFF"/>
+                </a:solidFill>
+              </a14:hiddenFill>
+            </a:ext>
+          </a:extLst>
         </p:spPr>
       </p:pic>
     </p:spTree>
